--- a/Sprite/assets.pptx
+++ b/Sprite/assets.pptx
@@ -138,14 +138,6 @@
 </p:presentation>
 </file>
 
-<file path=ppt/revisionInfo.xml><?xml version="1.0" encoding="utf-8"?>
-<p1510:revInfo xmlns:a="http://schemas.openxmlformats.org/drawingml/2006/main" xmlns:r="http://schemas.openxmlformats.org/officeDocument/2006/relationships" xmlns:p1510="http://schemas.microsoft.com/office/powerpoint/2015/10/main">
-  <p1510:revLst>
-    <p1510:client id="{499C101F-CE32-487A-B65D-972D4A50F67D}" v="696" dt="2023-01-09T16:11:43.069"/>
-  </p1510:revLst>
-</p1510:revInfo>
-</file>
-
 <file path=ppt/changesInfos/changesInfo1.xml><?xml version="1.0" encoding="utf-8"?>
 <pc:chgInfo xmlns:a="http://schemas.openxmlformats.org/drawingml/2006/main" xmlns:r="http://schemas.openxmlformats.org/officeDocument/2006/relationships" xmlns:ac="http://schemas.microsoft.com/office/drawing/2013/main/command" xmlns:pc="http://schemas.microsoft.com/office/powerpoint/2013/main/command">
   <pc:docChgLst>
@@ -1826,6 +1818,30 @@
             <pc:docMk/>
             <pc:sldMk cId="2725715653" sldId="271"/>
             <ac:picMk id="11266" creationId="{F8905C51-A74B-54A7-8736-40E885067CD7}"/>
+          </ac:picMkLst>
+        </pc:picChg>
+      </pc:sldChg>
+    </pc:docChg>
+  </pc:docChgLst>
+  <pc:docChgLst>
+    <pc:chgData name="Marine BAYET" userId="d4b4ad781415c63a" providerId="LiveId" clId="{4ADF25BD-3409-486F-9EA1-5117B4103F87}"/>
+    <pc:docChg chg="custSel modSld">
+      <pc:chgData name="Marine BAYET" userId="d4b4ad781415c63a" providerId="LiveId" clId="{4ADF25BD-3409-486F-9EA1-5117B4103F87}" dt="2023-01-10T19:57:13.988" v="0" actId="478"/>
+      <pc:docMkLst>
+        <pc:docMk/>
+      </pc:docMkLst>
+      <pc:sldChg chg="delSp mod">
+        <pc:chgData name="Marine BAYET" userId="d4b4ad781415c63a" providerId="LiveId" clId="{4ADF25BD-3409-486F-9EA1-5117B4103F87}" dt="2023-01-10T19:57:13.988" v="0" actId="478"/>
+        <pc:sldMkLst>
+          <pc:docMk/>
+          <pc:sldMk cId="81484706" sldId="256"/>
+        </pc:sldMkLst>
+        <pc:picChg chg="del">
+          <ac:chgData name="Marine BAYET" userId="d4b4ad781415c63a" providerId="LiveId" clId="{4ADF25BD-3409-486F-9EA1-5117B4103F87}" dt="2023-01-10T19:57:13.988" v="0" actId="478"/>
+          <ac:picMkLst>
+            <pc:docMk/>
+            <pc:sldMk cId="81484706" sldId="256"/>
+            <ac:picMk id="7" creationId="{6E67A786-4F8B-943B-A83B-FBE71A933073}"/>
           </ac:picMkLst>
         </pc:picChg>
       </pc:sldChg>
@@ -1981,7 +1997,7 @@
           <a:p>
             <a:fld id="{B4E773C2-758D-45C6-BB5A-93E8C8649442}" type="datetimeFigureOut">
               <a:rPr lang="fr-FR" smtClean="0"/>
-              <a:t>09/01/2023</a:t>
+              <a:t>10/01/2023</a:t>
             </a:fld>
             <a:endParaRPr lang="fr-FR"/>
           </a:p>
@@ -2179,7 +2195,7 @@
           <a:p>
             <a:fld id="{B4E773C2-758D-45C6-BB5A-93E8C8649442}" type="datetimeFigureOut">
               <a:rPr lang="fr-FR" smtClean="0"/>
-              <a:t>09/01/2023</a:t>
+              <a:t>10/01/2023</a:t>
             </a:fld>
             <a:endParaRPr lang="fr-FR"/>
           </a:p>
@@ -2387,7 +2403,7 @@
           <a:p>
             <a:fld id="{B4E773C2-758D-45C6-BB5A-93E8C8649442}" type="datetimeFigureOut">
               <a:rPr lang="fr-FR" smtClean="0"/>
-              <a:t>09/01/2023</a:t>
+              <a:t>10/01/2023</a:t>
             </a:fld>
             <a:endParaRPr lang="fr-FR"/>
           </a:p>
@@ -2585,7 +2601,7 @@
           <a:p>
             <a:fld id="{B4E773C2-758D-45C6-BB5A-93E8C8649442}" type="datetimeFigureOut">
               <a:rPr lang="fr-FR" smtClean="0"/>
-              <a:t>09/01/2023</a:t>
+              <a:t>10/01/2023</a:t>
             </a:fld>
             <a:endParaRPr lang="fr-FR"/>
           </a:p>
@@ -2860,7 +2876,7 @@
           <a:p>
             <a:fld id="{B4E773C2-758D-45C6-BB5A-93E8C8649442}" type="datetimeFigureOut">
               <a:rPr lang="fr-FR" smtClean="0"/>
-              <a:t>09/01/2023</a:t>
+              <a:t>10/01/2023</a:t>
             </a:fld>
             <a:endParaRPr lang="fr-FR"/>
           </a:p>
@@ -3125,7 +3141,7 @@
           <a:p>
             <a:fld id="{B4E773C2-758D-45C6-BB5A-93E8C8649442}" type="datetimeFigureOut">
               <a:rPr lang="fr-FR" smtClean="0"/>
-              <a:t>09/01/2023</a:t>
+              <a:t>10/01/2023</a:t>
             </a:fld>
             <a:endParaRPr lang="fr-FR"/>
           </a:p>
@@ -3537,7 +3553,7 @@
           <a:p>
             <a:fld id="{B4E773C2-758D-45C6-BB5A-93E8C8649442}" type="datetimeFigureOut">
               <a:rPr lang="fr-FR" smtClean="0"/>
-              <a:t>09/01/2023</a:t>
+              <a:t>10/01/2023</a:t>
             </a:fld>
             <a:endParaRPr lang="fr-FR"/>
           </a:p>
@@ -3678,7 +3694,7 @@
           <a:p>
             <a:fld id="{B4E773C2-758D-45C6-BB5A-93E8C8649442}" type="datetimeFigureOut">
               <a:rPr lang="fr-FR" smtClean="0"/>
-              <a:t>09/01/2023</a:t>
+              <a:t>10/01/2023</a:t>
             </a:fld>
             <a:endParaRPr lang="fr-FR"/>
           </a:p>
@@ -3791,7 +3807,7 @@
           <a:p>
             <a:fld id="{B4E773C2-758D-45C6-BB5A-93E8C8649442}" type="datetimeFigureOut">
               <a:rPr lang="fr-FR" smtClean="0"/>
-              <a:t>09/01/2023</a:t>
+              <a:t>10/01/2023</a:t>
             </a:fld>
             <a:endParaRPr lang="fr-FR"/>
           </a:p>
@@ -4102,7 +4118,7 @@
           <a:p>
             <a:fld id="{B4E773C2-758D-45C6-BB5A-93E8C8649442}" type="datetimeFigureOut">
               <a:rPr lang="fr-FR" smtClean="0"/>
-              <a:t>09/01/2023</a:t>
+              <a:t>10/01/2023</a:t>
             </a:fld>
             <a:endParaRPr lang="fr-FR"/>
           </a:p>
@@ -4390,7 +4406,7 @@
           <a:p>
             <a:fld id="{B4E773C2-758D-45C6-BB5A-93E8C8649442}" type="datetimeFigureOut">
               <a:rPr lang="fr-FR" smtClean="0"/>
-              <a:t>09/01/2023</a:t>
+              <a:t>10/01/2023</a:t>
             </a:fld>
             <a:endParaRPr lang="fr-FR"/>
           </a:p>
@@ -4631,7 +4647,7 @@
           <a:p>
             <a:fld id="{B4E773C2-758D-45C6-BB5A-93E8C8649442}" type="datetimeFigureOut">
               <a:rPr lang="fr-FR" smtClean="0"/>
-              <a:t>09/01/2023</a:t>
+              <a:t>10/01/2023</a:t>
             </a:fld>
             <a:endParaRPr lang="fr-FR"/>
           </a:p>
@@ -5048,42 +5064,6 @@
           <a:chExt cx="0" cy="0"/>
         </a:xfrm>
       </p:grpSpPr>
-      <p:pic>
-        <p:nvPicPr>
-          <p:cNvPr id="7" name="Image 6" descr="Une image contenant outil&#10;&#10;Description générée automatiquement">
-            <a:extLst>
-              <a:ext uri="{FF2B5EF4-FFF2-40B4-BE49-F238E27FC236}">
-                <a16:creationId xmlns:a16="http://schemas.microsoft.com/office/drawing/2014/main" id="{6E67A786-4F8B-943B-A83B-FBE71A933073}"/>
-              </a:ext>
-            </a:extLst>
-          </p:cNvPr>
-          <p:cNvPicPr>
-            <a:picLocks noChangeAspect="1"/>
-          </p:cNvPicPr>
-          <p:nvPr/>
-        </p:nvPicPr>
-        <p:blipFill>
-          <a:blip r:embed="rId2">
-            <a:extLst>
-              <a:ext uri="{28A0092B-C50C-407E-A947-70E740481C1C}">
-                <a14:useLocalDpi xmlns:a14="http://schemas.microsoft.com/office/drawing/2010/main" val="0"/>
-              </a:ext>
-            </a:extLst>
-          </a:blip>
-          <a:stretch>
-            <a:fillRect/>
-          </a:stretch>
-        </p:blipFill>
-        <p:spPr>
-          <a:xfrm rot="17365971">
-            <a:off x="4381500" y="1714500"/>
-            <a:ext cx="3429000" cy="3429000"/>
-          </a:xfrm>
-          <a:prstGeom prst="rect">
-            <a:avLst/>
-          </a:prstGeom>
-        </p:spPr>
-      </p:pic>
     </p:spTree>
     <p:extLst>
       <p:ext uri="{BB962C8B-B14F-4D97-AF65-F5344CB8AC3E}">

--- a/Sprite/assets.pptx
+++ b/Sprite/assets.pptx
@@ -24,6 +24,7 @@
     <p:sldId id="268" r:id="rId18"/>
     <p:sldId id="269" r:id="rId19"/>
     <p:sldId id="270" r:id="rId20"/>
+    <p:sldId id="275" r:id="rId21"/>
   </p:sldIdLst>
   <p:sldSz cx="12192000" cy="6858000"/>
   <p:notesSz cx="6858000" cy="9144000"/>
@@ -144,7 +145,7 @@
 <file path=ppt/revisionInfo.xml><?xml version="1.0" encoding="utf-8"?>
 <p1510:revInfo xmlns:a="http://schemas.openxmlformats.org/drawingml/2006/main" xmlns:r="http://schemas.openxmlformats.org/officeDocument/2006/relationships" xmlns:p1510="http://schemas.microsoft.com/office/powerpoint/2015/10/main">
   <p1510:revLst>
-    <p1510:client id="{4ADF25BD-3409-486F-9EA1-5117B4103F87}" v="500" dt="2023-01-11T16:15:27.498"/>
+    <p1510:client id="{0399D419-9F62-4D32-B4D6-785E03637ADB}" v="96" dt="2023-01-14T14:52:29.768"/>
   </p1510:revLst>
 </p1510:revInfo>
 </file>
@@ -2717,6 +2718,748 @@
             <pc:docMk/>
             <pc:sldMk cId="1789976791" sldId="274"/>
             <ac:picMk id="12" creationId="{5A0C48E1-5D73-F3D7-0FB4-D749D6806669}"/>
+          </ac:picMkLst>
+        </pc:picChg>
+      </pc:sldChg>
+    </pc:docChg>
+  </pc:docChgLst>
+  <pc:docChgLst>
+    <pc:chgData name="Marine BAYET" userId="d4b4ad781415c63a" providerId="LiveId" clId="{0399D419-9F62-4D32-B4D6-785E03637ADB}"/>
+    <pc:docChg chg="undo custSel addSld delSld modSld">
+      <pc:chgData name="Marine BAYET" userId="d4b4ad781415c63a" providerId="LiveId" clId="{0399D419-9F62-4D32-B4D6-785E03637ADB}" dt="2023-01-14T14:52:39.744" v="288" actId="196"/>
+      <pc:docMkLst>
+        <pc:docMk/>
+      </pc:docMkLst>
+      <pc:sldChg chg="addSp delSp modSp mod">
+        <pc:chgData name="Marine BAYET" userId="d4b4ad781415c63a" providerId="LiveId" clId="{0399D419-9F62-4D32-B4D6-785E03637ADB}" dt="2023-01-14T14:25:00.945" v="166" actId="164"/>
+        <pc:sldMkLst>
+          <pc:docMk/>
+          <pc:sldMk cId="4180376292" sldId="270"/>
+        </pc:sldMkLst>
+        <pc:spChg chg="add mod">
+          <ac:chgData name="Marine BAYET" userId="d4b4ad781415c63a" providerId="LiveId" clId="{0399D419-9F62-4D32-B4D6-785E03637ADB}" dt="2023-01-14T14:22:31.927" v="153" actId="164"/>
+          <ac:spMkLst>
+            <pc:docMk/>
+            <pc:sldMk cId="4180376292" sldId="270"/>
+            <ac:spMk id="2" creationId="{B701401A-39E0-AA96-C055-6A55DCDA14A4}"/>
+          </ac:spMkLst>
+        </pc:spChg>
+        <pc:spChg chg="add mod ord">
+          <ac:chgData name="Marine BAYET" userId="d4b4ad781415c63a" providerId="LiveId" clId="{0399D419-9F62-4D32-B4D6-785E03637ADB}" dt="2023-01-14T14:22:55.177" v="155" actId="164"/>
+          <ac:spMkLst>
+            <pc:docMk/>
+            <pc:sldMk cId="4180376292" sldId="270"/>
+            <ac:spMk id="38" creationId="{6F927A24-A113-E9B7-59EA-682CCDC1A3CD}"/>
+          </ac:spMkLst>
+        </pc:spChg>
+        <pc:spChg chg="add mod ord">
+          <ac:chgData name="Marine BAYET" userId="d4b4ad781415c63a" providerId="LiveId" clId="{0399D419-9F62-4D32-B4D6-785E03637ADB}" dt="2023-01-14T14:23:53.371" v="158" actId="164"/>
+          <ac:spMkLst>
+            <pc:docMk/>
+            <pc:sldMk cId="4180376292" sldId="270"/>
+            <ac:spMk id="41" creationId="{FFE4059A-4686-5960-F913-0C0C36B0CF59}"/>
+          </ac:spMkLst>
+        </pc:spChg>
+        <pc:spChg chg="add mod ord">
+          <ac:chgData name="Marine BAYET" userId="d4b4ad781415c63a" providerId="LiveId" clId="{0399D419-9F62-4D32-B4D6-785E03637ADB}" dt="2023-01-14T14:24:15.516" v="160" actId="164"/>
+          <ac:spMkLst>
+            <pc:docMk/>
+            <pc:sldMk cId="4180376292" sldId="270"/>
+            <ac:spMk id="43" creationId="{B7567EE3-B6D0-075B-36EC-C9640B2362AD}"/>
+          </ac:spMkLst>
+        </pc:spChg>
+        <pc:spChg chg="add mod ord">
+          <ac:chgData name="Marine BAYET" userId="d4b4ad781415c63a" providerId="LiveId" clId="{0399D419-9F62-4D32-B4D6-785E03637ADB}" dt="2023-01-14T14:24:24.933" v="162" actId="164"/>
+          <ac:spMkLst>
+            <pc:docMk/>
+            <pc:sldMk cId="4180376292" sldId="270"/>
+            <ac:spMk id="45" creationId="{71A878E6-3488-8B75-0D0A-7071691997EB}"/>
+          </ac:spMkLst>
+        </pc:spChg>
+        <pc:spChg chg="add mod ord">
+          <ac:chgData name="Marine BAYET" userId="d4b4ad781415c63a" providerId="LiveId" clId="{0399D419-9F62-4D32-B4D6-785E03637ADB}" dt="2023-01-14T14:24:40.581" v="164" actId="164"/>
+          <ac:spMkLst>
+            <pc:docMk/>
+            <pc:sldMk cId="4180376292" sldId="270"/>
+            <ac:spMk id="47" creationId="{D70A2D3C-5BCB-3F4B-30D5-338701A70232}"/>
+          </ac:spMkLst>
+        </pc:spChg>
+        <pc:spChg chg="add mod">
+          <ac:chgData name="Marine BAYET" userId="d4b4ad781415c63a" providerId="LiveId" clId="{0399D419-9F62-4D32-B4D6-785E03637ADB}" dt="2023-01-14T14:24:49.850" v="165" actId="164"/>
+          <ac:spMkLst>
+            <pc:docMk/>
+            <pc:sldMk cId="4180376292" sldId="270"/>
+            <ac:spMk id="49" creationId="{321CE86D-E1B9-2C93-BC4B-EE3667654F29}"/>
+          </ac:spMkLst>
+        </pc:spChg>
+        <pc:spChg chg="add mod">
+          <ac:chgData name="Marine BAYET" userId="d4b4ad781415c63a" providerId="LiveId" clId="{0399D419-9F62-4D32-B4D6-785E03637ADB}" dt="2023-01-14T14:25:00.945" v="166" actId="164"/>
+          <ac:spMkLst>
+            <pc:docMk/>
+            <pc:sldMk cId="4180376292" sldId="270"/>
+            <ac:spMk id="51" creationId="{C428E198-C6CF-16C7-DBEC-B9C8AB17BA8E}"/>
+          </ac:spMkLst>
+        </pc:spChg>
+        <pc:grpChg chg="add del mod">
+          <ac:chgData name="Marine BAYET" userId="d4b4ad781415c63a" providerId="LiveId" clId="{0399D419-9F62-4D32-B4D6-785E03637ADB}" dt="2023-01-14T14:16:00.577" v="30" actId="165"/>
+          <ac:grpSpMkLst>
+            <pc:docMk/>
+            <pc:sldMk cId="4180376292" sldId="270"/>
+            <ac:grpSpMk id="29" creationId="{581020EF-BBA6-BD97-10D2-D533AC7A610F}"/>
+          </ac:grpSpMkLst>
+        </pc:grpChg>
+        <pc:grpChg chg="del">
+          <ac:chgData name="Marine BAYET" userId="d4b4ad781415c63a" providerId="LiveId" clId="{0399D419-9F62-4D32-B4D6-785E03637ADB}" dt="2023-01-14T14:16:07.447" v="31" actId="165"/>
+          <ac:grpSpMkLst>
+            <pc:docMk/>
+            <pc:sldMk cId="4180376292" sldId="270"/>
+            <ac:grpSpMk id="30" creationId="{8BBE405A-A6C9-563D-2CAD-A393342BAC32}"/>
+          </ac:grpSpMkLst>
+        </pc:grpChg>
+        <pc:grpChg chg="del">
+          <ac:chgData name="Marine BAYET" userId="d4b4ad781415c63a" providerId="LiveId" clId="{0399D419-9F62-4D32-B4D6-785E03637ADB}" dt="2023-01-14T14:16:07.447" v="31" actId="165"/>
+          <ac:grpSpMkLst>
+            <pc:docMk/>
+            <pc:sldMk cId="4180376292" sldId="270"/>
+            <ac:grpSpMk id="31" creationId="{4E5A7E7E-0215-E478-0D96-8DF34C3FA399}"/>
+          </ac:grpSpMkLst>
+        </pc:grpChg>
+        <pc:grpChg chg="del">
+          <ac:chgData name="Marine BAYET" userId="d4b4ad781415c63a" providerId="LiveId" clId="{0399D419-9F62-4D32-B4D6-785E03637ADB}" dt="2023-01-14T14:16:07.447" v="31" actId="165"/>
+          <ac:grpSpMkLst>
+            <pc:docMk/>
+            <pc:sldMk cId="4180376292" sldId="270"/>
+            <ac:grpSpMk id="33" creationId="{694CD2DD-6FC1-368D-9584-ACF81D6959E6}"/>
+          </ac:grpSpMkLst>
+        </pc:grpChg>
+        <pc:grpChg chg="del">
+          <ac:chgData name="Marine BAYET" userId="d4b4ad781415c63a" providerId="LiveId" clId="{0399D419-9F62-4D32-B4D6-785E03637ADB}" dt="2023-01-14T14:16:07.447" v="31" actId="165"/>
+          <ac:grpSpMkLst>
+            <pc:docMk/>
+            <pc:sldMk cId="4180376292" sldId="270"/>
+            <ac:grpSpMk id="34" creationId="{84C3A43D-2C06-EF1D-C6B9-F068D39B4091}"/>
+          </ac:grpSpMkLst>
+        </pc:grpChg>
+        <pc:grpChg chg="del">
+          <ac:chgData name="Marine BAYET" userId="d4b4ad781415c63a" providerId="LiveId" clId="{0399D419-9F62-4D32-B4D6-785E03637ADB}" dt="2023-01-14T14:16:07.447" v="31" actId="165"/>
+          <ac:grpSpMkLst>
+            <pc:docMk/>
+            <pc:sldMk cId="4180376292" sldId="270"/>
+            <ac:grpSpMk id="35" creationId="{ADD7F4EA-3DEA-4BE0-B113-ED678E62DFB6}"/>
+          </ac:grpSpMkLst>
+        </pc:grpChg>
+        <pc:grpChg chg="add mod">
+          <ac:chgData name="Marine BAYET" userId="d4b4ad781415c63a" providerId="LiveId" clId="{0399D419-9F62-4D32-B4D6-785E03637ADB}" dt="2023-01-14T14:22:31.927" v="153" actId="164"/>
+          <ac:grpSpMkLst>
+            <pc:docMk/>
+            <pc:sldMk cId="4180376292" sldId="270"/>
+            <ac:grpSpMk id="53" creationId="{102ABEE5-4B0B-EB4C-4EEA-C5BC629CC960}"/>
+          </ac:grpSpMkLst>
+        </pc:grpChg>
+        <pc:grpChg chg="add mod">
+          <ac:chgData name="Marine BAYET" userId="d4b4ad781415c63a" providerId="LiveId" clId="{0399D419-9F62-4D32-B4D6-785E03637ADB}" dt="2023-01-14T14:22:55.177" v="155" actId="164"/>
+          <ac:grpSpMkLst>
+            <pc:docMk/>
+            <pc:sldMk cId="4180376292" sldId="270"/>
+            <ac:grpSpMk id="54" creationId="{8FFAB02E-D7B9-0AAE-C418-1EC7D91614A7}"/>
+          </ac:grpSpMkLst>
+        </pc:grpChg>
+        <pc:grpChg chg="add mod">
+          <ac:chgData name="Marine BAYET" userId="d4b4ad781415c63a" providerId="LiveId" clId="{0399D419-9F62-4D32-B4D6-785E03637ADB}" dt="2023-01-14T14:23:53.371" v="158" actId="164"/>
+          <ac:grpSpMkLst>
+            <pc:docMk/>
+            <pc:sldMk cId="4180376292" sldId="270"/>
+            <ac:grpSpMk id="55" creationId="{15B3F44C-87E0-BD02-83A1-179BC92C2D06}"/>
+          </ac:grpSpMkLst>
+        </pc:grpChg>
+        <pc:grpChg chg="add mod">
+          <ac:chgData name="Marine BAYET" userId="d4b4ad781415c63a" providerId="LiveId" clId="{0399D419-9F62-4D32-B4D6-785E03637ADB}" dt="2023-01-14T14:24:15.516" v="160" actId="164"/>
+          <ac:grpSpMkLst>
+            <pc:docMk/>
+            <pc:sldMk cId="4180376292" sldId="270"/>
+            <ac:grpSpMk id="56" creationId="{093D39C7-48B8-7A2D-AC22-BB73AC0B21F5}"/>
+          </ac:grpSpMkLst>
+        </pc:grpChg>
+        <pc:grpChg chg="add mod">
+          <ac:chgData name="Marine BAYET" userId="d4b4ad781415c63a" providerId="LiveId" clId="{0399D419-9F62-4D32-B4D6-785E03637ADB}" dt="2023-01-14T14:24:24.933" v="162" actId="164"/>
+          <ac:grpSpMkLst>
+            <pc:docMk/>
+            <pc:sldMk cId="4180376292" sldId="270"/>
+            <ac:grpSpMk id="57" creationId="{E6C3B5CB-5202-5326-52E0-3ACCD151D713}"/>
+          </ac:grpSpMkLst>
+        </pc:grpChg>
+        <pc:grpChg chg="add mod">
+          <ac:chgData name="Marine BAYET" userId="d4b4ad781415c63a" providerId="LiveId" clId="{0399D419-9F62-4D32-B4D6-785E03637ADB}" dt="2023-01-14T14:24:40.581" v="164" actId="164"/>
+          <ac:grpSpMkLst>
+            <pc:docMk/>
+            <pc:sldMk cId="4180376292" sldId="270"/>
+            <ac:grpSpMk id="58" creationId="{511DC13A-D86D-C3A5-3EBE-3571AF2BC9CB}"/>
+          </ac:grpSpMkLst>
+        </pc:grpChg>
+        <pc:grpChg chg="add mod">
+          <ac:chgData name="Marine BAYET" userId="d4b4ad781415c63a" providerId="LiveId" clId="{0399D419-9F62-4D32-B4D6-785E03637ADB}" dt="2023-01-14T14:24:49.850" v="165" actId="164"/>
+          <ac:grpSpMkLst>
+            <pc:docMk/>
+            <pc:sldMk cId="4180376292" sldId="270"/>
+            <ac:grpSpMk id="59" creationId="{38F2E2EB-A669-4782-B05C-337A968D6A33}"/>
+          </ac:grpSpMkLst>
+        </pc:grpChg>
+        <pc:grpChg chg="add mod">
+          <ac:chgData name="Marine BAYET" userId="d4b4ad781415c63a" providerId="LiveId" clId="{0399D419-9F62-4D32-B4D6-785E03637ADB}" dt="2023-01-14T14:25:00.945" v="166" actId="164"/>
+          <ac:grpSpMkLst>
+            <pc:docMk/>
+            <pc:sldMk cId="4180376292" sldId="270"/>
+            <ac:grpSpMk id="60" creationId="{A8F4ABCE-0B69-5976-6F1A-EE189AD9E69F}"/>
+          </ac:grpSpMkLst>
+        </pc:grpChg>
+        <pc:picChg chg="add del mod topLvl">
+          <ac:chgData name="Marine BAYET" userId="d4b4ad781415c63a" providerId="LiveId" clId="{0399D419-9F62-4D32-B4D6-785E03637ADB}" dt="2023-01-14T14:22:31.927" v="153" actId="164"/>
+          <ac:picMkLst>
+            <pc:docMk/>
+            <pc:sldMk cId="4180376292" sldId="270"/>
+            <ac:picMk id="14" creationId="{B21D91EA-9601-5593-3EA1-1DD4863970C5}"/>
+          </ac:picMkLst>
+        </pc:picChg>
+        <pc:picChg chg="add del mod topLvl">
+          <ac:chgData name="Marine BAYET" userId="d4b4ad781415c63a" providerId="LiveId" clId="{0399D419-9F62-4D32-B4D6-785E03637ADB}" dt="2023-01-14T14:22:55.177" v="155" actId="164"/>
+          <ac:picMkLst>
+            <pc:docMk/>
+            <pc:sldMk cId="4180376292" sldId="270"/>
+            <ac:picMk id="15" creationId="{31F6879F-4A00-0082-32E2-25453464D6A6}"/>
+          </ac:picMkLst>
+        </pc:picChg>
+        <pc:picChg chg="mod topLvl">
+          <ac:chgData name="Marine BAYET" userId="d4b4ad781415c63a" providerId="LiveId" clId="{0399D419-9F62-4D32-B4D6-785E03637ADB}" dt="2023-01-14T14:23:53.371" v="158" actId="164"/>
+          <ac:picMkLst>
+            <pc:docMk/>
+            <pc:sldMk cId="4180376292" sldId="270"/>
+            <ac:picMk id="16" creationId="{AA509538-315A-F877-A4C0-B85B878D61E3}"/>
+          </ac:picMkLst>
+        </pc:picChg>
+        <pc:picChg chg="mod">
+          <ac:chgData name="Marine BAYET" userId="d4b4ad781415c63a" providerId="LiveId" clId="{0399D419-9F62-4D32-B4D6-785E03637ADB}" dt="2023-01-14T14:24:15.516" v="160" actId="164"/>
+          <ac:picMkLst>
+            <pc:docMk/>
+            <pc:sldMk cId="4180376292" sldId="270"/>
+            <ac:picMk id="17" creationId="{DC648DDC-A70F-FF61-2A6E-2745C7CC9C0D}"/>
+          </ac:picMkLst>
+        </pc:picChg>
+        <pc:picChg chg="mod topLvl">
+          <ac:chgData name="Marine BAYET" userId="d4b4ad781415c63a" providerId="LiveId" clId="{0399D419-9F62-4D32-B4D6-785E03637ADB}" dt="2023-01-14T14:24:24.933" v="162" actId="164"/>
+          <ac:picMkLst>
+            <pc:docMk/>
+            <pc:sldMk cId="4180376292" sldId="270"/>
+            <ac:picMk id="18" creationId="{FFD0E026-2C63-A2C7-D5CD-A0EF7F3897CD}"/>
+          </ac:picMkLst>
+        </pc:picChg>
+        <pc:picChg chg="mod topLvl">
+          <ac:chgData name="Marine BAYET" userId="d4b4ad781415c63a" providerId="LiveId" clId="{0399D419-9F62-4D32-B4D6-785E03637ADB}" dt="2023-01-14T14:24:40.581" v="164" actId="164"/>
+          <ac:picMkLst>
+            <pc:docMk/>
+            <pc:sldMk cId="4180376292" sldId="270"/>
+            <ac:picMk id="19" creationId="{58CC56AD-B1C6-532B-59E3-7CF84A3991A1}"/>
+          </ac:picMkLst>
+        </pc:picChg>
+        <pc:picChg chg="mod topLvl">
+          <ac:chgData name="Marine BAYET" userId="d4b4ad781415c63a" providerId="LiveId" clId="{0399D419-9F62-4D32-B4D6-785E03637ADB}" dt="2023-01-14T14:24:49.850" v="165" actId="164"/>
+          <ac:picMkLst>
+            <pc:docMk/>
+            <pc:sldMk cId="4180376292" sldId="270"/>
+            <ac:picMk id="20" creationId="{1E273A9D-0234-FC59-0635-3CB19CF4DB4D}"/>
+          </ac:picMkLst>
+        </pc:picChg>
+        <pc:picChg chg="mod">
+          <ac:chgData name="Marine BAYET" userId="d4b4ad781415c63a" providerId="LiveId" clId="{0399D419-9F62-4D32-B4D6-785E03637ADB}" dt="2023-01-14T14:25:00.945" v="166" actId="164"/>
+          <ac:picMkLst>
+            <pc:docMk/>
+            <pc:sldMk cId="4180376292" sldId="270"/>
+            <ac:picMk id="21" creationId="{5DA0DC77-42E9-AB31-77B0-F66DA56A154A}"/>
+          </ac:picMkLst>
+        </pc:picChg>
+        <pc:picChg chg="del mod topLvl">
+          <ac:chgData name="Marine BAYET" userId="d4b4ad781415c63a" providerId="LiveId" clId="{0399D419-9F62-4D32-B4D6-785E03637ADB}" dt="2023-01-14T14:17:53.950" v="67" actId="478"/>
+          <ac:picMkLst>
+            <pc:docMk/>
+            <pc:sldMk cId="4180376292" sldId="270"/>
+            <ac:picMk id="22" creationId="{86CC6CDA-F2A7-4852-C0B5-EB36F308F677}"/>
+          </ac:picMkLst>
+        </pc:picChg>
+        <pc:picChg chg="del mod topLvl">
+          <ac:chgData name="Marine BAYET" userId="d4b4ad781415c63a" providerId="LiveId" clId="{0399D419-9F62-4D32-B4D6-785E03637ADB}" dt="2023-01-14T14:17:53.950" v="67" actId="478"/>
+          <ac:picMkLst>
+            <pc:docMk/>
+            <pc:sldMk cId="4180376292" sldId="270"/>
+            <ac:picMk id="23" creationId="{05DD5754-396A-8C07-B8E6-F334394062A4}"/>
+          </ac:picMkLst>
+        </pc:picChg>
+        <pc:picChg chg="del mod topLvl">
+          <ac:chgData name="Marine BAYET" userId="d4b4ad781415c63a" providerId="LiveId" clId="{0399D419-9F62-4D32-B4D6-785E03637ADB}" dt="2023-01-14T14:17:53.950" v="67" actId="478"/>
+          <ac:picMkLst>
+            <pc:docMk/>
+            <pc:sldMk cId="4180376292" sldId="270"/>
+            <ac:picMk id="24" creationId="{88C47114-175F-8371-BC6A-808824F2EB50}"/>
+          </ac:picMkLst>
+        </pc:picChg>
+        <pc:picChg chg="del">
+          <ac:chgData name="Marine BAYET" userId="d4b4ad781415c63a" providerId="LiveId" clId="{0399D419-9F62-4D32-B4D6-785E03637ADB}" dt="2023-01-14T14:17:53.950" v="67" actId="478"/>
+          <ac:picMkLst>
+            <pc:docMk/>
+            <pc:sldMk cId="4180376292" sldId="270"/>
+            <ac:picMk id="25" creationId="{0A5AAF80-5363-89B2-DB17-00C879E1B781}"/>
+          </ac:picMkLst>
+        </pc:picChg>
+        <pc:picChg chg="del mod topLvl">
+          <ac:chgData name="Marine BAYET" userId="d4b4ad781415c63a" providerId="LiveId" clId="{0399D419-9F62-4D32-B4D6-785E03637ADB}" dt="2023-01-14T14:17:53.950" v="67" actId="478"/>
+          <ac:picMkLst>
+            <pc:docMk/>
+            <pc:sldMk cId="4180376292" sldId="270"/>
+            <ac:picMk id="26" creationId="{63C64A6F-59A2-6065-8344-96A270261A5B}"/>
+          </ac:picMkLst>
+        </pc:picChg>
+        <pc:picChg chg="del mod topLvl">
+          <ac:chgData name="Marine BAYET" userId="d4b4ad781415c63a" providerId="LiveId" clId="{0399D419-9F62-4D32-B4D6-785E03637ADB}" dt="2023-01-14T14:17:53.950" v="67" actId="478"/>
+          <ac:picMkLst>
+            <pc:docMk/>
+            <pc:sldMk cId="4180376292" sldId="270"/>
+            <ac:picMk id="27" creationId="{A63CB1C6-786F-4158-F729-C36822E0CAAF}"/>
+          </ac:picMkLst>
+        </pc:picChg>
+        <pc:picChg chg="del">
+          <ac:chgData name="Marine BAYET" userId="d4b4ad781415c63a" providerId="LiveId" clId="{0399D419-9F62-4D32-B4D6-785E03637ADB}" dt="2023-01-14T14:17:53.950" v="67" actId="478"/>
+          <ac:picMkLst>
+            <pc:docMk/>
+            <pc:sldMk cId="4180376292" sldId="270"/>
+            <ac:picMk id="28" creationId="{44667EE0-2F3A-7B5B-36B4-97FB1BE3FEF6}"/>
+          </ac:picMkLst>
+        </pc:picChg>
+        <pc:picChg chg="add del mod">
+          <ac:chgData name="Marine BAYET" userId="d4b4ad781415c63a" providerId="LiveId" clId="{0399D419-9F62-4D32-B4D6-785E03637ADB}" dt="2023-01-14T14:15:45.331" v="22" actId="478"/>
+          <ac:picMkLst>
+            <pc:docMk/>
+            <pc:sldMk cId="4180376292" sldId="270"/>
+            <ac:picMk id="32" creationId="{8A25FDF6-FF1E-FC2D-A5D6-F18D188064C6}"/>
+          </ac:picMkLst>
+        </pc:picChg>
+        <pc:picChg chg="add mod">
+          <ac:chgData name="Marine BAYET" userId="d4b4ad781415c63a" providerId="LiveId" clId="{0399D419-9F62-4D32-B4D6-785E03637ADB}" dt="2023-01-14T14:22:31.927" v="153" actId="164"/>
+          <ac:picMkLst>
+            <pc:docMk/>
+            <pc:sldMk cId="4180376292" sldId="270"/>
+            <ac:picMk id="37" creationId="{47FC092F-11A0-7363-2D3C-90BD87FD2723}"/>
+          </ac:picMkLst>
+        </pc:picChg>
+        <pc:picChg chg="add mod ord">
+          <ac:chgData name="Marine BAYET" userId="d4b4ad781415c63a" providerId="LiveId" clId="{0399D419-9F62-4D32-B4D6-785E03637ADB}" dt="2023-01-14T14:22:55.177" v="155" actId="164"/>
+          <ac:picMkLst>
+            <pc:docMk/>
+            <pc:sldMk cId="4180376292" sldId="270"/>
+            <ac:picMk id="39" creationId="{B0B88CDA-BBEE-B69E-856B-1D13FAD442D9}"/>
+          </ac:picMkLst>
+        </pc:picChg>
+        <pc:picChg chg="add del mod">
+          <ac:chgData name="Marine BAYET" userId="d4b4ad781415c63a" providerId="LiveId" clId="{0399D419-9F62-4D32-B4D6-785E03637ADB}" dt="2023-01-14T14:19:11.543" v="119" actId="478"/>
+          <ac:picMkLst>
+            <pc:docMk/>
+            <pc:sldMk cId="4180376292" sldId="270"/>
+            <ac:picMk id="40" creationId="{902E256E-BD12-718C-E023-034B20C061CF}"/>
+          </ac:picMkLst>
+        </pc:picChg>
+        <pc:picChg chg="add mod ord">
+          <ac:chgData name="Marine BAYET" userId="d4b4ad781415c63a" providerId="LiveId" clId="{0399D419-9F62-4D32-B4D6-785E03637ADB}" dt="2023-01-14T14:23:53.371" v="158" actId="164"/>
+          <ac:picMkLst>
+            <pc:docMk/>
+            <pc:sldMk cId="4180376292" sldId="270"/>
+            <ac:picMk id="42" creationId="{03220851-5E93-3004-0F9C-56F157B48F6D}"/>
+          </ac:picMkLst>
+        </pc:picChg>
+        <pc:picChg chg="add mod ord">
+          <ac:chgData name="Marine BAYET" userId="d4b4ad781415c63a" providerId="LiveId" clId="{0399D419-9F62-4D32-B4D6-785E03637ADB}" dt="2023-01-14T14:24:15.516" v="160" actId="164"/>
+          <ac:picMkLst>
+            <pc:docMk/>
+            <pc:sldMk cId="4180376292" sldId="270"/>
+            <ac:picMk id="44" creationId="{AFCBC6F6-32A8-AD2B-ECC9-EF1CB437F98D}"/>
+          </ac:picMkLst>
+        </pc:picChg>
+        <pc:picChg chg="add mod ord">
+          <ac:chgData name="Marine BAYET" userId="d4b4ad781415c63a" providerId="LiveId" clId="{0399D419-9F62-4D32-B4D6-785E03637ADB}" dt="2023-01-14T14:24:24.933" v="162" actId="164"/>
+          <ac:picMkLst>
+            <pc:docMk/>
+            <pc:sldMk cId="4180376292" sldId="270"/>
+            <ac:picMk id="46" creationId="{7B3EB970-3C96-6870-3746-B4616937B5B7}"/>
+          </ac:picMkLst>
+        </pc:picChg>
+        <pc:picChg chg="add mod ord">
+          <ac:chgData name="Marine BAYET" userId="d4b4ad781415c63a" providerId="LiveId" clId="{0399D419-9F62-4D32-B4D6-785E03637ADB}" dt="2023-01-14T14:24:40.581" v="164" actId="164"/>
+          <ac:picMkLst>
+            <pc:docMk/>
+            <pc:sldMk cId="4180376292" sldId="270"/>
+            <ac:picMk id="48" creationId="{393E7098-8726-5251-07F9-B6107B94E583}"/>
+          </ac:picMkLst>
+        </pc:picChg>
+        <pc:picChg chg="add mod">
+          <ac:chgData name="Marine BAYET" userId="d4b4ad781415c63a" providerId="LiveId" clId="{0399D419-9F62-4D32-B4D6-785E03637ADB}" dt="2023-01-14T14:24:49.850" v="165" actId="164"/>
+          <ac:picMkLst>
+            <pc:docMk/>
+            <pc:sldMk cId="4180376292" sldId="270"/>
+            <ac:picMk id="50" creationId="{0D583D31-6180-C0F6-21AE-C14E483D015B}"/>
+          </ac:picMkLst>
+        </pc:picChg>
+        <pc:picChg chg="add mod">
+          <ac:chgData name="Marine BAYET" userId="d4b4ad781415c63a" providerId="LiveId" clId="{0399D419-9F62-4D32-B4D6-785E03637ADB}" dt="2023-01-14T14:25:00.945" v="166" actId="164"/>
+          <ac:picMkLst>
+            <pc:docMk/>
+            <pc:sldMk cId="4180376292" sldId="270"/>
+            <ac:picMk id="52" creationId="{343021D2-4B1F-AEA8-D61C-91FCA6C2C53A}"/>
+          </ac:picMkLst>
+        </pc:picChg>
+        <pc:picChg chg="del mod topLvl">
+          <ac:chgData name="Marine BAYET" userId="d4b4ad781415c63a" providerId="LiveId" clId="{0399D419-9F62-4D32-B4D6-785E03637ADB}" dt="2023-01-14T14:16:23.692" v="35" actId="478"/>
+          <ac:picMkLst>
+            <pc:docMk/>
+            <pc:sldMk cId="4180376292" sldId="270"/>
+            <ac:picMk id="12292" creationId="{123F15A6-7574-AD77-415F-810AC8EA75F1}"/>
+          </ac:picMkLst>
+        </pc:picChg>
+      </pc:sldChg>
+      <pc:sldChg chg="addSp delSp modSp new mod">
+        <pc:chgData name="Marine BAYET" userId="d4b4ad781415c63a" providerId="LiveId" clId="{0399D419-9F62-4D32-B4D6-785E03637ADB}" dt="2023-01-14T14:52:39.744" v="288" actId="196"/>
+        <pc:sldMkLst>
+          <pc:docMk/>
+          <pc:sldMk cId="1733317260" sldId="275"/>
+        </pc:sldMkLst>
+        <pc:spChg chg="del">
+          <ac:chgData name="Marine BAYET" userId="d4b4ad781415c63a" providerId="LiveId" clId="{0399D419-9F62-4D32-B4D6-785E03637ADB}" dt="2023-01-14T14:38:42.144" v="253" actId="478"/>
+          <ac:spMkLst>
+            <pc:docMk/>
+            <pc:sldMk cId="1733317260" sldId="275"/>
+            <ac:spMk id="2" creationId="{5025CF76-B94A-7BD5-1910-CCC8D17A6B2B}"/>
+          </ac:spMkLst>
+        </pc:spChg>
+        <pc:spChg chg="del">
+          <ac:chgData name="Marine BAYET" userId="d4b4ad781415c63a" providerId="LiveId" clId="{0399D419-9F62-4D32-B4D6-785E03637ADB}" dt="2023-01-14T14:38:49.785" v="254"/>
+          <ac:spMkLst>
+            <pc:docMk/>
+            <pc:sldMk cId="1733317260" sldId="275"/>
+            <ac:spMk id="3" creationId="{9B29F9BE-A58B-9EE8-4F63-D23B42F61BB5}"/>
+          </ac:spMkLst>
+        </pc:spChg>
+        <pc:picChg chg="add mod">
+          <ac:chgData name="Marine BAYET" userId="d4b4ad781415c63a" providerId="LiveId" clId="{0399D419-9F62-4D32-B4D6-785E03637ADB}" dt="2023-01-14T14:40:04.981" v="279" actId="1076"/>
+          <ac:picMkLst>
+            <pc:docMk/>
+            <pc:sldMk cId="1733317260" sldId="275"/>
+            <ac:picMk id="5" creationId="{342513D9-4975-935D-2ED2-273C6DE15B89}"/>
+          </ac:picMkLst>
+        </pc:picChg>
+        <pc:picChg chg="add mod">
+          <ac:chgData name="Marine BAYET" userId="d4b4ad781415c63a" providerId="LiveId" clId="{0399D419-9F62-4D32-B4D6-785E03637ADB}" dt="2023-01-14T14:40:08.562" v="282" actId="1076"/>
+          <ac:picMkLst>
+            <pc:docMk/>
+            <pc:sldMk cId="1733317260" sldId="275"/>
+            <ac:picMk id="7" creationId="{5BDD7DE8-2CD1-4ABD-5055-2D7E197022E4}"/>
+          </ac:picMkLst>
+        </pc:picChg>
+        <pc:picChg chg="add mod">
+          <ac:chgData name="Marine BAYET" userId="d4b4ad781415c63a" providerId="LiveId" clId="{0399D419-9F62-4D32-B4D6-785E03637ADB}" dt="2023-01-14T14:40:07.493" v="281" actId="1076"/>
+          <ac:picMkLst>
+            <pc:docMk/>
+            <pc:sldMk cId="1733317260" sldId="275"/>
+            <ac:picMk id="9" creationId="{39CE6F83-89CE-A72B-2D7B-89DED82D2EAD}"/>
+          </ac:picMkLst>
+        </pc:picChg>
+        <pc:picChg chg="add mod">
+          <ac:chgData name="Marine BAYET" userId="d4b4ad781415c63a" providerId="LiveId" clId="{0399D419-9F62-4D32-B4D6-785E03637ADB}" dt="2023-01-14T14:40:09.475" v="283" actId="1076"/>
+          <ac:picMkLst>
+            <pc:docMk/>
+            <pc:sldMk cId="1733317260" sldId="275"/>
+            <ac:picMk id="11" creationId="{D561E9DD-8FE7-7457-5C32-0B7FBBE47918}"/>
+          </ac:picMkLst>
+        </pc:picChg>
+        <pc:picChg chg="add mod">
+          <ac:chgData name="Marine BAYET" userId="d4b4ad781415c63a" providerId="LiveId" clId="{0399D419-9F62-4D32-B4D6-785E03637ADB}" dt="2023-01-14T14:40:10.219" v="284" actId="1076"/>
+          <ac:picMkLst>
+            <pc:docMk/>
+            <pc:sldMk cId="1733317260" sldId="275"/>
+            <ac:picMk id="13" creationId="{A39654FE-1713-0BDE-2461-2EF098AA9B41}"/>
+          </ac:picMkLst>
+        </pc:picChg>
+        <pc:picChg chg="add mod">
+          <ac:chgData name="Marine BAYET" userId="d4b4ad781415c63a" providerId="LiveId" clId="{0399D419-9F62-4D32-B4D6-785E03637ADB}" dt="2023-01-14T14:40:11.227" v="285" actId="1076"/>
+          <ac:picMkLst>
+            <pc:docMk/>
+            <pc:sldMk cId="1733317260" sldId="275"/>
+            <ac:picMk id="15" creationId="{32626B01-253A-3A1A-79B8-D98B9868A1C1}"/>
+          </ac:picMkLst>
+        </pc:picChg>
+        <pc:picChg chg="add mod">
+          <ac:chgData name="Marine BAYET" userId="d4b4ad781415c63a" providerId="LiveId" clId="{0399D419-9F62-4D32-B4D6-785E03637ADB}" dt="2023-01-14T14:52:39.744" v="288" actId="196"/>
+          <ac:picMkLst>
+            <pc:docMk/>
+            <pc:sldMk cId="1733317260" sldId="275"/>
+            <ac:picMk id="16" creationId="{DF362733-E550-7F92-7808-8070F1126A14}"/>
+          </ac:picMkLst>
+        </pc:picChg>
+        <pc:picChg chg="add mod">
+          <ac:chgData name="Marine BAYET" userId="d4b4ad781415c63a" providerId="LiveId" clId="{0399D419-9F62-4D32-B4D6-785E03637ADB}" dt="2023-01-14T14:52:39.744" v="288" actId="196"/>
+          <ac:picMkLst>
+            <pc:docMk/>
+            <pc:sldMk cId="1733317260" sldId="275"/>
+            <ac:picMk id="17" creationId="{63ABC971-849D-E80F-D5E9-4C7F973A9C50}"/>
+          </ac:picMkLst>
+        </pc:picChg>
+        <pc:picChg chg="add mod">
+          <ac:chgData name="Marine BAYET" userId="d4b4ad781415c63a" providerId="LiveId" clId="{0399D419-9F62-4D32-B4D6-785E03637ADB}" dt="2023-01-14T14:52:39.744" v="288" actId="196"/>
+          <ac:picMkLst>
+            <pc:docMk/>
+            <pc:sldMk cId="1733317260" sldId="275"/>
+            <ac:picMk id="18" creationId="{7F73CE16-A912-188A-6033-F0A913757854}"/>
+          </ac:picMkLst>
+        </pc:picChg>
+        <pc:picChg chg="add mod">
+          <ac:chgData name="Marine BAYET" userId="d4b4ad781415c63a" providerId="LiveId" clId="{0399D419-9F62-4D32-B4D6-785E03637ADB}" dt="2023-01-14T14:52:39.744" v="288" actId="196"/>
+          <ac:picMkLst>
+            <pc:docMk/>
+            <pc:sldMk cId="1733317260" sldId="275"/>
+            <ac:picMk id="19" creationId="{55CF8F9D-69CB-BD7E-C8FA-4C7721A22883}"/>
+          </ac:picMkLst>
+        </pc:picChg>
+        <pc:picChg chg="add mod">
+          <ac:chgData name="Marine BAYET" userId="d4b4ad781415c63a" providerId="LiveId" clId="{0399D419-9F62-4D32-B4D6-785E03637ADB}" dt="2023-01-14T14:52:39.744" v="288" actId="196"/>
+          <ac:picMkLst>
+            <pc:docMk/>
+            <pc:sldMk cId="1733317260" sldId="275"/>
+            <ac:picMk id="20" creationId="{09DF1921-BF8B-EEEC-8899-4D07A45C3504}"/>
+          </ac:picMkLst>
+        </pc:picChg>
+        <pc:picChg chg="add mod">
+          <ac:chgData name="Marine BAYET" userId="d4b4ad781415c63a" providerId="LiveId" clId="{0399D419-9F62-4D32-B4D6-785E03637ADB}" dt="2023-01-14T14:52:39.744" v="288" actId="196"/>
+          <ac:picMkLst>
+            <pc:docMk/>
+            <pc:sldMk cId="1733317260" sldId="275"/>
+            <ac:picMk id="21" creationId="{588C1A51-9F8A-0BE0-1736-8E77C8B12984}"/>
+          </ac:picMkLst>
+        </pc:picChg>
+      </pc:sldChg>
+      <pc:sldChg chg="addSp delSp modSp new del mod">
+        <pc:chgData name="Marine BAYET" userId="d4b4ad781415c63a" providerId="LiveId" clId="{0399D419-9F62-4D32-B4D6-785E03637ADB}" dt="2023-01-14T14:38:37.723" v="251" actId="680"/>
+        <pc:sldMkLst>
+          <pc:docMk/>
+          <pc:sldMk cId="3838309396" sldId="275"/>
+        </pc:sldMkLst>
+        <pc:spChg chg="add del">
+          <ac:chgData name="Marine BAYET" userId="d4b4ad781415c63a" providerId="LiveId" clId="{0399D419-9F62-4D32-B4D6-785E03637ADB}" dt="2023-01-14T14:38:37.212" v="250" actId="478"/>
+          <ac:spMkLst>
+            <pc:docMk/>
+            <pc:sldMk cId="3838309396" sldId="275"/>
+            <ac:spMk id="2" creationId="{A3F93C0F-0FE0-5972-DF4D-2CC3D0E12BD0}"/>
+          </ac:spMkLst>
+        </pc:spChg>
+        <pc:spChg chg="add del">
+          <ac:chgData name="Marine BAYET" userId="d4b4ad781415c63a" providerId="LiveId" clId="{0399D419-9F62-4D32-B4D6-785E03637ADB}" dt="2023-01-14T14:38:37.185" v="249" actId="478"/>
+          <ac:spMkLst>
+            <pc:docMk/>
+            <pc:sldMk cId="3838309396" sldId="275"/>
+            <ac:spMk id="3" creationId="{29BC49E9-6859-FE61-5D1B-C07D1C3CEE18}"/>
+          </ac:spMkLst>
+        </pc:spChg>
+        <pc:picChg chg="add del mod">
+          <ac:chgData name="Marine BAYET" userId="d4b4ad781415c63a" providerId="LiveId" clId="{0399D419-9F62-4D32-B4D6-785E03637ADB}" dt="2023-01-14T14:38:37.052" v="246"/>
+          <ac:picMkLst>
+            <pc:docMk/>
+            <pc:sldMk cId="3838309396" sldId="275"/>
+            <ac:picMk id="5" creationId="{F326D89B-62E8-FF36-DDFA-D91CD1E30A31}"/>
+          </ac:picMkLst>
+        </pc:picChg>
+        <pc:picChg chg="add del mod">
+          <ac:chgData name="Marine BAYET" userId="d4b4ad781415c63a" providerId="LiveId" clId="{0399D419-9F62-4D32-B4D6-785E03637ADB}" dt="2023-01-14T14:38:37.052" v="246"/>
+          <ac:picMkLst>
+            <pc:docMk/>
+            <pc:sldMk cId="3838309396" sldId="275"/>
+            <ac:picMk id="7" creationId="{2203CCE4-9E36-2093-3443-91A30DB8F31D}"/>
+          </ac:picMkLst>
+        </pc:picChg>
+        <pc:picChg chg="add del mod">
+          <ac:chgData name="Marine BAYET" userId="d4b4ad781415c63a" providerId="LiveId" clId="{0399D419-9F62-4D32-B4D6-785E03637ADB}" dt="2023-01-14T14:38:37.052" v="246"/>
+          <ac:picMkLst>
+            <pc:docMk/>
+            <pc:sldMk cId="3838309396" sldId="275"/>
+            <ac:picMk id="9" creationId="{EA1E988D-1B6D-4B1D-43A4-78689819E7D3}"/>
+          </ac:picMkLst>
+        </pc:picChg>
+        <pc:picChg chg="add del mod">
+          <ac:chgData name="Marine BAYET" userId="d4b4ad781415c63a" providerId="LiveId" clId="{0399D419-9F62-4D32-B4D6-785E03637ADB}" dt="2023-01-14T14:38:37.052" v="246"/>
+          <ac:picMkLst>
+            <pc:docMk/>
+            <pc:sldMk cId="3838309396" sldId="275"/>
+            <ac:picMk id="11" creationId="{08DD9ADB-847E-80D5-8E1A-FDEAE321CDAE}"/>
+          </ac:picMkLst>
+        </pc:picChg>
+        <pc:picChg chg="add del mod">
+          <ac:chgData name="Marine BAYET" userId="d4b4ad781415c63a" providerId="LiveId" clId="{0399D419-9F62-4D32-B4D6-785E03637ADB}" dt="2023-01-14T14:38:37.052" v="246"/>
+          <ac:picMkLst>
+            <pc:docMk/>
+            <pc:sldMk cId="3838309396" sldId="275"/>
+            <ac:picMk id="13" creationId="{B4F72142-2EBB-1275-32B0-9B65EFE9A357}"/>
+          </ac:picMkLst>
+        </pc:picChg>
+        <pc:picChg chg="add del mod">
+          <ac:chgData name="Marine BAYET" userId="d4b4ad781415c63a" providerId="LiveId" clId="{0399D419-9F62-4D32-B4D6-785E03637ADB}" dt="2023-01-14T14:38:37.052" v="246"/>
+          <ac:picMkLst>
+            <pc:docMk/>
+            <pc:sldMk cId="3838309396" sldId="275"/>
+            <ac:picMk id="15" creationId="{D492044D-84BD-CF32-7BBA-18B3ECA4857B}"/>
+          </ac:picMkLst>
+        </pc:picChg>
+        <pc:picChg chg="add del mod">
+          <ac:chgData name="Marine BAYET" userId="d4b4ad781415c63a" providerId="LiveId" clId="{0399D419-9F62-4D32-B4D6-785E03637ADB}" dt="2023-01-14T14:38:37.052" v="246"/>
+          <ac:picMkLst>
+            <pc:docMk/>
+            <pc:sldMk cId="3838309396" sldId="275"/>
+            <ac:picMk id="17" creationId="{ACDA176F-F07A-1860-3FAC-B0DC6A612F5C}"/>
+          </ac:picMkLst>
+        </pc:picChg>
+        <pc:picChg chg="add del mod">
+          <ac:chgData name="Marine BAYET" userId="d4b4ad781415c63a" providerId="LiveId" clId="{0399D419-9F62-4D32-B4D6-785E03637ADB}" dt="2023-01-14T14:38:37.052" v="246"/>
+          <ac:picMkLst>
+            <pc:docMk/>
+            <pc:sldMk cId="3838309396" sldId="275"/>
+            <ac:picMk id="19" creationId="{C3EAA96C-2771-F5AE-6F7B-19766A8054CB}"/>
+          </ac:picMkLst>
+        </pc:picChg>
+        <pc:picChg chg="add del mod">
+          <ac:chgData name="Marine BAYET" userId="d4b4ad781415c63a" providerId="LiveId" clId="{0399D419-9F62-4D32-B4D6-785E03637ADB}" dt="2023-01-14T14:38:37.052" v="246"/>
+          <ac:picMkLst>
+            <pc:docMk/>
+            <pc:sldMk cId="3838309396" sldId="275"/>
+            <ac:picMk id="21" creationId="{86693AD4-C2AB-BA82-5474-C3AC40020AC0}"/>
+          </ac:picMkLst>
+        </pc:picChg>
+        <pc:picChg chg="add del mod">
+          <ac:chgData name="Marine BAYET" userId="d4b4ad781415c63a" providerId="LiveId" clId="{0399D419-9F62-4D32-B4D6-785E03637ADB}" dt="2023-01-14T14:38:37.052" v="246"/>
+          <ac:picMkLst>
+            <pc:docMk/>
+            <pc:sldMk cId="3838309396" sldId="275"/>
+            <ac:picMk id="23" creationId="{F53D7D95-72DB-0A97-D0D6-048DCFE1BB69}"/>
+          </ac:picMkLst>
+        </pc:picChg>
+        <pc:picChg chg="add del mod">
+          <ac:chgData name="Marine BAYET" userId="d4b4ad781415c63a" providerId="LiveId" clId="{0399D419-9F62-4D32-B4D6-785E03637ADB}" dt="2023-01-14T14:38:37.052" v="246"/>
+          <ac:picMkLst>
+            <pc:docMk/>
+            <pc:sldMk cId="3838309396" sldId="275"/>
+            <ac:picMk id="25" creationId="{81D9614E-BE8F-5060-28F4-1E728864BA62}"/>
+          </ac:picMkLst>
+        </pc:picChg>
+        <pc:picChg chg="add del mod">
+          <ac:chgData name="Marine BAYET" userId="d4b4ad781415c63a" providerId="LiveId" clId="{0399D419-9F62-4D32-B4D6-785E03637ADB}" dt="2023-01-14T14:38:37.052" v="246"/>
+          <ac:picMkLst>
+            <pc:docMk/>
+            <pc:sldMk cId="3838309396" sldId="275"/>
+            <ac:picMk id="27" creationId="{836639E9-58FF-C2F6-D050-04F8D881430D}"/>
+          </ac:picMkLst>
+        </pc:picChg>
+        <pc:picChg chg="add del mod">
+          <ac:chgData name="Marine BAYET" userId="d4b4ad781415c63a" providerId="LiveId" clId="{0399D419-9F62-4D32-B4D6-785E03637ADB}" dt="2023-01-14T14:38:37.052" v="246"/>
+          <ac:picMkLst>
+            <pc:docMk/>
+            <pc:sldMk cId="3838309396" sldId="275"/>
+            <ac:picMk id="29" creationId="{C71BD8CF-AA53-7E3C-836D-11707200CCE3}"/>
+          </ac:picMkLst>
+        </pc:picChg>
+        <pc:picChg chg="add del mod">
+          <ac:chgData name="Marine BAYET" userId="d4b4ad781415c63a" providerId="LiveId" clId="{0399D419-9F62-4D32-B4D6-785E03637ADB}" dt="2023-01-14T14:38:37.052" v="246"/>
+          <ac:picMkLst>
+            <pc:docMk/>
+            <pc:sldMk cId="3838309396" sldId="275"/>
+            <ac:picMk id="31" creationId="{5A1E496C-66C1-C7C3-6A86-722CB112984C}"/>
+          </ac:picMkLst>
+        </pc:picChg>
+        <pc:picChg chg="add del mod">
+          <ac:chgData name="Marine BAYET" userId="d4b4ad781415c63a" providerId="LiveId" clId="{0399D419-9F62-4D32-B4D6-785E03637ADB}" dt="2023-01-14T14:38:37.052" v="246"/>
+          <ac:picMkLst>
+            <pc:docMk/>
+            <pc:sldMk cId="3838309396" sldId="275"/>
+            <ac:picMk id="33" creationId="{D4B364D2-F2D5-2AFB-B091-D780E9DC04A8}"/>
+          </ac:picMkLst>
+        </pc:picChg>
+        <pc:picChg chg="add del mod">
+          <ac:chgData name="Marine BAYET" userId="d4b4ad781415c63a" providerId="LiveId" clId="{0399D419-9F62-4D32-B4D6-785E03637ADB}" dt="2023-01-14T14:38:37.052" v="246"/>
+          <ac:picMkLst>
+            <pc:docMk/>
+            <pc:sldMk cId="3838309396" sldId="275"/>
+            <ac:picMk id="35" creationId="{4300AE50-87C7-F2B5-8BEF-2FC986230396}"/>
+          </ac:picMkLst>
+        </pc:picChg>
+        <pc:picChg chg="add del mod">
+          <ac:chgData name="Marine BAYET" userId="d4b4ad781415c63a" providerId="LiveId" clId="{0399D419-9F62-4D32-B4D6-785E03637ADB}" dt="2023-01-14T14:38:37.052" v="246"/>
+          <ac:picMkLst>
+            <pc:docMk/>
+            <pc:sldMk cId="3838309396" sldId="275"/>
+            <ac:picMk id="37" creationId="{66AFC5E2-069F-9264-4C02-8BCE0BA62553}"/>
+          </ac:picMkLst>
+        </pc:picChg>
+        <pc:picChg chg="add del mod">
+          <ac:chgData name="Marine BAYET" userId="d4b4ad781415c63a" providerId="LiveId" clId="{0399D419-9F62-4D32-B4D6-785E03637ADB}" dt="2023-01-14T14:38:37.052" v="246"/>
+          <ac:picMkLst>
+            <pc:docMk/>
+            <pc:sldMk cId="3838309396" sldId="275"/>
+            <ac:picMk id="39" creationId="{DCF86548-EF7C-49B7-FC21-302041C03837}"/>
+          </ac:picMkLst>
+        </pc:picChg>
+        <pc:picChg chg="add del mod">
+          <ac:chgData name="Marine BAYET" userId="d4b4ad781415c63a" providerId="LiveId" clId="{0399D419-9F62-4D32-B4D6-785E03637ADB}" dt="2023-01-14T14:38:37.052" v="246"/>
+          <ac:picMkLst>
+            <pc:docMk/>
+            <pc:sldMk cId="3838309396" sldId="275"/>
+            <ac:picMk id="41" creationId="{58E5103A-A31C-873E-CB71-0C1BF42042D6}"/>
+          </ac:picMkLst>
+        </pc:picChg>
+        <pc:picChg chg="add del mod">
+          <ac:chgData name="Marine BAYET" userId="d4b4ad781415c63a" providerId="LiveId" clId="{0399D419-9F62-4D32-B4D6-785E03637ADB}" dt="2023-01-14T14:38:37.052" v="246"/>
+          <ac:picMkLst>
+            <pc:docMk/>
+            <pc:sldMk cId="3838309396" sldId="275"/>
+            <ac:picMk id="43" creationId="{4562C30E-D4DB-192E-16D8-082CBE7009C6}"/>
+          </ac:picMkLst>
+        </pc:picChg>
+        <pc:picChg chg="add del mod">
+          <ac:chgData name="Marine BAYET" userId="d4b4ad781415c63a" providerId="LiveId" clId="{0399D419-9F62-4D32-B4D6-785E03637ADB}" dt="2023-01-14T14:38:37.052" v="246"/>
+          <ac:picMkLst>
+            <pc:docMk/>
+            <pc:sldMk cId="3838309396" sldId="275"/>
+            <ac:picMk id="45" creationId="{73C4D20D-135B-E807-4338-A72E14899EE4}"/>
+          </ac:picMkLst>
+        </pc:picChg>
+        <pc:picChg chg="add del mod">
+          <ac:chgData name="Marine BAYET" userId="d4b4ad781415c63a" providerId="LiveId" clId="{0399D419-9F62-4D32-B4D6-785E03637ADB}" dt="2023-01-14T14:38:37.052" v="246"/>
+          <ac:picMkLst>
+            <pc:docMk/>
+            <pc:sldMk cId="3838309396" sldId="275"/>
+            <ac:picMk id="47" creationId="{F1E870AE-61FD-0169-6CC4-8AE57CD8DBB3}"/>
+          </ac:picMkLst>
+        </pc:picChg>
+        <pc:picChg chg="add del mod">
+          <ac:chgData name="Marine BAYET" userId="d4b4ad781415c63a" providerId="LiveId" clId="{0399D419-9F62-4D32-B4D6-785E03637ADB}" dt="2023-01-14T14:38:37.052" v="246"/>
+          <ac:picMkLst>
+            <pc:docMk/>
+            <pc:sldMk cId="3838309396" sldId="275"/>
+            <ac:picMk id="49" creationId="{AFEE7951-21EE-FC45-7BCC-DDC160AD9404}"/>
+          </ac:picMkLst>
+        </pc:picChg>
+        <pc:picChg chg="add del mod">
+          <ac:chgData name="Marine BAYET" userId="d4b4ad781415c63a" providerId="LiveId" clId="{0399D419-9F62-4D32-B4D6-785E03637ADB}" dt="2023-01-14T14:38:37.052" v="246"/>
+          <ac:picMkLst>
+            <pc:docMk/>
+            <pc:sldMk cId="3838309396" sldId="275"/>
+            <ac:picMk id="51" creationId="{5495318C-43A2-559F-DB4B-73D6EE0A1936}"/>
+          </ac:picMkLst>
+        </pc:picChg>
+        <pc:picChg chg="add del">
+          <ac:chgData name="Marine BAYET" userId="d4b4ad781415c63a" providerId="LiveId" clId="{0399D419-9F62-4D32-B4D6-785E03637ADB}" dt="2023-01-14T14:38:37.175" v="248"/>
+          <ac:picMkLst>
+            <pc:docMk/>
+            <pc:sldMk cId="3838309396" sldId="275"/>
+            <ac:picMk id="1026" creationId="{82DC0152-4C0A-9D75-2914-26949C3AFEA8}"/>
           </ac:picMkLst>
         </pc:picChg>
       </pc:sldChg>
@@ -2872,7 +3615,7 @@
           <a:p>
             <a:fld id="{B4E773C2-758D-45C6-BB5A-93E8C8649442}" type="datetimeFigureOut">
               <a:rPr lang="fr-FR" smtClean="0"/>
-              <a:t>11/01/2023</a:t>
+              <a:t>14/01/2023</a:t>
             </a:fld>
             <a:endParaRPr lang="fr-FR"/>
           </a:p>
@@ -3070,7 +3813,7 @@
           <a:p>
             <a:fld id="{B4E773C2-758D-45C6-BB5A-93E8C8649442}" type="datetimeFigureOut">
               <a:rPr lang="fr-FR" smtClean="0"/>
-              <a:t>11/01/2023</a:t>
+              <a:t>14/01/2023</a:t>
             </a:fld>
             <a:endParaRPr lang="fr-FR"/>
           </a:p>
@@ -3278,7 +4021,7 @@
           <a:p>
             <a:fld id="{B4E773C2-758D-45C6-BB5A-93E8C8649442}" type="datetimeFigureOut">
               <a:rPr lang="fr-FR" smtClean="0"/>
-              <a:t>11/01/2023</a:t>
+              <a:t>14/01/2023</a:t>
             </a:fld>
             <a:endParaRPr lang="fr-FR"/>
           </a:p>
@@ -3476,7 +4219,7 @@
           <a:p>
             <a:fld id="{B4E773C2-758D-45C6-BB5A-93E8C8649442}" type="datetimeFigureOut">
               <a:rPr lang="fr-FR" smtClean="0"/>
-              <a:t>11/01/2023</a:t>
+              <a:t>14/01/2023</a:t>
             </a:fld>
             <a:endParaRPr lang="fr-FR"/>
           </a:p>
@@ -3751,7 +4494,7 @@
           <a:p>
             <a:fld id="{B4E773C2-758D-45C6-BB5A-93E8C8649442}" type="datetimeFigureOut">
               <a:rPr lang="fr-FR" smtClean="0"/>
-              <a:t>11/01/2023</a:t>
+              <a:t>14/01/2023</a:t>
             </a:fld>
             <a:endParaRPr lang="fr-FR"/>
           </a:p>
@@ -4016,7 +4759,7 @@
           <a:p>
             <a:fld id="{B4E773C2-758D-45C6-BB5A-93E8C8649442}" type="datetimeFigureOut">
               <a:rPr lang="fr-FR" smtClean="0"/>
-              <a:t>11/01/2023</a:t>
+              <a:t>14/01/2023</a:t>
             </a:fld>
             <a:endParaRPr lang="fr-FR"/>
           </a:p>
@@ -4428,7 +5171,7 @@
           <a:p>
             <a:fld id="{B4E773C2-758D-45C6-BB5A-93E8C8649442}" type="datetimeFigureOut">
               <a:rPr lang="fr-FR" smtClean="0"/>
-              <a:t>11/01/2023</a:t>
+              <a:t>14/01/2023</a:t>
             </a:fld>
             <a:endParaRPr lang="fr-FR"/>
           </a:p>
@@ -4569,7 +5312,7 @@
           <a:p>
             <a:fld id="{B4E773C2-758D-45C6-BB5A-93E8C8649442}" type="datetimeFigureOut">
               <a:rPr lang="fr-FR" smtClean="0"/>
-              <a:t>11/01/2023</a:t>
+              <a:t>14/01/2023</a:t>
             </a:fld>
             <a:endParaRPr lang="fr-FR"/>
           </a:p>
@@ -4682,7 +5425,7 @@
           <a:p>
             <a:fld id="{B4E773C2-758D-45C6-BB5A-93E8C8649442}" type="datetimeFigureOut">
               <a:rPr lang="fr-FR" smtClean="0"/>
-              <a:t>11/01/2023</a:t>
+              <a:t>14/01/2023</a:t>
             </a:fld>
             <a:endParaRPr lang="fr-FR"/>
           </a:p>
@@ -4993,7 +5736,7 @@
           <a:p>
             <a:fld id="{B4E773C2-758D-45C6-BB5A-93E8C8649442}" type="datetimeFigureOut">
               <a:rPr lang="fr-FR" smtClean="0"/>
-              <a:t>11/01/2023</a:t>
+              <a:t>14/01/2023</a:t>
             </a:fld>
             <a:endParaRPr lang="fr-FR"/>
           </a:p>
@@ -5281,7 +6024,7 @@
           <a:p>
             <a:fld id="{B4E773C2-758D-45C6-BB5A-93E8C8649442}" type="datetimeFigureOut">
               <a:rPr lang="fr-FR" smtClean="0"/>
-              <a:t>11/01/2023</a:t>
+              <a:t>14/01/2023</a:t>
             </a:fld>
             <a:endParaRPr lang="fr-FR"/>
           </a:p>
@@ -5522,7 +6265,7 @@
           <a:p>
             <a:fld id="{B4E773C2-758D-45C6-BB5A-93E8C8649442}" type="datetimeFigureOut">
               <a:rPr lang="fr-FR" smtClean="0"/>
-              <a:t>11/01/2023</a:t>
+              <a:t>14/01/2023</a:t>
             </a:fld>
             <a:endParaRPr lang="fr-FR"/>
           </a:p>
@@ -10421,611 +11164,12 @@
           <a:chExt cx="0" cy="0"/>
         </a:xfrm>
       </p:grpSpPr>
-      <p:pic>
-        <p:nvPicPr>
-          <p:cNvPr id="25" name="Picture 4">
-            <a:extLst>
-              <a:ext uri="{FF2B5EF4-FFF2-40B4-BE49-F238E27FC236}">
-                <a16:creationId xmlns:a16="http://schemas.microsoft.com/office/drawing/2014/main" id="{0A5AAF80-5363-89B2-DB17-00C879E1B781}"/>
-              </a:ext>
-            </a:extLst>
-          </p:cNvPr>
-          <p:cNvPicPr>
-            <a:picLocks noChangeAspect="1" noChangeArrowheads="1"/>
-          </p:cNvPicPr>
-          <p:nvPr/>
-        </p:nvPicPr>
-        <p:blipFill rotWithShape="1">
-          <a:blip r:embed="rId2">
-            <a:duotone>
-              <a:schemeClr val="accent4">
-                <a:shade val="45000"/>
-                <a:satMod val="135000"/>
-              </a:schemeClr>
-              <a:prstClr val="white"/>
-            </a:duotone>
-            <a:extLst>
-              <a:ext uri="{28A0092B-C50C-407E-A947-70E740481C1C}">
-                <a14:useLocalDpi xmlns:a14="http://schemas.microsoft.com/office/drawing/2010/main" val="0"/>
-              </a:ext>
-            </a:extLst>
-          </a:blip>
-          <a:srcRect l="37802" b="67548"/>
-          <a:stretch/>
-        </p:blipFill>
-        <p:spPr bwMode="auto">
-          <a:xfrm>
-            <a:off x="4096100" y="4941168"/>
-            <a:ext cx="690054" cy="360040"/>
-          </a:xfrm>
-          <a:prstGeom prst="rect">
-            <a:avLst/>
-          </a:prstGeom>
-          <a:noFill/>
-          <a:extLst>
-            <a:ext uri="{909E8E84-426E-40DD-AFC4-6F175D3DCCD1}">
-              <a14:hiddenFill xmlns:a14="http://schemas.microsoft.com/office/drawing/2010/main">
-                <a:solidFill>
-                  <a:srgbClr val="FFFFFF"/>
-                </a:solidFill>
-              </a14:hiddenFill>
-            </a:ext>
-          </a:extLst>
-        </p:spPr>
-      </p:pic>
-      <p:pic>
-        <p:nvPicPr>
-          <p:cNvPr id="28" name="Picture 4">
-            <a:extLst>
-              <a:ext uri="{FF2B5EF4-FFF2-40B4-BE49-F238E27FC236}">
-                <a16:creationId xmlns:a16="http://schemas.microsoft.com/office/drawing/2014/main" id="{44667EE0-2F3A-7B5B-36B4-97FB1BE3FEF6}"/>
-              </a:ext>
-            </a:extLst>
-          </p:cNvPr>
-          <p:cNvPicPr>
-            <a:picLocks noChangeAspect="1" noChangeArrowheads="1"/>
-          </p:cNvPicPr>
-          <p:nvPr/>
-        </p:nvPicPr>
-        <p:blipFill rotWithShape="1">
-          <a:blip r:embed="rId2">
-            <a:duotone>
-              <a:schemeClr val="accent4">
-                <a:shade val="45000"/>
-                <a:satMod val="135000"/>
-              </a:schemeClr>
-              <a:prstClr val="white"/>
-            </a:duotone>
-            <a:extLst>
-              <a:ext uri="{28A0092B-C50C-407E-A947-70E740481C1C}">
-                <a14:useLocalDpi xmlns:a14="http://schemas.microsoft.com/office/drawing/2010/main" val="0"/>
-              </a:ext>
-            </a:extLst>
-          </a:blip>
-          <a:srcRect l="37802" b="67548"/>
-          <a:stretch/>
-        </p:blipFill>
-        <p:spPr bwMode="auto">
-          <a:xfrm>
-            <a:off x="8646306" y="4941168"/>
-            <a:ext cx="690054" cy="360040"/>
-          </a:xfrm>
-          <a:prstGeom prst="rect">
-            <a:avLst/>
-          </a:prstGeom>
-          <a:noFill/>
-          <a:extLst>
-            <a:ext uri="{909E8E84-426E-40DD-AFC4-6F175D3DCCD1}">
-              <a14:hiddenFill xmlns:a14="http://schemas.microsoft.com/office/drawing/2010/main">
-                <a:solidFill>
-                  <a:srgbClr val="FFFFFF"/>
-                </a:solidFill>
-              </a14:hiddenFill>
-            </a:ext>
-          </a:extLst>
-        </p:spPr>
-      </p:pic>
-      <p:pic>
-        <p:nvPicPr>
-          <p:cNvPr id="4" name="Picture 6">
-            <a:extLst>
-              <a:ext uri="{FF2B5EF4-FFF2-40B4-BE49-F238E27FC236}">
-                <a16:creationId xmlns:a16="http://schemas.microsoft.com/office/drawing/2014/main" id="{C2097443-816B-7C92-55B0-CE964304BA29}"/>
-              </a:ext>
-            </a:extLst>
-          </p:cNvPr>
-          <p:cNvPicPr>
-            <a:picLocks noChangeAspect="1" noChangeArrowheads="1"/>
-          </p:cNvPicPr>
-          <p:nvPr/>
-        </p:nvPicPr>
-        <p:blipFill rotWithShape="1">
-          <a:blip r:embed="rId3">
-            <a:extLst>
-              <a:ext uri="{28A0092B-C50C-407E-A947-70E740481C1C}">
-                <a14:useLocalDpi xmlns:a14="http://schemas.microsoft.com/office/drawing/2010/main" val="0"/>
-              </a:ext>
-            </a:extLst>
-          </a:blip>
-          <a:srcRect l="3125" t="37500" r="94792" b="34375"/>
-          <a:stretch/>
-        </p:blipFill>
-        <p:spPr bwMode="auto">
-          <a:xfrm>
-            <a:off x="839416" y="1340768"/>
-            <a:ext cx="576064" cy="648072"/>
-          </a:xfrm>
-          <a:prstGeom prst="rect">
-            <a:avLst/>
-          </a:prstGeom>
-          <a:noFill/>
-          <a:extLst>
-            <a:ext uri="{909E8E84-426E-40DD-AFC4-6F175D3DCCD1}">
-              <a14:hiddenFill xmlns:a14="http://schemas.microsoft.com/office/drawing/2010/main">
-                <a:solidFill>
-                  <a:srgbClr val="FFFFFF"/>
-                </a:solidFill>
-              </a14:hiddenFill>
-            </a:ext>
-          </a:extLst>
-        </p:spPr>
-      </p:pic>
-      <p:pic>
-        <p:nvPicPr>
-          <p:cNvPr id="5" name="Picture 6">
-            <a:extLst>
-              <a:ext uri="{FF2B5EF4-FFF2-40B4-BE49-F238E27FC236}">
-                <a16:creationId xmlns:a16="http://schemas.microsoft.com/office/drawing/2014/main" id="{B8D9B769-5DA0-44CB-04DB-CD63A1F48F3D}"/>
-              </a:ext>
-            </a:extLst>
-          </p:cNvPr>
-          <p:cNvPicPr>
-            <a:picLocks noChangeAspect="1" noChangeArrowheads="1"/>
-          </p:cNvPicPr>
-          <p:nvPr/>
-        </p:nvPicPr>
-        <p:blipFill rotWithShape="1">
-          <a:blip r:embed="rId3">
-            <a:extLst>
-              <a:ext uri="{28A0092B-C50C-407E-A947-70E740481C1C}">
-                <a14:useLocalDpi xmlns:a14="http://schemas.microsoft.com/office/drawing/2010/main" val="0"/>
-              </a:ext>
-            </a:extLst>
-          </a:blip>
-          <a:srcRect l="11459" t="37500" r="86198" b="28125"/>
-          <a:stretch/>
-        </p:blipFill>
-        <p:spPr bwMode="auto">
-          <a:xfrm>
-            <a:off x="1559496" y="1340768"/>
-            <a:ext cx="648072" cy="792088"/>
-          </a:xfrm>
-          <a:prstGeom prst="rect">
-            <a:avLst/>
-          </a:prstGeom>
-          <a:noFill/>
-          <a:extLst>
-            <a:ext uri="{909E8E84-426E-40DD-AFC4-6F175D3DCCD1}">
-              <a14:hiddenFill xmlns:a14="http://schemas.microsoft.com/office/drawing/2010/main">
-                <a:solidFill>
-                  <a:srgbClr val="FFFFFF"/>
-                </a:solidFill>
-              </a14:hiddenFill>
-            </a:ext>
-          </a:extLst>
-        </p:spPr>
-      </p:pic>
-      <p:pic>
-        <p:nvPicPr>
-          <p:cNvPr id="6" name="Picture 6">
-            <a:extLst>
-              <a:ext uri="{FF2B5EF4-FFF2-40B4-BE49-F238E27FC236}">
-                <a16:creationId xmlns:a16="http://schemas.microsoft.com/office/drawing/2014/main" id="{0B94B4F8-50AD-5072-09A5-8AF0289F0F89}"/>
-              </a:ext>
-            </a:extLst>
-          </p:cNvPr>
-          <p:cNvPicPr>
-            <a:picLocks noChangeAspect="1" noChangeArrowheads="1"/>
-          </p:cNvPicPr>
-          <p:nvPr/>
-        </p:nvPicPr>
-        <p:blipFill rotWithShape="1">
-          <a:blip r:embed="rId3">
-            <a:extLst>
-              <a:ext uri="{28A0092B-C50C-407E-A947-70E740481C1C}">
-                <a14:useLocalDpi xmlns:a14="http://schemas.microsoft.com/office/drawing/2010/main" val="0"/>
-              </a:ext>
-            </a:extLst>
-          </a:blip>
-          <a:srcRect l="19788" t="37500" r="77348" b="28125"/>
-          <a:stretch/>
-        </p:blipFill>
-        <p:spPr bwMode="auto">
-          <a:xfrm>
-            <a:off x="2351584" y="1340768"/>
-            <a:ext cx="792088" cy="792088"/>
-          </a:xfrm>
-          <a:prstGeom prst="rect">
-            <a:avLst/>
-          </a:prstGeom>
-          <a:noFill/>
-          <a:extLst>
-            <a:ext uri="{909E8E84-426E-40DD-AFC4-6F175D3DCCD1}">
-              <a14:hiddenFill xmlns:a14="http://schemas.microsoft.com/office/drawing/2010/main">
-                <a:solidFill>
-                  <a:srgbClr val="FFFFFF"/>
-                </a:solidFill>
-              </a14:hiddenFill>
-            </a:ext>
-          </a:extLst>
-        </p:spPr>
-      </p:pic>
-      <p:pic>
-        <p:nvPicPr>
-          <p:cNvPr id="7" name="Picture 6">
-            <a:extLst>
-              <a:ext uri="{FF2B5EF4-FFF2-40B4-BE49-F238E27FC236}">
-                <a16:creationId xmlns:a16="http://schemas.microsoft.com/office/drawing/2014/main" id="{A3C025DE-F07D-9F8F-55E2-EA9C8F2FA583}"/>
-              </a:ext>
-            </a:extLst>
-          </p:cNvPr>
-          <p:cNvPicPr>
-            <a:picLocks noChangeAspect="1" noChangeArrowheads="1"/>
-          </p:cNvPicPr>
-          <p:nvPr/>
-        </p:nvPicPr>
-        <p:blipFill rotWithShape="1">
-          <a:blip r:embed="rId3">
-            <a:extLst>
-              <a:ext uri="{28A0092B-C50C-407E-A947-70E740481C1C}">
-                <a14:useLocalDpi xmlns:a14="http://schemas.microsoft.com/office/drawing/2010/main" val="0"/>
-              </a:ext>
-            </a:extLst>
-          </a:blip>
-          <a:srcRect l="28379" t="37500" r="69018" b="28125"/>
-          <a:stretch/>
-        </p:blipFill>
-        <p:spPr bwMode="auto">
-          <a:xfrm>
-            <a:off x="3215680" y="1340768"/>
-            <a:ext cx="720080" cy="792088"/>
-          </a:xfrm>
-          <a:prstGeom prst="rect">
-            <a:avLst/>
-          </a:prstGeom>
-          <a:noFill/>
-          <a:extLst>
-            <a:ext uri="{909E8E84-426E-40DD-AFC4-6F175D3DCCD1}">
-              <a14:hiddenFill xmlns:a14="http://schemas.microsoft.com/office/drawing/2010/main">
-                <a:solidFill>
-                  <a:srgbClr val="FFFFFF"/>
-                </a:solidFill>
-              </a14:hiddenFill>
-            </a:ext>
-          </a:extLst>
-        </p:spPr>
-      </p:pic>
-      <p:pic>
-        <p:nvPicPr>
-          <p:cNvPr id="8" name="Picture 7">
-            <a:extLst>
-              <a:ext uri="{FF2B5EF4-FFF2-40B4-BE49-F238E27FC236}">
-                <a16:creationId xmlns:a16="http://schemas.microsoft.com/office/drawing/2014/main" id="{2270F174-3743-7438-F238-78E85A130752}"/>
-              </a:ext>
-            </a:extLst>
-          </p:cNvPr>
-          <p:cNvPicPr>
-            <a:picLocks noChangeAspect="1" noChangeArrowheads="1"/>
-          </p:cNvPicPr>
-          <p:nvPr/>
-        </p:nvPicPr>
-        <p:blipFill rotWithShape="1">
-          <a:blip r:embed="rId3">
-            <a:extLst>
-              <a:ext uri="{28A0092B-C50C-407E-A947-70E740481C1C}">
-                <a14:useLocalDpi xmlns:a14="http://schemas.microsoft.com/office/drawing/2010/main" val="0"/>
-              </a:ext>
-            </a:extLst>
-          </a:blip>
-          <a:srcRect l="36971" t="37500" r="60947" b="28125"/>
-          <a:stretch/>
-        </p:blipFill>
-        <p:spPr bwMode="auto">
-          <a:xfrm>
-            <a:off x="4079776" y="1346508"/>
-            <a:ext cx="576064" cy="792088"/>
-          </a:xfrm>
-          <a:prstGeom prst="rect">
-            <a:avLst/>
-          </a:prstGeom>
-          <a:noFill/>
-          <a:extLst>
-            <a:ext uri="{909E8E84-426E-40DD-AFC4-6F175D3DCCD1}">
-              <a14:hiddenFill xmlns:a14="http://schemas.microsoft.com/office/drawing/2010/main">
-                <a:solidFill>
-                  <a:srgbClr val="FFFFFF"/>
-                </a:solidFill>
-              </a14:hiddenFill>
-            </a:ext>
-          </a:extLst>
-        </p:spPr>
-      </p:pic>
-      <p:pic>
-        <p:nvPicPr>
-          <p:cNvPr id="9" name="Picture 8">
-            <a:extLst>
-              <a:ext uri="{FF2B5EF4-FFF2-40B4-BE49-F238E27FC236}">
-                <a16:creationId xmlns:a16="http://schemas.microsoft.com/office/drawing/2014/main" id="{2B4BA0C4-11A5-86D9-5EDD-E4489B5C8391}"/>
-              </a:ext>
-            </a:extLst>
-          </p:cNvPr>
-          <p:cNvPicPr>
-            <a:picLocks noChangeAspect="1" noChangeArrowheads="1"/>
-          </p:cNvPicPr>
-          <p:nvPr/>
-        </p:nvPicPr>
-        <p:blipFill rotWithShape="1">
-          <a:blip r:embed="rId3">
-            <a:extLst>
-              <a:ext uri="{28A0092B-C50C-407E-A947-70E740481C1C}">
-                <a14:useLocalDpi xmlns:a14="http://schemas.microsoft.com/office/drawing/2010/main" val="0"/>
-              </a:ext>
-            </a:extLst>
-          </a:blip>
-          <a:srcRect l="44777" t="37500" r="52881" b="28125"/>
-          <a:stretch/>
-        </p:blipFill>
-        <p:spPr bwMode="auto">
-          <a:xfrm>
-            <a:off x="4691843" y="1349936"/>
-            <a:ext cx="648074" cy="792088"/>
-          </a:xfrm>
-          <a:prstGeom prst="rect">
-            <a:avLst/>
-          </a:prstGeom>
-          <a:noFill/>
-          <a:extLst>
-            <a:ext uri="{909E8E84-426E-40DD-AFC4-6F175D3DCCD1}">
-              <a14:hiddenFill xmlns:a14="http://schemas.microsoft.com/office/drawing/2010/main">
-                <a:solidFill>
-                  <a:srgbClr val="FFFFFF"/>
-                </a:solidFill>
-              </a14:hiddenFill>
-            </a:ext>
-          </a:extLst>
-        </p:spPr>
-      </p:pic>
-      <p:pic>
-        <p:nvPicPr>
-          <p:cNvPr id="10" name="Picture 9">
-            <a:extLst>
-              <a:ext uri="{FF2B5EF4-FFF2-40B4-BE49-F238E27FC236}">
-                <a16:creationId xmlns:a16="http://schemas.microsoft.com/office/drawing/2014/main" id="{27D390F9-0F7F-46CC-DFC7-56FBD67A30F8}"/>
-              </a:ext>
-            </a:extLst>
-          </p:cNvPr>
-          <p:cNvPicPr>
-            <a:picLocks noChangeAspect="1" noChangeArrowheads="1"/>
-          </p:cNvPicPr>
-          <p:nvPr/>
-        </p:nvPicPr>
-        <p:blipFill rotWithShape="1">
-          <a:blip r:embed="rId3">
-            <a:extLst>
-              <a:ext uri="{28A0092B-C50C-407E-A947-70E740481C1C}">
-                <a14:useLocalDpi xmlns:a14="http://schemas.microsoft.com/office/drawing/2010/main" val="0"/>
-              </a:ext>
-            </a:extLst>
-          </a:blip>
-          <a:srcRect l="53313" t="37500" r="44605" b="28125"/>
-          <a:stretch/>
-        </p:blipFill>
-        <p:spPr bwMode="auto">
-          <a:xfrm>
-            <a:off x="5586204" y="1362532"/>
-            <a:ext cx="576063" cy="792088"/>
-          </a:xfrm>
-          <a:prstGeom prst="rect">
-            <a:avLst/>
-          </a:prstGeom>
-          <a:noFill/>
-          <a:extLst>
-            <a:ext uri="{909E8E84-426E-40DD-AFC4-6F175D3DCCD1}">
-              <a14:hiddenFill xmlns:a14="http://schemas.microsoft.com/office/drawing/2010/main">
-                <a:solidFill>
-                  <a:srgbClr val="FFFFFF"/>
-                </a:solidFill>
-              </a14:hiddenFill>
-            </a:ext>
-          </a:extLst>
-        </p:spPr>
-      </p:pic>
-      <p:pic>
-        <p:nvPicPr>
-          <p:cNvPr id="11" name="Picture 10">
-            <a:extLst>
-              <a:ext uri="{FF2B5EF4-FFF2-40B4-BE49-F238E27FC236}">
-                <a16:creationId xmlns:a16="http://schemas.microsoft.com/office/drawing/2014/main" id="{C118F22A-ED92-4EDA-DF7B-170171129238}"/>
-              </a:ext>
-            </a:extLst>
-          </p:cNvPr>
-          <p:cNvPicPr>
-            <a:picLocks noChangeAspect="1" noChangeArrowheads="1"/>
-          </p:cNvPicPr>
-          <p:nvPr/>
-        </p:nvPicPr>
-        <p:blipFill rotWithShape="1">
-          <a:blip r:embed="rId3">
-            <a:extLst>
-              <a:ext uri="{28A0092B-C50C-407E-A947-70E740481C1C}">
-                <a14:useLocalDpi xmlns:a14="http://schemas.microsoft.com/office/drawing/2010/main" val="0"/>
-              </a:ext>
-            </a:extLst>
-          </a:blip>
-          <a:srcRect l="61771" t="33978" r="36407" b="28125"/>
-          <a:stretch/>
-        </p:blipFill>
-        <p:spPr bwMode="auto">
-          <a:xfrm>
-            <a:off x="6306284" y="1268760"/>
-            <a:ext cx="504056" cy="873264"/>
-          </a:xfrm>
-          <a:prstGeom prst="rect">
-            <a:avLst/>
-          </a:prstGeom>
-          <a:noFill/>
-          <a:extLst>
-            <a:ext uri="{909E8E84-426E-40DD-AFC4-6F175D3DCCD1}">
-              <a14:hiddenFill xmlns:a14="http://schemas.microsoft.com/office/drawing/2010/main">
-                <a:solidFill>
-                  <a:srgbClr val="FFFFFF"/>
-                </a:solidFill>
-              </a14:hiddenFill>
-            </a:ext>
-          </a:extLst>
-        </p:spPr>
-      </p:pic>
-      <p:pic>
-        <p:nvPicPr>
-          <p:cNvPr id="12" name="Picture 11">
-            <a:extLst>
-              <a:ext uri="{FF2B5EF4-FFF2-40B4-BE49-F238E27FC236}">
-                <a16:creationId xmlns:a16="http://schemas.microsoft.com/office/drawing/2014/main" id="{564A51F9-E8A0-EC20-CBBA-DA37B1CDD7EE}"/>
-              </a:ext>
-            </a:extLst>
-          </p:cNvPr>
-          <p:cNvPicPr>
-            <a:picLocks noChangeAspect="1" noChangeArrowheads="1"/>
-          </p:cNvPicPr>
-          <p:nvPr/>
-        </p:nvPicPr>
-        <p:blipFill rotWithShape="1">
-          <a:blip r:embed="rId3">
-            <a:extLst>
-              <a:ext uri="{28A0092B-C50C-407E-A947-70E740481C1C}">
-                <a14:useLocalDpi xmlns:a14="http://schemas.microsoft.com/office/drawing/2010/main" val="0"/>
-              </a:ext>
-            </a:extLst>
-          </a:blip>
-          <a:srcRect l="70178" t="33978" r="27740" b="28125"/>
-          <a:stretch/>
-        </p:blipFill>
-        <p:spPr bwMode="auto">
-          <a:xfrm>
-            <a:off x="6907852" y="1228172"/>
-            <a:ext cx="576063" cy="873264"/>
-          </a:xfrm>
-          <a:prstGeom prst="rect">
-            <a:avLst/>
-          </a:prstGeom>
-          <a:noFill/>
-          <a:extLst>
-            <a:ext uri="{909E8E84-426E-40DD-AFC4-6F175D3DCCD1}">
-              <a14:hiddenFill xmlns:a14="http://schemas.microsoft.com/office/drawing/2010/main">
-                <a:solidFill>
-                  <a:srgbClr val="FFFFFF"/>
-                </a:solidFill>
-              </a14:hiddenFill>
-            </a:ext>
-          </a:extLst>
-        </p:spPr>
-      </p:pic>
-      <p:pic>
-        <p:nvPicPr>
-          <p:cNvPr id="13" name="Picture 12">
-            <a:extLst>
-              <a:ext uri="{FF2B5EF4-FFF2-40B4-BE49-F238E27FC236}">
-                <a16:creationId xmlns:a16="http://schemas.microsoft.com/office/drawing/2014/main" id="{FC1AFA8F-1AA2-C5E8-30DF-8AB4334C20AF}"/>
-              </a:ext>
-            </a:extLst>
-          </p:cNvPr>
-          <p:cNvPicPr>
-            <a:picLocks noChangeAspect="1" noChangeArrowheads="1"/>
-          </p:cNvPicPr>
-          <p:nvPr/>
-        </p:nvPicPr>
-        <p:blipFill rotWithShape="1">
-          <a:blip r:embed="rId3">
-            <a:extLst>
-              <a:ext uri="{28A0092B-C50C-407E-A947-70E740481C1C}">
-                <a14:useLocalDpi xmlns:a14="http://schemas.microsoft.com/office/drawing/2010/main" val="0"/>
-              </a:ext>
-            </a:extLst>
-          </a:blip>
-          <a:srcRect l="78466" t="33978" r="19452" b="28125"/>
-          <a:stretch/>
-        </p:blipFill>
-        <p:spPr bwMode="auto">
-          <a:xfrm>
-            <a:off x="7581427" y="1228172"/>
-            <a:ext cx="576064" cy="873264"/>
-          </a:xfrm>
-          <a:prstGeom prst="rect">
-            <a:avLst/>
-          </a:prstGeom>
-          <a:noFill/>
-          <a:extLst>
-            <a:ext uri="{909E8E84-426E-40DD-AFC4-6F175D3DCCD1}">
-              <a14:hiddenFill xmlns:a14="http://schemas.microsoft.com/office/drawing/2010/main">
-                <a:solidFill>
-                  <a:srgbClr val="FFFFFF"/>
-                </a:solidFill>
-              </a14:hiddenFill>
-            </a:ext>
-          </a:extLst>
-        </p:spPr>
-      </p:pic>
-      <p:pic>
-        <p:nvPicPr>
-          <p:cNvPr id="12290" name="Picture 2">
-            <a:extLst>
-              <a:ext uri="{FF2B5EF4-FFF2-40B4-BE49-F238E27FC236}">
-                <a16:creationId xmlns:a16="http://schemas.microsoft.com/office/drawing/2014/main" id="{0D30B644-9B91-0BCF-BCBC-A533CC4CA62F}"/>
-              </a:ext>
-            </a:extLst>
-          </p:cNvPr>
-          <p:cNvPicPr>
-            <a:picLocks noChangeAspect="1" noChangeArrowheads="1"/>
-          </p:cNvPicPr>
-          <p:nvPr/>
-        </p:nvPicPr>
-        <p:blipFill rotWithShape="1">
-          <a:blip r:embed="rId4">
-            <a:extLst>
-              <a:ext uri="{28A0092B-C50C-407E-A947-70E740481C1C}">
-                <a14:useLocalDpi xmlns:a14="http://schemas.microsoft.com/office/drawing/2010/main" val="0"/>
-              </a:ext>
-            </a:extLst>
-          </a:blip>
-          <a:srcRect l="37400" b="66668"/>
-          <a:stretch/>
-        </p:blipFill>
-        <p:spPr bwMode="auto">
-          <a:xfrm>
-            <a:off x="3071664" y="2636912"/>
-            <a:ext cx="2146548" cy="1142960"/>
-          </a:xfrm>
-          <a:prstGeom prst="rect">
-            <a:avLst/>
-          </a:prstGeom>
-          <a:noFill/>
-          <a:extLst>
-            <a:ext uri="{909E8E84-426E-40DD-AFC4-6F175D3DCCD1}">
-              <a14:hiddenFill xmlns:a14="http://schemas.microsoft.com/office/drawing/2010/main">
-                <a:solidFill>
-                  <a:srgbClr val="FFFFFF"/>
-                </a:solidFill>
-              </a14:hiddenFill>
-            </a:ext>
-          </a:extLst>
-        </p:spPr>
-      </p:pic>
       <p:grpSp>
         <p:nvGrpSpPr>
-          <p:cNvPr id="29" name="Group 28">
-            <a:extLst>
-              <a:ext uri="{FF2B5EF4-FFF2-40B4-BE49-F238E27FC236}">
-                <a16:creationId xmlns:a16="http://schemas.microsoft.com/office/drawing/2014/main" id="{581020EF-BBA6-BD97-10D2-D533AC7A610F}"/>
+          <p:cNvPr id="55" name="Group 54">
+            <a:extLst>
+              <a:ext uri="{FF2B5EF4-FFF2-40B4-BE49-F238E27FC236}">
+                <a16:creationId xmlns:a16="http://schemas.microsoft.com/office/drawing/2014/main" id="{15B3F44C-87E0-BD02-83A1-179BC92C2D06}"/>
               </a:ext>
             </a:extLst>
           </p:cNvPr>
@@ -11034,18 +11178,95 @@
         </p:nvGrpSpPr>
         <p:grpSpPr>
           <a:xfrm>
-            <a:off x="551384" y="4365104"/>
-            <a:ext cx="864096" cy="1524000"/>
-            <a:chOff x="551384" y="4365104"/>
-            <a:chExt cx="864096" cy="1524000"/>
+            <a:off x="2855740" y="4353272"/>
+            <a:ext cx="901799" cy="1524000"/>
+            <a:chOff x="2855740" y="4353272"/>
+            <a:chExt cx="901799" cy="1524000"/>
           </a:xfrm>
         </p:grpSpPr>
+        <p:sp>
+          <p:nvSpPr>
+            <p:cNvPr id="41" name="ZoneTexte 3">
+              <a:extLst>
+                <a:ext uri="{FF2B5EF4-FFF2-40B4-BE49-F238E27FC236}">
+                  <a16:creationId xmlns:a16="http://schemas.microsoft.com/office/drawing/2014/main" id="{FFE4059A-4686-5960-F913-0C0C36B0CF59}"/>
+                </a:ext>
+              </a:extLst>
+            </p:cNvPr>
+            <p:cNvSpPr txBox="1"/>
+            <p:nvPr/>
+          </p:nvSpPr>
+          <p:spPr>
+            <a:xfrm>
+              <a:off x="2927648" y="4797152"/>
+              <a:ext cx="720080" cy="384721"/>
+            </a:xfrm>
+            <a:prstGeom prst="rect">
+              <a:avLst/>
+            </a:prstGeom>
+            <a:noFill/>
+          </p:spPr>
+          <p:txBody>
+            <a:bodyPr wrap="square" rtlCol="0">
+              <a:spAutoFit/>
+            </a:bodyPr>
+            <a:lstStyle/>
+            <a:p>
+              <a:r>
+                <a:rPr lang="fr-FR" sz="1900" dirty="0">
+                  <a:solidFill>
+                    <a:srgbClr val="DEAD36"/>
+                  </a:solidFill>
+                  <a:latin typeface="RetroBoundmini" panose="02000603000000000000" pitchFamily="2" charset="0"/>
+                  <a:ea typeface="RetroBoundmini" panose="02000603000000000000" pitchFamily="2" charset="0"/>
+                </a:rPr>
+                <a:t>+200</a:t>
+              </a:r>
+            </a:p>
+          </p:txBody>
+        </p:sp>
         <p:pic>
           <p:nvPicPr>
-            <p:cNvPr id="12292" name="Picture 4">
+            <p:cNvPr id="42" name="Picture 41" descr="Icon&#10;&#10;Description automatically generated with low confidence">
               <a:extLst>
                 <a:ext uri="{FF2B5EF4-FFF2-40B4-BE49-F238E27FC236}">
-                  <a16:creationId xmlns:a16="http://schemas.microsoft.com/office/drawing/2014/main" id="{123F15A6-7574-AD77-415F-810AC8EA75F1}"/>
+                  <a16:creationId xmlns:a16="http://schemas.microsoft.com/office/drawing/2014/main" id="{03220851-5E93-3004-0F9C-56F157B48F6D}"/>
+                </a:ext>
+              </a:extLst>
+            </p:cNvPr>
+            <p:cNvPicPr>
+              <a:picLocks noChangeAspect="1"/>
+            </p:cNvPicPr>
+            <p:nvPr/>
+          </p:nvPicPr>
+          <p:blipFill>
+            <a:blip r:embed="rId2">
+              <a:extLst>
+                <a:ext uri="{28A0092B-C50C-407E-A947-70E740481C1C}">
+                  <a14:useLocalDpi xmlns:a14="http://schemas.microsoft.com/office/drawing/2010/main" val="0"/>
+                </a:ext>
+              </a:extLst>
+            </a:blip>
+            <a:stretch>
+              <a:fillRect/>
+            </a:stretch>
+          </p:blipFill>
+          <p:spPr>
+            <a:xfrm>
+              <a:off x="3107668" y="5085184"/>
+              <a:ext cx="360040" cy="360040"/>
+            </a:xfrm>
+            <a:prstGeom prst="rect">
+              <a:avLst/>
+            </a:prstGeom>
+          </p:spPr>
+        </p:pic>
+        <p:pic>
+          <p:nvPicPr>
+            <p:cNvPr id="16" name="Picture 4">
+              <a:extLst>
+                <a:ext uri="{FF2B5EF4-FFF2-40B4-BE49-F238E27FC236}">
+                  <a16:creationId xmlns:a16="http://schemas.microsoft.com/office/drawing/2014/main" id="{AA509538-315A-F877-A4C0-B85B878D61E3}"/>
                 </a:ext>
               </a:extLst>
             </p:cNvPr>
@@ -11055,7 +11276,7 @@
             <p:nvPr/>
           </p:nvPicPr>
           <p:blipFill rotWithShape="1">
-            <a:blip r:embed="rId2">
+            <a:blip r:embed="rId3">
               <a:duotone>
                 <a:schemeClr val="accent4">
                   <a:shade val="45000"/>
@@ -11069,13 +11290,13 @@
                 </a:ext>
               </a:extLst>
             </a:blip>
-            <a:srcRect l="37802" b="67548"/>
+            <a:srcRect l="27756" r="64847"/>
             <a:stretch/>
           </p:blipFill>
           <p:spPr bwMode="auto">
             <a:xfrm>
-              <a:off x="683444" y="4941168"/>
-              <a:ext cx="690054" cy="360040"/>
+              <a:off x="2855740" y="4353272"/>
+              <a:ext cx="901799" cy="1524000"/>
             </a:xfrm>
             <a:prstGeom prst="rect">
               <a:avLst/>
@@ -11092,6 +11313,1122 @@
             </a:extLst>
           </p:spPr>
         </p:pic>
+      </p:grpSp>
+      <p:grpSp>
+        <p:nvGrpSpPr>
+          <p:cNvPr id="56" name="Group 55">
+            <a:extLst>
+              <a:ext uri="{FF2B5EF4-FFF2-40B4-BE49-F238E27FC236}">
+                <a16:creationId xmlns:a16="http://schemas.microsoft.com/office/drawing/2014/main" id="{093D39C7-48B8-7A2D-AC22-BB73AC0B21F5}"/>
+              </a:ext>
+            </a:extLst>
+          </p:cNvPr>
+          <p:cNvGrpSpPr/>
+          <p:nvPr/>
+        </p:nvGrpSpPr>
+        <p:grpSpPr>
+          <a:xfrm>
+            <a:off x="4079776" y="4353272"/>
+            <a:ext cx="864096" cy="1524000"/>
+            <a:chOff x="4079776" y="4353272"/>
+            <a:chExt cx="864096" cy="1524000"/>
+          </a:xfrm>
+        </p:grpSpPr>
+        <p:sp>
+          <p:nvSpPr>
+            <p:cNvPr id="43" name="ZoneTexte 3">
+              <a:extLst>
+                <a:ext uri="{FF2B5EF4-FFF2-40B4-BE49-F238E27FC236}">
+                  <a16:creationId xmlns:a16="http://schemas.microsoft.com/office/drawing/2014/main" id="{B7567EE3-B6D0-075B-36EC-C9640B2362AD}"/>
+                </a:ext>
+              </a:extLst>
+            </p:cNvPr>
+            <p:cNvSpPr txBox="1"/>
+            <p:nvPr/>
+          </p:nvSpPr>
+          <p:spPr>
+            <a:xfrm>
+              <a:off x="4151784" y="4797152"/>
+              <a:ext cx="720080" cy="384721"/>
+            </a:xfrm>
+            <a:prstGeom prst="rect">
+              <a:avLst/>
+            </a:prstGeom>
+            <a:noFill/>
+          </p:spPr>
+          <p:txBody>
+            <a:bodyPr wrap="square" rtlCol="0">
+              <a:spAutoFit/>
+            </a:bodyPr>
+            <a:lstStyle/>
+            <a:p>
+              <a:r>
+                <a:rPr lang="fr-FR" sz="1900" dirty="0">
+                  <a:solidFill>
+                    <a:srgbClr val="DEAD36"/>
+                  </a:solidFill>
+                  <a:latin typeface="RetroBoundmini" panose="02000603000000000000" pitchFamily="2" charset="0"/>
+                  <a:ea typeface="RetroBoundmini" panose="02000603000000000000" pitchFamily="2" charset="0"/>
+                </a:rPr>
+                <a:t>+200</a:t>
+              </a:r>
+            </a:p>
+          </p:txBody>
+        </p:sp>
+        <p:pic>
+          <p:nvPicPr>
+            <p:cNvPr id="44" name="Picture 43" descr="Icon&#10;&#10;Description automatically generated with low confidence">
+              <a:extLst>
+                <a:ext uri="{FF2B5EF4-FFF2-40B4-BE49-F238E27FC236}">
+                  <a16:creationId xmlns:a16="http://schemas.microsoft.com/office/drawing/2014/main" id="{AFCBC6F6-32A8-AD2B-ECC9-EF1CB437F98D}"/>
+                </a:ext>
+              </a:extLst>
+            </p:cNvPr>
+            <p:cNvPicPr>
+              <a:picLocks noChangeAspect="1"/>
+            </p:cNvPicPr>
+            <p:nvPr/>
+          </p:nvPicPr>
+          <p:blipFill>
+            <a:blip r:embed="rId2">
+              <a:extLst>
+                <a:ext uri="{28A0092B-C50C-407E-A947-70E740481C1C}">
+                  <a14:useLocalDpi xmlns:a14="http://schemas.microsoft.com/office/drawing/2010/main" val="0"/>
+                </a:ext>
+              </a:extLst>
+            </a:blip>
+            <a:stretch>
+              <a:fillRect/>
+            </a:stretch>
+          </p:blipFill>
+          <p:spPr>
+            <a:xfrm>
+              <a:off x="4331804" y="5085184"/>
+              <a:ext cx="360040" cy="360040"/>
+            </a:xfrm>
+            <a:prstGeom prst="rect">
+              <a:avLst/>
+            </a:prstGeom>
+          </p:spPr>
+        </p:pic>
+        <p:pic>
+          <p:nvPicPr>
+            <p:cNvPr id="17" name="Picture 4">
+              <a:extLst>
+                <a:ext uri="{FF2B5EF4-FFF2-40B4-BE49-F238E27FC236}">
+                  <a16:creationId xmlns:a16="http://schemas.microsoft.com/office/drawing/2014/main" id="{DC648DDC-A70F-FF61-2A6E-2745C7CC9C0D}"/>
+                </a:ext>
+              </a:extLst>
+            </p:cNvPr>
+            <p:cNvPicPr>
+              <a:picLocks noChangeAspect="1" noChangeArrowheads="1"/>
+            </p:cNvPicPr>
+            <p:nvPr/>
+          </p:nvPicPr>
+          <p:blipFill rotWithShape="1">
+            <a:blip r:embed="rId3">
+              <a:duotone>
+                <a:schemeClr val="accent4">
+                  <a:shade val="45000"/>
+                  <a:satMod val="135000"/>
+                </a:schemeClr>
+                <a:prstClr val="white"/>
+              </a:duotone>
+              <a:extLst>
+                <a:ext uri="{28A0092B-C50C-407E-A947-70E740481C1C}">
+                  <a14:useLocalDpi xmlns:a14="http://schemas.microsoft.com/office/drawing/2010/main" val="0"/>
+                </a:ext>
+              </a:extLst>
+            </a:blip>
+            <a:srcRect l="40005" r="52907"/>
+            <a:stretch/>
+          </p:blipFill>
+          <p:spPr bwMode="auto">
+            <a:xfrm>
+              <a:off x="4079776" y="4353272"/>
+              <a:ext cx="864096" cy="1524000"/>
+            </a:xfrm>
+            <a:prstGeom prst="rect">
+              <a:avLst/>
+            </a:prstGeom>
+            <a:noFill/>
+            <a:extLst>
+              <a:ext uri="{909E8E84-426E-40DD-AFC4-6F175D3DCCD1}">
+                <a14:hiddenFill xmlns:a14="http://schemas.microsoft.com/office/drawing/2010/main">
+                  <a:solidFill>
+                    <a:srgbClr val="FFFFFF"/>
+                  </a:solidFill>
+                </a14:hiddenFill>
+              </a:ext>
+            </a:extLst>
+          </p:spPr>
+        </p:pic>
+      </p:grpSp>
+      <p:grpSp>
+        <p:nvGrpSpPr>
+          <p:cNvPr id="54" name="Group 53">
+            <a:extLst>
+              <a:ext uri="{FF2B5EF4-FFF2-40B4-BE49-F238E27FC236}">
+                <a16:creationId xmlns:a16="http://schemas.microsoft.com/office/drawing/2014/main" id="{8FFAB02E-D7B9-0AAE-C418-1EC7D91614A7}"/>
+              </a:ext>
+            </a:extLst>
+          </p:cNvPr>
+          <p:cNvGrpSpPr/>
+          <p:nvPr/>
+        </p:nvGrpSpPr>
+        <p:grpSpPr>
+          <a:xfrm>
+            <a:off x="1703562" y="4353272"/>
+            <a:ext cx="864096" cy="1524000"/>
+            <a:chOff x="1703562" y="4353272"/>
+            <a:chExt cx="864096" cy="1524000"/>
+          </a:xfrm>
+        </p:grpSpPr>
+        <p:pic>
+          <p:nvPicPr>
+            <p:cNvPr id="39" name="Picture 38" descr="Icon&#10;&#10;Description automatically generated with low confidence">
+              <a:extLst>
+                <a:ext uri="{FF2B5EF4-FFF2-40B4-BE49-F238E27FC236}">
+                  <a16:creationId xmlns:a16="http://schemas.microsoft.com/office/drawing/2014/main" id="{B0B88CDA-BBEE-B69E-856B-1D13FAD442D9}"/>
+                </a:ext>
+              </a:extLst>
+            </p:cNvPr>
+            <p:cNvPicPr>
+              <a:picLocks noChangeAspect="1"/>
+            </p:cNvPicPr>
+            <p:nvPr/>
+          </p:nvPicPr>
+          <p:blipFill>
+            <a:blip r:embed="rId2">
+              <a:extLst>
+                <a:ext uri="{28A0092B-C50C-407E-A947-70E740481C1C}">
+                  <a14:useLocalDpi xmlns:a14="http://schemas.microsoft.com/office/drawing/2010/main" val="0"/>
+                </a:ext>
+              </a:extLst>
+            </a:blip>
+            <a:stretch>
+              <a:fillRect/>
+            </a:stretch>
+          </p:blipFill>
+          <p:spPr>
+            <a:xfrm>
+              <a:off x="1955540" y="5085184"/>
+              <a:ext cx="360040" cy="360040"/>
+            </a:xfrm>
+            <a:prstGeom prst="rect">
+              <a:avLst/>
+            </a:prstGeom>
+          </p:spPr>
+        </p:pic>
+        <p:sp>
+          <p:nvSpPr>
+            <p:cNvPr id="38" name="ZoneTexte 3">
+              <a:extLst>
+                <a:ext uri="{FF2B5EF4-FFF2-40B4-BE49-F238E27FC236}">
+                  <a16:creationId xmlns:a16="http://schemas.microsoft.com/office/drawing/2014/main" id="{6F927A24-A113-E9B7-59EA-682CCDC1A3CD}"/>
+                </a:ext>
+              </a:extLst>
+            </p:cNvPr>
+            <p:cNvSpPr txBox="1"/>
+            <p:nvPr/>
+          </p:nvSpPr>
+          <p:spPr>
+            <a:xfrm>
+              <a:off x="1775520" y="4797152"/>
+              <a:ext cx="720080" cy="384721"/>
+            </a:xfrm>
+            <a:prstGeom prst="rect">
+              <a:avLst/>
+            </a:prstGeom>
+            <a:noFill/>
+          </p:spPr>
+          <p:txBody>
+            <a:bodyPr wrap="square" rtlCol="0">
+              <a:spAutoFit/>
+            </a:bodyPr>
+            <a:lstStyle/>
+            <a:p>
+              <a:r>
+                <a:rPr lang="fr-FR" sz="1900" dirty="0">
+                  <a:solidFill>
+                    <a:srgbClr val="DEAD36"/>
+                  </a:solidFill>
+                  <a:latin typeface="RetroBoundmini" panose="02000603000000000000" pitchFamily="2" charset="0"/>
+                  <a:ea typeface="RetroBoundmini" panose="02000603000000000000" pitchFamily="2" charset="0"/>
+                </a:rPr>
+                <a:t>+200</a:t>
+              </a:r>
+            </a:p>
+          </p:txBody>
+        </p:sp>
+        <p:pic>
+          <p:nvPicPr>
+            <p:cNvPr id="15" name="Picture 4">
+              <a:extLst>
+                <a:ext uri="{FF2B5EF4-FFF2-40B4-BE49-F238E27FC236}">
+                  <a16:creationId xmlns:a16="http://schemas.microsoft.com/office/drawing/2014/main" id="{31F6879F-4A00-0082-32E2-25453464D6A6}"/>
+                </a:ext>
+              </a:extLst>
+            </p:cNvPr>
+            <p:cNvPicPr>
+              <a:picLocks noChangeAspect="1" noChangeArrowheads="1"/>
+            </p:cNvPicPr>
+            <p:nvPr/>
+          </p:nvPicPr>
+          <p:blipFill rotWithShape="1">
+            <a:blip r:embed="rId3">
+              <a:duotone>
+                <a:schemeClr val="accent4">
+                  <a:shade val="45000"/>
+                  <a:satMod val="135000"/>
+                </a:schemeClr>
+                <a:prstClr val="white"/>
+              </a:duotone>
+              <a:extLst>
+                <a:ext uri="{28A0092B-C50C-407E-A947-70E740481C1C}">
+                  <a14:useLocalDpi xmlns:a14="http://schemas.microsoft.com/office/drawing/2010/main" val="0"/>
+                </a:ext>
+              </a:extLst>
+            </a:blip>
+            <a:srcRect l="15072" r="77840"/>
+            <a:stretch/>
+          </p:blipFill>
+          <p:spPr bwMode="auto">
+            <a:xfrm>
+              <a:off x="1703562" y="4353272"/>
+              <a:ext cx="864096" cy="1524000"/>
+            </a:xfrm>
+            <a:prstGeom prst="rect">
+              <a:avLst/>
+            </a:prstGeom>
+            <a:noFill/>
+            <a:extLst>
+              <a:ext uri="{909E8E84-426E-40DD-AFC4-6F175D3DCCD1}">
+                <a14:hiddenFill xmlns:a14="http://schemas.microsoft.com/office/drawing/2010/main">
+                  <a:solidFill>
+                    <a:srgbClr val="FFFFFF"/>
+                  </a:solidFill>
+                </a14:hiddenFill>
+              </a:ext>
+            </a:extLst>
+          </p:spPr>
+        </p:pic>
+      </p:grpSp>
+      <p:grpSp>
+        <p:nvGrpSpPr>
+          <p:cNvPr id="57" name="Group 56">
+            <a:extLst>
+              <a:ext uri="{FF2B5EF4-FFF2-40B4-BE49-F238E27FC236}">
+                <a16:creationId xmlns:a16="http://schemas.microsoft.com/office/drawing/2014/main" id="{E6C3B5CB-5202-5326-52E0-3ACCD151D713}"/>
+              </a:ext>
+            </a:extLst>
+          </p:cNvPr>
+          <p:cNvGrpSpPr/>
+          <p:nvPr/>
+        </p:nvGrpSpPr>
+        <p:grpSpPr>
+          <a:xfrm>
+            <a:off x="5144469" y="4353272"/>
+            <a:ext cx="864096" cy="1524000"/>
+            <a:chOff x="5144469" y="4353272"/>
+            <a:chExt cx="864096" cy="1524000"/>
+          </a:xfrm>
+        </p:grpSpPr>
+        <p:sp>
+          <p:nvSpPr>
+            <p:cNvPr id="45" name="ZoneTexte 3">
+              <a:extLst>
+                <a:ext uri="{FF2B5EF4-FFF2-40B4-BE49-F238E27FC236}">
+                  <a16:creationId xmlns:a16="http://schemas.microsoft.com/office/drawing/2014/main" id="{71A878E6-3488-8B75-0D0A-7071691997EB}"/>
+                </a:ext>
+              </a:extLst>
+            </p:cNvPr>
+            <p:cNvSpPr txBox="1"/>
+            <p:nvPr/>
+          </p:nvSpPr>
+          <p:spPr>
+            <a:xfrm>
+              <a:off x="5231904" y="4797152"/>
+              <a:ext cx="720080" cy="384721"/>
+            </a:xfrm>
+            <a:prstGeom prst="rect">
+              <a:avLst/>
+            </a:prstGeom>
+            <a:noFill/>
+          </p:spPr>
+          <p:txBody>
+            <a:bodyPr wrap="square" rtlCol="0">
+              <a:spAutoFit/>
+            </a:bodyPr>
+            <a:lstStyle/>
+            <a:p>
+              <a:r>
+                <a:rPr lang="fr-FR" sz="1900" dirty="0">
+                  <a:solidFill>
+                    <a:srgbClr val="DEAD36"/>
+                  </a:solidFill>
+                  <a:latin typeface="RetroBoundmini" panose="02000603000000000000" pitchFamily="2" charset="0"/>
+                  <a:ea typeface="RetroBoundmini" panose="02000603000000000000" pitchFamily="2" charset="0"/>
+                </a:rPr>
+                <a:t>+200</a:t>
+              </a:r>
+            </a:p>
+          </p:txBody>
+        </p:sp>
+        <p:pic>
+          <p:nvPicPr>
+            <p:cNvPr id="46" name="Picture 45" descr="Icon&#10;&#10;Description automatically generated with low confidence">
+              <a:extLst>
+                <a:ext uri="{FF2B5EF4-FFF2-40B4-BE49-F238E27FC236}">
+                  <a16:creationId xmlns:a16="http://schemas.microsoft.com/office/drawing/2014/main" id="{7B3EB970-3C96-6870-3746-B4616937B5B7}"/>
+                </a:ext>
+              </a:extLst>
+            </p:cNvPr>
+            <p:cNvPicPr>
+              <a:picLocks noChangeAspect="1"/>
+            </p:cNvPicPr>
+            <p:nvPr/>
+          </p:nvPicPr>
+          <p:blipFill>
+            <a:blip r:embed="rId2">
+              <a:extLst>
+                <a:ext uri="{28A0092B-C50C-407E-A947-70E740481C1C}">
+                  <a14:useLocalDpi xmlns:a14="http://schemas.microsoft.com/office/drawing/2010/main" val="0"/>
+                </a:ext>
+              </a:extLst>
+            </a:blip>
+            <a:stretch>
+              <a:fillRect/>
+            </a:stretch>
+          </p:blipFill>
+          <p:spPr>
+            <a:xfrm>
+              <a:off x="5339916" y="5085184"/>
+              <a:ext cx="360040" cy="360040"/>
+            </a:xfrm>
+            <a:prstGeom prst="rect">
+              <a:avLst/>
+            </a:prstGeom>
+          </p:spPr>
+        </p:pic>
+        <p:pic>
+          <p:nvPicPr>
+            <p:cNvPr id="18" name="Picture 4">
+              <a:extLst>
+                <a:ext uri="{FF2B5EF4-FFF2-40B4-BE49-F238E27FC236}">
+                  <a16:creationId xmlns:a16="http://schemas.microsoft.com/office/drawing/2014/main" id="{FFD0E026-2C63-A2C7-D5CD-A0EF7F3897CD}"/>
+                </a:ext>
+              </a:extLst>
+            </p:cNvPr>
+            <p:cNvPicPr>
+              <a:picLocks noChangeAspect="1" noChangeArrowheads="1"/>
+            </p:cNvPicPr>
+            <p:nvPr/>
+          </p:nvPicPr>
+          <p:blipFill rotWithShape="1">
+            <a:blip r:embed="rId3">
+              <a:duotone>
+                <a:schemeClr val="accent4">
+                  <a:shade val="45000"/>
+                  <a:satMod val="135000"/>
+                </a:schemeClr>
+                <a:prstClr val="white"/>
+              </a:duotone>
+              <a:extLst>
+                <a:ext uri="{28A0092B-C50C-407E-A947-70E740481C1C}">
+                  <a14:useLocalDpi xmlns:a14="http://schemas.microsoft.com/office/drawing/2010/main" val="0"/>
+                </a:ext>
+              </a:extLst>
+            </a:blip>
+            <a:srcRect l="52767" r="40145"/>
+            <a:stretch/>
+          </p:blipFill>
+          <p:spPr bwMode="auto">
+            <a:xfrm>
+              <a:off x="5144469" y="4353272"/>
+              <a:ext cx="864096" cy="1524000"/>
+            </a:xfrm>
+            <a:prstGeom prst="rect">
+              <a:avLst/>
+            </a:prstGeom>
+            <a:noFill/>
+            <a:extLst>
+              <a:ext uri="{909E8E84-426E-40DD-AFC4-6F175D3DCCD1}">
+                <a14:hiddenFill xmlns:a14="http://schemas.microsoft.com/office/drawing/2010/main">
+                  <a:solidFill>
+                    <a:srgbClr val="FFFFFF"/>
+                  </a:solidFill>
+                </a14:hiddenFill>
+              </a:ext>
+            </a:extLst>
+          </p:spPr>
+        </p:pic>
+      </p:grpSp>
+      <p:grpSp>
+        <p:nvGrpSpPr>
+          <p:cNvPr id="58" name="Group 57">
+            <a:extLst>
+              <a:ext uri="{FF2B5EF4-FFF2-40B4-BE49-F238E27FC236}">
+                <a16:creationId xmlns:a16="http://schemas.microsoft.com/office/drawing/2014/main" id="{511DC13A-D86D-C3A5-3EBE-3571AF2BC9CB}"/>
+              </a:ext>
+            </a:extLst>
+          </p:cNvPr>
+          <p:cNvGrpSpPr/>
+          <p:nvPr/>
+        </p:nvGrpSpPr>
+        <p:grpSpPr>
+          <a:xfrm>
+            <a:off x="6269982" y="4343350"/>
+            <a:ext cx="864096" cy="1524000"/>
+            <a:chOff x="6269982" y="4343350"/>
+            <a:chExt cx="864096" cy="1524000"/>
+          </a:xfrm>
+        </p:grpSpPr>
+        <p:sp>
+          <p:nvSpPr>
+            <p:cNvPr id="47" name="ZoneTexte 3">
+              <a:extLst>
+                <a:ext uri="{FF2B5EF4-FFF2-40B4-BE49-F238E27FC236}">
+                  <a16:creationId xmlns:a16="http://schemas.microsoft.com/office/drawing/2014/main" id="{D70A2D3C-5BCB-3F4B-30D5-338701A70232}"/>
+                </a:ext>
+              </a:extLst>
+            </p:cNvPr>
+            <p:cNvSpPr txBox="1"/>
+            <p:nvPr/>
+          </p:nvSpPr>
+          <p:spPr>
+            <a:xfrm>
+              <a:off x="6312024" y="4797152"/>
+              <a:ext cx="720080" cy="384721"/>
+            </a:xfrm>
+            <a:prstGeom prst="rect">
+              <a:avLst/>
+            </a:prstGeom>
+            <a:noFill/>
+          </p:spPr>
+          <p:txBody>
+            <a:bodyPr wrap="square" rtlCol="0">
+              <a:spAutoFit/>
+            </a:bodyPr>
+            <a:lstStyle/>
+            <a:p>
+              <a:r>
+                <a:rPr lang="fr-FR" sz="1900" dirty="0">
+                  <a:solidFill>
+                    <a:srgbClr val="DEAD36"/>
+                  </a:solidFill>
+                  <a:latin typeface="RetroBoundmini" panose="02000603000000000000" pitchFamily="2" charset="0"/>
+                  <a:ea typeface="RetroBoundmini" panose="02000603000000000000" pitchFamily="2" charset="0"/>
+                </a:rPr>
+                <a:t>+200</a:t>
+              </a:r>
+            </a:p>
+          </p:txBody>
+        </p:sp>
+        <p:pic>
+          <p:nvPicPr>
+            <p:cNvPr id="48" name="Picture 47" descr="Icon&#10;&#10;Description automatically generated with low confidence">
+              <a:extLst>
+                <a:ext uri="{FF2B5EF4-FFF2-40B4-BE49-F238E27FC236}">
+                  <a16:creationId xmlns:a16="http://schemas.microsoft.com/office/drawing/2014/main" id="{393E7098-8726-5251-07F9-B6107B94E583}"/>
+                </a:ext>
+              </a:extLst>
+            </p:cNvPr>
+            <p:cNvPicPr>
+              <a:picLocks noChangeAspect="1"/>
+            </p:cNvPicPr>
+            <p:nvPr/>
+          </p:nvPicPr>
+          <p:blipFill>
+            <a:blip r:embed="rId2">
+              <a:extLst>
+                <a:ext uri="{28A0092B-C50C-407E-A947-70E740481C1C}">
+                  <a14:useLocalDpi xmlns:a14="http://schemas.microsoft.com/office/drawing/2010/main" val="0"/>
+                </a:ext>
+              </a:extLst>
+            </a:blip>
+            <a:stretch>
+              <a:fillRect/>
+            </a:stretch>
+          </p:blipFill>
+          <p:spPr>
+            <a:xfrm>
+              <a:off x="6492044" y="5085184"/>
+              <a:ext cx="360040" cy="360040"/>
+            </a:xfrm>
+            <a:prstGeom prst="rect">
+              <a:avLst/>
+            </a:prstGeom>
+          </p:spPr>
+        </p:pic>
+        <p:pic>
+          <p:nvPicPr>
+            <p:cNvPr id="19" name="Picture 4">
+              <a:extLst>
+                <a:ext uri="{FF2B5EF4-FFF2-40B4-BE49-F238E27FC236}">
+                  <a16:creationId xmlns:a16="http://schemas.microsoft.com/office/drawing/2014/main" id="{58CC56AD-B1C6-532B-59E3-7CF84A3991A1}"/>
+                </a:ext>
+              </a:extLst>
+            </p:cNvPr>
+            <p:cNvPicPr>
+              <a:picLocks noChangeAspect="1" noChangeArrowheads="1"/>
+            </p:cNvPicPr>
+            <p:nvPr/>
+          </p:nvPicPr>
+          <p:blipFill rotWithShape="1">
+            <a:blip r:embed="rId3">
+              <a:duotone>
+                <a:schemeClr val="accent4">
+                  <a:shade val="45000"/>
+                  <a:satMod val="135000"/>
+                </a:schemeClr>
+                <a:prstClr val="white"/>
+              </a:duotone>
+              <a:extLst>
+                <a:ext uri="{28A0092B-C50C-407E-A947-70E740481C1C}">
+                  <a14:useLocalDpi xmlns:a14="http://schemas.microsoft.com/office/drawing/2010/main" val="0"/>
+                </a:ext>
+              </a:extLst>
+            </a:blip>
+            <a:srcRect l="65200" r="27712"/>
+            <a:stretch/>
+          </p:blipFill>
+          <p:spPr bwMode="auto">
+            <a:xfrm>
+              <a:off x="6269982" y="4343350"/>
+              <a:ext cx="864096" cy="1524000"/>
+            </a:xfrm>
+            <a:prstGeom prst="rect">
+              <a:avLst/>
+            </a:prstGeom>
+            <a:noFill/>
+            <a:extLst>
+              <a:ext uri="{909E8E84-426E-40DD-AFC4-6F175D3DCCD1}">
+                <a14:hiddenFill xmlns:a14="http://schemas.microsoft.com/office/drawing/2010/main">
+                  <a:solidFill>
+                    <a:srgbClr val="FFFFFF"/>
+                  </a:solidFill>
+                </a14:hiddenFill>
+              </a:ext>
+            </a:extLst>
+          </p:spPr>
+        </p:pic>
+      </p:grpSp>
+      <p:pic>
+        <p:nvPicPr>
+          <p:cNvPr id="4" name="Picture 6">
+            <a:extLst>
+              <a:ext uri="{FF2B5EF4-FFF2-40B4-BE49-F238E27FC236}">
+                <a16:creationId xmlns:a16="http://schemas.microsoft.com/office/drawing/2014/main" id="{C2097443-816B-7C92-55B0-CE964304BA29}"/>
+              </a:ext>
+            </a:extLst>
+          </p:cNvPr>
+          <p:cNvPicPr>
+            <a:picLocks noChangeAspect="1" noChangeArrowheads="1"/>
+          </p:cNvPicPr>
+          <p:nvPr/>
+        </p:nvPicPr>
+        <p:blipFill rotWithShape="1">
+          <a:blip r:embed="rId4">
+            <a:extLst>
+              <a:ext uri="{28A0092B-C50C-407E-A947-70E740481C1C}">
+                <a14:useLocalDpi xmlns:a14="http://schemas.microsoft.com/office/drawing/2010/main" val="0"/>
+              </a:ext>
+            </a:extLst>
+          </a:blip>
+          <a:srcRect l="3125" t="37500" r="94792" b="34375"/>
+          <a:stretch/>
+        </p:blipFill>
+        <p:spPr bwMode="auto">
+          <a:xfrm>
+            <a:off x="839416" y="1340768"/>
+            <a:ext cx="576064" cy="648072"/>
+          </a:xfrm>
+          <a:prstGeom prst="rect">
+            <a:avLst/>
+          </a:prstGeom>
+          <a:noFill/>
+          <a:extLst>
+            <a:ext uri="{909E8E84-426E-40DD-AFC4-6F175D3DCCD1}">
+              <a14:hiddenFill xmlns:a14="http://schemas.microsoft.com/office/drawing/2010/main">
+                <a:solidFill>
+                  <a:srgbClr val="FFFFFF"/>
+                </a:solidFill>
+              </a14:hiddenFill>
+            </a:ext>
+          </a:extLst>
+        </p:spPr>
+      </p:pic>
+      <p:pic>
+        <p:nvPicPr>
+          <p:cNvPr id="5" name="Picture 6">
+            <a:extLst>
+              <a:ext uri="{FF2B5EF4-FFF2-40B4-BE49-F238E27FC236}">
+                <a16:creationId xmlns:a16="http://schemas.microsoft.com/office/drawing/2014/main" id="{B8D9B769-5DA0-44CB-04DB-CD63A1F48F3D}"/>
+              </a:ext>
+            </a:extLst>
+          </p:cNvPr>
+          <p:cNvPicPr>
+            <a:picLocks noChangeAspect="1" noChangeArrowheads="1"/>
+          </p:cNvPicPr>
+          <p:nvPr/>
+        </p:nvPicPr>
+        <p:blipFill rotWithShape="1">
+          <a:blip r:embed="rId4">
+            <a:extLst>
+              <a:ext uri="{28A0092B-C50C-407E-A947-70E740481C1C}">
+                <a14:useLocalDpi xmlns:a14="http://schemas.microsoft.com/office/drawing/2010/main" val="0"/>
+              </a:ext>
+            </a:extLst>
+          </a:blip>
+          <a:srcRect l="11459" t="37500" r="86198" b="28125"/>
+          <a:stretch/>
+        </p:blipFill>
+        <p:spPr bwMode="auto">
+          <a:xfrm>
+            <a:off x="1559496" y="1340768"/>
+            <a:ext cx="648072" cy="792088"/>
+          </a:xfrm>
+          <a:prstGeom prst="rect">
+            <a:avLst/>
+          </a:prstGeom>
+          <a:noFill/>
+          <a:extLst>
+            <a:ext uri="{909E8E84-426E-40DD-AFC4-6F175D3DCCD1}">
+              <a14:hiddenFill xmlns:a14="http://schemas.microsoft.com/office/drawing/2010/main">
+                <a:solidFill>
+                  <a:srgbClr val="FFFFFF"/>
+                </a:solidFill>
+              </a14:hiddenFill>
+            </a:ext>
+          </a:extLst>
+        </p:spPr>
+      </p:pic>
+      <p:pic>
+        <p:nvPicPr>
+          <p:cNvPr id="6" name="Picture 6">
+            <a:extLst>
+              <a:ext uri="{FF2B5EF4-FFF2-40B4-BE49-F238E27FC236}">
+                <a16:creationId xmlns:a16="http://schemas.microsoft.com/office/drawing/2014/main" id="{0B94B4F8-50AD-5072-09A5-8AF0289F0F89}"/>
+              </a:ext>
+            </a:extLst>
+          </p:cNvPr>
+          <p:cNvPicPr>
+            <a:picLocks noChangeAspect="1" noChangeArrowheads="1"/>
+          </p:cNvPicPr>
+          <p:nvPr/>
+        </p:nvPicPr>
+        <p:blipFill rotWithShape="1">
+          <a:blip r:embed="rId4">
+            <a:extLst>
+              <a:ext uri="{28A0092B-C50C-407E-A947-70E740481C1C}">
+                <a14:useLocalDpi xmlns:a14="http://schemas.microsoft.com/office/drawing/2010/main" val="0"/>
+              </a:ext>
+            </a:extLst>
+          </a:blip>
+          <a:srcRect l="19788" t="37500" r="77348" b="28125"/>
+          <a:stretch/>
+        </p:blipFill>
+        <p:spPr bwMode="auto">
+          <a:xfrm>
+            <a:off x="2351584" y="1340768"/>
+            <a:ext cx="792088" cy="792088"/>
+          </a:xfrm>
+          <a:prstGeom prst="rect">
+            <a:avLst/>
+          </a:prstGeom>
+          <a:noFill/>
+          <a:extLst>
+            <a:ext uri="{909E8E84-426E-40DD-AFC4-6F175D3DCCD1}">
+              <a14:hiddenFill xmlns:a14="http://schemas.microsoft.com/office/drawing/2010/main">
+                <a:solidFill>
+                  <a:srgbClr val="FFFFFF"/>
+                </a:solidFill>
+              </a14:hiddenFill>
+            </a:ext>
+          </a:extLst>
+        </p:spPr>
+      </p:pic>
+      <p:pic>
+        <p:nvPicPr>
+          <p:cNvPr id="7" name="Picture 6">
+            <a:extLst>
+              <a:ext uri="{FF2B5EF4-FFF2-40B4-BE49-F238E27FC236}">
+                <a16:creationId xmlns:a16="http://schemas.microsoft.com/office/drawing/2014/main" id="{A3C025DE-F07D-9F8F-55E2-EA9C8F2FA583}"/>
+              </a:ext>
+            </a:extLst>
+          </p:cNvPr>
+          <p:cNvPicPr>
+            <a:picLocks noChangeAspect="1" noChangeArrowheads="1"/>
+          </p:cNvPicPr>
+          <p:nvPr/>
+        </p:nvPicPr>
+        <p:blipFill rotWithShape="1">
+          <a:blip r:embed="rId4">
+            <a:extLst>
+              <a:ext uri="{28A0092B-C50C-407E-A947-70E740481C1C}">
+                <a14:useLocalDpi xmlns:a14="http://schemas.microsoft.com/office/drawing/2010/main" val="0"/>
+              </a:ext>
+            </a:extLst>
+          </a:blip>
+          <a:srcRect l="28379" t="37500" r="69018" b="28125"/>
+          <a:stretch/>
+        </p:blipFill>
+        <p:spPr bwMode="auto">
+          <a:xfrm>
+            <a:off x="3215680" y="1340768"/>
+            <a:ext cx="720080" cy="792088"/>
+          </a:xfrm>
+          <a:prstGeom prst="rect">
+            <a:avLst/>
+          </a:prstGeom>
+          <a:noFill/>
+          <a:extLst>
+            <a:ext uri="{909E8E84-426E-40DD-AFC4-6F175D3DCCD1}">
+              <a14:hiddenFill xmlns:a14="http://schemas.microsoft.com/office/drawing/2010/main">
+                <a:solidFill>
+                  <a:srgbClr val="FFFFFF"/>
+                </a:solidFill>
+              </a14:hiddenFill>
+            </a:ext>
+          </a:extLst>
+        </p:spPr>
+      </p:pic>
+      <p:pic>
+        <p:nvPicPr>
+          <p:cNvPr id="8" name="Picture 7">
+            <a:extLst>
+              <a:ext uri="{FF2B5EF4-FFF2-40B4-BE49-F238E27FC236}">
+                <a16:creationId xmlns:a16="http://schemas.microsoft.com/office/drawing/2014/main" id="{2270F174-3743-7438-F238-78E85A130752}"/>
+              </a:ext>
+            </a:extLst>
+          </p:cNvPr>
+          <p:cNvPicPr>
+            <a:picLocks noChangeAspect="1" noChangeArrowheads="1"/>
+          </p:cNvPicPr>
+          <p:nvPr/>
+        </p:nvPicPr>
+        <p:blipFill rotWithShape="1">
+          <a:blip r:embed="rId4">
+            <a:extLst>
+              <a:ext uri="{28A0092B-C50C-407E-A947-70E740481C1C}">
+                <a14:useLocalDpi xmlns:a14="http://schemas.microsoft.com/office/drawing/2010/main" val="0"/>
+              </a:ext>
+            </a:extLst>
+          </a:blip>
+          <a:srcRect l="36971" t="37500" r="60947" b="28125"/>
+          <a:stretch/>
+        </p:blipFill>
+        <p:spPr bwMode="auto">
+          <a:xfrm>
+            <a:off x="4079776" y="1346508"/>
+            <a:ext cx="576064" cy="792088"/>
+          </a:xfrm>
+          <a:prstGeom prst="rect">
+            <a:avLst/>
+          </a:prstGeom>
+          <a:noFill/>
+          <a:extLst>
+            <a:ext uri="{909E8E84-426E-40DD-AFC4-6F175D3DCCD1}">
+              <a14:hiddenFill xmlns:a14="http://schemas.microsoft.com/office/drawing/2010/main">
+                <a:solidFill>
+                  <a:srgbClr val="FFFFFF"/>
+                </a:solidFill>
+              </a14:hiddenFill>
+            </a:ext>
+          </a:extLst>
+        </p:spPr>
+      </p:pic>
+      <p:pic>
+        <p:nvPicPr>
+          <p:cNvPr id="9" name="Picture 8">
+            <a:extLst>
+              <a:ext uri="{FF2B5EF4-FFF2-40B4-BE49-F238E27FC236}">
+                <a16:creationId xmlns:a16="http://schemas.microsoft.com/office/drawing/2014/main" id="{2B4BA0C4-11A5-86D9-5EDD-E4489B5C8391}"/>
+              </a:ext>
+            </a:extLst>
+          </p:cNvPr>
+          <p:cNvPicPr>
+            <a:picLocks noChangeAspect="1" noChangeArrowheads="1"/>
+          </p:cNvPicPr>
+          <p:nvPr/>
+        </p:nvPicPr>
+        <p:blipFill rotWithShape="1">
+          <a:blip r:embed="rId4">
+            <a:extLst>
+              <a:ext uri="{28A0092B-C50C-407E-A947-70E740481C1C}">
+                <a14:useLocalDpi xmlns:a14="http://schemas.microsoft.com/office/drawing/2010/main" val="0"/>
+              </a:ext>
+            </a:extLst>
+          </a:blip>
+          <a:srcRect l="44777" t="37500" r="52881" b="28125"/>
+          <a:stretch/>
+        </p:blipFill>
+        <p:spPr bwMode="auto">
+          <a:xfrm>
+            <a:off x="4691843" y="1349936"/>
+            <a:ext cx="648074" cy="792088"/>
+          </a:xfrm>
+          <a:prstGeom prst="rect">
+            <a:avLst/>
+          </a:prstGeom>
+          <a:noFill/>
+          <a:extLst>
+            <a:ext uri="{909E8E84-426E-40DD-AFC4-6F175D3DCCD1}">
+              <a14:hiddenFill xmlns:a14="http://schemas.microsoft.com/office/drawing/2010/main">
+                <a:solidFill>
+                  <a:srgbClr val="FFFFFF"/>
+                </a:solidFill>
+              </a14:hiddenFill>
+            </a:ext>
+          </a:extLst>
+        </p:spPr>
+      </p:pic>
+      <p:pic>
+        <p:nvPicPr>
+          <p:cNvPr id="10" name="Picture 9">
+            <a:extLst>
+              <a:ext uri="{FF2B5EF4-FFF2-40B4-BE49-F238E27FC236}">
+                <a16:creationId xmlns:a16="http://schemas.microsoft.com/office/drawing/2014/main" id="{27D390F9-0F7F-46CC-DFC7-56FBD67A30F8}"/>
+              </a:ext>
+            </a:extLst>
+          </p:cNvPr>
+          <p:cNvPicPr>
+            <a:picLocks noChangeAspect="1" noChangeArrowheads="1"/>
+          </p:cNvPicPr>
+          <p:nvPr/>
+        </p:nvPicPr>
+        <p:blipFill rotWithShape="1">
+          <a:blip r:embed="rId4">
+            <a:extLst>
+              <a:ext uri="{28A0092B-C50C-407E-A947-70E740481C1C}">
+                <a14:useLocalDpi xmlns:a14="http://schemas.microsoft.com/office/drawing/2010/main" val="0"/>
+              </a:ext>
+            </a:extLst>
+          </a:blip>
+          <a:srcRect l="53313" t="37500" r="44605" b="28125"/>
+          <a:stretch/>
+        </p:blipFill>
+        <p:spPr bwMode="auto">
+          <a:xfrm>
+            <a:off x="5586204" y="1362532"/>
+            <a:ext cx="576063" cy="792088"/>
+          </a:xfrm>
+          <a:prstGeom prst="rect">
+            <a:avLst/>
+          </a:prstGeom>
+          <a:noFill/>
+          <a:extLst>
+            <a:ext uri="{909E8E84-426E-40DD-AFC4-6F175D3DCCD1}">
+              <a14:hiddenFill xmlns:a14="http://schemas.microsoft.com/office/drawing/2010/main">
+                <a:solidFill>
+                  <a:srgbClr val="FFFFFF"/>
+                </a:solidFill>
+              </a14:hiddenFill>
+            </a:ext>
+          </a:extLst>
+        </p:spPr>
+      </p:pic>
+      <p:pic>
+        <p:nvPicPr>
+          <p:cNvPr id="11" name="Picture 10">
+            <a:extLst>
+              <a:ext uri="{FF2B5EF4-FFF2-40B4-BE49-F238E27FC236}">
+                <a16:creationId xmlns:a16="http://schemas.microsoft.com/office/drawing/2014/main" id="{C118F22A-ED92-4EDA-DF7B-170171129238}"/>
+              </a:ext>
+            </a:extLst>
+          </p:cNvPr>
+          <p:cNvPicPr>
+            <a:picLocks noChangeAspect="1" noChangeArrowheads="1"/>
+          </p:cNvPicPr>
+          <p:nvPr/>
+        </p:nvPicPr>
+        <p:blipFill rotWithShape="1">
+          <a:blip r:embed="rId4">
+            <a:extLst>
+              <a:ext uri="{28A0092B-C50C-407E-A947-70E740481C1C}">
+                <a14:useLocalDpi xmlns:a14="http://schemas.microsoft.com/office/drawing/2010/main" val="0"/>
+              </a:ext>
+            </a:extLst>
+          </a:blip>
+          <a:srcRect l="61771" t="33978" r="36407" b="28125"/>
+          <a:stretch/>
+        </p:blipFill>
+        <p:spPr bwMode="auto">
+          <a:xfrm>
+            <a:off x="6306284" y="1268760"/>
+            <a:ext cx="504056" cy="873264"/>
+          </a:xfrm>
+          <a:prstGeom prst="rect">
+            <a:avLst/>
+          </a:prstGeom>
+          <a:noFill/>
+          <a:extLst>
+            <a:ext uri="{909E8E84-426E-40DD-AFC4-6F175D3DCCD1}">
+              <a14:hiddenFill xmlns:a14="http://schemas.microsoft.com/office/drawing/2010/main">
+                <a:solidFill>
+                  <a:srgbClr val="FFFFFF"/>
+                </a:solidFill>
+              </a14:hiddenFill>
+            </a:ext>
+          </a:extLst>
+        </p:spPr>
+      </p:pic>
+      <p:pic>
+        <p:nvPicPr>
+          <p:cNvPr id="12" name="Picture 11">
+            <a:extLst>
+              <a:ext uri="{FF2B5EF4-FFF2-40B4-BE49-F238E27FC236}">
+                <a16:creationId xmlns:a16="http://schemas.microsoft.com/office/drawing/2014/main" id="{564A51F9-E8A0-EC20-CBBA-DA37B1CDD7EE}"/>
+              </a:ext>
+            </a:extLst>
+          </p:cNvPr>
+          <p:cNvPicPr>
+            <a:picLocks noChangeAspect="1" noChangeArrowheads="1"/>
+          </p:cNvPicPr>
+          <p:nvPr/>
+        </p:nvPicPr>
+        <p:blipFill rotWithShape="1">
+          <a:blip r:embed="rId4">
+            <a:extLst>
+              <a:ext uri="{28A0092B-C50C-407E-A947-70E740481C1C}">
+                <a14:useLocalDpi xmlns:a14="http://schemas.microsoft.com/office/drawing/2010/main" val="0"/>
+              </a:ext>
+            </a:extLst>
+          </a:blip>
+          <a:srcRect l="70178" t="33978" r="27740" b="28125"/>
+          <a:stretch/>
+        </p:blipFill>
+        <p:spPr bwMode="auto">
+          <a:xfrm>
+            <a:off x="6907852" y="1228172"/>
+            <a:ext cx="576063" cy="873264"/>
+          </a:xfrm>
+          <a:prstGeom prst="rect">
+            <a:avLst/>
+          </a:prstGeom>
+          <a:noFill/>
+          <a:extLst>
+            <a:ext uri="{909E8E84-426E-40DD-AFC4-6F175D3DCCD1}">
+              <a14:hiddenFill xmlns:a14="http://schemas.microsoft.com/office/drawing/2010/main">
+                <a:solidFill>
+                  <a:srgbClr val="FFFFFF"/>
+                </a:solidFill>
+              </a14:hiddenFill>
+            </a:ext>
+          </a:extLst>
+        </p:spPr>
+      </p:pic>
+      <p:pic>
+        <p:nvPicPr>
+          <p:cNvPr id="13" name="Picture 12">
+            <a:extLst>
+              <a:ext uri="{FF2B5EF4-FFF2-40B4-BE49-F238E27FC236}">
+                <a16:creationId xmlns:a16="http://schemas.microsoft.com/office/drawing/2014/main" id="{FC1AFA8F-1AA2-C5E8-30DF-8AB4334C20AF}"/>
+              </a:ext>
+            </a:extLst>
+          </p:cNvPr>
+          <p:cNvPicPr>
+            <a:picLocks noChangeAspect="1" noChangeArrowheads="1"/>
+          </p:cNvPicPr>
+          <p:nvPr/>
+        </p:nvPicPr>
+        <p:blipFill rotWithShape="1">
+          <a:blip r:embed="rId4">
+            <a:extLst>
+              <a:ext uri="{28A0092B-C50C-407E-A947-70E740481C1C}">
+                <a14:useLocalDpi xmlns:a14="http://schemas.microsoft.com/office/drawing/2010/main" val="0"/>
+              </a:ext>
+            </a:extLst>
+          </a:blip>
+          <a:srcRect l="78466" t="33978" r="19452" b="28125"/>
+          <a:stretch/>
+        </p:blipFill>
+        <p:spPr bwMode="auto">
+          <a:xfrm>
+            <a:off x="7581427" y="1228172"/>
+            <a:ext cx="576064" cy="873264"/>
+          </a:xfrm>
+          <a:prstGeom prst="rect">
+            <a:avLst/>
+          </a:prstGeom>
+          <a:noFill/>
+          <a:extLst>
+            <a:ext uri="{909E8E84-426E-40DD-AFC4-6F175D3DCCD1}">
+              <a14:hiddenFill xmlns:a14="http://schemas.microsoft.com/office/drawing/2010/main">
+                <a:solidFill>
+                  <a:srgbClr val="FFFFFF"/>
+                </a:solidFill>
+              </a14:hiddenFill>
+            </a:ext>
+          </a:extLst>
+        </p:spPr>
+      </p:pic>
+      <p:pic>
+        <p:nvPicPr>
+          <p:cNvPr id="12290" name="Picture 2">
+            <a:extLst>
+              <a:ext uri="{FF2B5EF4-FFF2-40B4-BE49-F238E27FC236}">
+                <a16:creationId xmlns:a16="http://schemas.microsoft.com/office/drawing/2014/main" id="{0D30B644-9B91-0BCF-BCBC-A533CC4CA62F}"/>
+              </a:ext>
+            </a:extLst>
+          </p:cNvPr>
+          <p:cNvPicPr>
+            <a:picLocks noChangeAspect="1" noChangeArrowheads="1"/>
+          </p:cNvPicPr>
+          <p:nvPr/>
+        </p:nvPicPr>
+        <p:blipFill rotWithShape="1">
+          <a:blip r:embed="rId5">
+            <a:extLst>
+              <a:ext uri="{28A0092B-C50C-407E-A947-70E740481C1C}">
+                <a14:useLocalDpi xmlns:a14="http://schemas.microsoft.com/office/drawing/2010/main" val="0"/>
+              </a:ext>
+            </a:extLst>
+          </a:blip>
+          <a:srcRect l="37400" b="66668"/>
+          <a:stretch/>
+        </p:blipFill>
+        <p:spPr bwMode="auto">
+          <a:xfrm>
+            <a:off x="3071664" y="2636912"/>
+            <a:ext cx="2146548" cy="1142960"/>
+          </a:xfrm>
+          <a:prstGeom prst="rect">
+            <a:avLst/>
+          </a:prstGeom>
+          <a:noFill/>
+          <a:extLst>
+            <a:ext uri="{909E8E84-426E-40DD-AFC4-6F175D3DCCD1}">
+              <a14:hiddenFill xmlns:a14="http://schemas.microsoft.com/office/drawing/2010/main">
+                <a:solidFill>
+                  <a:srgbClr val="FFFFFF"/>
+                </a:solidFill>
+              </a14:hiddenFill>
+            </a:ext>
+          </a:extLst>
+        </p:spPr>
+      </p:pic>
+      <p:grpSp>
+        <p:nvGrpSpPr>
+          <p:cNvPr id="53" name="Group 52">
+            <a:extLst>
+              <a:ext uri="{FF2B5EF4-FFF2-40B4-BE49-F238E27FC236}">
+                <a16:creationId xmlns:a16="http://schemas.microsoft.com/office/drawing/2014/main" id="{102ABEE5-4B0B-EB4C-4EEA-C5BC629CC960}"/>
+              </a:ext>
+            </a:extLst>
+          </p:cNvPr>
+          <p:cNvGrpSpPr/>
+          <p:nvPr/>
+        </p:nvGrpSpPr>
+        <p:grpSpPr>
+          <a:xfrm>
+            <a:off x="551384" y="4365104"/>
+            <a:ext cx="864096" cy="1524000"/>
+            <a:chOff x="551384" y="4365104"/>
+            <a:chExt cx="864096" cy="1524000"/>
+          </a:xfrm>
+        </p:grpSpPr>
         <p:pic>
           <p:nvPicPr>
             <p:cNvPr id="14" name="Picture 4">
@@ -11107,7 +12444,7 @@
             <p:nvPr/>
           </p:nvPicPr>
           <p:blipFill rotWithShape="1">
-            <a:blip r:embed="rId5">
+            <a:blip r:embed="rId3">
               <a:duotone>
                 <a:schemeClr val="accent4">
                   <a:shade val="45000"/>
@@ -11144,138 +12481,90 @@
             </a:extLst>
           </p:spPr>
         </p:pic>
-      </p:grpSp>
-      <p:grpSp>
-        <p:nvGrpSpPr>
-          <p:cNvPr id="30" name="Group 29">
-            <a:extLst>
-              <a:ext uri="{FF2B5EF4-FFF2-40B4-BE49-F238E27FC236}">
-                <a16:creationId xmlns:a16="http://schemas.microsoft.com/office/drawing/2014/main" id="{8BBE405A-A6C9-563D-2CAD-A393342BAC32}"/>
-              </a:ext>
-            </a:extLst>
-          </p:cNvPr>
-          <p:cNvGrpSpPr/>
-          <p:nvPr/>
-        </p:nvGrpSpPr>
-        <p:grpSpPr>
-          <a:xfrm>
-            <a:off x="1703562" y="4365104"/>
-            <a:ext cx="864096" cy="1524000"/>
-            <a:chOff x="1703562" y="4365104"/>
-            <a:chExt cx="864096" cy="1524000"/>
-          </a:xfrm>
-        </p:grpSpPr>
+        <p:sp>
+          <p:nvSpPr>
+            <p:cNvPr id="2" name="ZoneTexte 3">
+              <a:extLst>
+                <a:ext uri="{FF2B5EF4-FFF2-40B4-BE49-F238E27FC236}">
+                  <a16:creationId xmlns:a16="http://schemas.microsoft.com/office/drawing/2014/main" id="{B701401A-39E0-AA96-C055-6A55DCDA14A4}"/>
+                </a:ext>
+              </a:extLst>
+            </p:cNvPr>
+            <p:cNvSpPr txBox="1"/>
+            <p:nvPr/>
+          </p:nvSpPr>
+          <p:spPr>
+            <a:xfrm>
+              <a:off x="623392" y="4797152"/>
+              <a:ext cx="720080" cy="384721"/>
+            </a:xfrm>
+            <a:prstGeom prst="rect">
+              <a:avLst/>
+            </a:prstGeom>
+            <a:noFill/>
+          </p:spPr>
+          <p:txBody>
+            <a:bodyPr wrap="square" rtlCol="0">
+              <a:spAutoFit/>
+            </a:bodyPr>
+            <a:lstStyle/>
+            <a:p>
+              <a:r>
+                <a:rPr lang="fr-FR" sz="1900" dirty="0">
+                  <a:solidFill>
+                    <a:srgbClr val="DEAD36"/>
+                  </a:solidFill>
+                  <a:latin typeface="RetroBoundmini" panose="02000603000000000000" pitchFamily="2" charset="0"/>
+                  <a:ea typeface="RetroBoundmini" panose="02000603000000000000" pitchFamily="2" charset="0"/>
+                </a:rPr>
+                <a:t>+200</a:t>
+              </a:r>
+            </a:p>
+          </p:txBody>
+        </p:sp>
         <p:pic>
           <p:nvPicPr>
-            <p:cNvPr id="22" name="Picture 4">
+            <p:cNvPr id="37" name="Picture 36" descr="Icon&#10;&#10;Description automatically generated with low confidence">
               <a:extLst>
                 <a:ext uri="{FF2B5EF4-FFF2-40B4-BE49-F238E27FC236}">
-                  <a16:creationId xmlns:a16="http://schemas.microsoft.com/office/drawing/2014/main" id="{86CC6CDA-F2A7-4852-C0B5-EB36F308F677}"/>
+                  <a16:creationId xmlns:a16="http://schemas.microsoft.com/office/drawing/2014/main" id="{47FC092F-11A0-7363-2D3C-90BD87FD2723}"/>
                 </a:ext>
               </a:extLst>
             </p:cNvPr>
             <p:cNvPicPr>
-              <a:picLocks noChangeAspect="1" noChangeArrowheads="1"/>
+              <a:picLocks noChangeAspect="1"/>
             </p:cNvPicPr>
             <p:nvPr/>
           </p:nvPicPr>
-          <p:blipFill rotWithShape="1">
+          <p:blipFill>
             <a:blip r:embed="rId2">
-              <a:duotone>
-                <a:schemeClr val="accent4">
-                  <a:shade val="45000"/>
-                  <a:satMod val="135000"/>
-                </a:schemeClr>
-                <a:prstClr val="white"/>
-              </a:duotone>
               <a:extLst>
                 <a:ext uri="{28A0092B-C50C-407E-A947-70E740481C1C}">
                   <a14:useLocalDpi xmlns:a14="http://schemas.microsoft.com/office/drawing/2010/main" val="0"/>
                 </a:ext>
               </a:extLst>
             </a:blip>
-            <a:srcRect l="37802" b="67548"/>
-            <a:stretch/>
+            <a:stretch>
+              <a:fillRect/>
+            </a:stretch>
           </p:blipFill>
-          <p:spPr bwMode="auto">
+          <p:spPr>
             <a:xfrm>
-              <a:off x="1820996" y="4941168"/>
-              <a:ext cx="690054" cy="360040"/>
+              <a:off x="803412" y="5085184"/>
+              <a:ext cx="360040" cy="360040"/>
             </a:xfrm>
             <a:prstGeom prst="rect">
               <a:avLst/>
             </a:prstGeom>
-            <a:noFill/>
-            <a:extLst>
-              <a:ext uri="{909E8E84-426E-40DD-AFC4-6F175D3DCCD1}">
-                <a14:hiddenFill xmlns:a14="http://schemas.microsoft.com/office/drawing/2010/main">
-                  <a:solidFill>
-                    <a:srgbClr val="FFFFFF"/>
-                  </a:solidFill>
-                </a14:hiddenFill>
-              </a:ext>
-            </a:extLst>
-          </p:spPr>
-        </p:pic>
-        <p:pic>
-          <p:nvPicPr>
-            <p:cNvPr id="15" name="Picture 4">
-              <a:extLst>
-                <a:ext uri="{FF2B5EF4-FFF2-40B4-BE49-F238E27FC236}">
-                  <a16:creationId xmlns:a16="http://schemas.microsoft.com/office/drawing/2014/main" id="{31F6879F-4A00-0082-32E2-25453464D6A6}"/>
-                </a:ext>
-              </a:extLst>
-            </p:cNvPr>
-            <p:cNvPicPr>
-              <a:picLocks noChangeAspect="1" noChangeArrowheads="1"/>
-            </p:cNvPicPr>
-            <p:nvPr/>
-          </p:nvPicPr>
-          <p:blipFill rotWithShape="1">
-            <a:blip r:embed="rId5">
-              <a:duotone>
-                <a:schemeClr val="accent4">
-                  <a:shade val="45000"/>
-                  <a:satMod val="135000"/>
-                </a:schemeClr>
-                <a:prstClr val="white"/>
-              </a:duotone>
-              <a:extLst>
-                <a:ext uri="{28A0092B-C50C-407E-A947-70E740481C1C}">
-                  <a14:useLocalDpi xmlns:a14="http://schemas.microsoft.com/office/drawing/2010/main" val="0"/>
-                </a:ext>
-              </a:extLst>
-            </a:blip>
-            <a:srcRect l="15072" r="77840"/>
-            <a:stretch/>
-          </p:blipFill>
-          <p:spPr bwMode="auto">
-            <a:xfrm>
-              <a:off x="1703562" y="4365104"/>
-              <a:ext cx="864096" cy="1524000"/>
-            </a:xfrm>
-            <a:prstGeom prst="rect">
-              <a:avLst/>
-            </a:prstGeom>
-            <a:noFill/>
-            <a:extLst>
-              <a:ext uri="{909E8E84-426E-40DD-AFC4-6F175D3DCCD1}">
-                <a14:hiddenFill xmlns:a14="http://schemas.microsoft.com/office/drawing/2010/main">
-                  <a:solidFill>
-                    <a:srgbClr val="FFFFFF"/>
-                  </a:solidFill>
-                </a14:hiddenFill>
-              </a:ext>
-            </a:extLst>
           </p:spPr>
         </p:pic>
       </p:grpSp>
       <p:grpSp>
         <p:nvGrpSpPr>
-          <p:cNvPr id="31" name="Group 30">
-            <a:extLst>
-              <a:ext uri="{FF2B5EF4-FFF2-40B4-BE49-F238E27FC236}">
-                <a16:creationId xmlns:a16="http://schemas.microsoft.com/office/drawing/2014/main" id="{4E5A7E7E-0215-E478-0D96-8DF34C3FA399}"/>
+          <p:cNvPr id="59" name="Group 58">
+            <a:extLst>
+              <a:ext uri="{FF2B5EF4-FFF2-40B4-BE49-F238E27FC236}">
+                <a16:creationId xmlns:a16="http://schemas.microsoft.com/office/drawing/2014/main" id="{38F2E2EB-A669-4782-B05C-337A968D6A33}"/>
               </a:ext>
             </a:extLst>
           </p:cNvPr>
@@ -11284,491 +12573,12 @@
         </p:nvGrpSpPr>
         <p:grpSpPr>
           <a:xfrm>
-            <a:off x="2855740" y="4365104"/>
-            <a:ext cx="901799" cy="1524000"/>
-            <a:chOff x="2855740" y="4365104"/>
-            <a:chExt cx="901799" cy="1524000"/>
+            <a:off x="7411072" y="4343350"/>
+            <a:ext cx="864096" cy="1524000"/>
+            <a:chOff x="7411072" y="4343350"/>
+            <a:chExt cx="864096" cy="1524000"/>
           </a:xfrm>
         </p:grpSpPr>
-        <p:pic>
-          <p:nvPicPr>
-            <p:cNvPr id="24" name="Picture 4">
-              <a:extLst>
-                <a:ext uri="{FF2B5EF4-FFF2-40B4-BE49-F238E27FC236}">
-                  <a16:creationId xmlns:a16="http://schemas.microsoft.com/office/drawing/2014/main" id="{88C47114-175F-8371-BC6A-808824F2EB50}"/>
-                </a:ext>
-              </a:extLst>
-            </p:cNvPr>
-            <p:cNvPicPr>
-              <a:picLocks noChangeAspect="1" noChangeArrowheads="1"/>
-            </p:cNvPicPr>
-            <p:nvPr/>
-          </p:nvPicPr>
-          <p:blipFill rotWithShape="1">
-            <a:blip r:embed="rId2">
-              <a:duotone>
-                <a:schemeClr val="accent4">
-                  <a:shade val="45000"/>
-                  <a:satMod val="135000"/>
-                </a:schemeClr>
-                <a:prstClr val="white"/>
-              </a:duotone>
-              <a:extLst>
-                <a:ext uri="{28A0092B-C50C-407E-A947-70E740481C1C}">
-                  <a14:useLocalDpi xmlns:a14="http://schemas.microsoft.com/office/drawing/2010/main" val="0"/>
-                </a:ext>
-              </a:extLst>
-            </a:blip>
-            <a:srcRect l="37802" b="67548"/>
-            <a:stretch/>
-          </p:blipFill>
-          <p:spPr bwMode="auto">
-            <a:xfrm>
-              <a:off x="2958548" y="4941168"/>
-              <a:ext cx="690054" cy="360040"/>
-            </a:xfrm>
-            <a:prstGeom prst="rect">
-              <a:avLst/>
-            </a:prstGeom>
-            <a:noFill/>
-            <a:extLst>
-              <a:ext uri="{909E8E84-426E-40DD-AFC4-6F175D3DCCD1}">
-                <a14:hiddenFill xmlns:a14="http://schemas.microsoft.com/office/drawing/2010/main">
-                  <a:solidFill>
-                    <a:srgbClr val="FFFFFF"/>
-                  </a:solidFill>
-                </a14:hiddenFill>
-              </a:ext>
-            </a:extLst>
-          </p:spPr>
-        </p:pic>
-        <p:pic>
-          <p:nvPicPr>
-            <p:cNvPr id="16" name="Picture 4">
-              <a:extLst>
-                <a:ext uri="{FF2B5EF4-FFF2-40B4-BE49-F238E27FC236}">
-                  <a16:creationId xmlns:a16="http://schemas.microsoft.com/office/drawing/2014/main" id="{AA509538-315A-F877-A4C0-B85B878D61E3}"/>
-                </a:ext>
-              </a:extLst>
-            </p:cNvPr>
-            <p:cNvPicPr>
-              <a:picLocks noChangeAspect="1" noChangeArrowheads="1"/>
-            </p:cNvPicPr>
-            <p:nvPr/>
-          </p:nvPicPr>
-          <p:blipFill rotWithShape="1">
-            <a:blip r:embed="rId5">
-              <a:duotone>
-                <a:schemeClr val="accent4">
-                  <a:shade val="45000"/>
-                  <a:satMod val="135000"/>
-                </a:schemeClr>
-                <a:prstClr val="white"/>
-              </a:duotone>
-              <a:extLst>
-                <a:ext uri="{28A0092B-C50C-407E-A947-70E740481C1C}">
-                  <a14:useLocalDpi xmlns:a14="http://schemas.microsoft.com/office/drawing/2010/main" val="0"/>
-                </a:ext>
-              </a:extLst>
-            </a:blip>
-            <a:srcRect l="27756" r="64847"/>
-            <a:stretch/>
-          </p:blipFill>
-          <p:spPr bwMode="auto">
-            <a:xfrm>
-              <a:off x="2855740" y="4365104"/>
-              <a:ext cx="901799" cy="1524000"/>
-            </a:xfrm>
-            <a:prstGeom prst="rect">
-              <a:avLst/>
-            </a:prstGeom>
-            <a:noFill/>
-            <a:extLst>
-              <a:ext uri="{909E8E84-426E-40DD-AFC4-6F175D3DCCD1}">
-                <a14:hiddenFill xmlns:a14="http://schemas.microsoft.com/office/drawing/2010/main">
-                  <a:solidFill>
-                    <a:srgbClr val="FFFFFF"/>
-                  </a:solidFill>
-                </a14:hiddenFill>
-              </a:ext>
-            </a:extLst>
-          </p:spPr>
-        </p:pic>
-      </p:grpSp>
-      <p:pic>
-        <p:nvPicPr>
-          <p:cNvPr id="17" name="Picture 4">
-            <a:extLst>
-              <a:ext uri="{FF2B5EF4-FFF2-40B4-BE49-F238E27FC236}">
-                <a16:creationId xmlns:a16="http://schemas.microsoft.com/office/drawing/2014/main" id="{DC648DDC-A70F-FF61-2A6E-2745C7CC9C0D}"/>
-              </a:ext>
-            </a:extLst>
-          </p:cNvPr>
-          <p:cNvPicPr>
-            <a:picLocks noChangeAspect="1" noChangeArrowheads="1"/>
-          </p:cNvPicPr>
-          <p:nvPr/>
-        </p:nvPicPr>
-        <p:blipFill rotWithShape="1">
-          <a:blip r:embed="rId5">
-            <a:duotone>
-              <a:schemeClr val="accent4">
-                <a:shade val="45000"/>
-                <a:satMod val="135000"/>
-              </a:schemeClr>
-              <a:prstClr val="white"/>
-            </a:duotone>
-            <a:extLst>
-              <a:ext uri="{28A0092B-C50C-407E-A947-70E740481C1C}">
-                <a14:useLocalDpi xmlns:a14="http://schemas.microsoft.com/office/drawing/2010/main" val="0"/>
-              </a:ext>
-            </a:extLst>
-          </a:blip>
-          <a:srcRect l="40005" r="52907"/>
-          <a:stretch/>
-        </p:blipFill>
-        <p:spPr bwMode="auto">
-          <a:xfrm>
-            <a:off x="4018956" y="4365104"/>
-            <a:ext cx="864096" cy="1524000"/>
-          </a:xfrm>
-          <a:prstGeom prst="rect">
-            <a:avLst/>
-          </a:prstGeom>
-          <a:noFill/>
-          <a:extLst>
-            <a:ext uri="{909E8E84-426E-40DD-AFC4-6F175D3DCCD1}">
-              <a14:hiddenFill xmlns:a14="http://schemas.microsoft.com/office/drawing/2010/main">
-                <a:solidFill>
-                  <a:srgbClr val="FFFFFF"/>
-                </a:solidFill>
-              </a14:hiddenFill>
-            </a:ext>
-          </a:extLst>
-        </p:spPr>
-      </p:pic>
-      <p:grpSp>
-        <p:nvGrpSpPr>
-          <p:cNvPr id="35" name="Group 34">
-            <a:extLst>
-              <a:ext uri="{FF2B5EF4-FFF2-40B4-BE49-F238E27FC236}">
-                <a16:creationId xmlns:a16="http://schemas.microsoft.com/office/drawing/2014/main" id="{ADD7F4EA-3DEA-4BE0-B113-ED678E62DFB6}"/>
-              </a:ext>
-            </a:extLst>
-          </p:cNvPr>
-          <p:cNvGrpSpPr/>
-          <p:nvPr/>
-        </p:nvGrpSpPr>
-        <p:grpSpPr>
-          <a:xfrm>
-            <a:off x="5144469" y="4365104"/>
-            <a:ext cx="864096" cy="1524000"/>
-            <a:chOff x="5144469" y="4365104"/>
-            <a:chExt cx="864096" cy="1524000"/>
-          </a:xfrm>
-        </p:grpSpPr>
-        <p:pic>
-          <p:nvPicPr>
-            <p:cNvPr id="23" name="Picture 4">
-              <a:extLst>
-                <a:ext uri="{FF2B5EF4-FFF2-40B4-BE49-F238E27FC236}">
-                  <a16:creationId xmlns:a16="http://schemas.microsoft.com/office/drawing/2014/main" id="{05DD5754-396A-8C07-B8E6-F334394062A4}"/>
-                </a:ext>
-              </a:extLst>
-            </p:cNvPr>
-            <p:cNvPicPr>
-              <a:picLocks noChangeAspect="1" noChangeArrowheads="1"/>
-            </p:cNvPicPr>
-            <p:nvPr/>
-          </p:nvPicPr>
-          <p:blipFill rotWithShape="1">
-            <a:blip r:embed="rId2">
-              <a:duotone>
-                <a:schemeClr val="accent4">
-                  <a:shade val="45000"/>
-                  <a:satMod val="135000"/>
-                </a:schemeClr>
-                <a:prstClr val="white"/>
-              </a:duotone>
-              <a:extLst>
-                <a:ext uri="{28A0092B-C50C-407E-A947-70E740481C1C}">
-                  <a14:useLocalDpi xmlns:a14="http://schemas.microsoft.com/office/drawing/2010/main" val="0"/>
-                </a:ext>
-              </a:extLst>
-            </a:blip>
-            <a:srcRect l="37802" b="67548"/>
-            <a:stretch/>
-          </p:blipFill>
-          <p:spPr bwMode="auto">
-            <a:xfrm>
-              <a:off x="5233652" y="4941168"/>
-              <a:ext cx="690054" cy="360040"/>
-            </a:xfrm>
-            <a:prstGeom prst="rect">
-              <a:avLst/>
-            </a:prstGeom>
-            <a:noFill/>
-            <a:extLst>
-              <a:ext uri="{909E8E84-426E-40DD-AFC4-6F175D3DCCD1}">
-                <a14:hiddenFill xmlns:a14="http://schemas.microsoft.com/office/drawing/2010/main">
-                  <a:solidFill>
-                    <a:srgbClr val="FFFFFF"/>
-                  </a:solidFill>
-                </a14:hiddenFill>
-              </a:ext>
-            </a:extLst>
-          </p:spPr>
-        </p:pic>
-        <p:pic>
-          <p:nvPicPr>
-            <p:cNvPr id="18" name="Picture 4">
-              <a:extLst>
-                <a:ext uri="{FF2B5EF4-FFF2-40B4-BE49-F238E27FC236}">
-                  <a16:creationId xmlns:a16="http://schemas.microsoft.com/office/drawing/2014/main" id="{FFD0E026-2C63-A2C7-D5CD-A0EF7F3897CD}"/>
-                </a:ext>
-              </a:extLst>
-            </p:cNvPr>
-            <p:cNvPicPr>
-              <a:picLocks noChangeAspect="1" noChangeArrowheads="1"/>
-            </p:cNvPicPr>
-            <p:nvPr/>
-          </p:nvPicPr>
-          <p:blipFill rotWithShape="1">
-            <a:blip r:embed="rId5">
-              <a:duotone>
-                <a:schemeClr val="accent4">
-                  <a:shade val="45000"/>
-                  <a:satMod val="135000"/>
-                </a:schemeClr>
-                <a:prstClr val="white"/>
-              </a:duotone>
-              <a:extLst>
-                <a:ext uri="{28A0092B-C50C-407E-A947-70E740481C1C}">
-                  <a14:useLocalDpi xmlns:a14="http://schemas.microsoft.com/office/drawing/2010/main" val="0"/>
-                </a:ext>
-              </a:extLst>
-            </a:blip>
-            <a:srcRect l="52767" r="40145"/>
-            <a:stretch/>
-          </p:blipFill>
-          <p:spPr bwMode="auto">
-            <a:xfrm>
-              <a:off x="5144469" y="4365104"/>
-              <a:ext cx="864096" cy="1524000"/>
-            </a:xfrm>
-            <a:prstGeom prst="rect">
-              <a:avLst/>
-            </a:prstGeom>
-            <a:noFill/>
-            <a:extLst>
-              <a:ext uri="{909E8E84-426E-40DD-AFC4-6F175D3DCCD1}">
-                <a14:hiddenFill xmlns:a14="http://schemas.microsoft.com/office/drawing/2010/main">
-                  <a:solidFill>
-                    <a:srgbClr val="FFFFFF"/>
-                  </a:solidFill>
-                </a14:hiddenFill>
-              </a:ext>
-            </a:extLst>
-          </p:spPr>
-        </p:pic>
-      </p:grpSp>
-      <p:grpSp>
-        <p:nvGrpSpPr>
-          <p:cNvPr id="33" name="Group 32">
-            <a:extLst>
-              <a:ext uri="{FF2B5EF4-FFF2-40B4-BE49-F238E27FC236}">
-                <a16:creationId xmlns:a16="http://schemas.microsoft.com/office/drawing/2014/main" id="{694CD2DD-6FC1-368D-9584-ACF81D6959E6}"/>
-              </a:ext>
-            </a:extLst>
-          </p:cNvPr>
-          <p:cNvGrpSpPr/>
-          <p:nvPr/>
-        </p:nvGrpSpPr>
-        <p:grpSpPr>
-          <a:xfrm>
-            <a:off x="6269982" y="4355182"/>
-            <a:ext cx="864096" cy="1524000"/>
-            <a:chOff x="6269982" y="4355182"/>
-            <a:chExt cx="864096" cy="1524000"/>
-          </a:xfrm>
-        </p:grpSpPr>
-        <p:pic>
-          <p:nvPicPr>
-            <p:cNvPr id="26" name="Picture 4">
-              <a:extLst>
-                <a:ext uri="{FF2B5EF4-FFF2-40B4-BE49-F238E27FC236}">
-                  <a16:creationId xmlns:a16="http://schemas.microsoft.com/office/drawing/2014/main" id="{63C64A6F-59A2-6065-8344-96A270261A5B}"/>
-                </a:ext>
-              </a:extLst>
-            </p:cNvPr>
-            <p:cNvPicPr>
-              <a:picLocks noChangeAspect="1" noChangeArrowheads="1"/>
-            </p:cNvPicPr>
-            <p:nvPr/>
-          </p:nvPicPr>
-          <p:blipFill rotWithShape="1">
-            <a:blip r:embed="rId2">
-              <a:duotone>
-                <a:schemeClr val="accent4">
-                  <a:shade val="45000"/>
-                  <a:satMod val="135000"/>
-                </a:schemeClr>
-                <a:prstClr val="white"/>
-              </a:duotone>
-              <a:extLst>
-                <a:ext uri="{28A0092B-C50C-407E-A947-70E740481C1C}">
-                  <a14:useLocalDpi xmlns:a14="http://schemas.microsoft.com/office/drawing/2010/main" val="0"/>
-                </a:ext>
-              </a:extLst>
-            </a:blip>
-            <a:srcRect l="37802" b="67548"/>
-            <a:stretch/>
-          </p:blipFill>
-          <p:spPr bwMode="auto">
-            <a:xfrm>
-              <a:off x="6371204" y="4941168"/>
-              <a:ext cx="690054" cy="360040"/>
-            </a:xfrm>
-            <a:prstGeom prst="rect">
-              <a:avLst/>
-            </a:prstGeom>
-            <a:noFill/>
-            <a:extLst>
-              <a:ext uri="{909E8E84-426E-40DD-AFC4-6F175D3DCCD1}">
-                <a14:hiddenFill xmlns:a14="http://schemas.microsoft.com/office/drawing/2010/main">
-                  <a:solidFill>
-                    <a:srgbClr val="FFFFFF"/>
-                  </a:solidFill>
-                </a14:hiddenFill>
-              </a:ext>
-            </a:extLst>
-          </p:spPr>
-        </p:pic>
-        <p:pic>
-          <p:nvPicPr>
-            <p:cNvPr id="19" name="Picture 4">
-              <a:extLst>
-                <a:ext uri="{FF2B5EF4-FFF2-40B4-BE49-F238E27FC236}">
-                  <a16:creationId xmlns:a16="http://schemas.microsoft.com/office/drawing/2014/main" id="{58CC56AD-B1C6-532B-59E3-7CF84A3991A1}"/>
-                </a:ext>
-              </a:extLst>
-            </p:cNvPr>
-            <p:cNvPicPr>
-              <a:picLocks noChangeAspect="1" noChangeArrowheads="1"/>
-            </p:cNvPicPr>
-            <p:nvPr/>
-          </p:nvPicPr>
-          <p:blipFill rotWithShape="1">
-            <a:blip r:embed="rId5">
-              <a:duotone>
-                <a:schemeClr val="accent4">
-                  <a:shade val="45000"/>
-                  <a:satMod val="135000"/>
-                </a:schemeClr>
-                <a:prstClr val="white"/>
-              </a:duotone>
-              <a:extLst>
-                <a:ext uri="{28A0092B-C50C-407E-A947-70E740481C1C}">
-                  <a14:useLocalDpi xmlns:a14="http://schemas.microsoft.com/office/drawing/2010/main" val="0"/>
-                </a:ext>
-              </a:extLst>
-            </a:blip>
-            <a:srcRect l="65200" r="27712"/>
-            <a:stretch/>
-          </p:blipFill>
-          <p:spPr bwMode="auto">
-            <a:xfrm>
-              <a:off x="6269982" y="4355182"/>
-              <a:ext cx="864096" cy="1524000"/>
-            </a:xfrm>
-            <a:prstGeom prst="rect">
-              <a:avLst/>
-            </a:prstGeom>
-            <a:noFill/>
-            <a:extLst>
-              <a:ext uri="{909E8E84-426E-40DD-AFC4-6F175D3DCCD1}">
-                <a14:hiddenFill xmlns:a14="http://schemas.microsoft.com/office/drawing/2010/main">
-                  <a:solidFill>
-                    <a:srgbClr val="FFFFFF"/>
-                  </a:solidFill>
-                </a14:hiddenFill>
-              </a:ext>
-            </a:extLst>
-          </p:spPr>
-        </p:pic>
-      </p:grpSp>
-      <p:grpSp>
-        <p:nvGrpSpPr>
-          <p:cNvPr id="34" name="Group 33">
-            <a:extLst>
-              <a:ext uri="{FF2B5EF4-FFF2-40B4-BE49-F238E27FC236}">
-                <a16:creationId xmlns:a16="http://schemas.microsoft.com/office/drawing/2014/main" id="{84C3A43D-2C06-EF1D-C6B9-F068D39B4091}"/>
-              </a:ext>
-            </a:extLst>
-          </p:cNvPr>
-          <p:cNvGrpSpPr/>
-          <p:nvPr/>
-        </p:nvGrpSpPr>
-        <p:grpSpPr>
-          <a:xfrm>
-            <a:off x="7411072" y="4355182"/>
-            <a:ext cx="864096" cy="1524000"/>
-            <a:chOff x="7411072" y="4355182"/>
-            <a:chExt cx="864096" cy="1524000"/>
-          </a:xfrm>
-        </p:grpSpPr>
-        <p:pic>
-          <p:nvPicPr>
-            <p:cNvPr id="27" name="Picture 4">
-              <a:extLst>
-                <a:ext uri="{FF2B5EF4-FFF2-40B4-BE49-F238E27FC236}">
-                  <a16:creationId xmlns:a16="http://schemas.microsoft.com/office/drawing/2014/main" id="{A63CB1C6-786F-4158-F729-C36822E0CAAF}"/>
-                </a:ext>
-              </a:extLst>
-            </p:cNvPr>
-            <p:cNvPicPr>
-              <a:picLocks noChangeAspect="1" noChangeArrowheads="1"/>
-            </p:cNvPicPr>
-            <p:nvPr/>
-          </p:nvPicPr>
-          <p:blipFill rotWithShape="1">
-            <a:blip r:embed="rId2">
-              <a:duotone>
-                <a:schemeClr val="accent4">
-                  <a:shade val="45000"/>
-                  <a:satMod val="135000"/>
-                </a:schemeClr>
-                <a:prstClr val="white"/>
-              </a:duotone>
-              <a:extLst>
-                <a:ext uri="{28A0092B-C50C-407E-A947-70E740481C1C}">
-                  <a14:useLocalDpi xmlns:a14="http://schemas.microsoft.com/office/drawing/2010/main" val="0"/>
-                </a:ext>
-              </a:extLst>
-            </a:blip>
-            <a:srcRect l="37802" b="67548"/>
-            <a:stretch/>
-          </p:blipFill>
-          <p:spPr bwMode="auto">
-            <a:xfrm>
-              <a:off x="7508756" y="4941168"/>
-              <a:ext cx="690054" cy="360040"/>
-            </a:xfrm>
-            <a:prstGeom prst="rect">
-              <a:avLst/>
-            </a:prstGeom>
-            <a:noFill/>
-            <a:extLst>
-              <a:ext uri="{909E8E84-426E-40DD-AFC4-6F175D3DCCD1}">
-                <a14:hiddenFill xmlns:a14="http://schemas.microsoft.com/office/drawing/2010/main">
-                  <a:solidFill>
-                    <a:srgbClr val="FFFFFF"/>
-                  </a:solidFill>
-                </a14:hiddenFill>
-              </a:ext>
-            </a:extLst>
-          </p:spPr>
-        </p:pic>
         <p:pic>
           <p:nvPicPr>
             <p:cNvPr id="20" name="Picture 4">
@@ -11784,7 +12594,7 @@
             <p:nvPr/>
           </p:nvPicPr>
           <p:blipFill rotWithShape="1">
-            <a:blip r:embed="rId5">
+            <a:blip r:embed="rId3">
               <a:duotone>
                 <a:schemeClr val="accent4">
                   <a:shade val="45000"/>
@@ -11803,7 +12613,7 @@
           </p:blipFill>
           <p:spPr bwMode="auto">
             <a:xfrm>
-              <a:off x="7411072" y="4355182"/>
+              <a:off x="7411072" y="4343350"/>
               <a:ext cx="864096" cy="1524000"/>
             </a:xfrm>
             <a:prstGeom prst="rect">
@@ -11821,59 +12631,234 @@
             </a:extLst>
           </p:spPr>
         </p:pic>
+        <p:sp>
+          <p:nvSpPr>
+            <p:cNvPr id="49" name="ZoneTexte 3">
+              <a:extLst>
+                <a:ext uri="{FF2B5EF4-FFF2-40B4-BE49-F238E27FC236}">
+                  <a16:creationId xmlns:a16="http://schemas.microsoft.com/office/drawing/2014/main" id="{321CE86D-E1B9-2C93-BC4B-EE3667654F29}"/>
+                </a:ext>
+              </a:extLst>
+            </p:cNvPr>
+            <p:cNvSpPr txBox="1"/>
+            <p:nvPr/>
+          </p:nvSpPr>
+          <p:spPr>
+            <a:xfrm>
+              <a:off x="7464152" y="4797152"/>
+              <a:ext cx="720080" cy="384721"/>
+            </a:xfrm>
+            <a:prstGeom prst="rect">
+              <a:avLst/>
+            </a:prstGeom>
+            <a:noFill/>
+          </p:spPr>
+          <p:txBody>
+            <a:bodyPr wrap="square" rtlCol="0">
+              <a:spAutoFit/>
+            </a:bodyPr>
+            <a:lstStyle/>
+            <a:p>
+              <a:r>
+                <a:rPr lang="fr-FR" sz="1900" dirty="0">
+                  <a:solidFill>
+                    <a:srgbClr val="DEAD36"/>
+                  </a:solidFill>
+                  <a:latin typeface="RetroBoundmini" panose="02000603000000000000" pitchFamily="2" charset="0"/>
+                  <a:ea typeface="RetroBoundmini" panose="02000603000000000000" pitchFamily="2" charset="0"/>
+                </a:rPr>
+                <a:t>+200</a:t>
+              </a:r>
+            </a:p>
+          </p:txBody>
+        </p:sp>
+        <p:pic>
+          <p:nvPicPr>
+            <p:cNvPr id="50" name="Picture 49" descr="Icon&#10;&#10;Description automatically generated with low confidence">
+              <a:extLst>
+                <a:ext uri="{FF2B5EF4-FFF2-40B4-BE49-F238E27FC236}">
+                  <a16:creationId xmlns:a16="http://schemas.microsoft.com/office/drawing/2014/main" id="{0D583D31-6180-C0F6-21AE-C14E483D015B}"/>
+                </a:ext>
+              </a:extLst>
+            </p:cNvPr>
+            <p:cNvPicPr>
+              <a:picLocks noChangeAspect="1"/>
+            </p:cNvPicPr>
+            <p:nvPr/>
+          </p:nvPicPr>
+          <p:blipFill>
+            <a:blip r:embed="rId2">
+              <a:extLst>
+                <a:ext uri="{28A0092B-C50C-407E-A947-70E740481C1C}">
+                  <a14:useLocalDpi xmlns:a14="http://schemas.microsoft.com/office/drawing/2010/main" val="0"/>
+                </a:ext>
+              </a:extLst>
+            </a:blip>
+            <a:stretch>
+              <a:fillRect/>
+            </a:stretch>
+          </p:blipFill>
+          <p:spPr>
+            <a:xfrm>
+              <a:off x="7644172" y="5085184"/>
+              <a:ext cx="360040" cy="360040"/>
+            </a:xfrm>
+            <a:prstGeom prst="rect">
+              <a:avLst/>
+            </a:prstGeom>
+          </p:spPr>
+        </p:pic>
       </p:grpSp>
-      <p:pic>
-        <p:nvPicPr>
-          <p:cNvPr id="21" name="Picture 4">
-            <a:extLst>
-              <a:ext uri="{FF2B5EF4-FFF2-40B4-BE49-F238E27FC236}">
-                <a16:creationId xmlns:a16="http://schemas.microsoft.com/office/drawing/2014/main" id="{5DA0DC77-42E9-AB31-77B0-F66DA56A154A}"/>
-              </a:ext>
-            </a:extLst>
-          </p:cNvPr>
-          <p:cNvPicPr>
-            <a:picLocks noChangeAspect="1" noChangeArrowheads="1"/>
-          </p:cNvPicPr>
-          <p:nvPr/>
-        </p:nvPicPr>
-        <p:blipFill rotWithShape="1">
-          <a:blip r:embed="rId5">
-            <a:duotone>
-              <a:schemeClr val="accent4">
-                <a:shade val="45000"/>
-                <a:satMod val="135000"/>
-              </a:schemeClr>
-              <a:prstClr val="white"/>
-            </a:duotone>
-            <a:extLst>
-              <a:ext uri="{28A0092B-C50C-407E-A947-70E740481C1C}">
-                <a14:useLocalDpi xmlns:a14="http://schemas.microsoft.com/office/drawing/2010/main" val="0"/>
-              </a:ext>
-            </a:extLst>
-          </a:blip>
-          <a:srcRect l="90097" r="2815"/>
-          <a:stretch/>
-        </p:blipFill>
-        <p:spPr bwMode="auto">
-          <a:xfrm>
-            <a:off x="8501139" y="4355182"/>
+      <p:grpSp>
+        <p:nvGrpSpPr>
+          <p:cNvPr id="60" name="Group 59">
+            <a:extLst>
+              <a:ext uri="{FF2B5EF4-FFF2-40B4-BE49-F238E27FC236}">
+                <a16:creationId xmlns:a16="http://schemas.microsoft.com/office/drawing/2014/main" id="{A8F4ABCE-0B69-5976-6F1A-EE189AD9E69F}"/>
+              </a:ext>
+            </a:extLst>
+          </p:cNvPr>
+          <p:cNvGrpSpPr/>
+          <p:nvPr/>
+        </p:nvGrpSpPr>
+        <p:grpSpPr>
+          <a:xfrm>
+            <a:off x="8501139" y="4343350"/>
             <a:ext cx="864097" cy="1524000"/>
-          </a:xfrm>
-          <a:prstGeom prst="rect">
-            <a:avLst/>
-          </a:prstGeom>
-          <a:noFill/>
-          <a:extLst>
-            <a:ext uri="{909E8E84-426E-40DD-AFC4-6F175D3DCCD1}">
-              <a14:hiddenFill xmlns:a14="http://schemas.microsoft.com/office/drawing/2010/main">
-                <a:solidFill>
-                  <a:srgbClr val="FFFFFF"/>
-                </a:solidFill>
-              </a14:hiddenFill>
-            </a:ext>
-          </a:extLst>
-        </p:spPr>
-      </p:pic>
+            <a:chOff x="8501139" y="4343350"/>
+            <a:chExt cx="864097" cy="1524000"/>
+          </a:xfrm>
+        </p:grpSpPr>
+        <p:pic>
+          <p:nvPicPr>
+            <p:cNvPr id="21" name="Picture 4">
+              <a:extLst>
+                <a:ext uri="{FF2B5EF4-FFF2-40B4-BE49-F238E27FC236}">
+                  <a16:creationId xmlns:a16="http://schemas.microsoft.com/office/drawing/2014/main" id="{5DA0DC77-42E9-AB31-77B0-F66DA56A154A}"/>
+                </a:ext>
+              </a:extLst>
+            </p:cNvPr>
+            <p:cNvPicPr>
+              <a:picLocks noChangeAspect="1" noChangeArrowheads="1"/>
+            </p:cNvPicPr>
+            <p:nvPr/>
+          </p:nvPicPr>
+          <p:blipFill rotWithShape="1">
+            <a:blip r:embed="rId3">
+              <a:duotone>
+                <a:schemeClr val="accent4">
+                  <a:shade val="45000"/>
+                  <a:satMod val="135000"/>
+                </a:schemeClr>
+                <a:prstClr val="white"/>
+              </a:duotone>
+              <a:extLst>
+                <a:ext uri="{28A0092B-C50C-407E-A947-70E740481C1C}">
+                  <a14:useLocalDpi xmlns:a14="http://schemas.microsoft.com/office/drawing/2010/main" val="0"/>
+                </a:ext>
+              </a:extLst>
+            </a:blip>
+            <a:srcRect l="90097" r="2815"/>
+            <a:stretch/>
+          </p:blipFill>
+          <p:spPr bwMode="auto">
+            <a:xfrm>
+              <a:off x="8501139" y="4343350"/>
+              <a:ext cx="864097" cy="1524000"/>
+            </a:xfrm>
+            <a:prstGeom prst="rect">
+              <a:avLst/>
+            </a:prstGeom>
+            <a:noFill/>
+            <a:extLst>
+              <a:ext uri="{909E8E84-426E-40DD-AFC4-6F175D3DCCD1}">
+                <a14:hiddenFill xmlns:a14="http://schemas.microsoft.com/office/drawing/2010/main">
+                  <a:solidFill>
+                    <a:srgbClr val="FFFFFF"/>
+                  </a:solidFill>
+                </a14:hiddenFill>
+              </a:ext>
+            </a:extLst>
+          </p:spPr>
+        </p:pic>
+        <p:sp>
+          <p:nvSpPr>
+            <p:cNvPr id="51" name="ZoneTexte 3">
+              <a:extLst>
+                <a:ext uri="{FF2B5EF4-FFF2-40B4-BE49-F238E27FC236}">
+                  <a16:creationId xmlns:a16="http://schemas.microsoft.com/office/drawing/2014/main" id="{C428E198-C6CF-16C7-DBEC-B9C8AB17BA8E}"/>
+                </a:ext>
+              </a:extLst>
+            </p:cNvPr>
+            <p:cNvSpPr txBox="1"/>
+            <p:nvPr/>
+          </p:nvSpPr>
+          <p:spPr>
+            <a:xfrm>
+              <a:off x="8544272" y="4797152"/>
+              <a:ext cx="720080" cy="384721"/>
+            </a:xfrm>
+            <a:prstGeom prst="rect">
+              <a:avLst/>
+            </a:prstGeom>
+            <a:noFill/>
+          </p:spPr>
+          <p:txBody>
+            <a:bodyPr wrap="square" rtlCol="0">
+              <a:spAutoFit/>
+            </a:bodyPr>
+            <a:lstStyle/>
+            <a:p>
+              <a:r>
+                <a:rPr lang="fr-FR" sz="1900" dirty="0">
+                  <a:solidFill>
+                    <a:srgbClr val="DEAD36"/>
+                  </a:solidFill>
+                  <a:latin typeface="RetroBoundmini" panose="02000603000000000000" pitchFamily="2" charset="0"/>
+                  <a:ea typeface="RetroBoundmini" panose="02000603000000000000" pitchFamily="2" charset="0"/>
+                </a:rPr>
+                <a:t>+200</a:t>
+              </a:r>
+            </a:p>
+          </p:txBody>
+        </p:sp>
+        <p:pic>
+          <p:nvPicPr>
+            <p:cNvPr id="52" name="Picture 51" descr="Icon&#10;&#10;Description automatically generated with low confidence">
+              <a:extLst>
+                <a:ext uri="{FF2B5EF4-FFF2-40B4-BE49-F238E27FC236}">
+                  <a16:creationId xmlns:a16="http://schemas.microsoft.com/office/drawing/2014/main" id="{343021D2-4B1F-AEA8-D61C-91FCA6C2C53A}"/>
+                </a:ext>
+              </a:extLst>
+            </p:cNvPr>
+            <p:cNvPicPr>
+              <a:picLocks noChangeAspect="1"/>
+            </p:cNvPicPr>
+            <p:nvPr/>
+          </p:nvPicPr>
+          <p:blipFill>
+            <a:blip r:embed="rId2">
+              <a:extLst>
+                <a:ext uri="{28A0092B-C50C-407E-A947-70E740481C1C}">
+                  <a14:useLocalDpi xmlns:a14="http://schemas.microsoft.com/office/drawing/2010/main" val="0"/>
+                </a:ext>
+              </a:extLst>
+            </a:blip>
+            <a:stretch>
+              <a:fillRect/>
+            </a:stretch>
+          </p:blipFill>
+          <p:spPr>
+            <a:xfrm>
+              <a:off x="8724292" y="5085184"/>
+              <a:ext cx="360040" cy="360040"/>
+            </a:xfrm>
+            <a:prstGeom prst="rect">
+              <a:avLst/>
+            </a:prstGeom>
+          </p:spPr>
+        </p:pic>
+      </p:grpSp>
     </p:spTree>
     <p:extLst>
       <p:ext uri="{BB962C8B-B14F-4D97-AF65-F5344CB8AC3E}">
@@ -12048,6 +13033,467 @@
     <p:extLst>
       <p:ext uri="{BB962C8B-B14F-4D97-AF65-F5344CB8AC3E}">
         <p14:creationId xmlns:p14="http://schemas.microsoft.com/office/powerpoint/2010/main" val="4251731836"/>
+      </p:ext>
+    </p:extLst>
+  </p:cSld>
+  <p:clrMapOvr>
+    <a:masterClrMapping/>
+  </p:clrMapOvr>
+</p:sld>
+</file>
+
+<file path=ppt/slides/slide20.xml><?xml version="1.0" encoding="utf-8"?>
+<p:sld xmlns:a="http://schemas.openxmlformats.org/drawingml/2006/main" xmlns:r="http://schemas.openxmlformats.org/officeDocument/2006/relationships" xmlns:p="http://schemas.openxmlformats.org/presentationml/2006/main">
+  <p:cSld>
+    <p:spTree>
+      <p:nvGrpSpPr>
+        <p:cNvPr id="1" name=""/>
+        <p:cNvGrpSpPr/>
+        <p:nvPr/>
+      </p:nvGrpSpPr>
+      <p:grpSpPr>
+        <a:xfrm>
+          <a:off x="0" y="0"/>
+          <a:ext cx="0" cy="0"/>
+          <a:chOff x="0" y="0"/>
+          <a:chExt cx="0" cy="0"/>
+        </a:xfrm>
+      </p:grpSpPr>
+      <p:pic>
+        <p:nvPicPr>
+          <p:cNvPr id="5" name="Content Placeholder 4" descr="Logo&#10;&#10;Description automatically generated">
+            <a:extLst>
+              <a:ext uri="{FF2B5EF4-FFF2-40B4-BE49-F238E27FC236}">
+                <a16:creationId xmlns:a16="http://schemas.microsoft.com/office/drawing/2014/main" id="{342513D9-4975-935D-2ED2-273C6DE15B89}"/>
+              </a:ext>
+            </a:extLst>
+          </p:cNvPr>
+          <p:cNvPicPr>
+            <a:picLocks noGrp="1" noChangeAspect="1"/>
+          </p:cNvPicPr>
+          <p:nvPr>
+            <p:ph idx="1"/>
+          </p:nvPr>
+        </p:nvPicPr>
+        <p:blipFill>
+          <a:blip r:embed="rId2">
+            <a:extLst>
+              <a:ext uri="{28A0092B-C50C-407E-A947-70E740481C1C}">
+                <a14:useLocalDpi xmlns:a14="http://schemas.microsoft.com/office/drawing/2010/main" val="0"/>
+              </a:ext>
+            </a:extLst>
+          </a:blip>
+          <a:stretch>
+            <a:fillRect/>
+          </a:stretch>
+        </p:blipFill>
+        <p:spPr>
+          <a:xfrm>
+            <a:off x="0" y="548680"/>
+            <a:ext cx="2019300" cy="2895600"/>
+          </a:xfrm>
+        </p:spPr>
+      </p:pic>
+      <p:pic>
+        <p:nvPicPr>
+          <p:cNvPr id="7" name="Picture 6" descr="Logo&#10;&#10;Description automatically generated">
+            <a:extLst>
+              <a:ext uri="{FF2B5EF4-FFF2-40B4-BE49-F238E27FC236}">
+                <a16:creationId xmlns:a16="http://schemas.microsoft.com/office/drawing/2014/main" id="{5BDD7DE8-2CD1-4ABD-5055-2D7E197022E4}"/>
+              </a:ext>
+            </a:extLst>
+          </p:cNvPr>
+          <p:cNvPicPr>
+            <a:picLocks noChangeAspect="1"/>
+          </p:cNvPicPr>
+          <p:nvPr/>
+        </p:nvPicPr>
+        <p:blipFill>
+          <a:blip r:embed="rId3">
+            <a:extLst>
+              <a:ext uri="{28A0092B-C50C-407E-A947-70E740481C1C}">
+                <a14:useLocalDpi xmlns:a14="http://schemas.microsoft.com/office/drawing/2010/main" val="0"/>
+              </a:ext>
+            </a:extLst>
+          </a:blip>
+          <a:stretch>
+            <a:fillRect/>
+          </a:stretch>
+        </p:blipFill>
+        <p:spPr>
+          <a:xfrm>
+            <a:off x="1199456" y="548680"/>
+            <a:ext cx="2019300" cy="2895600"/>
+          </a:xfrm>
+          <a:prstGeom prst="rect">
+            <a:avLst/>
+          </a:prstGeom>
+        </p:spPr>
+      </p:pic>
+      <p:pic>
+        <p:nvPicPr>
+          <p:cNvPr id="9" name="Picture 8" descr="A picture containing logo&#10;&#10;Description automatically generated">
+            <a:extLst>
+              <a:ext uri="{FF2B5EF4-FFF2-40B4-BE49-F238E27FC236}">
+                <a16:creationId xmlns:a16="http://schemas.microsoft.com/office/drawing/2014/main" id="{39CE6F83-89CE-A72B-2D7B-89DED82D2EAD}"/>
+              </a:ext>
+            </a:extLst>
+          </p:cNvPr>
+          <p:cNvPicPr>
+            <a:picLocks noChangeAspect="1"/>
+          </p:cNvPicPr>
+          <p:nvPr/>
+        </p:nvPicPr>
+        <p:blipFill>
+          <a:blip r:embed="rId4">
+            <a:extLst>
+              <a:ext uri="{28A0092B-C50C-407E-A947-70E740481C1C}">
+                <a14:useLocalDpi xmlns:a14="http://schemas.microsoft.com/office/drawing/2010/main" val="0"/>
+              </a:ext>
+            </a:extLst>
+          </a:blip>
+          <a:stretch>
+            <a:fillRect/>
+          </a:stretch>
+        </p:blipFill>
+        <p:spPr>
+          <a:xfrm>
+            <a:off x="2495600" y="404664"/>
+            <a:ext cx="2019300" cy="2895600"/>
+          </a:xfrm>
+          <a:prstGeom prst="rect">
+            <a:avLst/>
+          </a:prstGeom>
+        </p:spPr>
+      </p:pic>
+      <p:pic>
+        <p:nvPicPr>
+          <p:cNvPr id="11" name="Picture 10" descr="A picture containing logo&#10;&#10;Description automatically generated">
+            <a:extLst>
+              <a:ext uri="{FF2B5EF4-FFF2-40B4-BE49-F238E27FC236}">
+                <a16:creationId xmlns:a16="http://schemas.microsoft.com/office/drawing/2014/main" id="{D561E9DD-8FE7-7457-5C32-0B7FBBE47918}"/>
+              </a:ext>
+            </a:extLst>
+          </p:cNvPr>
+          <p:cNvPicPr>
+            <a:picLocks noChangeAspect="1"/>
+          </p:cNvPicPr>
+          <p:nvPr/>
+        </p:nvPicPr>
+        <p:blipFill>
+          <a:blip r:embed="rId5">
+            <a:extLst>
+              <a:ext uri="{28A0092B-C50C-407E-A947-70E740481C1C}">
+                <a14:useLocalDpi xmlns:a14="http://schemas.microsoft.com/office/drawing/2010/main" val="0"/>
+              </a:ext>
+            </a:extLst>
+          </a:blip>
+          <a:stretch>
+            <a:fillRect/>
+          </a:stretch>
+        </p:blipFill>
+        <p:spPr>
+          <a:xfrm>
+            <a:off x="3719736" y="332656"/>
+            <a:ext cx="2019300" cy="2895600"/>
+          </a:xfrm>
+          <a:prstGeom prst="rect">
+            <a:avLst/>
+          </a:prstGeom>
+        </p:spPr>
+      </p:pic>
+      <p:pic>
+        <p:nvPicPr>
+          <p:cNvPr id="13" name="Picture 12" descr="Logo&#10;&#10;Description automatically generated with low confidence">
+            <a:extLst>
+              <a:ext uri="{FF2B5EF4-FFF2-40B4-BE49-F238E27FC236}">
+                <a16:creationId xmlns:a16="http://schemas.microsoft.com/office/drawing/2014/main" id="{A39654FE-1713-0BDE-2461-2EF098AA9B41}"/>
+              </a:ext>
+            </a:extLst>
+          </p:cNvPr>
+          <p:cNvPicPr>
+            <a:picLocks noChangeAspect="1"/>
+          </p:cNvPicPr>
+          <p:nvPr/>
+        </p:nvPicPr>
+        <p:blipFill>
+          <a:blip r:embed="rId6">
+            <a:extLst>
+              <a:ext uri="{28A0092B-C50C-407E-A947-70E740481C1C}">
+                <a14:useLocalDpi xmlns:a14="http://schemas.microsoft.com/office/drawing/2010/main" val="0"/>
+              </a:ext>
+            </a:extLst>
+          </a:blip>
+          <a:stretch>
+            <a:fillRect/>
+          </a:stretch>
+        </p:blipFill>
+        <p:spPr>
+          <a:xfrm>
+            <a:off x="5015880" y="260648"/>
+            <a:ext cx="2019300" cy="2895600"/>
+          </a:xfrm>
+          <a:prstGeom prst="rect">
+            <a:avLst/>
+          </a:prstGeom>
+        </p:spPr>
+      </p:pic>
+      <p:pic>
+        <p:nvPicPr>
+          <p:cNvPr id="15" name="Picture 14" descr="Logo&#10;&#10;Description automatically generated">
+            <a:extLst>
+              <a:ext uri="{FF2B5EF4-FFF2-40B4-BE49-F238E27FC236}">
+                <a16:creationId xmlns:a16="http://schemas.microsoft.com/office/drawing/2014/main" id="{32626B01-253A-3A1A-79B8-D98B9868A1C1}"/>
+              </a:ext>
+            </a:extLst>
+          </p:cNvPr>
+          <p:cNvPicPr>
+            <a:picLocks noChangeAspect="1"/>
+          </p:cNvPicPr>
+          <p:nvPr/>
+        </p:nvPicPr>
+        <p:blipFill>
+          <a:blip r:embed="rId7">
+            <a:extLst>
+              <a:ext uri="{28A0092B-C50C-407E-A947-70E740481C1C}">
+                <a14:useLocalDpi xmlns:a14="http://schemas.microsoft.com/office/drawing/2010/main" val="0"/>
+              </a:ext>
+            </a:extLst>
+          </a:blip>
+          <a:stretch>
+            <a:fillRect/>
+          </a:stretch>
+        </p:blipFill>
+        <p:spPr>
+          <a:xfrm>
+            <a:off x="6744072" y="260648"/>
+            <a:ext cx="2019300" cy="2895600"/>
+          </a:xfrm>
+          <a:prstGeom prst="rect">
+            <a:avLst/>
+          </a:prstGeom>
+        </p:spPr>
+      </p:pic>
+      <p:pic>
+        <p:nvPicPr>
+          <p:cNvPr id="16" name="Content Placeholder 4" descr="Logo&#10;&#10;Description automatically generated">
+            <a:extLst>
+              <a:ext uri="{FF2B5EF4-FFF2-40B4-BE49-F238E27FC236}">
+                <a16:creationId xmlns:a16="http://schemas.microsoft.com/office/drawing/2014/main" id="{DF362733-E550-7F92-7808-8070F1126A14}"/>
+              </a:ext>
+            </a:extLst>
+          </p:cNvPr>
+          <p:cNvPicPr>
+            <a:picLocks noChangeAspect="1"/>
+          </p:cNvPicPr>
+          <p:nvPr/>
+        </p:nvPicPr>
+        <p:blipFill>
+          <a:blip r:embed="rId2">
+            <a:extLst>
+              <a:ext uri="{28A0092B-C50C-407E-A947-70E740481C1C}">
+                <a14:useLocalDpi xmlns:a14="http://schemas.microsoft.com/office/drawing/2010/main" val="0"/>
+              </a:ext>
+            </a:extLst>
+          </a:blip>
+          <a:stretch>
+            <a:fillRect/>
+          </a:stretch>
+        </p:blipFill>
+        <p:spPr>
+          <a:xfrm flipH="1">
+            <a:off x="144016" y="3140968"/>
+            <a:ext cx="2019300" cy="2895600"/>
+          </a:xfrm>
+          <a:prstGeom prst="rect">
+            <a:avLst/>
+          </a:prstGeom>
+        </p:spPr>
+      </p:pic>
+      <p:pic>
+        <p:nvPicPr>
+          <p:cNvPr id="17" name="Picture 16" descr="Logo&#10;&#10;Description automatically generated">
+            <a:extLst>
+              <a:ext uri="{FF2B5EF4-FFF2-40B4-BE49-F238E27FC236}">
+                <a16:creationId xmlns:a16="http://schemas.microsoft.com/office/drawing/2014/main" id="{63ABC971-849D-E80F-D5E9-4C7F973A9C50}"/>
+              </a:ext>
+            </a:extLst>
+          </p:cNvPr>
+          <p:cNvPicPr>
+            <a:picLocks noChangeAspect="1"/>
+          </p:cNvPicPr>
+          <p:nvPr/>
+        </p:nvPicPr>
+        <p:blipFill>
+          <a:blip r:embed="rId3">
+            <a:extLst>
+              <a:ext uri="{28A0092B-C50C-407E-A947-70E740481C1C}">
+                <a14:useLocalDpi xmlns:a14="http://schemas.microsoft.com/office/drawing/2010/main" val="0"/>
+              </a:ext>
+            </a:extLst>
+          </a:blip>
+          <a:stretch>
+            <a:fillRect/>
+          </a:stretch>
+        </p:blipFill>
+        <p:spPr>
+          <a:xfrm flipH="1">
+            <a:off x="1343472" y="3140968"/>
+            <a:ext cx="2019300" cy="2895600"/>
+          </a:xfrm>
+          <a:prstGeom prst="rect">
+            <a:avLst/>
+          </a:prstGeom>
+        </p:spPr>
+      </p:pic>
+      <p:pic>
+        <p:nvPicPr>
+          <p:cNvPr id="18" name="Picture 17" descr="A picture containing logo&#10;&#10;Description automatically generated">
+            <a:extLst>
+              <a:ext uri="{FF2B5EF4-FFF2-40B4-BE49-F238E27FC236}">
+                <a16:creationId xmlns:a16="http://schemas.microsoft.com/office/drawing/2014/main" id="{7F73CE16-A912-188A-6033-F0A913757854}"/>
+              </a:ext>
+            </a:extLst>
+          </p:cNvPr>
+          <p:cNvPicPr>
+            <a:picLocks noChangeAspect="1"/>
+          </p:cNvPicPr>
+          <p:nvPr/>
+        </p:nvPicPr>
+        <p:blipFill>
+          <a:blip r:embed="rId4">
+            <a:extLst>
+              <a:ext uri="{28A0092B-C50C-407E-A947-70E740481C1C}">
+                <a14:useLocalDpi xmlns:a14="http://schemas.microsoft.com/office/drawing/2010/main" val="0"/>
+              </a:ext>
+            </a:extLst>
+          </a:blip>
+          <a:stretch>
+            <a:fillRect/>
+          </a:stretch>
+        </p:blipFill>
+        <p:spPr>
+          <a:xfrm flipH="1">
+            <a:off x="2639616" y="2996952"/>
+            <a:ext cx="2019300" cy="2895600"/>
+          </a:xfrm>
+          <a:prstGeom prst="rect">
+            <a:avLst/>
+          </a:prstGeom>
+        </p:spPr>
+      </p:pic>
+      <p:pic>
+        <p:nvPicPr>
+          <p:cNvPr id="19" name="Picture 18" descr="A picture containing logo&#10;&#10;Description automatically generated">
+            <a:extLst>
+              <a:ext uri="{FF2B5EF4-FFF2-40B4-BE49-F238E27FC236}">
+                <a16:creationId xmlns:a16="http://schemas.microsoft.com/office/drawing/2014/main" id="{55CF8F9D-69CB-BD7E-C8FA-4C7721A22883}"/>
+              </a:ext>
+            </a:extLst>
+          </p:cNvPr>
+          <p:cNvPicPr>
+            <a:picLocks noChangeAspect="1"/>
+          </p:cNvPicPr>
+          <p:nvPr/>
+        </p:nvPicPr>
+        <p:blipFill>
+          <a:blip r:embed="rId5">
+            <a:extLst>
+              <a:ext uri="{28A0092B-C50C-407E-A947-70E740481C1C}">
+                <a14:useLocalDpi xmlns:a14="http://schemas.microsoft.com/office/drawing/2010/main" val="0"/>
+              </a:ext>
+            </a:extLst>
+          </a:blip>
+          <a:stretch>
+            <a:fillRect/>
+          </a:stretch>
+        </p:blipFill>
+        <p:spPr>
+          <a:xfrm flipH="1">
+            <a:off x="3863752" y="2924944"/>
+            <a:ext cx="2019300" cy="2895600"/>
+          </a:xfrm>
+          <a:prstGeom prst="rect">
+            <a:avLst/>
+          </a:prstGeom>
+        </p:spPr>
+      </p:pic>
+      <p:pic>
+        <p:nvPicPr>
+          <p:cNvPr id="20" name="Picture 19" descr="Logo&#10;&#10;Description automatically generated with low confidence">
+            <a:extLst>
+              <a:ext uri="{FF2B5EF4-FFF2-40B4-BE49-F238E27FC236}">
+                <a16:creationId xmlns:a16="http://schemas.microsoft.com/office/drawing/2014/main" id="{09DF1921-BF8B-EEEC-8899-4D07A45C3504}"/>
+              </a:ext>
+            </a:extLst>
+          </p:cNvPr>
+          <p:cNvPicPr>
+            <a:picLocks noChangeAspect="1"/>
+          </p:cNvPicPr>
+          <p:nvPr/>
+        </p:nvPicPr>
+        <p:blipFill>
+          <a:blip r:embed="rId6">
+            <a:extLst>
+              <a:ext uri="{28A0092B-C50C-407E-A947-70E740481C1C}">
+                <a14:useLocalDpi xmlns:a14="http://schemas.microsoft.com/office/drawing/2010/main" val="0"/>
+              </a:ext>
+            </a:extLst>
+          </a:blip>
+          <a:stretch>
+            <a:fillRect/>
+          </a:stretch>
+        </p:blipFill>
+        <p:spPr>
+          <a:xfrm flipH="1">
+            <a:off x="5159896" y="2852936"/>
+            <a:ext cx="2019300" cy="2895600"/>
+          </a:xfrm>
+          <a:prstGeom prst="rect">
+            <a:avLst/>
+          </a:prstGeom>
+        </p:spPr>
+      </p:pic>
+      <p:pic>
+        <p:nvPicPr>
+          <p:cNvPr id="21" name="Picture 20" descr="Logo&#10;&#10;Description automatically generated">
+            <a:extLst>
+              <a:ext uri="{FF2B5EF4-FFF2-40B4-BE49-F238E27FC236}">
+                <a16:creationId xmlns:a16="http://schemas.microsoft.com/office/drawing/2014/main" id="{588C1A51-9F8A-0BE0-1736-8E77C8B12984}"/>
+              </a:ext>
+            </a:extLst>
+          </p:cNvPr>
+          <p:cNvPicPr>
+            <a:picLocks noChangeAspect="1"/>
+          </p:cNvPicPr>
+          <p:nvPr/>
+        </p:nvPicPr>
+        <p:blipFill>
+          <a:blip r:embed="rId7">
+            <a:extLst>
+              <a:ext uri="{28A0092B-C50C-407E-A947-70E740481C1C}">
+                <a14:useLocalDpi xmlns:a14="http://schemas.microsoft.com/office/drawing/2010/main" val="0"/>
+              </a:ext>
+            </a:extLst>
+          </a:blip>
+          <a:stretch>
+            <a:fillRect/>
+          </a:stretch>
+        </p:blipFill>
+        <p:spPr>
+          <a:xfrm flipH="1">
+            <a:off x="6888088" y="2852936"/>
+            <a:ext cx="2019300" cy="2895600"/>
+          </a:xfrm>
+          <a:prstGeom prst="rect">
+            <a:avLst/>
+          </a:prstGeom>
+        </p:spPr>
+      </p:pic>
+    </p:spTree>
+    <p:extLst>
+      <p:ext uri="{BB962C8B-B14F-4D97-AF65-F5344CB8AC3E}">
+        <p14:creationId xmlns:p14="http://schemas.microsoft.com/office/powerpoint/2010/main" val="1733317260"/>
       </p:ext>
     </p:extLst>
   </p:cSld>

--- a/Sprite/assets.pptx
+++ b/Sprite/assets.pptx
@@ -18,13 +18,18 @@
     <p:sldId id="272" r:id="rId12"/>
     <p:sldId id="273" r:id="rId13"/>
     <p:sldId id="274" r:id="rId14"/>
-    <p:sldId id="264" r:id="rId15"/>
-    <p:sldId id="266" r:id="rId16"/>
-    <p:sldId id="267" r:id="rId17"/>
-    <p:sldId id="268" r:id="rId18"/>
-    <p:sldId id="269" r:id="rId19"/>
-    <p:sldId id="270" r:id="rId20"/>
-    <p:sldId id="275" r:id="rId21"/>
+    <p:sldId id="278" r:id="rId15"/>
+    <p:sldId id="279" r:id="rId16"/>
+    <p:sldId id="280" r:id="rId17"/>
+    <p:sldId id="264" r:id="rId18"/>
+    <p:sldId id="266" r:id="rId19"/>
+    <p:sldId id="267" r:id="rId20"/>
+    <p:sldId id="268" r:id="rId21"/>
+    <p:sldId id="269" r:id="rId22"/>
+    <p:sldId id="270" r:id="rId23"/>
+    <p:sldId id="275" r:id="rId24"/>
+    <p:sldId id="276" r:id="rId25"/>
+    <p:sldId id="277" r:id="rId26"/>
   </p:sldIdLst>
   <p:sldSz cx="12192000" cy="6858000"/>
   <p:notesSz cx="6858000" cy="9144000"/>
@@ -145,7 +150,7 @@
 <file path=ppt/revisionInfo.xml><?xml version="1.0" encoding="utf-8"?>
 <p1510:revInfo xmlns:a="http://schemas.openxmlformats.org/drawingml/2006/main" xmlns:r="http://schemas.openxmlformats.org/officeDocument/2006/relationships" xmlns:p1510="http://schemas.microsoft.com/office/powerpoint/2015/10/main">
   <p1510:revLst>
-    <p1510:client id="{0399D419-9F62-4D32-B4D6-785E03637ADB}" v="96" dt="2023-01-14T14:52:29.768"/>
+    <p1510:client id="{0399D419-9F62-4D32-B4D6-785E03637ADB}" v="113" dt="2023-01-20T14:31:02.284"/>
   </p1510:revLst>
 </p1510:revInfo>
 </file>
@@ -2726,10 +2731,25 @@
   <pc:docChgLst>
     <pc:chgData name="Marine BAYET" userId="d4b4ad781415c63a" providerId="LiveId" clId="{0399D419-9F62-4D32-B4D6-785E03637ADB}"/>
     <pc:docChg chg="undo custSel addSld delSld modSld">
-      <pc:chgData name="Marine BAYET" userId="d4b4ad781415c63a" providerId="LiveId" clId="{0399D419-9F62-4D32-B4D6-785E03637ADB}" dt="2023-01-14T14:52:39.744" v="288" actId="196"/>
+      <pc:chgData name="Marine BAYET" userId="d4b4ad781415c63a" providerId="LiveId" clId="{0399D419-9F62-4D32-B4D6-785E03637ADB}" dt="2023-01-20T14:31:02.284" v="370" actId="478"/>
       <pc:docMkLst>
         <pc:docMk/>
       </pc:docMkLst>
+      <pc:sldChg chg="addSp modSp mod">
+        <pc:chgData name="Marine BAYET" userId="d4b4ad781415c63a" providerId="LiveId" clId="{0399D419-9F62-4D32-B4D6-785E03637ADB}" dt="2023-01-20T13:22:01.549" v="303" actId="20577"/>
+        <pc:sldMkLst>
+          <pc:docMk/>
+          <pc:sldMk cId="1719639563" sldId="259"/>
+        </pc:sldMkLst>
+        <pc:spChg chg="add mod">
+          <ac:chgData name="Marine BAYET" userId="d4b4ad781415c63a" providerId="LiveId" clId="{0399D419-9F62-4D32-B4D6-785E03637ADB}" dt="2023-01-20T13:22:01.549" v="303" actId="20577"/>
+          <ac:spMkLst>
+            <pc:docMk/>
+            <pc:sldMk cId="1719639563" sldId="259"/>
+            <ac:spMk id="2" creationId="{F843581F-C18D-EBE8-1FA8-03A855663C26}"/>
+          </ac:spMkLst>
+        </pc:spChg>
+      </pc:sldChg>
       <pc:sldChg chg="addSp delSp modSp mod">
         <pc:chgData name="Marine BAYET" userId="d4b4ad781415c63a" providerId="LiveId" clId="{0399D419-9F62-4D32-B4D6-785E03637ADB}" dt="2023-01-14T14:25:00.945" v="166" actId="164"/>
         <pc:sldMkLst>
@@ -3462,6 +3482,153 @@
             <ac:picMk id="1026" creationId="{82DC0152-4C0A-9D75-2914-26949C3AFEA8}"/>
           </ac:picMkLst>
         </pc:picChg>
+      </pc:sldChg>
+      <pc:sldChg chg="addSp delSp modSp new mod">
+        <pc:chgData name="Marine BAYET" userId="d4b4ad781415c63a" providerId="LiveId" clId="{0399D419-9F62-4D32-B4D6-785E03637ADB}" dt="2023-01-20T13:46:46.937" v="304" actId="1076"/>
+        <pc:sldMkLst>
+          <pc:docMk/>
+          <pc:sldMk cId="819084507" sldId="276"/>
+        </pc:sldMkLst>
+        <pc:spChg chg="del">
+          <ac:chgData name="Marine BAYET" userId="d4b4ad781415c63a" providerId="LiveId" clId="{0399D419-9F62-4D32-B4D6-785E03637ADB}" dt="2023-01-20T13:08:05.208" v="290" actId="931"/>
+          <ac:spMkLst>
+            <pc:docMk/>
+            <pc:sldMk cId="819084507" sldId="276"/>
+            <ac:spMk id="3" creationId="{55BB3AFB-A532-1610-ABAC-A9BFBCC32D8F}"/>
+          </ac:spMkLst>
+        </pc:spChg>
+        <pc:picChg chg="add mod">
+          <ac:chgData name="Marine BAYET" userId="d4b4ad781415c63a" providerId="LiveId" clId="{0399D419-9F62-4D32-B4D6-785E03637ADB}" dt="2023-01-20T13:08:08.007" v="292" actId="962"/>
+          <ac:picMkLst>
+            <pc:docMk/>
+            <pc:sldMk cId="819084507" sldId="276"/>
+            <ac:picMk id="5" creationId="{62C74379-BBB5-E4BA-DA43-AB54989F956F}"/>
+          </ac:picMkLst>
+        </pc:picChg>
+        <pc:picChg chg="add mod">
+          <ac:chgData name="Marine BAYET" userId="d4b4ad781415c63a" providerId="LiveId" clId="{0399D419-9F62-4D32-B4D6-785E03637ADB}" dt="2023-01-20T13:46:46.937" v="304" actId="1076"/>
+          <ac:picMkLst>
+            <pc:docMk/>
+            <pc:sldMk cId="819084507" sldId="276"/>
+            <ac:picMk id="7" creationId="{DB6CCF82-B46F-7A69-4D02-EA4592E3BB2C}"/>
+          </ac:picMkLst>
+        </pc:picChg>
+      </pc:sldChg>
+      <pc:sldChg chg="addSp delSp modSp add mod setBg">
+        <pc:chgData name="Marine BAYET" userId="d4b4ad781415c63a" providerId="LiveId" clId="{0399D419-9F62-4D32-B4D6-785E03637ADB}" dt="2023-01-20T14:10:40.444" v="368" actId="14100"/>
+        <pc:sldMkLst>
+          <pc:docMk/>
+          <pc:sldMk cId="3354638903" sldId="277"/>
+        </pc:sldMkLst>
+        <pc:spChg chg="mod">
+          <ac:chgData name="Marine BAYET" userId="d4b4ad781415c63a" providerId="LiveId" clId="{0399D419-9F62-4D32-B4D6-785E03637ADB}" dt="2023-01-20T13:52:50.915" v="339" actId="26606"/>
+          <ac:spMkLst>
+            <pc:docMk/>
+            <pc:sldMk cId="3354638903" sldId="277"/>
+            <ac:spMk id="2" creationId="{27C4694A-3475-9BA5-7F1D-49C5AB902B11}"/>
+          </ac:spMkLst>
+        </pc:spChg>
+        <pc:spChg chg="add mod ord">
+          <ac:chgData name="Marine BAYET" userId="d4b4ad781415c63a" providerId="LiveId" clId="{0399D419-9F62-4D32-B4D6-785E03637ADB}" dt="2023-01-20T14:08:58.173" v="362" actId="2085"/>
+          <ac:spMkLst>
+            <pc:docMk/>
+            <pc:sldMk cId="3354638903" sldId="277"/>
+            <ac:spMk id="6" creationId="{7DEBE8DA-E726-1682-ACA8-748EE214FF57}"/>
+          </ac:spMkLst>
+        </pc:spChg>
+        <pc:spChg chg="add">
+          <ac:chgData name="Marine BAYET" userId="d4b4ad781415c63a" providerId="LiveId" clId="{0399D419-9F62-4D32-B4D6-785E03637ADB}" dt="2023-01-20T13:52:50.915" v="339" actId="26606"/>
+          <ac:spMkLst>
+            <pc:docMk/>
+            <pc:sldMk cId="3354638903" sldId="277"/>
+            <ac:spMk id="12" creationId="{247AB924-1B87-43FC-B7C7-B112D5C51A0E}"/>
+          </ac:spMkLst>
+        </pc:spChg>
+        <pc:picChg chg="add mod modCrop">
+          <ac:chgData name="Marine BAYET" userId="d4b4ad781415c63a" providerId="LiveId" clId="{0399D419-9F62-4D32-B4D6-785E03637ADB}" dt="2023-01-20T14:10:15.974" v="363" actId="14100"/>
+          <ac:picMkLst>
+            <pc:docMk/>
+            <pc:sldMk cId="3354638903" sldId="277"/>
+            <ac:picMk id="3" creationId="{6009E9BB-D3C3-B9BA-A49B-582B44E74085}"/>
+          </ac:picMkLst>
+        </pc:picChg>
+        <pc:picChg chg="add mod">
+          <ac:chgData name="Marine BAYET" userId="d4b4ad781415c63a" providerId="LiveId" clId="{0399D419-9F62-4D32-B4D6-785E03637ADB}" dt="2023-01-20T14:10:40.444" v="368" actId="14100"/>
+          <ac:picMkLst>
+            <pc:docMk/>
+            <pc:sldMk cId="3354638903" sldId="277"/>
+            <ac:picMk id="4" creationId="{449DCAF1-41E7-438C-44CF-E96BC09271F8}"/>
+          </ac:picMkLst>
+        </pc:picChg>
+        <pc:picChg chg="mod ord modCrop">
+          <ac:chgData name="Marine BAYET" userId="d4b4ad781415c63a" providerId="LiveId" clId="{0399D419-9F62-4D32-B4D6-785E03637ADB}" dt="2023-01-20T14:10:30.685" v="366" actId="1076"/>
+          <ac:picMkLst>
+            <pc:docMk/>
+            <pc:sldMk cId="3354638903" sldId="277"/>
+            <ac:picMk id="5" creationId="{62C74379-BBB5-E4BA-DA43-AB54989F956F}"/>
+          </ac:picMkLst>
+        </pc:picChg>
+        <pc:picChg chg="del">
+          <ac:chgData name="Marine BAYET" userId="d4b4ad781415c63a" providerId="LiveId" clId="{0399D419-9F62-4D32-B4D6-785E03637ADB}" dt="2023-01-20T13:08:12.904" v="294" actId="478"/>
+          <ac:picMkLst>
+            <pc:docMk/>
+            <pc:sldMk cId="3354638903" sldId="277"/>
+            <ac:picMk id="7" creationId="{DB6CCF82-B46F-7A69-4D02-EA4592E3BB2C}"/>
+          </ac:picMkLst>
+        </pc:picChg>
+        <pc:cxnChg chg="add">
+          <ac:chgData name="Marine BAYET" userId="d4b4ad781415c63a" providerId="LiveId" clId="{0399D419-9F62-4D32-B4D6-785E03637ADB}" dt="2023-01-20T13:52:50.915" v="339" actId="26606"/>
+          <ac:cxnSpMkLst>
+            <pc:docMk/>
+            <pc:sldMk cId="3354638903" sldId="277"/>
+            <ac:cxnSpMk id="10" creationId="{99AE2756-0FC4-4155-83E7-58AAAB63E757}"/>
+          </ac:cxnSpMkLst>
+        </pc:cxnChg>
+        <pc:cxnChg chg="add">
+          <ac:chgData name="Marine BAYET" userId="d4b4ad781415c63a" providerId="LiveId" clId="{0399D419-9F62-4D32-B4D6-785E03637ADB}" dt="2023-01-20T13:52:50.915" v="339" actId="26606"/>
+          <ac:cxnSpMkLst>
+            <pc:docMk/>
+            <pc:sldMk cId="3354638903" sldId="277"/>
+            <ac:cxnSpMk id="14" creationId="{818DC98F-4057-4645-B948-F604F39A9CFE}"/>
+          </ac:cxnSpMkLst>
+        </pc:cxnChg>
+        <pc:cxnChg chg="add">
+          <ac:chgData name="Marine BAYET" userId="d4b4ad781415c63a" providerId="LiveId" clId="{0399D419-9F62-4D32-B4D6-785E03637ADB}" dt="2023-01-20T13:52:50.915" v="339" actId="26606"/>
+          <ac:cxnSpMkLst>
+            <pc:docMk/>
+            <pc:sldMk cId="3354638903" sldId="277"/>
+            <ac:cxnSpMk id="16" creationId="{DAD2B705-4A9B-408D-AA80-4F41045E09DE}"/>
+          </ac:cxnSpMkLst>
+        </pc:cxnChg>
+      </pc:sldChg>
+      <pc:sldChg chg="delSp add">
+        <pc:chgData name="Marine BAYET" userId="d4b4ad781415c63a" providerId="LiveId" clId="{0399D419-9F62-4D32-B4D6-785E03637ADB}" dt="2023-01-20T14:31:02.284" v="370" actId="478"/>
+        <pc:sldMkLst>
+          <pc:docMk/>
+          <pc:sldMk cId="1522095350" sldId="278"/>
+        </pc:sldMkLst>
+        <pc:picChg chg="del">
+          <ac:chgData name="Marine BAYET" userId="d4b4ad781415c63a" providerId="LiveId" clId="{0399D419-9F62-4D32-B4D6-785E03637ADB}" dt="2023-01-20T14:31:02.284" v="370" actId="478"/>
+          <ac:picMkLst>
+            <pc:docMk/>
+            <pc:sldMk cId="1522095350" sldId="278"/>
+            <ac:picMk id="2" creationId="{C6E08E8F-FBCF-A8AC-ECA7-EC14A97E93C6}"/>
+          </ac:picMkLst>
+        </pc:picChg>
+      </pc:sldChg>
+      <pc:sldChg chg="add replId">
+        <pc:chgData name="Marine BAYET" userId="d4b4ad781415c63a" providerId="LiveId" clId="{0399D419-9F62-4D32-B4D6-785E03637ADB}" dt="2023-01-20T14:30:56.697" v="369" actId="2890"/>
+        <pc:sldMkLst>
+          <pc:docMk/>
+          <pc:sldMk cId="576568646" sldId="279"/>
+        </pc:sldMkLst>
+      </pc:sldChg>
+      <pc:sldChg chg="add replId">
+        <pc:chgData name="Marine BAYET" userId="d4b4ad781415c63a" providerId="LiveId" clId="{0399D419-9F62-4D32-B4D6-785E03637ADB}" dt="2023-01-20T14:30:56.697" v="369" actId="2890"/>
+        <pc:sldMkLst>
+          <pc:docMk/>
+          <pc:sldMk cId="2395780686" sldId="280"/>
+        </pc:sldMkLst>
       </pc:sldChg>
     </pc:docChg>
   </pc:docChgLst>
@@ -3615,7 +3782,7 @@
           <a:p>
             <a:fld id="{B4E773C2-758D-45C6-BB5A-93E8C8649442}" type="datetimeFigureOut">
               <a:rPr lang="fr-FR" smtClean="0"/>
-              <a:t>14/01/2023</a:t>
+              <a:t>20/01/2023</a:t>
             </a:fld>
             <a:endParaRPr lang="fr-FR"/>
           </a:p>
@@ -3813,7 +3980,7 @@
           <a:p>
             <a:fld id="{B4E773C2-758D-45C6-BB5A-93E8C8649442}" type="datetimeFigureOut">
               <a:rPr lang="fr-FR" smtClean="0"/>
-              <a:t>14/01/2023</a:t>
+              <a:t>20/01/2023</a:t>
             </a:fld>
             <a:endParaRPr lang="fr-FR"/>
           </a:p>
@@ -4021,7 +4188,7 @@
           <a:p>
             <a:fld id="{B4E773C2-758D-45C6-BB5A-93E8C8649442}" type="datetimeFigureOut">
               <a:rPr lang="fr-FR" smtClean="0"/>
-              <a:t>14/01/2023</a:t>
+              <a:t>20/01/2023</a:t>
             </a:fld>
             <a:endParaRPr lang="fr-FR"/>
           </a:p>
@@ -4219,7 +4386,7 @@
           <a:p>
             <a:fld id="{B4E773C2-758D-45C6-BB5A-93E8C8649442}" type="datetimeFigureOut">
               <a:rPr lang="fr-FR" smtClean="0"/>
-              <a:t>14/01/2023</a:t>
+              <a:t>20/01/2023</a:t>
             </a:fld>
             <a:endParaRPr lang="fr-FR"/>
           </a:p>
@@ -4494,7 +4661,7 @@
           <a:p>
             <a:fld id="{B4E773C2-758D-45C6-BB5A-93E8C8649442}" type="datetimeFigureOut">
               <a:rPr lang="fr-FR" smtClean="0"/>
-              <a:t>14/01/2023</a:t>
+              <a:t>20/01/2023</a:t>
             </a:fld>
             <a:endParaRPr lang="fr-FR"/>
           </a:p>
@@ -4759,7 +4926,7 @@
           <a:p>
             <a:fld id="{B4E773C2-758D-45C6-BB5A-93E8C8649442}" type="datetimeFigureOut">
               <a:rPr lang="fr-FR" smtClean="0"/>
-              <a:t>14/01/2023</a:t>
+              <a:t>20/01/2023</a:t>
             </a:fld>
             <a:endParaRPr lang="fr-FR"/>
           </a:p>
@@ -5171,7 +5338,7 @@
           <a:p>
             <a:fld id="{B4E773C2-758D-45C6-BB5A-93E8C8649442}" type="datetimeFigureOut">
               <a:rPr lang="fr-FR" smtClean="0"/>
-              <a:t>14/01/2023</a:t>
+              <a:t>20/01/2023</a:t>
             </a:fld>
             <a:endParaRPr lang="fr-FR"/>
           </a:p>
@@ -5312,7 +5479,7 @@
           <a:p>
             <a:fld id="{B4E773C2-758D-45C6-BB5A-93E8C8649442}" type="datetimeFigureOut">
               <a:rPr lang="fr-FR" smtClean="0"/>
-              <a:t>14/01/2023</a:t>
+              <a:t>20/01/2023</a:t>
             </a:fld>
             <a:endParaRPr lang="fr-FR"/>
           </a:p>
@@ -5425,7 +5592,7 @@
           <a:p>
             <a:fld id="{B4E773C2-758D-45C6-BB5A-93E8C8649442}" type="datetimeFigureOut">
               <a:rPr lang="fr-FR" smtClean="0"/>
-              <a:t>14/01/2023</a:t>
+              <a:t>20/01/2023</a:t>
             </a:fld>
             <a:endParaRPr lang="fr-FR"/>
           </a:p>
@@ -5736,7 +5903,7 @@
           <a:p>
             <a:fld id="{B4E773C2-758D-45C6-BB5A-93E8C8649442}" type="datetimeFigureOut">
               <a:rPr lang="fr-FR" smtClean="0"/>
-              <a:t>14/01/2023</a:t>
+              <a:t>20/01/2023</a:t>
             </a:fld>
             <a:endParaRPr lang="fr-FR"/>
           </a:p>
@@ -6024,7 +6191,7 @@
           <a:p>
             <a:fld id="{B4E773C2-758D-45C6-BB5A-93E8C8649442}" type="datetimeFigureOut">
               <a:rPr lang="fr-FR" smtClean="0"/>
-              <a:t>14/01/2023</a:t>
+              <a:t>20/01/2023</a:t>
             </a:fld>
             <a:endParaRPr lang="fr-FR"/>
           </a:p>
@@ -6265,7 +6432,7 @@
           <a:p>
             <a:fld id="{B4E773C2-758D-45C6-BB5A-93E8C8649442}" type="datetimeFigureOut">
               <a:rPr lang="fr-FR" smtClean="0"/>
-              <a:t>14/01/2023</a:t>
+              <a:t>20/01/2023</a:t>
             </a:fld>
             <a:endParaRPr lang="fr-FR"/>
           </a:p>
@@ -8164,244 +8331,340 @@
           <a:chExt cx="0" cy="0"/>
         </a:xfrm>
       </p:grpSpPr>
-      <p:sp>
-        <p:nvSpPr>
-          <p:cNvPr id="2" name="Title 1">
-            <a:extLst>
-              <a:ext uri="{FF2B5EF4-FFF2-40B4-BE49-F238E27FC236}">
-                <a16:creationId xmlns:a16="http://schemas.microsoft.com/office/drawing/2014/main" id="{571A40DB-8427-41CA-D0C9-EBB0342FBAE0}"/>
-              </a:ext>
-            </a:extLst>
-          </p:cNvPr>
-          <p:cNvSpPr>
-            <a:spLocks noGrp="1"/>
-          </p:cNvSpPr>
-          <p:nvPr>
-            <p:ph type="title"/>
-          </p:nvPr>
-        </p:nvSpPr>
-        <p:spPr/>
-        <p:txBody>
-          <a:bodyPr/>
-          <a:lstStyle/>
-          <a:p>
-            <a:endParaRPr lang="fr-FR"/>
-          </a:p>
-        </p:txBody>
-      </p:sp>
+      <p:grpSp>
+        <p:nvGrpSpPr>
+          <p:cNvPr id="14" name="Group 13">
+            <a:extLst>
+              <a:ext uri="{FF2B5EF4-FFF2-40B4-BE49-F238E27FC236}">
+                <a16:creationId xmlns:a16="http://schemas.microsoft.com/office/drawing/2014/main" id="{F06AB249-9100-2DE3-CD68-E364834B8BFF}"/>
+              </a:ext>
+            </a:extLst>
+          </p:cNvPr>
+          <p:cNvGrpSpPr/>
+          <p:nvPr/>
+        </p:nvGrpSpPr>
+        <p:grpSpPr>
+          <a:xfrm>
+            <a:off x="8475907" y="-819472"/>
+            <a:ext cx="3707320" cy="6265202"/>
+            <a:chOff x="8484680" y="-891480"/>
+            <a:chExt cx="3707320" cy="6265202"/>
+          </a:xfrm>
+        </p:grpSpPr>
+        <p:pic>
+          <p:nvPicPr>
+            <p:cNvPr id="11" name="Picture 10">
+              <a:extLst>
+                <a:ext uri="{FF2B5EF4-FFF2-40B4-BE49-F238E27FC236}">
+                  <a16:creationId xmlns:a16="http://schemas.microsoft.com/office/drawing/2014/main" id="{41A98F04-F09D-F3B6-8BC2-367D19C500F3}"/>
+                </a:ext>
+              </a:extLst>
+            </p:cNvPr>
+            <p:cNvPicPr>
+              <a:picLocks noChangeAspect="1" noChangeArrowheads="1"/>
+            </p:cNvPicPr>
+            <p:nvPr/>
+          </p:nvPicPr>
+          <p:blipFill>
+            <a:blip r:embed="rId2">
+              <a:duotone>
+                <a:prstClr val="black"/>
+                <a:srgbClr val="FF0000">
+                  <a:tint val="45000"/>
+                  <a:satMod val="400000"/>
+                </a:srgbClr>
+              </a:duotone>
+              <a:extLst>
+                <a:ext uri="{28A0092B-C50C-407E-A947-70E740481C1C}">
+                  <a14:useLocalDpi xmlns:a14="http://schemas.microsoft.com/office/drawing/2010/main" val="0"/>
+                </a:ext>
+              </a:extLst>
+            </a:blip>
+            <a:srcRect/>
+            <a:stretch>
+              <a:fillRect/>
+            </a:stretch>
+          </p:blipFill>
+          <p:spPr bwMode="auto">
+            <a:xfrm rot="5400000">
+              <a:off x="8944880" y="760140"/>
+              <a:ext cx="2886751" cy="2823871"/>
+            </a:xfrm>
+            <a:prstGeom prst="rect">
+              <a:avLst/>
+            </a:prstGeom>
+            <a:noFill/>
+            <a:extLst>
+              <a:ext uri="{909E8E84-426E-40DD-AFC4-6F175D3DCCD1}">
+                <a14:hiddenFill xmlns:a14="http://schemas.microsoft.com/office/drawing/2010/main">
+                  <a:solidFill>
+                    <a:srgbClr val="FFFFFF"/>
+                  </a:solidFill>
+                </a14:hiddenFill>
+              </a:ext>
+            </a:extLst>
+          </p:spPr>
+        </p:pic>
+        <p:pic>
+          <p:nvPicPr>
+            <p:cNvPr id="10" name="Picture 4">
+              <a:extLst>
+                <a:ext uri="{FF2B5EF4-FFF2-40B4-BE49-F238E27FC236}">
+                  <a16:creationId xmlns:a16="http://schemas.microsoft.com/office/drawing/2014/main" id="{F32E9E59-FE59-DA8C-6E56-9F74A3BD76D1}"/>
+                </a:ext>
+              </a:extLst>
+            </p:cNvPr>
+            <p:cNvPicPr>
+              <a:picLocks noChangeAspect="1" noChangeArrowheads="1"/>
+            </p:cNvPicPr>
+            <p:nvPr/>
+          </p:nvPicPr>
+          <p:blipFill rotWithShape="1">
+            <a:blip r:embed="rId3">
+              <a:extLst>
+                <a:ext uri="{28A0092B-C50C-407E-A947-70E740481C1C}">
+                  <a14:useLocalDpi xmlns:a14="http://schemas.microsoft.com/office/drawing/2010/main" val="0"/>
+                </a:ext>
+              </a:extLst>
+            </a:blip>
+            <a:srcRect l="27756" r="64847"/>
+            <a:stretch/>
+          </p:blipFill>
+          <p:spPr bwMode="auto">
+            <a:xfrm>
+              <a:off x="8484680" y="-891480"/>
+              <a:ext cx="3707320" cy="6265202"/>
+            </a:xfrm>
+            <a:prstGeom prst="rect">
+              <a:avLst/>
+            </a:prstGeom>
+            <a:noFill/>
+            <a:extLst>
+              <a:ext uri="{909E8E84-426E-40DD-AFC4-6F175D3DCCD1}">
+                <a14:hiddenFill xmlns:a14="http://schemas.microsoft.com/office/drawing/2010/main">
+                  <a:solidFill>
+                    <a:srgbClr val="FFFFFF"/>
+                  </a:solidFill>
+                </a14:hiddenFill>
+              </a:ext>
+            </a:extLst>
+          </p:spPr>
+        </p:pic>
+      </p:grpSp>
       <p:pic>
         <p:nvPicPr>
-          <p:cNvPr id="5" name="Content Placeholder 4" descr="A picture containing bunch, several&#10;&#10;Description automatically generated">
-            <a:extLst>
-              <a:ext uri="{FF2B5EF4-FFF2-40B4-BE49-F238E27FC236}">
-                <a16:creationId xmlns:a16="http://schemas.microsoft.com/office/drawing/2014/main" id="{4CA94C5B-24C9-8A88-6129-6AE8CB8D874A}"/>
+          <p:cNvPr id="3" name="Picture 4">
+            <a:extLst>
+              <a:ext uri="{FF2B5EF4-FFF2-40B4-BE49-F238E27FC236}">
+                <a16:creationId xmlns:a16="http://schemas.microsoft.com/office/drawing/2014/main" id="{A45BBD8A-07A4-1482-D98C-5D2207685125}"/>
               </a:ext>
             </a:extLst>
           </p:cNvPr>
           <p:cNvPicPr>
-            <a:picLocks noGrp="1" noChangeAspect="1"/>
+            <a:picLocks noChangeAspect="1" noChangeArrowheads="1"/>
           </p:cNvPicPr>
-          <p:nvPr>
-            <p:ph idx="1"/>
-          </p:nvPr>
+          <p:nvPr/>
         </p:nvPicPr>
         <p:blipFill rotWithShape="1">
-          <a:blip r:embed="rId2">
+          <a:blip r:embed="rId3">
             <a:extLst>
               <a:ext uri="{28A0092B-C50C-407E-A947-70E740481C1C}">
                 <a14:useLocalDpi xmlns:a14="http://schemas.microsoft.com/office/drawing/2010/main" val="0"/>
               </a:ext>
             </a:extLst>
           </a:blip>
-          <a:srcRect t="20444" b="61544"/>
+          <a:srcRect l="2588" r="90324"/>
           <a:stretch/>
         </p:blipFill>
-        <p:spPr>
-          <a:xfrm>
-            <a:off x="1373073" y="2164702"/>
-            <a:ext cx="5749977" cy="1035699"/>
-          </a:xfrm>
-        </p:spPr>
-      </p:pic>
-      <p:pic>
-        <p:nvPicPr>
-          <p:cNvPr id="6" name="Content Placeholder 4" descr="A picture containing bunch, several&#10;&#10;Description automatically generated">
-            <a:extLst>
-              <a:ext uri="{FF2B5EF4-FFF2-40B4-BE49-F238E27FC236}">
-                <a16:creationId xmlns:a16="http://schemas.microsoft.com/office/drawing/2014/main" id="{CCB057AC-1BB1-8395-7CDD-E665B8920920}"/>
-              </a:ext>
-            </a:extLst>
-          </p:cNvPr>
-          <p:cNvPicPr>
-            <a:picLocks noChangeAspect="1"/>
-          </p:cNvPicPr>
-          <p:nvPr/>
-        </p:nvPicPr>
-        <p:blipFill rotWithShape="1">
-          <a:blip r:embed="rId2">
-            <a:extLst>
-              <a:ext uri="{28A0092B-C50C-407E-A947-70E740481C1C}">
-                <a14:useLocalDpi xmlns:a14="http://schemas.microsoft.com/office/drawing/2010/main" val="0"/>
-              </a:ext>
-            </a:extLst>
-          </a:blip>
-          <a:srcRect l="4193" t="20444" r="84285" b="63492"/>
-          <a:stretch/>
-        </p:blipFill>
-        <p:spPr>
-          <a:xfrm>
-            <a:off x="1614196" y="3424336"/>
-            <a:ext cx="662473" cy="923730"/>
+        <p:spPr bwMode="auto">
+          <a:xfrm>
+            <a:off x="911424" y="-819472"/>
+            <a:ext cx="3384376" cy="5969000"/>
           </a:xfrm>
           <a:prstGeom prst="rect">
             <a:avLst/>
           </a:prstGeom>
+          <a:noFill/>
+          <a:extLst>
+            <a:ext uri="{909E8E84-426E-40DD-AFC4-6F175D3DCCD1}">
+              <a14:hiddenFill xmlns:a14="http://schemas.microsoft.com/office/drawing/2010/main">
+                <a:solidFill>
+                  <a:srgbClr val="FFFFFF"/>
+                </a:solidFill>
+              </a14:hiddenFill>
+            </a:ext>
+          </a:extLst>
         </p:spPr>
       </p:pic>
+      <p:grpSp>
+        <p:nvGrpSpPr>
+          <p:cNvPr id="13" name="Group 12">
+            <a:extLst>
+              <a:ext uri="{FF2B5EF4-FFF2-40B4-BE49-F238E27FC236}">
+                <a16:creationId xmlns:a16="http://schemas.microsoft.com/office/drawing/2014/main" id="{C1060327-183B-3A94-A63B-83534E70CB7A}"/>
+              </a:ext>
+            </a:extLst>
+          </p:cNvPr>
+          <p:cNvGrpSpPr/>
+          <p:nvPr/>
+        </p:nvGrpSpPr>
+        <p:grpSpPr>
+          <a:xfrm>
+            <a:off x="4511824" y="-819472"/>
+            <a:ext cx="3482262" cy="6141640"/>
+            <a:chOff x="4629962" y="-891480"/>
+            <a:chExt cx="3482262" cy="6141640"/>
+          </a:xfrm>
+        </p:grpSpPr>
+        <p:pic>
+          <p:nvPicPr>
+            <p:cNvPr id="9" name="Picture 8">
+              <a:extLst>
+                <a:ext uri="{FF2B5EF4-FFF2-40B4-BE49-F238E27FC236}">
+                  <a16:creationId xmlns:a16="http://schemas.microsoft.com/office/drawing/2014/main" id="{88C56854-BAF6-BF24-2975-4DE826DAA107}"/>
+                </a:ext>
+              </a:extLst>
+            </p:cNvPr>
+            <p:cNvPicPr>
+              <a:picLocks noChangeAspect="1" noChangeArrowheads="1"/>
+            </p:cNvPicPr>
+            <p:nvPr/>
+          </p:nvPicPr>
+          <p:blipFill>
+            <a:blip r:embed="rId2">
+              <a:duotone>
+                <a:prstClr val="black"/>
+                <a:schemeClr val="accent1">
+                  <a:tint val="45000"/>
+                  <a:satMod val="400000"/>
+                </a:schemeClr>
+              </a:duotone>
+              <a:extLst>
+                <a:ext uri="{28A0092B-C50C-407E-A947-70E740481C1C}">
+                  <a14:useLocalDpi xmlns:a14="http://schemas.microsoft.com/office/drawing/2010/main" val="0"/>
+                </a:ext>
+              </a:extLst>
+            </a:blip>
+            <a:srcRect/>
+            <a:stretch>
+              <a:fillRect/>
+            </a:stretch>
+          </p:blipFill>
+          <p:spPr bwMode="auto">
+            <a:xfrm rot="5400000">
+              <a:off x="5112897" y="760140"/>
+              <a:ext cx="2886751" cy="2823871"/>
+            </a:xfrm>
+            <a:prstGeom prst="rect">
+              <a:avLst/>
+            </a:prstGeom>
+            <a:noFill/>
+            <a:extLst>
+              <a:ext uri="{909E8E84-426E-40DD-AFC4-6F175D3DCCD1}">
+                <a14:hiddenFill xmlns:a14="http://schemas.microsoft.com/office/drawing/2010/main">
+                  <a:solidFill>
+                    <a:srgbClr val="FFFFFF"/>
+                  </a:solidFill>
+                </a14:hiddenFill>
+              </a:ext>
+            </a:extLst>
+          </p:spPr>
+        </p:pic>
+        <p:pic>
+          <p:nvPicPr>
+            <p:cNvPr id="7" name="Picture 4">
+              <a:extLst>
+                <a:ext uri="{FF2B5EF4-FFF2-40B4-BE49-F238E27FC236}">
+                  <a16:creationId xmlns:a16="http://schemas.microsoft.com/office/drawing/2014/main" id="{DE148646-6A9C-B3F9-E54D-5CF1EEF3CD51}"/>
+                </a:ext>
+              </a:extLst>
+            </p:cNvPr>
+            <p:cNvPicPr>
+              <a:picLocks noChangeAspect="1" noChangeArrowheads="1"/>
+            </p:cNvPicPr>
+            <p:nvPr/>
+          </p:nvPicPr>
+          <p:blipFill rotWithShape="1">
+            <a:blip r:embed="rId3">
+              <a:extLst>
+                <a:ext uri="{28A0092B-C50C-407E-A947-70E740481C1C}">
+                  <a14:useLocalDpi xmlns:a14="http://schemas.microsoft.com/office/drawing/2010/main" val="0"/>
+                </a:ext>
+              </a:extLst>
+            </a:blip>
+            <a:srcRect l="15072" r="77840"/>
+            <a:stretch/>
+          </p:blipFill>
+          <p:spPr bwMode="auto">
+            <a:xfrm>
+              <a:off x="4629962" y="-891480"/>
+              <a:ext cx="3482262" cy="6141640"/>
+            </a:xfrm>
+            <a:prstGeom prst="rect">
+              <a:avLst/>
+            </a:prstGeom>
+            <a:noFill/>
+            <a:extLst>
+              <a:ext uri="{909E8E84-426E-40DD-AFC4-6F175D3DCCD1}">
+                <a14:hiddenFill xmlns:a14="http://schemas.microsoft.com/office/drawing/2010/main">
+                  <a:solidFill>
+                    <a:srgbClr val="FFFFFF"/>
+                  </a:solidFill>
+                </a14:hiddenFill>
+              </a:ext>
+            </a:extLst>
+          </p:spPr>
+        </p:pic>
+      </p:grpSp>
       <p:pic>
         <p:nvPicPr>
-          <p:cNvPr id="7" name="Content Placeholder 4" descr="A picture containing bunch, several&#10;&#10;Description automatically generated">
-            <a:extLst>
-              <a:ext uri="{FF2B5EF4-FFF2-40B4-BE49-F238E27FC236}">
-                <a16:creationId xmlns:a16="http://schemas.microsoft.com/office/drawing/2014/main" id="{1D88E6B3-8F0D-1CD5-4890-A9B18F119166}"/>
+          <p:cNvPr id="12" name="Picture 4">
+            <a:extLst>
+              <a:ext uri="{FF2B5EF4-FFF2-40B4-BE49-F238E27FC236}">
+                <a16:creationId xmlns:a16="http://schemas.microsoft.com/office/drawing/2014/main" id="{5A0C48E1-5D73-F3D7-0FB4-D749D6806669}"/>
               </a:ext>
             </a:extLst>
           </p:cNvPr>
           <p:cNvPicPr>
-            <a:picLocks noChangeAspect="1"/>
+            <a:picLocks noChangeAspect="1" noChangeArrowheads="1"/>
           </p:cNvPicPr>
           <p:nvPr/>
         </p:nvPicPr>
         <p:blipFill rotWithShape="1">
-          <a:blip r:embed="rId2">
+          <a:blip r:embed="rId3">
             <a:extLst>
               <a:ext uri="{28A0092B-C50C-407E-A947-70E740481C1C}">
                 <a14:useLocalDpi xmlns:a14="http://schemas.microsoft.com/office/drawing/2010/main" val="0"/>
               </a:ext>
             </a:extLst>
           </a:blip>
-          <a:srcRect l="24262" t="20444" r="64216" b="63492"/>
+          <a:srcRect l="40005" r="52907"/>
           <a:stretch/>
         </p:blipFill>
-        <p:spPr>
-          <a:xfrm>
-            <a:off x="2397967" y="3424336"/>
-            <a:ext cx="662473" cy="923730"/>
+        <p:spPr bwMode="auto">
+          <a:xfrm>
+            <a:off x="3935760" y="4293096"/>
+            <a:ext cx="864096" cy="1524000"/>
           </a:xfrm>
           <a:prstGeom prst="rect">
             <a:avLst/>
           </a:prstGeom>
-        </p:spPr>
-      </p:pic>
-      <p:pic>
-        <p:nvPicPr>
-          <p:cNvPr id="8" name="Content Placeholder 4" descr="A picture containing bunch, several&#10;&#10;Description automatically generated">
-            <a:extLst>
-              <a:ext uri="{FF2B5EF4-FFF2-40B4-BE49-F238E27FC236}">
-                <a16:creationId xmlns:a16="http://schemas.microsoft.com/office/drawing/2014/main" id="{A3CDB6F5-0E19-DE37-C786-E5BD11792515}"/>
-              </a:ext>
-            </a:extLst>
-          </p:cNvPr>
-          <p:cNvPicPr>
-            <a:picLocks noChangeAspect="1"/>
-          </p:cNvPicPr>
-          <p:nvPr/>
-        </p:nvPicPr>
-        <p:blipFill rotWithShape="1">
-          <a:blip r:embed="rId2">
-            <a:extLst>
-              <a:ext uri="{28A0092B-C50C-407E-A947-70E740481C1C}">
-                <a14:useLocalDpi xmlns:a14="http://schemas.microsoft.com/office/drawing/2010/main" val="0"/>
-              </a:ext>
-            </a:extLst>
-          </a:blip>
-          <a:srcRect l="43412" t="20444" r="43930" b="63492"/>
-          <a:stretch/>
-        </p:blipFill>
-        <p:spPr>
-          <a:xfrm>
-            <a:off x="3181738" y="3424336"/>
-            <a:ext cx="727788" cy="923730"/>
-          </a:xfrm>
-          <a:prstGeom prst="rect">
-            <a:avLst/>
-          </a:prstGeom>
-        </p:spPr>
-      </p:pic>
-      <p:pic>
-        <p:nvPicPr>
-          <p:cNvPr id="9" name="Content Placeholder 4" descr="A picture containing bunch, several&#10;&#10;Description automatically generated">
-            <a:extLst>
-              <a:ext uri="{FF2B5EF4-FFF2-40B4-BE49-F238E27FC236}">
-                <a16:creationId xmlns:a16="http://schemas.microsoft.com/office/drawing/2014/main" id="{E889B4CC-1672-D57F-5F05-EA3A633CCDC2}"/>
-              </a:ext>
-            </a:extLst>
-          </p:cNvPr>
-          <p:cNvPicPr>
-            <a:picLocks noChangeAspect="1"/>
-          </p:cNvPicPr>
-          <p:nvPr/>
-        </p:nvPicPr>
-        <p:blipFill rotWithShape="1">
-          <a:blip r:embed="rId2">
-            <a:extLst>
-              <a:ext uri="{28A0092B-C50C-407E-A947-70E740481C1C}">
-                <a14:useLocalDpi xmlns:a14="http://schemas.microsoft.com/office/drawing/2010/main" val="0"/>
-              </a:ext>
-            </a:extLst>
-          </a:blip>
-          <a:srcRect l="62722" t="20444" r="23159" b="62518"/>
-          <a:stretch/>
-        </p:blipFill>
-        <p:spPr>
-          <a:xfrm>
-            <a:off x="3909526" y="3424336"/>
-            <a:ext cx="811763" cy="979714"/>
-          </a:xfrm>
-          <a:prstGeom prst="rect">
-            <a:avLst/>
-          </a:prstGeom>
-        </p:spPr>
-      </p:pic>
-      <p:pic>
-        <p:nvPicPr>
-          <p:cNvPr id="10" name="Content Placeholder 4" descr="A picture containing bunch, several&#10;&#10;Description automatically generated">
-            <a:extLst>
-              <a:ext uri="{FF2B5EF4-FFF2-40B4-BE49-F238E27FC236}">
-                <a16:creationId xmlns:a16="http://schemas.microsoft.com/office/drawing/2014/main" id="{A8B01174-7803-5C22-7692-3C9C9071E274}"/>
-              </a:ext>
-            </a:extLst>
-          </p:cNvPr>
-          <p:cNvPicPr>
-            <a:picLocks noChangeAspect="1"/>
-          </p:cNvPicPr>
-          <p:nvPr/>
-        </p:nvPicPr>
-        <p:blipFill rotWithShape="1">
-          <a:blip r:embed="rId2">
-            <a:extLst>
-              <a:ext uri="{28A0092B-C50C-407E-A947-70E740481C1C}">
-                <a14:useLocalDpi xmlns:a14="http://schemas.microsoft.com/office/drawing/2010/main" val="0"/>
-              </a:ext>
-            </a:extLst>
-          </a:blip>
-          <a:srcRect l="83009" t="20444" r="2872" b="61545"/>
-          <a:stretch/>
-        </p:blipFill>
-        <p:spPr>
-          <a:xfrm>
-            <a:off x="4721289" y="3368351"/>
-            <a:ext cx="811763" cy="1035699"/>
-          </a:xfrm>
-          <a:prstGeom prst="rect">
-            <a:avLst/>
-          </a:prstGeom>
+          <a:noFill/>
+          <a:extLst>
+            <a:ext uri="{909E8E84-426E-40DD-AFC4-6F175D3DCCD1}">
+              <a14:hiddenFill xmlns:a14="http://schemas.microsoft.com/office/drawing/2010/main">
+                <a:solidFill>
+                  <a:srgbClr val="FFFFFF"/>
+                </a:solidFill>
+              </a14:hiddenFill>
+            </a:ext>
+          </a:extLst>
         </p:spPr>
       </p:pic>
     </p:spTree>
     <p:extLst>
       <p:ext uri="{BB962C8B-B14F-4D97-AF65-F5344CB8AC3E}">
-        <p14:creationId xmlns:p14="http://schemas.microsoft.com/office/powerpoint/2010/main" val="189324066"/>
+        <p14:creationId xmlns:p14="http://schemas.microsoft.com/office/powerpoint/2010/main" val="1522095350"/>
       </p:ext>
     </p:extLst>
   </p:cSld>
@@ -8428,794 +8691,370 @@
           <a:chExt cx="0" cy="0"/>
         </a:xfrm>
       </p:grpSpPr>
-      <p:pic>
-        <p:nvPicPr>
-          <p:cNvPr id="6146" name="Picture 2">
-            <a:extLst>
-              <a:ext uri="{FF2B5EF4-FFF2-40B4-BE49-F238E27FC236}">
-                <a16:creationId xmlns:a16="http://schemas.microsoft.com/office/drawing/2014/main" id="{5E18CBE8-0EDA-8A47-9EAE-83F6BFA1594C}"/>
-              </a:ext>
-            </a:extLst>
-          </p:cNvPr>
-          <p:cNvPicPr>
-            <a:picLocks noChangeAspect="1" noChangeArrowheads="1"/>
-          </p:cNvPicPr>
-          <p:nvPr/>
-        </p:nvPicPr>
-        <p:blipFill rotWithShape="1">
-          <a:blip r:embed="rId2">
-            <a:extLst>
-              <a:ext uri="{28A0092B-C50C-407E-A947-70E740481C1C}">
-                <a14:useLocalDpi xmlns:a14="http://schemas.microsoft.com/office/drawing/2010/main" val="0"/>
-              </a:ext>
-            </a:extLst>
-          </a:blip>
-          <a:srcRect l="5186" t="20535" r="3104" b="27041"/>
-          <a:stretch/>
-        </p:blipFill>
-        <p:spPr bwMode="auto">
-          <a:xfrm>
-            <a:off x="1455576" y="970384"/>
-            <a:ext cx="6708710" cy="639148"/>
-          </a:xfrm>
-          <a:prstGeom prst="rect">
-            <a:avLst/>
-          </a:prstGeom>
-          <a:noFill/>
-          <a:extLst>
-            <a:ext uri="{909E8E84-426E-40DD-AFC4-6F175D3DCCD1}">
-              <a14:hiddenFill xmlns:a14="http://schemas.microsoft.com/office/drawing/2010/main">
-                <a:solidFill>
-                  <a:srgbClr val="FFFFFF"/>
-                </a:solidFill>
-              </a14:hiddenFill>
-            </a:ext>
-          </a:extLst>
-        </p:spPr>
-      </p:pic>
-      <p:pic>
-        <p:nvPicPr>
-          <p:cNvPr id="5" name="Picture 2">
-            <a:extLst>
-              <a:ext uri="{FF2B5EF4-FFF2-40B4-BE49-F238E27FC236}">
-                <a16:creationId xmlns:a16="http://schemas.microsoft.com/office/drawing/2014/main" id="{340734A6-DD1E-8F8C-6CF7-C23D62CFA15C}"/>
-              </a:ext>
-            </a:extLst>
-          </p:cNvPr>
-          <p:cNvPicPr>
-            <a:picLocks noChangeAspect="1" noChangeArrowheads="1"/>
-          </p:cNvPicPr>
-          <p:nvPr/>
-        </p:nvPicPr>
-        <p:blipFill rotWithShape="1">
-          <a:blip r:embed="rId2">
-            <a:extLst>
-              <a:ext uri="{28A0092B-C50C-407E-A947-70E740481C1C}">
-                <a14:useLocalDpi xmlns:a14="http://schemas.microsoft.com/office/drawing/2010/main" val="0"/>
-              </a:ext>
-            </a:extLst>
-          </a:blip>
-          <a:srcRect l="5185" t="30229" r="88820" b="34567"/>
-          <a:stretch/>
-        </p:blipFill>
-        <p:spPr bwMode="auto">
-          <a:xfrm>
-            <a:off x="1455576" y="1922106"/>
-            <a:ext cx="438538" cy="429208"/>
-          </a:xfrm>
-          <a:prstGeom prst="rect">
-            <a:avLst/>
-          </a:prstGeom>
-          <a:noFill/>
-          <a:extLst>
-            <a:ext uri="{909E8E84-426E-40DD-AFC4-6F175D3DCCD1}">
-              <a14:hiddenFill xmlns:a14="http://schemas.microsoft.com/office/drawing/2010/main">
-                <a:solidFill>
-                  <a:srgbClr val="FFFFFF"/>
-                </a:solidFill>
-              </a14:hiddenFill>
-            </a:ext>
-          </a:extLst>
-        </p:spPr>
-      </p:pic>
-      <p:pic>
-        <p:nvPicPr>
-          <p:cNvPr id="7" name="Picture 2">
-            <a:extLst>
-              <a:ext uri="{FF2B5EF4-FFF2-40B4-BE49-F238E27FC236}">
-                <a16:creationId xmlns:a16="http://schemas.microsoft.com/office/drawing/2014/main" id="{D32DC733-98D3-8C73-63DD-E0589AC7F185}"/>
-              </a:ext>
-            </a:extLst>
-          </p:cNvPr>
-          <p:cNvPicPr>
-            <a:picLocks noChangeAspect="1" noChangeArrowheads="1"/>
-          </p:cNvPicPr>
-          <p:nvPr/>
-        </p:nvPicPr>
-        <p:blipFill rotWithShape="1">
-          <a:blip r:embed="rId2">
-            <a:extLst>
-              <a:ext uri="{28A0092B-C50C-407E-A947-70E740481C1C}">
-                <a14:useLocalDpi xmlns:a14="http://schemas.microsoft.com/office/drawing/2010/main" val="0"/>
-              </a:ext>
-            </a:extLst>
-          </a:blip>
-          <a:srcRect l="37244" t="22191" r="53189" b="25385"/>
-          <a:stretch/>
-        </p:blipFill>
-        <p:spPr bwMode="auto">
-          <a:xfrm>
-            <a:off x="6959078" y="1817136"/>
-            <a:ext cx="699796" cy="639148"/>
-          </a:xfrm>
-          <a:prstGeom prst="rect">
-            <a:avLst/>
-          </a:prstGeom>
-          <a:noFill/>
-          <a:extLst>
-            <a:ext uri="{909E8E84-426E-40DD-AFC4-6F175D3DCCD1}">
-              <a14:hiddenFill xmlns:a14="http://schemas.microsoft.com/office/drawing/2010/main">
-                <a:solidFill>
-                  <a:srgbClr val="FFFFFF"/>
-                </a:solidFill>
-              </a14:hiddenFill>
-            </a:ext>
-          </a:extLst>
-        </p:spPr>
-      </p:pic>
-      <p:pic>
-        <p:nvPicPr>
-          <p:cNvPr id="8" name="Picture 2">
-            <a:extLst>
-              <a:ext uri="{FF2B5EF4-FFF2-40B4-BE49-F238E27FC236}">
-                <a16:creationId xmlns:a16="http://schemas.microsoft.com/office/drawing/2014/main" id="{EF38D641-819B-8C38-AE19-A2EDE870071D}"/>
-              </a:ext>
-            </a:extLst>
-          </p:cNvPr>
-          <p:cNvPicPr>
-            <a:picLocks noChangeAspect="1" noChangeArrowheads="1"/>
-          </p:cNvPicPr>
-          <p:nvPr/>
-        </p:nvPicPr>
-        <p:blipFill rotWithShape="1">
-          <a:blip r:embed="rId2">
-            <a:extLst>
-              <a:ext uri="{28A0092B-C50C-407E-A947-70E740481C1C}">
-                <a14:useLocalDpi xmlns:a14="http://schemas.microsoft.com/office/drawing/2010/main" val="0"/>
-              </a:ext>
-            </a:extLst>
-          </a:blip>
-          <a:srcRect l="53658" t="22191" r="36775" b="25385"/>
-          <a:stretch/>
-        </p:blipFill>
-        <p:spPr bwMode="auto">
-          <a:xfrm>
-            <a:off x="8042206" y="1749488"/>
-            <a:ext cx="699796" cy="639148"/>
-          </a:xfrm>
-          <a:prstGeom prst="rect">
-            <a:avLst/>
-          </a:prstGeom>
-          <a:noFill/>
-          <a:extLst>
-            <a:ext uri="{909E8E84-426E-40DD-AFC4-6F175D3DCCD1}">
-              <a14:hiddenFill xmlns:a14="http://schemas.microsoft.com/office/drawing/2010/main">
-                <a:solidFill>
-                  <a:srgbClr val="FFFFFF"/>
-                </a:solidFill>
-              </a14:hiddenFill>
-            </a:ext>
-          </a:extLst>
-        </p:spPr>
-      </p:pic>
-      <p:pic>
-        <p:nvPicPr>
-          <p:cNvPr id="9" name="Picture 2">
-            <a:extLst>
-              <a:ext uri="{FF2B5EF4-FFF2-40B4-BE49-F238E27FC236}">
-                <a16:creationId xmlns:a16="http://schemas.microsoft.com/office/drawing/2014/main" id="{879B1ECC-51BA-23F4-FF74-924E07BB0C2C}"/>
-              </a:ext>
-            </a:extLst>
-          </p:cNvPr>
-          <p:cNvPicPr>
-            <a:picLocks noChangeAspect="1" noChangeArrowheads="1"/>
-          </p:cNvPicPr>
-          <p:nvPr/>
-        </p:nvPicPr>
-        <p:blipFill rotWithShape="1">
-          <a:blip r:embed="rId2">
-            <a:extLst>
-              <a:ext uri="{28A0092B-C50C-407E-A947-70E740481C1C}">
-                <a14:useLocalDpi xmlns:a14="http://schemas.microsoft.com/office/drawing/2010/main" val="0"/>
-              </a:ext>
-            </a:extLst>
-          </a:blip>
-          <a:srcRect l="69219" t="22191" r="19556" b="25385"/>
-          <a:stretch/>
-        </p:blipFill>
-        <p:spPr bwMode="auto">
-          <a:xfrm>
-            <a:off x="9215535" y="1777480"/>
-            <a:ext cx="821094" cy="639148"/>
-          </a:xfrm>
-          <a:prstGeom prst="rect">
-            <a:avLst/>
-          </a:prstGeom>
-          <a:noFill/>
-          <a:extLst>
-            <a:ext uri="{909E8E84-426E-40DD-AFC4-6F175D3DCCD1}">
-              <a14:hiddenFill xmlns:a14="http://schemas.microsoft.com/office/drawing/2010/main">
-                <a:solidFill>
-                  <a:srgbClr val="FFFFFF"/>
-                </a:solidFill>
-              </a14:hiddenFill>
-            </a:ext>
-          </a:extLst>
-        </p:spPr>
-      </p:pic>
-      <p:pic>
-        <p:nvPicPr>
-          <p:cNvPr id="10" name="Picture 2">
-            <a:extLst>
-              <a:ext uri="{FF2B5EF4-FFF2-40B4-BE49-F238E27FC236}">
-                <a16:creationId xmlns:a16="http://schemas.microsoft.com/office/drawing/2014/main" id="{161FC590-1078-5AED-9E93-12F4D88C89AC}"/>
-              </a:ext>
-            </a:extLst>
-          </p:cNvPr>
-          <p:cNvPicPr>
-            <a:picLocks noChangeAspect="1" noChangeArrowheads="1"/>
-          </p:cNvPicPr>
-          <p:nvPr/>
-        </p:nvPicPr>
-        <p:blipFill rotWithShape="1">
-          <a:blip r:embed="rId2">
-            <a:extLst>
-              <a:ext uri="{28A0092B-C50C-407E-A947-70E740481C1C}">
-                <a14:useLocalDpi xmlns:a14="http://schemas.microsoft.com/office/drawing/2010/main" val="0"/>
-              </a:ext>
-            </a:extLst>
-          </a:blip>
-          <a:srcRect l="86013" t="22191" r="2762" b="25385"/>
-          <a:stretch/>
-        </p:blipFill>
-        <p:spPr bwMode="auto">
-          <a:xfrm>
-            <a:off x="10391191" y="1777480"/>
-            <a:ext cx="821094" cy="639148"/>
-          </a:xfrm>
-          <a:prstGeom prst="rect">
-            <a:avLst/>
-          </a:prstGeom>
-          <a:noFill/>
-          <a:extLst>
-            <a:ext uri="{909E8E84-426E-40DD-AFC4-6F175D3DCCD1}">
-              <a14:hiddenFill xmlns:a14="http://schemas.microsoft.com/office/drawing/2010/main">
-                <a:solidFill>
-                  <a:srgbClr val="FFFFFF"/>
-                </a:solidFill>
-              </a14:hiddenFill>
-            </a:ext>
-          </a:extLst>
-        </p:spPr>
-      </p:pic>
-      <p:pic>
-        <p:nvPicPr>
-          <p:cNvPr id="11" name="Picture 2">
-            <a:extLst>
-              <a:ext uri="{FF2B5EF4-FFF2-40B4-BE49-F238E27FC236}">
-                <a16:creationId xmlns:a16="http://schemas.microsoft.com/office/drawing/2014/main" id="{F7569000-BC45-1548-73A1-4D97A7B9AC41}"/>
-              </a:ext>
-            </a:extLst>
-          </p:cNvPr>
-          <p:cNvPicPr>
-            <a:picLocks noChangeAspect="1" noChangeArrowheads="1"/>
-          </p:cNvPicPr>
-          <p:nvPr/>
-        </p:nvPicPr>
-        <p:blipFill rotWithShape="1">
-          <a:blip r:embed="rId2">
-            <a:extLst>
-              <a:ext uri="{28A0092B-C50C-407E-A947-70E740481C1C}">
-                <a14:useLocalDpi xmlns:a14="http://schemas.microsoft.com/office/drawing/2010/main" val="0"/>
-              </a:ext>
-            </a:extLst>
-          </a:blip>
-          <a:srcRect l="20195" t="22191" r="68580" b="25385"/>
-          <a:stretch/>
-        </p:blipFill>
-        <p:spPr bwMode="auto">
-          <a:xfrm>
-            <a:off x="3804548" y="1826467"/>
-            <a:ext cx="821094" cy="639148"/>
-          </a:xfrm>
-          <a:prstGeom prst="rect">
-            <a:avLst/>
-          </a:prstGeom>
-          <a:noFill/>
-          <a:extLst>
-            <a:ext uri="{909E8E84-426E-40DD-AFC4-6F175D3DCCD1}">
-              <a14:hiddenFill xmlns:a14="http://schemas.microsoft.com/office/drawing/2010/main">
-                <a:solidFill>
-                  <a:srgbClr val="FFFFFF"/>
-                </a:solidFill>
-              </a14:hiddenFill>
-            </a:ext>
-          </a:extLst>
-        </p:spPr>
-      </p:pic>
-      <p:pic>
-        <p:nvPicPr>
-          <p:cNvPr id="12" name="Picture 2">
-            <a:extLst>
-              <a:ext uri="{FF2B5EF4-FFF2-40B4-BE49-F238E27FC236}">
-                <a16:creationId xmlns:a16="http://schemas.microsoft.com/office/drawing/2014/main" id="{4F30F212-D53E-6E06-2A14-81CE0A96E3BA}"/>
-              </a:ext>
-            </a:extLst>
-          </p:cNvPr>
-          <p:cNvPicPr>
-            <a:picLocks noChangeAspect="1" noChangeArrowheads="1"/>
-          </p:cNvPicPr>
-          <p:nvPr/>
-        </p:nvPicPr>
-        <p:blipFill rotWithShape="1">
-          <a:blip r:embed="rId2">
-            <a:extLst>
-              <a:ext uri="{28A0092B-C50C-407E-A947-70E740481C1C}">
-                <a14:useLocalDpi xmlns:a14="http://schemas.microsoft.com/office/drawing/2010/main" val="0"/>
-              </a:ext>
-            </a:extLst>
-          </a:blip>
-          <a:srcRect l="20195" t="22191" r="68580" b="25385"/>
-          <a:stretch/>
-        </p:blipFill>
-        <p:spPr bwMode="auto">
-          <a:xfrm>
-            <a:off x="4867467" y="1817136"/>
-            <a:ext cx="821094" cy="639148"/>
-          </a:xfrm>
-          <a:prstGeom prst="rect">
-            <a:avLst/>
-          </a:prstGeom>
-          <a:noFill/>
-          <a:extLst>
-            <a:ext uri="{909E8E84-426E-40DD-AFC4-6F175D3DCCD1}">
-              <a14:hiddenFill xmlns:a14="http://schemas.microsoft.com/office/drawing/2010/main">
-                <a:solidFill>
-                  <a:srgbClr val="FFFFFF"/>
-                </a:solidFill>
-              </a14:hiddenFill>
-            </a:ext>
-          </a:extLst>
-        </p:spPr>
-      </p:pic>
-      <p:pic>
-        <p:nvPicPr>
-          <p:cNvPr id="13" name="Picture 2">
-            <a:extLst>
-              <a:ext uri="{FF2B5EF4-FFF2-40B4-BE49-F238E27FC236}">
-                <a16:creationId xmlns:a16="http://schemas.microsoft.com/office/drawing/2014/main" id="{C8449EC5-55E7-FDC8-028A-A1F55ADC8F66}"/>
-              </a:ext>
-            </a:extLst>
-          </p:cNvPr>
-          <p:cNvPicPr>
-            <a:picLocks noChangeAspect="1" noChangeArrowheads="1"/>
-          </p:cNvPicPr>
-          <p:nvPr/>
-        </p:nvPicPr>
-        <p:blipFill rotWithShape="1">
-          <a:blip r:embed="rId2">
-            <a:extLst>
-              <a:ext uri="{28A0092B-C50C-407E-A947-70E740481C1C}">
-                <a14:useLocalDpi xmlns:a14="http://schemas.microsoft.com/office/drawing/2010/main" val="0"/>
-              </a:ext>
-            </a:extLst>
-          </a:blip>
-          <a:srcRect l="37244" t="22191" r="53189" b="25385"/>
-          <a:stretch/>
-        </p:blipFill>
-        <p:spPr bwMode="auto">
-          <a:xfrm>
-            <a:off x="5920275" y="1863789"/>
-            <a:ext cx="699796" cy="639148"/>
-          </a:xfrm>
-          <a:prstGeom prst="rect">
-            <a:avLst/>
-          </a:prstGeom>
-          <a:noFill/>
-          <a:extLst>
-            <a:ext uri="{909E8E84-426E-40DD-AFC4-6F175D3DCCD1}">
-              <a14:hiddenFill xmlns:a14="http://schemas.microsoft.com/office/drawing/2010/main">
-                <a:solidFill>
-                  <a:srgbClr val="FFFFFF"/>
-                </a:solidFill>
-              </a14:hiddenFill>
-            </a:ext>
-          </a:extLst>
-        </p:spPr>
-      </p:pic>
-      <p:pic>
-        <p:nvPicPr>
-          <p:cNvPr id="15" name="Picture 2">
-            <a:extLst>
-              <a:ext uri="{FF2B5EF4-FFF2-40B4-BE49-F238E27FC236}">
-                <a16:creationId xmlns:a16="http://schemas.microsoft.com/office/drawing/2014/main" id="{7AAA8592-F8FE-3DE4-136F-F9834F9E9E42}"/>
-              </a:ext>
-            </a:extLst>
-          </p:cNvPr>
-          <p:cNvPicPr>
-            <a:picLocks noChangeAspect="1" noChangeArrowheads="1"/>
-          </p:cNvPicPr>
-          <p:nvPr/>
-        </p:nvPicPr>
-        <p:blipFill rotWithShape="1">
-          <a:blip r:embed="rId2">
-            <a:extLst>
-              <a:ext uri="{28A0092B-C50C-407E-A947-70E740481C1C}">
-                <a14:useLocalDpi xmlns:a14="http://schemas.microsoft.com/office/drawing/2010/main" val="0"/>
-              </a:ext>
-            </a:extLst>
-          </a:blip>
-          <a:srcRect l="20195" t="22191" r="68580" b="25385"/>
-          <a:stretch/>
-        </p:blipFill>
-        <p:spPr bwMode="auto">
-          <a:xfrm>
-            <a:off x="2541032" y="1826467"/>
-            <a:ext cx="821094" cy="639148"/>
-          </a:xfrm>
-          <a:prstGeom prst="rect">
-            <a:avLst/>
-          </a:prstGeom>
-          <a:noFill/>
-          <a:extLst>
-            <a:ext uri="{909E8E84-426E-40DD-AFC4-6F175D3DCCD1}">
-              <a14:hiddenFill xmlns:a14="http://schemas.microsoft.com/office/drawing/2010/main">
-                <a:solidFill>
-                  <a:srgbClr val="FFFFFF"/>
-                </a:solidFill>
-              </a14:hiddenFill>
-            </a:ext>
-          </a:extLst>
-        </p:spPr>
-      </p:pic>
-      <p:pic>
-        <p:nvPicPr>
-          <p:cNvPr id="16" name="Picture 2">
-            <a:extLst>
-              <a:ext uri="{FF2B5EF4-FFF2-40B4-BE49-F238E27FC236}">
-                <a16:creationId xmlns:a16="http://schemas.microsoft.com/office/drawing/2014/main" id="{FCA19C68-F0C9-48F0-4D14-6948768A380A}"/>
-              </a:ext>
-            </a:extLst>
-          </p:cNvPr>
-          <p:cNvPicPr>
-            <a:picLocks noChangeAspect="1" noChangeArrowheads="1"/>
-          </p:cNvPicPr>
-          <p:nvPr/>
-        </p:nvPicPr>
-        <p:blipFill rotWithShape="1">
-          <a:blip r:embed="rId2">
-            <a:extLst>
-              <a:ext uri="{28A0092B-C50C-407E-A947-70E740481C1C}">
-                <a14:useLocalDpi xmlns:a14="http://schemas.microsoft.com/office/drawing/2010/main" val="0"/>
-              </a:ext>
-            </a:extLst>
-          </a:blip>
-          <a:srcRect l="5185" t="30229" r="88820" b="34567"/>
-          <a:stretch/>
-        </p:blipFill>
-        <p:spPr bwMode="auto">
-          <a:xfrm>
-            <a:off x="714958" y="1922106"/>
-            <a:ext cx="438538" cy="429208"/>
-          </a:xfrm>
-          <a:prstGeom prst="rect">
-            <a:avLst/>
-          </a:prstGeom>
-          <a:noFill/>
-          <a:extLst>
-            <a:ext uri="{909E8E84-426E-40DD-AFC4-6F175D3DCCD1}">
-              <a14:hiddenFill xmlns:a14="http://schemas.microsoft.com/office/drawing/2010/main">
-                <a:solidFill>
-                  <a:srgbClr val="FFFFFF"/>
-                </a:solidFill>
-              </a14:hiddenFill>
-            </a:ext>
-          </a:extLst>
-        </p:spPr>
-      </p:pic>
-      <p:pic>
-        <p:nvPicPr>
-          <p:cNvPr id="17" name="Picture 2">
-            <a:extLst>
-              <a:ext uri="{FF2B5EF4-FFF2-40B4-BE49-F238E27FC236}">
-                <a16:creationId xmlns:a16="http://schemas.microsoft.com/office/drawing/2014/main" id="{D88523A5-BBE9-63DE-B027-7A001490EAF9}"/>
-              </a:ext>
-            </a:extLst>
-          </p:cNvPr>
-          <p:cNvPicPr>
-            <a:picLocks noChangeAspect="1" noChangeArrowheads="1"/>
-          </p:cNvPicPr>
-          <p:nvPr/>
-        </p:nvPicPr>
-        <p:blipFill rotWithShape="1">
-          <a:blip r:embed="rId2">
-            <a:extLst>
-              <a:ext uri="{28A0092B-C50C-407E-A947-70E740481C1C}">
-                <a14:useLocalDpi xmlns:a14="http://schemas.microsoft.com/office/drawing/2010/main" val="0"/>
-              </a:ext>
-            </a:extLst>
-          </a:blip>
-          <a:srcRect l="53658" t="22191" r="36775" b="25385"/>
-          <a:stretch/>
-        </p:blipFill>
-        <p:spPr bwMode="auto">
-          <a:xfrm>
-            <a:off x="8112186" y="2502937"/>
-            <a:ext cx="699796" cy="639148"/>
-          </a:xfrm>
-          <a:prstGeom prst="rect">
-            <a:avLst/>
-          </a:prstGeom>
-          <a:noFill/>
-          <a:extLst>
-            <a:ext uri="{909E8E84-426E-40DD-AFC4-6F175D3DCCD1}">
-              <a14:hiddenFill xmlns:a14="http://schemas.microsoft.com/office/drawing/2010/main">
-                <a:solidFill>
-                  <a:srgbClr val="FFFFFF"/>
-                </a:solidFill>
-              </a14:hiddenFill>
-            </a:ext>
-          </a:extLst>
-        </p:spPr>
-      </p:pic>
-      <p:pic>
-        <p:nvPicPr>
-          <p:cNvPr id="6148" name="Picture 4">
-            <a:extLst>
-              <a:ext uri="{FF2B5EF4-FFF2-40B4-BE49-F238E27FC236}">
-                <a16:creationId xmlns:a16="http://schemas.microsoft.com/office/drawing/2014/main" id="{78F55F69-AA99-830F-7202-52218D95AFE1}"/>
-              </a:ext>
-            </a:extLst>
-          </p:cNvPr>
-          <p:cNvPicPr>
-            <a:picLocks noChangeAspect="1" noChangeArrowheads="1"/>
-          </p:cNvPicPr>
-          <p:nvPr/>
-        </p:nvPicPr>
-        <p:blipFill rotWithShape="1">
-          <a:blip r:embed="rId3">
-            <a:duotone>
-              <a:schemeClr val="accent4">
-                <a:shade val="45000"/>
-                <a:satMod val="135000"/>
-              </a:schemeClr>
-              <a:prstClr val="white"/>
-            </a:duotone>
-            <a:extLst>
-              <a:ext uri="{BEBA8EAE-BF5A-486C-A8C5-ECC9F3942E4B}">
-                <a14:imgProps xmlns:a14="http://schemas.microsoft.com/office/drawing/2010/main">
-                  <a14:imgLayer r:embed="rId4">
-                    <a14:imgEffect>
-                      <a14:saturation sat="0"/>
-                    </a14:imgEffect>
-                  </a14:imgLayer>
-                </a14:imgProps>
-              </a:ext>
-              <a:ext uri="{28A0092B-C50C-407E-A947-70E740481C1C}">
-                <a14:useLocalDpi xmlns:a14="http://schemas.microsoft.com/office/drawing/2010/main" val="0"/>
-              </a:ext>
-            </a:extLst>
-          </a:blip>
-          <a:srcRect l="5102" t="17666" r="80357" b="19196"/>
-          <a:stretch/>
-        </p:blipFill>
-        <p:spPr bwMode="auto">
-          <a:xfrm>
-            <a:off x="979714" y="4040154"/>
-            <a:ext cx="1418253" cy="1539551"/>
-          </a:xfrm>
-          <a:prstGeom prst="rect">
-            <a:avLst/>
-          </a:prstGeom>
-          <a:noFill/>
-          <a:extLst>
-            <a:ext uri="{909E8E84-426E-40DD-AFC4-6F175D3DCCD1}">
-              <a14:hiddenFill xmlns:a14="http://schemas.microsoft.com/office/drawing/2010/main">
-                <a:solidFill>
-                  <a:srgbClr val="FFFFFF"/>
-                </a:solidFill>
-              </a14:hiddenFill>
-            </a:ext>
-          </a:extLst>
-        </p:spPr>
-      </p:pic>
-      <p:pic>
-        <p:nvPicPr>
-          <p:cNvPr id="18" name="Picture 4">
-            <a:extLst>
-              <a:ext uri="{FF2B5EF4-FFF2-40B4-BE49-F238E27FC236}">
-                <a16:creationId xmlns:a16="http://schemas.microsoft.com/office/drawing/2014/main" id="{F6FD3E87-C070-5745-FBB5-DCAA6BEF738A}"/>
-              </a:ext>
-            </a:extLst>
-          </p:cNvPr>
-          <p:cNvPicPr>
-            <a:picLocks noChangeAspect="1" noChangeArrowheads="1"/>
-          </p:cNvPicPr>
-          <p:nvPr/>
-        </p:nvPicPr>
-        <p:blipFill rotWithShape="1">
-          <a:blip r:embed="rId3">
-            <a:duotone>
-              <a:schemeClr val="accent4">
-                <a:shade val="45000"/>
-                <a:satMod val="135000"/>
-              </a:schemeClr>
-              <a:prstClr val="white"/>
-            </a:duotone>
-            <a:extLst>
-              <a:ext uri="{BEBA8EAE-BF5A-486C-A8C5-ECC9F3942E4B}">
-                <a14:imgProps xmlns:a14="http://schemas.microsoft.com/office/drawing/2010/main">
-                  <a14:imgLayer r:embed="rId4">
-                    <a14:imgEffect>
-                      <a14:saturation sat="0"/>
-                    </a14:imgEffect>
-                  </a14:imgLayer>
-                </a14:imgProps>
-              </a:ext>
-              <a:ext uri="{28A0092B-C50C-407E-A947-70E740481C1C}">
-                <a14:useLocalDpi xmlns:a14="http://schemas.microsoft.com/office/drawing/2010/main" val="0"/>
-              </a:ext>
-            </a:extLst>
-          </a:blip>
-          <a:srcRect l="29655" t="13457" r="54561" b="19195"/>
-          <a:stretch/>
-        </p:blipFill>
-        <p:spPr bwMode="auto">
-          <a:xfrm>
-            <a:off x="2675544" y="3988836"/>
-            <a:ext cx="1539551" cy="1642186"/>
-          </a:xfrm>
-          <a:prstGeom prst="rect">
-            <a:avLst/>
-          </a:prstGeom>
-          <a:noFill/>
-          <a:extLst>
-            <a:ext uri="{909E8E84-426E-40DD-AFC4-6F175D3DCCD1}">
-              <a14:hiddenFill xmlns:a14="http://schemas.microsoft.com/office/drawing/2010/main">
-                <a:solidFill>
-                  <a:srgbClr val="FFFFFF"/>
-                </a:solidFill>
-              </a14:hiddenFill>
-            </a:ext>
-          </a:extLst>
-        </p:spPr>
-      </p:pic>
-      <p:pic>
-        <p:nvPicPr>
-          <p:cNvPr id="19" name="Picture 4">
-            <a:extLst>
-              <a:ext uri="{FF2B5EF4-FFF2-40B4-BE49-F238E27FC236}">
-                <a16:creationId xmlns:a16="http://schemas.microsoft.com/office/drawing/2014/main" id="{45E1838E-0221-8F3A-9A03-92112D37AEE6}"/>
-              </a:ext>
-            </a:extLst>
-          </p:cNvPr>
-          <p:cNvPicPr>
-            <a:picLocks noChangeAspect="1" noChangeArrowheads="1"/>
-          </p:cNvPicPr>
-          <p:nvPr/>
-        </p:nvPicPr>
-        <p:blipFill rotWithShape="1">
-          <a:blip r:embed="rId3">
-            <a:duotone>
-              <a:schemeClr val="accent4">
-                <a:shade val="45000"/>
-                <a:satMod val="135000"/>
-              </a:schemeClr>
-              <a:prstClr val="white"/>
-            </a:duotone>
-            <a:extLst>
-              <a:ext uri="{BEBA8EAE-BF5A-486C-A8C5-ECC9F3942E4B}">
-                <a14:imgProps xmlns:a14="http://schemas.microsoft.com/office/drawing/2010/main">
-                  <a14:imgLayer r:embed="rId4">
-                    <a14:imgEffect>
-                      <a14:saturation sat="0"/>
-                    </a14:imgEffect>
-                  </a14:imgLayer>
-                </a14:imgProps>
-              </a:ext>
-              <a:ext uri="{28A0092B-C50C-407E-A947-70E740481C1C}">
-                <a14:useLocalDpi xmlns:a14="http://schemas.microsoft.com/office/drawing/2010/main" val="0"/>
-              </a:ext>
-            </a:extLst>
-          </a:blip>
-          <a:srcRect l="53904" t="8099" r="26063" b="19195"/>
-          <a:stretch/>
-        </p:blipFill>
-        <p:spPr bwMode="auto">
-          <a:xfrm>
-            <a:off x="4413380" y="3858207"/>
-            <a:ext cx="1953982" cy="1772815"/>
-          </a:xfrm>
-          <a:prstGeom prst="rect">
-            <a:avLst/>
-          </a:prstGeom>
-          <a:noFill/>
-          <a:extLst>
-            <a:ext uri="{909E8E84-426E-40DD-AFC4-6F175D3DCCD1}">
-              <a14:hiddenFill xmlns:a14="http://schemas.microsoft.com/office/drawing/2010/main">
-                <a:solidFill>
-                  <a:srgbClr val="FFFFFF"/>
-                </a:solidFill>
-              </a14:hiddenFill>
-            </a:ext>
-          </a:extLst>
-        </p:spPr>
-      </p:pic>
-      <p:pic>
-        <p:nvPicPr>
-          <p:cNvPr id="20" name="Picture 4">
-            <a:extLst>
-              <a:ext uri="{FF2B5EF4-FFF2-40B4-BE49-F238E27FC236}">
-                <a16:creationId xmlns:a16="http://schemas.microsoft.com/office/drawing/2014/main" id="{B5BC5359-74DA-9D20-0862-32C17DBA7027}"/>
-              </a:ext>
-            </a:extLst>
-          </p:cNvPr>
-          <p:cNvPicPr>
-            <a:picLocks noChangeAspect="1" noChangeArrowheads="1"/>
-          </p:cNvPicPr>
-          <p:nvPr/>
-        </p:nvPicPr>
-        <p:blipFill rotWithShape="1">
-          <a:blip r:embed="rId3">
-            <a:duotone>
-              <a:schemeClr val="accent4">
-                <a:shade val="45000"/>
-                <a:satMod val="135000"/>
-              </a:schemeClr>
-              <a:prstClr val="white"/>
-            </a:duotone>
-            <a:extLst>
-              <a:ext uri="{BEBA8EAE-BF5A-486C-A8C5-ECC9F3942E4B}">
-                <a14:imgProps xmlns:a14="http://schemas.microsoft.com/office/drawing/2010/main">
-                  <a14:imgLayer r:embed="rId4">
-                    <a14:imgEffect>
-                      <a14:saturation sat="0"/>
-                    </a14:imgEffect>
-                  </a14:imgLayer>
-                </a14:imgProps>
-              </a:ext>
-              <a:ext uri="{28A0092B-C50C-407E-A947-70E740481C1C}">
-                <a14:useLocalDpi xmlns:a14="http://schemas.microsoft.com/office/drawing/2010/main" val="0"/>
-              </a:ext>
-            </a:extLst>
-          </a:blip>
-          <a:srcRect l="79514" t="8099" r="2828" b="19195"/>
-          <a:stretch/>
-        </p:blipFill>
-        <p:spPr bwMode="auto">
-          <a:xfrm>
-            <a:off x="6270173" y="3858207"/>
-            <a:ext cx="1722279" cy="1772815"/>
-          </a:xfrm>
-          <a:prstGeom prst="rect">
-            <a:avLst/>
-          </a:prstGeom>
-          <a:noFill/>
-          <a:extLst>
-            <a:ext uri="{909E8E84-426E-40DD-AFC4-6F175D3DCCD1}">
-              <a14:hiddenFill xmlns:a14="http://schemas.microsoft.com/office/drawing/2010/main">
-                <a:solidFill>
-                  <a:srgbClr val="FFFFFF"/>
-                </a:solidFill>
-              </a14:hiddenFill>
-            </a:ext>
-          </a:extLst>
-        </p:spPr>
-      </p:pic>
+      <p:grpSp>
+        <p:nvGrpSpPr>
+          <p:cNvPr id="6" name="Group 5">
+            <a:extLst>
+              <a:ext uri="{FF2B5EF4-FFF2-40B4-BE49-F238E27FC236}">
+                <a16:creationId xmlns:a16="http://schemas.microsoft.com/office/drawing/2014/main" id="{CB761BE0-B00A-8937-6284-D61D8F5E332D}"/>
+              </a:ext>
+            </a:extLst>
+          </p:cNvPr>
+          <p:cNvGrpSpPr/>
+          <p:nvPr/>
+        </p:nvGrpSpPr>
+        <p:grpSpPr>
+          <a:xfrm>
+            <a:off x="767408" y="-963488"/>
+            <a:ext cx="3456384" cy="6096000"/>
+            <a:chOff x="839416" y="-819472"/>
+            <a:chExt cx="3456384" cy="6096000"/>
+          </a:xfrm>
+        </p:grpSpPr>
+        <p:pic>
+          <p:nvPicPr>
+            <p:cNvPr id="2" name="Picture 1">
+              <a:extLst>
+                <a:ext uri="{FF2B5EF4-FFF2-40B4-BE49-F238E27FC236}">
+                  <a16:creationId xmlns:a16="http://schemas.microsoft.com/office/drawing/2014/main" id="{C6E08E8F-FBCF-A8AC-ECA7-EC14A97E93C6}"/>
+                </a:ext>
+              </a:extLst>
+            </p:cNvPr>
+            <p:cNvPicPr>
+              <a:picLocks noChangeAspect="1" noChangeArrowheads="1"/>
+            </p:cNvPicPr>
+            <p:nvPr/>
+          </p:nvPicPr>
+          <p:blipFill>
+            <a:blip r:embed="rId2">
+              <a:duotone>
+                <a:prstClr val="black"/>
+                <a:schemeClr val="accent6">
+                  <a:tint val="45000"/>
+                  <a:satMod val="400000"/>
+                </a:schemeClr>
+              </a:duotone>
+              <a:extLst>
+                <a:ext uri="{28A0092B-C50C-407E-A947-70E740481C1C}">
+                  <a14:useLocalDpi xmlns:a14="http://schemas.microsoft.com/office/drawing/2010/main" val="0"/>
+                </a:ext>
+              </a:extLst>
+            </a:blip>
+            <a:srcRect/>
+            <a:stretch>
+              <a:fillRect/>
+            </a:stretch>
+          </p:blipFill>
+          <p:spPr bwMode="auto">
+            <a:xfrm rot="5400000">
+              <a:off x="1312032" y="760140"/>
+              <a:ext cx="2886751" cy="2823871"/>
+            </a:xfrm>
+            <a:prstGeom prst="rect">
+              <a:avLst/>
+            </a:prstGeom>
+            <a:noFill/>
+            <a:extLst>
+              <a:ext uri="{909E8E84-426E-40DD-AFC4-6F175D3DCCD1}">
+                <a14:hiddenFill xmlns:a14="http://schemas.microsoft.com/office/drawing/2010/main">
+                  <a:solidFill>
+                    <a:srgbClr val="FFFFFF"/>
+                  </a:solidFill>
+                </a14:hiddenFill>
+              </a:ext>
+            </a:extLst>
+          </p:spPr>
+        </p:pic>
+        <p:pic>
+          <p:nvPicPr>
+            <p:cNvPr id="12" name="Picture 4">
+              <a:extLst>
+                <a:ext uri="{FF2B5EF4-FFF2-40B4-BE49-F238E27FC236}">
+                  <a16:creationId xmlns:a16="http://schemas.microsoft.com/office/drawing/2014/main" id="{5A0C48E1-5D73-F3D7-0FB4-D749D6806669}"/>
+                </a:ext>
+              </a:extLst>
+            </p:cNvPr>
+            <p:cNvPicPr>
+              <a:picLocks noChangeAspect="1" noChangeArrowheads="1"/>
+            </p:cNvPicPr>
+            <p:nvPr/>
+          </p:nvPicPr>
+          <p:blipFill rotWithShape="1">
+            <a:blip r:embed="rId3">
+              <a:extLst>
+                <a:ext uri="{28A0092B-C50C-407E-A947-70E740481C1C}">
+                  <a14:useLocalDpi xmlns:a14="http://schemas.microsoft.com/office/drawing/2010/main" val="0"/>
+                </a:ext>
+              </a:extLst>
+            </a:blip>
+            <a:srcRect l="40005" r="52907"/>
+            <a:stretch/>
+          </p:blipFill>
+          <p:spPr bwMode="auto">
+            <a:xfrm>
+              <a:off x="839416" y="-819472"/>
+              <a:ext cx="3456384" cy="6096000"/>
+            </a:xfrm>
+            <a:prstGeom prst="rect">
+              <a:avLst/>
+            </a:prstGeom>
+            <a:noFill/>
+            <a:extLst>
+              <a:ext uri="{909E8E84-426E-40DD-AFC4-6F175D3DCCD1}">
+                <a14:hiddenFill xmlns:a14="http://schemas.microsoft.com/office/drawing/2010/main">
+                  <a:solidFill>
+                    <a:srgbClr val="FFFFFF"/>
+                  </a:solidFill>
+                </a14:hiddenFill>
+              </a:ext>
+            </a:extLst>
+          </p:spPr>
+        </p:pic>
+      </p:grpSp>
+      <p:grpSp>
+        <p:nvGrpSpPr>
+          <p:cNvPr id="8" name="Group 7">
+            <a:extLst>
+              <a:ext uri="{FF2B5EF4-FFF2-40B4-BE49-F238E27FC236}">
+                <a16:creationId xmlns:a16="http://schemas.microsoft.com/office/drawing/2014/main" id="{E285D524-3AC5-85FC-BB5A-53D8005EEBE8}"/>
+              </a:ext>
+            </a:extLst>
+          </p:cNvPr>
+          <p:cNvGrpSpPr/>
+          <p:nvPr/>
+        </p:nvGrpSpPr>
+        <p:grpSpPr>
+          <a:xfrm>
+            <a:off x="4583832" y="-963488"/>
+            <a:ext cx="3384376" cy="5969000"/>
+            <a:chOff x="4655840" y="-819472"/>
+            <a:chExt cx="3384376" cy="5969000"/>
+          </a:xfrm>
+        </p:grpSpPr>
+        <p:pic>
+          <p:nvPicPr>
+            <p:cNvPr id="9" name="Picture 8">
+              <a:extLst>
+                <a:ext uri="{FF2B5EF4-FFF2-40B4-BE49-F238E27FC236}">
+                  <a16:creationId xmlns:a16="http://schemas.microsoft.com/office/drawing/2014/main" id="{88C56854-BAF6-BF24-2975-4DE826DAA107}"/>
+                </a:ext>
+              </a:extLst>
+            </p:cNvPr>
+            <p:cNvPicPr>
+              <a:picLocks noChangeAspect="1" noChangeArrowheads="1"/>
+            </p:cNvPicPr>
+            <p:nvPr/>
+          </p:nvPicPr>
+          <p:blipFill>
+            <a:blip r:embed="rId2">
+              <a:duotone>
+                <a:prstClr val="black"/>
+                <a:srgbClr val="7030A0">
+                  <a:tint val="45000"/>
+                  <a:satMod val="400000"/>
+                </a:srgbClr>
+              </a:duotone>
+              <a:extLst>
+                <a:ext uri="{28A0092B-C50C-407E-A947-70E740481C1C}">
+                  <a14:useLocalDpi xmlns:a14="http://schemas.microsoft.com/office/drawing/2010/main" val="0"/>
+                </a:ext>
+              </a:extLst>
+            </a:blip>
+            <a:srcRect/>
+            <a:stretch>
+              <a:fillRect/>
+            </a:stretch>
+          </p:blipFill>
+          <p:spPr bwMode="auto">
+            <a:xfrm rot="5400000">
+              <a:off x="4984440" y="760140"/>
+              <a:ext cx="2886751" cy="2823871"/>
+            </a:xfrm>
+            <a:prstGeom prst="rect">
+              <a:avLst/>
+            </a:prstGeom>
+            <a:noFill/>
+            <a:extLst>
+              <a:ext uri="{909E8E84-426E-40DD-AFC4-6F175D3DCCD1}">
+                <a14:hiddenFill xmlns:a14="http://schemas.microsoft.com/office/drawing/2010/main">
+                  <a:solidFill>
+                    <a:srgbClr val="FFFFFF"/>
+                  </a:solidFill>
+                </a14:hiddenFill>
+              </a:ext>
+            </a:extLst>
+          </p:spPr>
+        </p:pic>
+        <p:pic>
+          <p:nvPicPr>
+            <p:cNvPr id="4" name="Picture 4">
+              <a:extLst>
+                <a:ext uri="{FF2B5EF4-FFF2-40B4-BE49-F238E27FC236}">
+                  <a16:creationId xmlns:a16="http://schemas.microsoft.com/office/drawing/2014/main" id="{B5BCCF08-7E25-EEBD-81BB-2CCDFF5B7B25}"/>
+                </a:ext>
+              </a:extLst>
+            </p:cNvPr>
+            <p:cNvPicPr>
+              <a:picLocks noChangeAspect="1" noChangeArrowheads="1"/>
+            </p:cNvPicPr>
+            <p:nvPr/>
+          </p:nvPicPr>
+          <p:blipFill rotWithShape="1">
+            <a:blip r:embed="rId3">
+              <a:extLst>
+                <a:ext uri="{28A0092B-C50C-407E-A947-70E740481C1C}">
+                  <a14:useLocalDpi xmlns:a14="http://schemas.microsoft.com/office/drawing/2010/main" val="0"/>
+                </a:ext>
+              </a:extLst>
+            </a:blip>
+            <a:srcRect l="52767" r="40145"/>
+            <a:stretch/>
+          </p:blipFill>
+          <p:spPr bwMode="auto">
+            <a:xfrm>
+              <a:off x="4655840" y="-819472"/>
+              <a:ext cx="3384376" cy="5969000"/>
+            </a:xfrm>
+            <a:prstGeom prst="rect">
+              <a:avLst/>
+            </a:prstGeom>
+            <a:noFill/>
+            <a:extLst>
+              <a:ext uri="{909E8E84-426E-40DD-AFC4-6F175D3DCCD1}">
+                <a14:hiddenFill xmlns:a14="http://schemas.microsoft.com/office/drawing/2010/main">
+                  <a:solidFill>
+                    <a:srgbClr val="FFFFFF"/>
+                  </a:solidFill>
+                </a14:hiddenFill>
+              </a:ext>
+            </a:extLst>
+          </p:spPr>
+        </p:pic>
+      </p:grpSp>
+      <p:grpSp>
+        <p:nvGrpSpPr>
+          <p:cNvPr id="13" name="Group 12">
+            <a:extLst>
+              <a:ext uri="{FF2B5EF4-FFF2-40B4-BE49-F238E27FC236}">
+                <a16:creationId xmlns:a16="http://schemas.microsoft.com/office/drawing/2014/main" id="{17252A0A-11AD-5DB9-3C1F-99AAFBED35DC}"/>
+              </a:ext>
+            </a:extLst>
+          </p:cNvPr>
+          <p:cNvGrpSpPr/>
+          <p:nvPr/>
+        </p:nvGrpSpPr>
+        <p:grpSpPr>
+          <a:xfrm>
+            <a:off x="8400256" y="-963488"/>
+            <a:ext cx="3707320" cy="6265202"/>
+            <a:chOff x="8484680" y="-891480"/>
+            <a:chExt cx="3707320" cy="6265202"/>
+          </a:xfrm>
+        </p:grpSpPr>
+        <p:pic>
+          <p:nvPicPr>
+            <p:cNvPr id="11" name="Picture 10">
+              <a:extLst>
+                <a:ext uri="{FF2B5EF4-FFF2-40B4-BE49-F238E27FC236}">
+                  <a16:creationId xmlns:a16="http://schemas.microsoft.com/office/drawing/2014/main" id="{41A98F04-F09D-F3B6-8BC2-367D19C500F3}"/>
+                </a:ext>
+              </a:extLst>
+            </p:cNvPr>
+            <p:cNvPicPr>
+              <a:picLocks noChangeAspect="1" noChangeArrowheads="1"/>
+            </p:cNvPicPr>
+            <p:nvPr/>
+          </p:nvPicPr>
+          <p:blipFill>
+            <a:blip r:embed="rId2">
+              <a:duotone>
+                <a:prstClr val="black"/>
+                <a:srgbClr val="FFFF00">
+                  <a:tint val="45000"/>
+                  <a:satMod val="400000"/>
+                </a:srgbClr>
+              </a:duotone>
+              <a:extLst>
+                <a:ext uri="{28A0092B-C50C-407E-A947-70E740481C1C}">
+                  <a14:useLocalDpi xmlns:a14="http://schemas.microsoft.com/office/drawing/2010/main" val="0"/>
+                </a:ext>
+              </a:extLst>
+            </a:blip>
+            <a:srcRect/>
+            <a:stretch>
+              <a:fillRect/>
+            </a:stretch>
+          </p:blipFill>
+          <p:spPr bwMode="auto">
+            <a:xfrm rot="5400000">
+              <a:off x="8944880" y="760140"/>
+              <a:ext cx="2886751" cy="2823871"/>
+            </a:xfrm>
+            <a:prstGeom prst="rect">
+              <a:avLst/>
+            </a:prstGeom>
+            <a:noFill/>
+            <a:extLst>
+              <a:ext uri="{909E8E84-426E-40DD-AFC4-6F175D3DCCD1}">
+                <a14:hiddenFill xmlns:a14="http://schemas.microsoft.com/office/drawing/2010/main">
+                  <a:solidFill>
+                    <a:srgbClr val="FFFFFF"/>
+                  </a:solidFill>
+                </a14:hiddenFill>
+              </a:ext>
+            </a:extLst>
+          </p:spPr>
+        </p:pic>
+        <p:pic>
+          <p:nvPicPr>
+            <p:cNvPr id="10" name="Picture 4">
+              <a:extLst>
+                <a:ext uri="{FF2B5EF4-FFF2-40B4-BE49-F238E27FC236}">
+                  <a16:creationId xmlns:a16="http://schemas.microsoft.com/office/drawing/2014/main" id="{F32E9E59-FE59-DA8C-6E56-9F74A3BD76D1}"/>
+                </a:ext>
+              </a:extLst>
+            </p:cNvPr>
+            <p:cNvPicPr>
+              <a:picLocks noChangeAspect="1" noChangeArrowheads="1"/>
+            </p:cNvPicPr>
+            <p:nvPr/>
+          </p:nvPicPr>
+          <p:blipFill rotWithShape="1">
+            <a:blip r:embed="rId3">
+              <a:extLst>
+                <a:ext uri="{28A0092B-C50C-407E-A947-70E740481C1C}">
+                  <a14:useLocalDpi xmlns:a14="http://schemas.microsoft.com/office/drawing/2010/main" val="0"/>
+                </a:ext>
+              </a:extLst>
+            </a:blip>
+            <a:srcRect l="27756" r="64847"/>
+            <a:stretch/>
+          </p:blipFill>
+          <p:spPr bwMode="auto">
+            <a:xfrm>
+              <a:off x="8484680" y="-891480"/>
+              <a:ext cx="3707320" cy="6265202"/>
+            </a:xfrm>
+            <a:prstGeom prst="rect">
+              <a:avLst/>
+            </a:prstGeom>
+            <a:noFill/>
+            <a:extLst>
+              <a:ext uri="{909E8E84-426E-40DD-AFC4-6F175D3DCCD1}">
+                <a14:hiddenFill xmlns:a14="http://schemas.microsoft.com/office/drawing/2010/main">
+                  <a:solidFill>
+                    <a:srgbClr val="FFFFFF"/>
+                  </a:solidFill>
+                </a14:hiddenFill>
+              </a:ext>
+            </a:extLst>
+          </p:spPr>
+        </p:pic>
+      </p:grpSp>
     </p:spTree>
     <p:extLst>
       <p:ext uri="{BB962C8B-B14F-4D97-AF65-F5344CB8AC3E}">
-        <p14:creationId xmlns:p14="http://schemas.microsoft.com/office/powerpoint/2010/main" val="933121171"/>
+        <p14:creationId xmlns:p14="http://schemas.microsoft.com/office/powerpoint/2010/main" val="576568646"/>
       </p:ext>
     </p:extLst>
   </p:cSld>
@@ -9242,12 +9081,252 @@
           <a:chExt cx="0" cy="0"/>
         </a:xfrm>
       </p:grpSpPr>
+      <p:grpSp>
+        <p:nvGrpSpPr>
+          <p:cNvPr id="6" name="Group 5">
+            <a:extLst>
+              <a:ext uri="{FF2B5EF4-FFF2-40B4-BE49-F238E27FC236}">
+                <a16:creationId xmlns:a16="http://schemas.microsoft.com/office/drawing/2014/main" id="{80425318-D7EF-9ECB-6C43-DD8CA4E57035}"/>
+              </a:ext>
+            </a:extLst>
+          </p:cNvPr>
+          <p:cNvGrpSpPr/>
+          <p:nvPr/>
+        </p:nvGrpSpPr>
+        <p:grpSpPr>
+          <a:xfrm>
+            <a:off x="911424" y="-675456"/>
+            <a:ext cx="3384376" cy="5969000"/>
+            <a:chOff x="911424" y="-675456"/>
+            <a:chExt cx="3384376" cy="5969000"/>
+          </a:xfrm>
+        </p:grpSpPr>
+        <p:pic>
+          <p:nvPicPr>
+            <p:cNvPr id="3" name="Picture 4">
+              <a:extLst>
+                <a:ext uri="{FF2B5EF4-FFF2-40B4-BE49-F238E27FC236}">
+                  <a16:creationId xmlns:a16="http://schemas.microsoft.com/office/drawing/2014/main" id="{3AD7B85D-F6AB-BD01-F87A-12C480D3C458}"/>
+                </a:ext>
+              </a:extLst>
+            </p:cNvPr>
+            <p:cNvPicPr>
+              <a:picLocks noChangeAspect="1" noChangeArrowheads="1"/>
+            </p:cNvPicPr>
+            <p:nvPr/>
+          </p:nvPicPr>
+          <p:blipFill rotWithShape="1">
+            <a:blip r:embed="rId2">
+              <a:extLst>
+                <a:ext uri="{28A0092B-C50C-407E-A947-70E740481C1C}">
+                  <a14:useLocalDpi xmlns:a14="http://schemas.microsoft.com/office/drawing/2010/main" val="0"/>
+                </a:ext>
+              </a:extLst>
+            </a:blip>
+            <a:srcRect l="77659" r="15253"/>
+            <a:stretch/>
+          </p:blipFill>
+          <p:spPr bwMode="auto">
+            <a:xfrm>
+              <a:off x="911424" y="-675456"/>
+              <a:ext cx="3384376" cy="5969000"/>
+            </a:xfrm>
+            <a:prstGeom prst="rect">
+              <a:avLst/>
+            </a:prstGeom>
+            <a:noFill/>
+            <a:extLst>
+              <a:ext uri="{909E8E84-426E-40DD-AFC4-6F175D3DCCD1}">
+                <a14:hiddenFill xmlns:a14="http://schemas.microsoft.com/office/drawing/2010/main">
+                  <a:solidFill>
+                    <a:srgbClr val="FFFFFF"/>
+                  </a:solidFill>
+                </a14:hiddenFill>
+              </a:ext>
+            </a:extLst>
+          </p:spPr>
+        </p:pic>
+        <p:pic>
+          <p:nvPicPr>
+            <p:cNvPr id="2" name="Picture 1">
+              <a:extLst>
+                <a:ext uri="{FF2B5EF4-FFF2-40B4-BE49-F238E27FC236}">
+                  <a16:creationId xmlns:a16="http://schemas.microsoft.com/office/drawing/2014/main" id="{C6E08E8F-FBCF-A8AC-ECA7-EC14A97E93C6}"/>
+                </a:ext>
+              </a:extLst>
+            </p:cNvPr>
+            <p:cNvPicPr>
+              <a:picLocks noChangeAspect="1" noChangeArrowheads="1"/>
+            </p:cNvPicPr>
+            <p:nvPr/>
+          </p:nvPicPr>
+          <p:blipFill>
+            <a:blip r:embed="rId3">
+              <a:duotone>
+                <a:prstClr val="black"/>
+                <a:schemeClr val="tx2">
+                  <a:tint val="45000"/>
+                  <a:satMod val="400000"/>
+                </a:schemeClr>
+              </a:duotone>
+              <a:extLst>
+                <a:ext uri="{28A0092B-C50C-407E-A947-70E740481C1C}">
+                  <a14:useLocalDpi xmlns:a14="http://schemas.microsoft.com/office/drawing/2010/main" val="0"/>
+                </a:ext>
+              </a:extLst>
+            </a:blip>
+            <a:srcRect/>
+            <a:stretch>
+              <a:fillRect/>
+            </a:stretch>
+          </p:blipFill>
+          <p:spPr bwMode="auto">
+            <a:xfrm rot="5400000">
+              <a:off x="1312032" y="760140"/>
+              <a:ext cx="2886751" cy="2823871"/>
+            </a:xfrm>
+            <a:prstGeom prst="rect">
+              <a:avLst/>
+            </a:prstGeom>
+            <a:noFill/>
+            <a:extLst>
+              <a:ext uri="{909E8E84-426E-40DD-AFC4-6F175D3DCCD1}">
+                <a14:hiddenFill xmlns:a14="http://schemas.microsoft.com/office/drawing/2010/main">
+                  <a:solidFill>
+                    <a:srgbClr val="FFFFFF"/>
+                  </a:solidFill>
+                </a14:hiddenFill>
+              </a:ext>
+            </a:extLst>
+          </p:spPr>
+        </p:pic>
+      </p:grpSp>
+      <p:grpSp>
+        <p:nvGrpSpPr>
+          <p:cNvPr id="7" name="Group 6">
+            <a:extLst>
+              <a:ext uri="{FF2B5EF4-FFF2-40B4-BE49-F238E27FC236}">
+                <a16:creationId xmlns:a16="http://schemas.microsoft.com/office/drawing/2014/main" id="{64DD57CB-77D4-B1C1-F7F9-44B463AA7252}"/>
+              </a:ext>
+            </a:extLst>
+          </p:cNvPr>
+          <p:cNvGrpSpPr/>
+          <p:nvPr/>
+        </p:nvGrpSpPr>
+        <p:grpSpPr>
+          <a:xfrm>
+            <a:off x="4583832" y="-811801"/>
+            <a:ext cx="3384376" cy="5968993"/>
+            <a:chOff x="4583832" y="-811801"/>
+            <a:chExt cx="3384376" cy="5968993"/>
+          </a:xfrm>
+        </p:grpSpPr>
+        <p:pic>
+          <p:nvPicPr>
+            <p:cNvPr id="5" name="Picture 4">
+              <a:extLst>
+                <a:ext uri="{FF2B5EF4-FFF2-40B4-BE49-F238E27FC236}">
+                  <a16:creationId xmlns:a16="http://schemas.microsoft.com/office/drawing/2014/main" id="{9BFB3161-3C99-E7CF-936D-CF4E17A4D15A}"/>
+                </a:ext>
+              </a:extLst>
+            </p:cNvPr>
+            <p:cNvPicPr>
+              <a:picLocks noChangeAspect="1" noChangeArrowheads="1"/>
+            </p:cNvPicPr>
+            <p:nvPr/>
+          </p:nvPicPr>
+          <p:blipFill rotWithShape="1">
+            <a:blip r:embed="rId2">
+              <a:extLst>
+                <a:ext uri="{28A0092B-C50C-407E-A947-70E740481C1C}">
+                  <a14:useLocalDpi xmlns:a14="http://schemas.microsoft.com/office/drawing/2010/main" val="0"/>
+                </a:ext>
+              </a:extLst>
+            </a:blip>
+            <a:srcRect l="90097" r="2815"/>
+            <a:stretch/>
+          </p:blipFill>
+          <p:spPr bwMode="auto">
+            <a:xfrm>
+              <a:off x="4583832" y="-811801"/>
+              <a:ext cx="3384376" cy="5968993"/>
+            </a:xfrm>
+            <a:prstGeom prst="rect">
+              <a:avLst/>
+            </a:prstGeom>
+            <a:noFill/>
+            <a:extLst>
+              <a:ext uri="{909E8E84-426E-40DD-AFC4-6F175D3DCCD1}">
+                <a14:hiddenFill xmlns:a14="http://schemas.microsoft.com/office/drawing/2010/main">
+                  <a:solidFill>
+                    <a:srgbClr val="FFFFFF"/>
+                  </a:solidFill>
+                </a14:hiddenFill>
+              </a:ext>
+            </a:extLst>
+          </p:spPr>
+        </p:pic>
+        <p:pic>
+          <p:nvPicPr>
+            <p:cNvPr id="9" name="Picture 8">
+              <a:extLst>
+                <a:ext uri="{FF2B5EF4-FFF2-40B4-BE49-F238E27FC236}">
+                  <a16:creationId xmlns:a16="http://schemas.microsoft.com/office/drawing/2014/main" id="{88C56854-BAF6-BF24-2975-4DE826DAA107}"/>
+                </a:ext>
+              </a:extLst>
+            </p:cNvPr>
+            <p:cNvPicPr>
+              <a:picLocks noChangeAspect="1" noChangeArrowheads="1"/>
+            </p:cNvPicPr>
+            <p:nvPr/>
+          </p:nvPicPr>
+          <p:blipFill>
+            <a:blip r:embed="rId3">
+              <a:duotone>
+                <a:prstClr val="black"/>
+                <a:srgbClr val="FFB3B3">
+                  <a:tint val="45000"/>
+                  <a:satMod val="400000"/>
+                </a:srgbClr>
+              </a:duotone>
+              <a:extLst>
+                <a:ext uri="{28A0092B-C50C-407E-A947-70E740481C1C}">
+                  <a14:useLocalDpi xmlns:a14="http://schemas.microsoft.com/office/drawing/2010/main" val="0"/>
+                </a:ext>
+              </a:extLst>
+            </a:blip>
+            <a:srcRect/>
+            <a:stretch>
+              <a:fillRect/>
+            </a:stretch>
+          </p:blipFill>
+          <p:spPr bwMode="auto">
+            <a:xfrm rot="5400000">
+              <a:off x="4984440" y="760140"/>
+              <a:ext cx="2886751" cy="2823871"/>
+            </a:xfrm>
+            <a:prstGeom prst="rect">
+              <a:avLst/>
+            </a:prstGeom>
+            <a:noFill/>
+            <a:extLst>
+              <a:ext uri="{909E8E84-426E-40DD-AFC4-6F175D3DCCD1}">
+                <a14:hiddenFill xmlns:a14="http://schemas.microsoft.com/office/drawing/2010/main">
+                  <a:solidFill>
+                    <a:srgbClr val="FFFFFF"/>
+                  </a:solidFill>
+                </a14:hiddenFill>
+              </a:ext>
+            </a:extLst>
+          </p:spPr>
+        </p:pic>
+      </p:grpSp>
       <p:pic>
         <p:nvPicPr>
-          <p:cNvPr id="7170" name="Picture 2">
-            <a:extLst>
-              <a:ext uri="{FF2B5EF4-FFF2-40B4-BE49-F238E27FC236}">
-                <a16:creationId xmlns:a16="http://schemas.microsoft.com/office/drawing/2014/main" id="{35B5DE21-CC51-BA5A-4629-A16ED1F54B34}"/>
+          <p:cNvPr id="11" name="Picture 10">
+            <a:extLst>
+              <a:ext uri="{FF2B5EF4-FFF2-40B4-BE49-F238E27FC236}">
+                <a16:creationId xmlns:a16="http://schemas.microsoft.com/office/drawing/2014/main" id="{41A98F04-F09D-F3B6-8BC2-367D19C500F3}"/>
               </a:ext>
             </a:extLst>
           </p:cNvPr>
@@ -9256,14 +9335,14 @@
           </p:cNvPicPr>
           <p:nvPr/>
         </p:nvPicPr>
-        <p:blipFill rotWithShape="1">
-          <a:blip r:embed="rId2">
+        <p:blipFill>
+          <a:blip r:embed="rId3">
             <a:duotone>
               <a:prstClr val="black"/>
-              <a:schemeClr val="accent1">
+              <a:srgbClr val="FFFF00">
                 <a:tint val="45000"/>
                 <a:satMod val="400000"/>
-              </a:schemeClr>
+              </a:srgbClr>
             </a:duotone>
             <a:extLst>
               <a:ext uri="{28A0092B-C50C-407E-A947-70E740481C1C}">
@@ -9271,13 +9350,15 @@
               </a:ext>
             </a:extLst>
           </a:blip>
-          <a:srcRect l="1754" t="9796" r="92339" b="38660"/>
-          <a:stretch/>
+          <a:srcRect/>
+          <a:stretch>
+            <a:fillRect/>
+          </a:stretch>
         </p:blipFill>
         <p:spPr bwMode="auto">
-          <a:xfrm>
-            <a:off x="335360" y="548680"/>
-            <a:ext cx="720079" cy="720080"/>
+          <a:xfrm rot="5400000">
+            <a:off x="8944880" y="760140"/>
+            <a:ext cx="2886751" cy="2823871"/>
           </a:xfrm>
           <a:prstGeom prst="rect">
             <a:avLst/>
@@ -9296,10 +9377,10 @@
       </p:pic>
       <p:pic>
         <p:nvPicPr>
-          <p:cNvPr id="4" name="Picture 2">
-            <a:extLst>
-              <a:ext uri="{FF2B5EF4-FFF2-40B4-BE49-F238E27FC236}">
-                <a16:creationId xmlns:a16="http://schemas.microsoft.com/office/drawing/2014/main" id="{4505ACD8-DBBD-3DFB-15C1-61AB77EA453D}"/>
+          <p:cNvPr id="10" name="Picture 4">
+            <a:extLst>
+              <a:ext uri="{FF2B5EF4-FFF2-40B4-BE49-F238E27FC236}">
+                <a16:creationId xmlns:a16="http://schemas.microsoft.com/office/drawing/2014/main" id="{F32E9E59-FE59-DA8C-6E56-9F74A3BD76D1}"/>
               </a:ext>
             </a:extLst>
           </p:cNvPr>
@@ -9308,30 +9389,21 @@
           </p:cNvPicPr>
           <p:nvPr/>
         </p:nvPicPr>
-        <p:blipFill>
+        <p:blipFill rotWithShape="1">
           <a:blip r:embed="rId2">
-            <a:duotone>
-              <a:prstClr val="black"/>
-              <a:schemeClr val="accent6">
-                <a:tint val="45000"/>
-                <a:satMod val="400000"/>
-              </a:schemeClr>
-            </a:duotone>
             <a:extLst>
               <a:ext uri="{28A0092B-C50C-407E-A947-70E740481C1C}">
                 <a14:useLocalDpi xmlns:a14="http://schemas.microsoft.com/office/drawing/2010/main" val="0"/>
               </a:ext>
             </a:extLst>
           </a:blip>
-          <a:srcRect/>
-          <a:stretch>
-            <a:fillRect/>
-          </a:stretch>
+          <a:srcRect l="27756" r="64847"/>
+          <a:stretch/>
         </p:blipFill>
         <p:spPr bwMode="auto">
           <a:xfrm>
-            <a:off x="121298" y="2032000"/>
-            <a:ext cx="12192000" cy="1397000"/>
+            <a:off x="8484680" y="-891480"/>
+            <a:ext cx="3707320" cy="6265202"/>
           </a:xfrm>
           <a:prstGeom prst="rect">
             <a:avLst/>
@@ -9348,428 +9420,10 @@
           </a:extLst>
         </p:spPr>
       </p:pic>
-      <p:pic>
-        <p:nvPicPr>
-          <p:cNvPr id="5" name="Picture 2">
-            <a:extLst>
-              <a:ext uri="{FF2B5EF4-FFF2-40B4-BE49-F238E27FC236}">
-                <a16:creationId xmlns:a16="http://schemas.microsoft.com/office/drawing/2014/main" id="{8640320F-A3EE-8EC8-9B0E-6D3E51A215E4}"/>
-              </a:ext>
-            </a:extLst>
-          </p:cNvPr>
-          <p:cNvPicPr>
-            <a:picLocks noChangeAspect="1" noChangeArrowheads="1"/>
-          </p:cNvPicPr>
-          <p:nvPr/>
-        </p:nvPicPr>
-        <p:blipFill>
-          <a:blip r:embed="rId2">
-            <a:duotone>
-              <a:prstClr val="black"/>
-              <a:srgbClr val="FF0000">
-                <a:tint val="45000"/>
-                <a:satMod val="400000"/>
-              </a:srgbClr>
-            </a:duotone>
-            <a:extLst>
-              <a:ext uri="{28A0092B-C50C-407E-A947-70E740481C1C}">
-                <a14:useLocalDpi xmlns:a14="http://schemas.microsoft.com/office/drawing/2010/main" val="0"/>
-              </a:ext>
-            </a:extLst>
-          </a:blip>
-          <a:srcRect/>
-          <a:stretch>
-            <a:fillRect/>
-          </a:stretch>
-        </p:blipFill>
-        <p:spPr bwMode="auto">
-          <a:xfrm>
-            <a:off x="0" y="5025830"/>
-            <a:ext cx="12192000" cy="1397000"/>
-          </a:xfrm>
-          <a:prstGeom prst="rect">
-            <a:avLst/>
-          </a:prstGeom>
-          <a:noFill/>
-          <a:extLst>
-            <a:ext uri="{909E8E84-426E-40DD-AFC4-6F175D3DCCD1}">
-              <a14:hiddenFill xmlns:a14="http://schemas.microsoft.com/office/drawing/2010/main">
-                <a:solidFill>
-                  <a:srgbClr val="FFFFFF"/>
-                </a:solidFill>
-              </a14:hiddenFill>
-            </a:ext>
-          </a:extLst>
-        </p:spPr>
-      </p:pic>
-      <p:pic>
-        <p:nvPicPr>
-          <p:cNvPr id="6" name="Picture 2">
-            <a:extLst>
-              <a:ext uri="{FF2B5EF4-FFF2-40B4-BE49-F238E27FC236}">
-                <a16:creationId xmlns:a16="http://schemas.microsoft.com/office/drawing/2014/main" id="{297421D2-4EE9-B9EA-BE09-268649BF1F91}"/>
-              </a:ext>
-            </a:extLst>
-          </p:cNvPr>
-          <p:cNvPicPr>
-            <a:picLocks noChangeAspect="1" noChangeArrowheads="1"/>
-          </p:cNvPicPr>
-          <p:nvPr/>
-        </p:nvPicPr>
-        <p:blipFill rotWithShape="1">
-          <a:blip r:embed="rId2">
-            <a:duotone>
-              <a:prstClr val="black"/>
-              <a:schemeClr val="accent1">
-                <a:tint val="45000"/>
-                <a:satMod val="400000"/>
-              </a:schemeClr>
-            </a:duotone>
-            <a:extLst>
-              <a:ext uri="{28A0092B-C50C-407E-A947-70E740481C1C}">
-                <a14:useLocalDpi xmlns:a14="http://schemas.microsoft.com/office/drawing/2010/main" val="0"/>
-              </a:ext>
-            </a:extLst>
-          </a:blip>
-          <a:srcRect l="9213" t="8397" r="84879" b="40060"/>
-          <a:stretch/>
-        </p:blipFill>
-        <p:spPr bwMode="auto">
-          <a:xfrm>
-            <a:off x="1055440" y="548680"/>
-            <a:ext cx="720078" cy="720079"/>
-          </a:xfrm>
-          <a:prstGeom prst="rect">
-            <a:avLst/>
-          </a:prstGeom>
-          <a:noFill/>
-          <a:extLst>
-            <a:ext uri="{909E8E84-426E-40DD-AFC4-6F175D3DCCD1}">
-              <a14:hiddenFill xmlns:a14="http://schemas.microsoft.com/office/drawing/2010/main">
-                <a:solidFill>
-                  <a:srgbClr val="FFFFFF"/>
-                </a:solidFill>
-              </a14:hiddenFill>
-            </a:ext>
-          </a:extLst>
-        </p:spPr>
-      </p:pic>
-      <p:pic>
-        <p:nvPicPr>
-          <p:cNvPr id="7" name="Picture 2">
-            <a:extLst>
-              <a:ext uri="{FF2B5EF4-FFF2-40B4-BE49-F238E27FC236}">
-                <a16:creationId xmlns:a16="http://schemas.microsoft.com/office/drawing/2014/main" id="{90E8907C-154D-D040-0F18-75243DC7AD78}"/>
-              </a:ext>
-            </a:extLst>
-          </p:cNvPr>
-          <p:cNvPicPr>
-            <a:picLocks noChangeAspect="1" noChangeArrowheads="1"/>
-          </p:cNvPicPr>
-          <p:nvPr/>
-        </p:nvPicPr>
-        <p:blipFill rotWithShape="1">
-          <a:blip r:embed="rId2">
-            <a:duotone>
-              <a:prstClr val="black"/>
-              <a:schemeClr val="accent1">
-                <a:tint val="45000"/>
-                <a:satMod val="400000"/>
-              </a:schemeClr>
-            </a:duotone>
-            <a:extLst>
-              <a:ext uri="{28A0092B-C50C-407E-A947-70E740481C1C}">
-                <a14:useLocalDpi xmlns:a14="http://schemas.microsoft.com/office/drawing/2010/main" val="0"/>
-              </a:ext>
-            </a:extLst>
-          </a:blip>
-          <a:srcRect l="34821" t="9251" r="59272" b="39207"/>
-          <a:stretch/>
-        </p:blipFill>
-        <p:spPr bwMode="auto">
-          <a:xfrm>
-            <a:off x="1775518" y="548678"/>
-            <a:ext cx="720078" cy="720079"/>
-          </a:xfrm>
-          <a:prstGeom prst="rect">
-            <a:avLst/>
-          </a:prstGeom>
-          <a:noFill/>
-          <a:extLst>
-            <a:ext uri="{909E8E84-426E-40DD-AFC4-6F175D3DCCD1}">
-              <a14:hiddenFill xmlns:a14="http://schemas.microsoft.com/office/drawing/2010/main">
-                <a:solidFill>
-                  <a:srgbClr val="FFFFFF"/>
-                </a:solidFill>
-              </a14:hiddenFill>
-            </a:ext>
-          </a:extLst>
-        </p:spPr>
-      </p:pic>
-      <p:pic>
-        <p:nvPicPr>
-          <p:cNvPr id="8" name="Picture 2">
-            <a:extLst>
-              <a:ext uri="{FF2B5EF4-FFF2-40B4-BE49-F238E27FC236}">
-                <a16:creationId xmlns:a16="http://schemas.microsoft.com/office/drawing/2014/main" id="{33161849-42BE-8DA9-4F01-F3111D17B0F6}"/>
-              </a:ext>
-            </a:extLst>
-          </p:cNvPr>
-          <p:cNvPicPr>
-            <a:picLocks noChangeAspect="1" noChangeArrowheads="1"/>
-          </p:cNvPicPr>
-          <p:nvPr/>
-        </p:nvPicPr>
-        <p:blipFill rotWithShape="1">
-          <a:blip r:embed="rId2">
-            <a:duotone>
-              <a:prstClr val="black"/>
-              <a:schemeClr val="accent1">
-                <a:tint val="45000"/>
-                <a:satMod val="400000"/>
-              </a:schemeClr>
-            </a:duotone>
-            <a:extLst>
-              <a:ext uri="{28A0092B-C50C-407E-A947-70E740481C1C}">
-                <a14:useLocalDpi xmlns:a14="http://schemas.microsoft.com/office/drawing/2010/main" val="0"/>
-              </a:ext>
-            </a:extLst>
-          </a:blip>
-          <a:srcRect l="69007" t="19470" r="27366" b="52814"/>
-          <a:stretch/>
-        </p:blipFill>
-        <p:spPr bwMode="auto">
-          <a:xfrm>
-            <a:off x="2628035" y="715106"/>
-            <a:ext cx="442129" cy="387221"/>
-          </a:xfrm>
-          <a:prstGeom prst="rect">
-            <a:avLst/>
-          </a:prstGeom>
-          <a:noFill/>
-          <a:extLst>
-            <a:ext uri="{909E8E84-426E-40DD-AFC4-6F175D3DCCD1}">
-              <a14:hiddenFill xmlns:a14="http://schemas.microsoft.com/office/drawing/2010/main">
-                <a:solidFill>
-                  <a:srgbClr val="FFFFFF"/>
-                </a:solidFill>
-              </a14:hiddenFill>
-            </a:ext>
-          </a:extLst>
-        </p:spPr>
-      </p:pic>
-      <p:pic>
-        <p:nvPicPr>
-          <p:cNvPr id="9" name="Picture 2">
-            <a:extLst>
-              <a:ext uri="{FF2B5EF4-FFF2-40B4-BE49-F238E27FC236}">
-                <a16:creationId xmlns:a16="http://schemas.microsoft.com/office/drawing/2014/main" id="{8569E3B2-57CA-0F83-B26A-00DB2D69986B}"/>
-              </a:ext>
-            </a:extLst>
-          </p:cNvPr>
-          <p:cNvPicPr>
-            <a:picLocks noChangeAspect="1" noChangeArrowheads="1"/>
-          </p:cNvPicPr>
-          <p:nvPr/>
-        </p:nvPicPr>
-        <p:blipFill rotWithShape="1">
-          <a:blip r:embed="rId2">
-            <a:duotone>
-              <a:prstClr val="black"/>
-              <a:schemeClr val="accent1">
-                <a:tint val="45000"/>
-                <a:satMod val="400000"/>
-              </a:schemeClr>
-            </a:duotone>
-            <a:extLst>
-              <a:ext uri="{28A0092B-C50C-407E-A947-70E740481C1C}">
-                <a14:useLocalDpi xmlns:a14="http://schemas.microsoft.com/office/drawing/2010/main" val="0"/>
-              </a:ext>
-            </a:extLst>
-          </a:blip>
-          <a:srcRect l="85516" t="17494" r="10857" b="54789"/>
-          <a:stretch/>
-        </p:blipFill>
-        <p:spPr bwMode="auto">
-          <a:xfrm>
-            <a:off x="3879689" y="1226655"/>
-            <a:ext cx="442129" cy="387221"/>
-          </a:xfrm>
-          <a:prstGeom prst="rect">
-            <a:avLst/>
-          </a:prstGeom>
-          <a:noFill/>
-          <a:extLst>
-            <a:ext uri="{909E8E84-426E-40DD-AFC4-6F175D3DCCD1}">
-              <a14:hiddenFill xmlns:a14="http://schemas.microsoft.com/office/drawing/2010/main">
-                <a:solidFill>
-                  <a:srgbClr val="FFFFFF"/>
-                </a:solidFill>
-              </a14:hiddenFill>
-            </a:ext>
-          </a:extLst>
-        </p:spPr>
-      </p:pic>
-      <p:pic>
-        <p:nvPicPr>
-          <p:cNvPr id="10" name="Picture 2">
-            <a:extLst>
-              <a:ext uri="{FF2B5EF4-FFF2-40B4-BE49-F238E27FC236}">
-                <a16:creationId xmlns:a16="http://schemas.microsoft.com/office/drawing/2014/main" id="{F7E2185B-358E-5162-6F13-11CB5057EF1C}"/>
-              </a:ext>
-            </a:extLst>
-          </p:cNvPr>
-          <p:cNvPicPr>
-            <a:picLocks noChangeAspect="1" noChangeArrowheads="1"/>
-          </p:cNvPicPr>
-          <p:nvPr/>
-        </p:nvPicPr>
-        <p:blipFill rotWithShape="1">
-          <a:blip r:embed="rId2">
-            <a:duotone>
-              <a:prstClr val="black"/>
-              <a:schemeClr val="accent1">
-                <a:tint val="45000"/>
-                <a:satMod val="400000"/>
-              </a:schemeClr>
-            </a:duotone>
-            <a:extLst>
-              <a:ext uri="{28A0092B-C50C-407E-A947-70E740481C1C}">
-                <a14:useLocalDpi xmlns:a14="http://schemas.microsoft.com/office/drawing/2010/main" val="0"/>
-              </a:ext>
-            </a:extLst>
-          </a:blip>
-          <a:srcRect l="94179" t="19692" r="2773" b="54789"/>
-          <a:stretch/>
-        </p:blipFill>
-        <p:spPr bwMode="auto">
-          <a:xfrm>
-            <a:off x="4492639" y="1220177"/>
-            <a:ext cx="371475" cy="356506"/>
-          </a:xfrm>
-          <a:prstGeom prst="rect">
-            <a:avLst/>
-          </a:prstGeom>
-          <a:noFill/>
-          <a:extLst>
-            <a:ext uri="{909E8E84-426E-40DD-AFC4-6F175D3DCCD1}">
-              <a14:hiddenFill xmlns:a14="http://schemas.microsoft.com/office/drawing/2010/main">
-                <a:solidFill>
-                  <a:srgbClr val="FFFFFF"/>
-                </a:solidFill>
-              </a14:hiddenFill>
-            </a:ext>
-          </a:extLst>
-        </p:spPr>
-      </p:pic>
-      <p:pic>
-        <p:nvPicPr>
-          <p:cNvPr id="11" name="Picture 2">
-            <a:extLst>
-              <a:ext uri="{FF2B5EF4-FFF2-40B4-BE49-F238E27FC236}">
-                <a16:creationId xmlns:a16="http://schemas.microsoft.com/office/drawing/2014/main" id="{7C363D5D-CBE5-4262-D3E9-37B62C8FC929}"/>
-              </a:ext>
-            </a:extLst>
-          </p:cNvPr>
-          <p:cNvPicPr>
-            <a:picLocks noChangeAspect="1" noChangeArrowheads="1"/>
-          </p:cNvPicPr>
-          <p:nvPr/>
-        </p:nvPicPr>
-        <p:blipFill rotWithShape="1">
-          <a:blip r:embed="rId2">
-            <a:duotone>
-              <a:prstClr val="black"/>
-              <a:schemeClr val="accent1">
-                <a:tint val="45000"/>
-                <a:satMod val="400000"/>
-              </a:schemeClr>
-            </a:duotone>
-            <a:extLst>
-              <a:ext uri="{28A0092B-C50C-407E-A947-70E740481C1C}">
-                <a14:useLocalDpi xmlns:a14="http://schemas.microsoft.com/office/drawing/2010/main" val="0"/>
-              </a:ext>
-            </a:extLst>
-          </a:blip>
-          <a:srcRect l="94179" t="19692" r="2773" b="54789"/>
-          <a:stretch/>
-        </p:blipFill>
-        <p:spPr bwMode="auto">
-          <a:xfrm>
-            <a:off x="5279980" y="1220177"/>
-            <a:ext cx="371475" cy="356506"/>
-          </a:xfrm>
-          <a:prstGeom prst="rect">
-            <a:avLst/>
-          </a:prstGeom>
-          <a:noFill/>
-          <a:extLst>
-            <a:ext uri="{909E8E84-426E-40DD-AFC4-6F175D3DCCD1}">
-              <a14:hiddenFill xmlns:a14="http://schemas.microsoft.com/office/drawing/2010/main">
-                <a:solidFill>
-                  <a:srgbClr val="FFFFFF"/>
-                </a:solidFill>
-              </a14:hiddenFill>
-            </a:ext>
-          </a:extLst>
-        </p:spPr>
-      </p:pic>
-      <p:pic>
-        <p:nvPicPr>
-          <p:cNvPr id="12" name="Picture 2">
-            <a:extLst>
-              <a:ext uri="{FF2B5EF4-FFF2-40B4-BE49-F238E27FC236}">
-                <a16:creationId xmlns:a16="http://schemas.microsoft.com/office/drawing/2014/main" id="{D58A8A28-DD69-B9A4-931F-C772FF5BF25D}"/>
-              </a:ext>
-            </a:extLst>
-          </p:cNvPr>
-          <p:cNvPicPr>
-            <a:picLocks noChangeAspect="1" noChangeArrowheads="1"/>
-          </p:cNvPicPr>
-          <p:nvPr/>
-        </p:nvPicPr>
-        <p:blipFill rotWithShape="1">
-          <a:blip r:embed="rId2">
-            <a:duotone>
-              <a:prstClr val="black"/>
-              <a:schemeClr val="accent1">
-                <a:tint val="45000"/>
-                <a:satMod val="400000"/>
-              </a:schemeClr>
-            </a:duotone>
-            <a:extLst>
-              <a:ext uri="{28A0092B-C50C-407E-A947-70E740481C1C}">
-                <a14:useLocalDpi xmlns:a14="http://schemas.microsoft.com/office/drawing/2010/main" val="0"/>
-              </a:ext>
-            </a:extLst>
-          </a:blip>
-          <a:srcRect l="94179" t="19692" r="2773" b="54789"/>
-          <a:stretch/>
-        </p:blipFill>
-        <p:spPr bwMode="auto">
-          <a:xfrm>
-            <a:off x="6164238" y="1279546"/>
-            <a:ext cx="371475" cy="356506"/>
-          </a:xfrm>
-          <a:prstGeom prst="rect">
-            <a:avLst/>
-          </a:prstGeom>
-          <a:noFill/>
-          <a:extLst>
-            <a:ext uri="{909E8E84-426E-40DD-AFC4-6F175D3DCCD1}">
-              <a14:hiddenFill xmlns:a14="http://schemas.microsoft.com/office/drawing/2010/main">
-                <a:solidFill>
-                  <a:srgbClr val="FFFFFF"/>
-                </a:solidFill>
-              </a14:hiddenFill>
-            </a:ext>
-          </a:extLst>
-        </p:spPr>
-      </p:pic>
     </p:spTree>
     <p:extLst>
       <p:ext uri="{BB962C8B-B14F-4D97-AF65-F5344CB8AC3E}">
-        <p14:creationId xmlns:p14="http://schemas.microsoft.com/office/powerpoint/2010/main" val="3696650378"/>
+        <p14:creationId xmlns:p14="http://schemas.microsoft.com/office/powerpoint/2010/main" val="2395780686"/>
       </p:ext>
     </p:extLst>
   </p:cSld>
@@ -9796,582 +9450,244 @@
           <a:chExt cx="0" cy="0"/>
         </a:xfrm>
       </p:grpSpPr>
+      <p:sp>
+        <p:nvSpPr>
+          <p:cNvPr id="2" name="Title 1">
+            <a:extLst>
+              <a:ext uri="{FF2B5EF4-FFF2-40B4-BE49-F238E27FC236}">
+                <a16:creationId xmlns:a16="http://schemas.microsoft.com/office/drawing/2014/main" id="{571A40DB-8427-41CA-D0C9-EBB0342FBAE0}"/>
+              </a:ext>
+            </a:extLst>
+          </p:cNvPr>
+          <p:cNvSpPr>
+            <a:spLocks noGrp="1"/>
+          </p:cNvSpPr>
+          <p:nvPr>
+            <p:ph type="title"/>
+          </p:nvPr>
+        </p:nvSpPr>
+        <p:spPr/>
+        <p:txBody>
+          <a:bodyPr/>
+          <a:lstStyle/>
+          <a:p>
+            <a:endParaRPr lang="fr-FR"/>
+          </a:p>
+        </p:txBody>
+      </p:sp>
       <p:pic>
         <p:nvPicPr>
-          <p:cNvPr id="15" name="Picture 2">
-            <a:extLst>
-              <a:ext uri="{FF2B5EF4-FFF2-40B4-BE49-F238E27FC236}">
-                <a16:creationId xmlns:a16="http://schemas.microsoft.com/office/drawing/2014/main" id="{6CAC536F-6A5A-20D4-A615-5DCE5B5FA9EA}"/>
+          <p:cNvPr id="5" name="Content Placeholder 4" descr="A picture containing bunch, several&#10;&#10;Description automatically generated">
+            <a:extLst>
+              <a:ext uri="{FF2B5EF4-FFF2-40B4-BE49-F238E27FC236}">
+                <a16:creationId xmlns:a16="http://schemas.microsoft.com/office/drawing/2014/main" id="{4CA94C5B-24C9-8A88-6129-6AE8CB8D874A}"/>
               </a:ext>
             </a:extLst>
           </p:cNvPr>
           <p:cNvPicPr>
-            <a:picLocks noChangeAspect="1" noChangeArrowheads="1"/>
+            <a:picLocks noGrp="1" noChangeAspect="1"/>
           </p:cNvPicPr>
-          <p:nvPr/>
+          <p:nvPr>
+            <p:ph idx="1"/>
+          </p:nvPr>
         </p:nvPicPr>
         <p:blipFill rotWithShape="1">
           <a:blip r:embed="rId2">
-            <a:duotone>
-              <a:prstClr val="black"/>
-              <a:schemeClr val="accent6">
-                <a:tint val="45000"/>
-                <a:satMod val="400000"/>
-              </a:schemeClr>
-            </a:duotone>
             <a:extLst>
               <a:ext uri="{28A0092B-C50C-407E-A947-70E740481C1C}">
                 <a14:useLocalDpi xmlns:a14="http://schemas.microsoft.com/office/drawing/2010/main" val="0"/>
               </a:ext>
             </a:extLst>
           </a:blip>
-          <a:srcRect l="1177" t="2067" r="26175" b="-10312"/>
+          <a:srcRect t="20444" b="61544"/>
           <a:stretch/>
         </p:blipFill>
-        <p:spPr bwMode="auto">
-          <a:xfrm>
-            <a:off x="175341" y="2672916"/>
-            <a:ext cx="8856984" cy="1512168"/>
+        <p:spPr>
+          <a:xfrm>
+            <a:off x="1373073" y="2164702"/>
+            <a:ext cx="5749977" cy="1035699"/>
+          </a:xfrm>
+        </p:spPr>
+      </p:pic>
+      <p:pic>
+        <p:nvPicPr>
+          <p:cNvPr id="6" name="Content Placeholder 4" descr="A picture containing bunch, several&#10;&#10;Description automatically generated">
+            <a:extLst>
+              <a:ext uri="{FF2B5EF4-FFF2-40B4-BE49-F238E27FC236}">
+                <a16:creationId xmlns:a16="http://schemas.microsoft.com/office/drawing/2014/main" id="{CCB057AC-1BB1-8395-7CDD-E665B8920920}"/>
+              </a:ext>
+            </a:extLst>
+          </p:cNvPr>
+          <p:cNvPicPr>
+            <a:picLocks noChangeAspect="1"/>
+          </p:cNvPicPr>
+          <p:nvPr/>
+        </p:nvPicPr>
+        <p:blipFill rotWithShape="1">
+          <a:blip r:embed="rId2">
+            <a:extLst>
+              <a:ext uri="{28A0092B-C50C-407E-A947-70E740481C1C}">
+                <a14:useLocalDpi xmlns:a14="http://schemas.microsoft.com/office/drawing/2010/main" val="0"/>
+              </a:ext>
+            </a:extLst>
+          </a:blip>
+          <a:srcRect l="4193" t="20444" r="84285" b="63492"/>
+          <a:stretch/>
+        </p:blipFill>
+        <p:spPr>
+          <a:xfrm>
+            <a:off x="1614196" y="3424336"/>
+            <a:ext cx="662473" cy="923730"/>
           </a:xfrm>
           <a:prstGeom prst="rect">
             <a:avLst/>
           </a:prstGeom>
-          <a:noFill/>
-          <a:extLst>
-            <a:ext uri="{909E8E84-426E-40DD-AFC4-6F175D3DCCD1}">
-              <a14:hiddenFill xmlns:a14="http://schemas.microsoft.com/office/drawing/2010/main">
-                <a:solidFill>
-                  <a:srgbClr val="FFFFFF"/>
-                </a:solidFill>
-              </a14:hiddenFill>
-            </a:ext>
-          </a:extLst>
         </p:spPr>
       </p:pic>
       <p:pic>
         <p:nvPicPr>
-          <p:cNvPr id="4" name="Picture 2">
-            <a:extLst>
-              <a:ext uri="{FF2B5EF4-FFF2-40B4-BE49-F238E27FC236}">
-                <a16:creationId xmlns:a16="http://schemas.microsoft.com/office/drawing/2014/main" id="{F902CE04-8294-CCBF-8673-E6757FA548F1}"/>
+          <p:cNvPr id="7" name="Content Placeholder 4" descr="A picture containing bunch, several&#10;&#10;Description automatically generated">
+            <a:extLst>
+              <a:ext uri="{FF2B5EF4-FFF2-40B4-BE49-F238E27FC236}">
+                <a16:creationId xmlns:a16="http://schemas.microsoft.com/office/drawing/2014/main" id="{1D88E6B3-8F0D-1CD5-4890-A9B18F119166}"/>
               </a:ext>
             </a:extLst>
           </p:cNvPr>
           <p:cNvPicPr>
-            <a:picLocks noChangeAspect="1" noChangeArrowheads="1"/>
+            <a:picLocks noChangeAspect="1"/>
           </p:cNvPicPr>
           <p:nvPr/>
         </p:nvPicPr>
         <p:blipFill rotWithShape="1">
           <a:blip r:embed="rId2">
-            <a:duotone>
-              <a:prstClr val="black"/>
-              <a:schemeClr val="accent6">
-                <a:tint val="45000"/>
-                <a:satMod val="400000"/>
-              </a:schemeClr>
-            </a:duotone>
             <a:extLst>
               <a:ext uri="{28A0092B-C50C-407E-A947-70E740481C1C}">
                 <a14:useLocalDpi xmlns:a14="http://schemas.microsoft.com/office/drawing/2010/main" val="0"/>
               </a:ext>
             </a:extLst>
           </a:blip>
-          <a:srcRect l="1181" t="2068" r="92870" b="46387"/>
+          <a:srcRect l="24262" t="20444" r="64216" b="63492"/>
           <a:stretch/>
         </p:blipFill>
-        <p:spPr bwMode="auto">
-          <a:xfrm>
-            <a:off x="333511" y="548680"/>
-            <a:ext cx="725288" cy="720080"/>
+        <p:spPr>
+          <a:xfrm>
+            <a:off x="2397967" y="3424336"/>
+            <a:ext cx="662473" cy="923730"/>
           </a:xfrm>
           <a:prstGeom prst="rect">
             <a:avLst/>
           </a:prstGeom>
-          <a:noFill/>
-          <a:extLst>
-            <a:ext uri="{909E8E84-426E-40DD-AFC4-6F175D3DCCD1}">
-              <a14:hiddenFill xmlns:a14="http://schemas.microsoft.com/office/drawing/2010/main">
-                <a:solidFill>
-                  <a:srgbClr val="FFFFFF"/>
-                </a:solidFill>
-              </a14:hiddenFill>
-            </a:ext>
-          </a:extLst>
         </p:spPr>
       </p:pic>
       <p:pic>
         <p:nvPicPr>
-          <p:cNvPr id="11" name="Picture 2">
-            <a:extLst>
-              <a:ext uri="{FF2B5EF4-FFF2-40B4-BE49-F238E27FC236}">
-                <a16:creationId xmlns:a16="http://schemas.microsoft.com/office/drawing/2014/main" id="{3E10B259-5589-4292-2D88-5505DE2CBB6A}"/>
+          <p:cNvPr id="8" name="Content Placeholder 4" descr="A picture containing bunch, several&#10;&#10;Description automatically generated">
+            <a:extLst>
+              <a:ext uri="{FF2B5EF4-FFF2-40B4-BE49-F238E27FC236}">
+                <a16:creationId xmlns:a16="http://schemas.microsoft.com/office/drawing/2014/main" id="{A3CDB6F5-0E19-DE37-C786-E5BD11792515}"/>
               </a:ext>
             </a:extLst>
           </p:cNvPr>
           <p:cNvPicPr>
-            <a:picLocks noChangeAspect="1" noChangeArrowheads="1"/>
+            <a:picLocks noChangeAspect="1"/>
           </p:cNvPicPr>
           <p:nvPr/>
         </p:nvPicPr>
         <p:blipFill rotWithShape="1">
           <a:blip r:embed="rId2">
-            <a:duotone>
-              <a:prstClr val="black"/>
-              <a:schemeClr val="accent6">
-                <a:tint val="45000"/>
-                <a:satMod val="400000"/>
-              </a:schemeClr>
-            </a:duotone>
             <a:extLst>
               <a:ext uri="{28A0092B-C50C-407E-A947-70E740481C1C}">
                 <a14:useLocalDpi xmlns:a14="http://schemas.microsoft.com/office/drawing/2010/main" val="0"/>
               </a:ext>
             </a:extLst>
           </a:blip>
-          <a:srcRect l="9392" t="3602" r="84659" b="44853"/>
+          <a:srcRect l="43412" t="20444" r="43930" b="63492"/>
           <a:stretch/>
         </p:blipFill>
-        <p:spPr bwMode="auto">
-          <a:xfrm>
-            <a:off x="1338264" y="579498"/>
-            <a:ext cx="725288" cy="720080"/>
+        <p:spPr>
+          <a:xfrm>
+            <a:off x="3181738" y="3424336"/>
+            <a:ext cx="727788" cy="923730"/>
           </a:xfrm>
           <a:prstGeom prst="rect">
             <a:avLst/>
           </a:prstGeom>
-          <a:noFill/>
-          <a:extLst>
-            <a:ext uri="{909E8E84-426E-40DD-AFC4-6F175D3DCCD1}">
-              <a14:hiddenFill xmlns:a14="http://schemas.microsoft.com/office/drawing/2010/main">
-                <a:solidFill>
-                  <a:srgbClr val="FFFFFF"/>
-                </a:solidFill>
-              </a14:hiddenFill>
-            </a:ext>
-          </a:extLst>
         </p:spPr>
       </p:pic>
       <p:pic>
         <p:nvPicPr>
-          <p:cNvPr id="12" name="Picture 2">
-            <a:extLst>
-              <a:ext uri="{FF2B5EF4-FFF2-40B4-BE49-F238E27FC236}">
-                <a16:creationId xmlns:a16="http://schemas.microsoft.com/office/drawing/2014/main" id="{A4D33672-495B-1099-1C0B-4DC6919E30F6}"/>
+          <p:cNvPr id="9" name="Content Placeholder 4" descr="A picture containing bunch, several&#10;&#10;Description automatically generated">
+            <a:extLst>
+              <a:ext uri="{FF2B5EF4-FFF2-40B4-BE49-F238E27FC236}">
+                <a16:creationId xmlns:a16="http://schemas.microsoft.com/office/drawing/2014/main" id="{E889B4CC-1672-D57F-5F05-EA3A633CCDC2}"/>
               </a:ext>
             </a:extLst>
           </p:cNvPr>
           <p:cNvPicPr>
-            <a:picLocks noChangeAspect="1" noChangeArrowheads="1"/>
+            <a:picLocks noChangeAspect="1"/>
           </p:cNvPicPr>
           <p:nvPr/>
         </p:nvPicPr>
         <p:blipFill rotWithShape="1">
           <a:blip r:embed="rId2">
-            <a:duotone>
-              <a:prstClr val="black"/>
-              <a:schemeClr val="accent6">
-                <a:tint val="45000"/>
-                <a:satMod val="400000"/>
-              </a:schemeClr>
-            </a:duotone>
             <a:extLst>
               <a:ext uri="{28A0092B-C50C-407E-A947-70E740481C1C}">
                 <a14:useLocalDpi xmlns:a14="http://schemas.microsoft.com/office/drawing/2010/main" val="0"/>
               </a:ext>
             </a:extLst>
           </a:blip>
-          <a:srcRect l="17618" t="3509" r="76433" b="44946"/>
+          <a:srcRect l="62722" t="20444" r="23159" b="62518"/>
           <a:stretch/>
         </p:blipFill>
-        <p:spPr bwMode="auto">
-          <a:xfrm>
-            <a:off x="2346376" y="548680"/>
-            <a:ext cx="725288" cy="720080"/>
+        <p:spPr>
+          <a:xfrm>
+            <a:off x="3909526" y="3424336"/>
+            <a:ext cx="811763" cy="979714"/>
           </a:xfrm>
           <a:prstGeom prst="rect">
             <a:avLst/>
           </a:prstGeom>
-          <a:noFill/>
-          <a:extLst>
-            <a:ext uri="{909E8E84-426E-40DD-AFC4-6F175D3DCCD1}">
-              <a14:hiddenFill xmlns:a14="http://schemas.microsoft.com/office/drawing/2010/main">
-                <a:solidFill>
-                  <a:srgbClr val="FFFFFF"/>
-                </a:solidFill>
-              </a14:hiddenFill>
-            </a:ext>
-          </a:extLst>
         </p:spPr>
       </p:pic>
       <p:pic>
         <p:nvPicPr>
-          <p:cNvPr id="14" name="Picture 2">
-            <a:extLst>
-              <a:ext uri="{FF2B5EF4-FFF2-40B4-BE49-F238E27FC236}">
-                <a16:creationId xmlns:a16="http://schemas.microsoft.com/office/drawing/2014/main" id="{CF2BE84B-394C-8F68-824C-57B7647F092E}"/>
+          <p:cNvPr id="10" name="Content Placeholder 4" descr="A picture containing bunch, several&#10;&#10;Description automatically generated">
+            <a:extLst>
+              <a:ext uri="{FF2B5EF4-FFF2-40B4-BE49-F238E27FC236}">
+                <a16:creationId xmlns:a16="http://schemas.microsoft.com/office/drawing/2014/main" id="{A8B01174-7803-5C22-7692-3C9C9071E274}"/>
               </a:ext>
             </a:extLst>
           </p:cNvPr>
           <p:cNvPicPr>
-            <a:picLocks noChangeAspect="1" noChangeArrowheads="1"/>
+            <a:picLocks noChangeAspect="1"/>
           </p:cNvPicPr>
           <p:nvPr/>
         </p:nvPicPr>
         <p:blipFill rotWithShape="1">
           <a:blip r:embed="rId2">
-            <a:duotone>
-              <a:prstClr val="black"/>
-              <a:schemeClr val="accent6">
-                <a:tint val="45000"/>
-                <a:satMod val="400000"/>
-              </a:schemeClr>
-            </a:duotone>
             <a:extLst>
               <a:ext uri="{28A0092B-C50C-407E-A947-70E740481C1C}">
                 <a14:useLocalDpi xmlns:a14="http://schemas.microsoft.com/office/drawing/2010/main" val="0"/>
               </a:ext>
             </a:extLst>
           </a:blip>
-          <a:srcRect l="34156" t="1242" r="59895" b="47213"/>
+          <a:srcRect l="83009" t="20444" r="2872" b="61545"/>
           <a:stretch/>
         </p:blipFill>
-        <p:spPr bwMode="auto">
-          <a:xfrm>
-            <a:off x="4407173" y="545158"/>
-            <a:ext cx="725288" cy="720080"/>
+        <p:spPr>
+          <a:xfrm>
+            <a:off x="4721289" y="3368351"/>
+            <a:ext cx="811763" cy="1035699"/>
           </a:xfrm>
           <a:prstGeom prst="rect">
             <a:avLst/>
           </a:prstGeom>
-          <a:noFill/>
-          <a:extLst>
-            <a:ext uri="{909E8E84-426E-40DD-AFC4-6F175D3DCCD1}">
-              <a14:hiddenFill xmlns:a14="http://schemas.microsoft.com/office/drawing/2010/main">
-                <a:solidFill>
-                  <a:srgbClr val="FFFFFF"/>
-                </a:solidFill>
-              </a14:hiddenFill>
-            </a:ext>
-          </a:extLst>
-        </p:spPr>
-      </p:pic>
-      <p:pic>
-        <p:nvPicPr>
-          <p:cNvPr id="16" name="Picture 2">
-            <a:extLst>
-              <a:ext uri="{FF2B5EF4-FFF2-40B4-BE49-F238E27FC236}">
-                <a16:creationId xmlns:a16="http://schemas.microsoft.com/office/drawing/2014/main" id="{D8599930-89E2-86B9-EAA8-9239CA3E4EC4}"/>
-              </a:ext>
-            </a:extLst>
-          </p:cNvPr>
-          <p:cNvPicPr>
-            <a:picLocks noChangeAspect="1" noChangeArrowheads="1"/>
-          </p:cNvPicPr>
-          <p:nvPr/>
-        </p:nvPicPr>
-        <p:blipFill rotWithShape="1">
-          <a:blip r:embed="rId2">
-            <a:duotone>
-              <a:prstClr val="black"/>
-              <a:schemeClr val="accent6">
-                <a:tint val="45000"/>
-                <a:satMod val="400000"/>
-              </a:schemeClr>
-            </a:duotone>
-            <a:extLst>
-              <a:ext uri="{28A0092B-C50C-407E-A947-70E740481C1C}">
-                <a14:useLocalDpi xmlns:a14="http://schemas.microsoft.com/office/drawing/2010/main" val="0"/>
-              </a:ext>
-            </a:extLst>
-          </a:blip>
-          <a:srcRect l="26241" t="4902" r="67810" b="48455"/>
-          <a:stretch/>
-        </p:blipFill>
-        <p:spPr bwMode="auto">
-          <a:xfrm>
-            <a:off x="3390534" y="545158"/>
-            <a:ext cx="725288" cy="651594"/>
-          </a:xfrm>
-          <a:prstGeom prst="rect">
-            <a:avLst/>
-          </a:prstGeom>
-          <a:noFill/>
-          <a:extLst>
-            <a:ext uri="{909E8E84-426E-40DD-AFC4-6F175D3DCCD1}">
-              <a14:hiddenFill xmlns:a14="http://schemas.microsoft.com/office/drawing/2010/main">
-                <a:solidFill>
-                  <a:srgbClr val="FFFFFF"/>
-                </a:solidFill>
-              </a14:hiddenFill>
-            </a:ext>
-          </a:extLst>
-        </p:spPr>
-      </p:pic>
-      <p:pic>
-        <p:nvPicPr>
-          <p:cNvPr id="17" name="Picture 2">
-            <a:extLst>
-              <a:ext uri="{FF2B5EF4-FFF2-40B4-BE49-F238E27FC236}">
-                <a16:creationId xmlns:a16="http://schemas.microsoft.com/office/drawing/2014/main" id="{AB7D0A88-344A-6D07-4E61-EF3E2840ACDB}"/>
-              </a:ext>
-            </a:extLst>
-          </p:cNvPr>
-          <p:cNvPicPr>
-            <a:picLocks noChangeAspect="1" noChangeArrowheads="1"/>
-          </p:cNvPicPr>
-          <p:nvPr/>
-        </p:nvPicPr>
-        <p:blipFill rotWithShape="1">
-          <a:blip r:embed="rId2">
-            <a:duotone>
-              <a:prstClr val="black"/>
-              <a:schemeClr val="accent6">
-                <a:tint val="45000"/>
-                <a:satMod val="400000"/>
-              </a:schemeClr>
-            </a:duotone>
-            <a:extLst>
-              <a:ext uri="{28A0092B-C50C-407E-A947-70E740481C1C}">
-                <a14:useLocalDpi xmlns:a14="http://schemas.microsoft.com/office/drawing/2010/main" val="0"/>
-              </a:ext>
-            </a:extLst>
-          </a:blip>
-          <a:srcRect l="42482" t="-1545" r="51569" b="50000"/>
-          <a:stretch/>
-        </p:blipFill>
-        <p:spPr bwMode="auto">
-          <a:xfrm>
-            <a:off x="5370712" y="476672"/>
-            <a:ext cx="725288" cy="720080"/>
-          </a:xfrm>
-          <a:prstGeom prst="rect">
-            <a:avLst/>
-          </a:prstGeom>
-          <a:noFill/>
-          <a:extLst>
-            <a:ext uri="{909E8E84-426E-40DD-AFC4-6F175D3DCCD1}">
-              <a14:hiddenFill xmlns:a14="http://schemas.microsoft.com/office/drawing/2010/main">
-                <a:solidFill>
-                  <a:srgbClr val="FFFFFF"/>
-                </a:solidFill>
-              </a14:hiddenFill>
-            </a:ext>
-          </a:extLst>
-        </p:spPr>
-      </p:pic>
-      <p:pic>
-        <p:nvPicPr>
-          <p:cNvPr id="18" name="Picture 2">
-            <a:extLst>
-              <a:ext uri="{FF2B5EF4-FFF2-40B4-BE49-F238E27FC236}">
-                <a16:creationId xmlns:a16="http://schemas.microsoft.com/office/drawing/2014/main" id="{8F32AB45-F74C-5F86-AD5C-8D62F00217C8}"/>
-              </a:ext>
-            </a:extLst>
-          </p:cNvPr>
-          <p:cNvPicPr>
-            <a:picLocks noChangeAspect="1" noChangeArrowheads="1"/>
-          </p:cNvPicPr>
-          <p:nvPr/>
-        </p:nvPicPr>
-        <p:blipFill rotWithShape="1">
-          <a:blip r:embed="rId2">
-            <a:duotone>
-              <a:prstClr val="black"/>
-              <a:schemeClr val="accent6">
-                <a:tint val="45000"/>
-                <a:satMod val="400000"/>
-              </a:schemeClr>
-            </a:duotone>
-            <a:extLst>
-              <a:ext uri="{28A0092B-C50C-407E-A947-70E740481C1C}">
-                <a14:useLocalDpi xmlns:a14="http://schemas.microsoft.com/office/drawing/2010/main" val="0"/>
-              </a:ext>
-            </a:extLst>
-          </a:blip>
-          <a:srcRect l="50724" r="43327" b="48455"/>
-          <a:stretch/>
-        </p:blipFill>
-        <p:spPr bwMode="auto">
-          <a:xfrm>
-            <a:off x="6375465" y="476672"/>
-            <a:ext cx="725288" cy="720080"/>
-          </a:xfrm>
-          <a:prstGeom prst="rect">
-            <a:avLst/>
-          </a:prstGeom>
-          <a:noFill/>
-          <a:extLst>
-            <a:ext uri="{909E8E84-426E-40DD-AFC4-6F175D3DCCD1}">
-              <a14:hiddenFill xmlns:a14="http://schemas.microsoft.com/office/drawing/2010/main">
-                <a:solidFill>
-                  <a:srgbClr val="FFFFFF"/>
-                </a:solidFill>
-              </a14:hiddenFill>
-            </a:ext>
-          </a:extLst>
-        </p:spPr>
-      </p:pic>
-      <p:pic>
-        <p:nvPicPr>
-          <p:cNvPr id="19" name="Picture 2">
-            <a:extLst>
-              <a:ext uri="{FF2B5EF4-FFF2-40B4-BE49-F238E27FC236}">
-                <a16:creationId xmlns:a16="http://schemas.microsoft.com/office/drawing/2014/main" id="{E50E083D-0019-F0F6-2F1A-A730F4D36746}"/>
-              </a:ext>
-            </a:extLst>
-          </p:cNvPr>
-          <p:cNvPicPr>
-            <a:picLocks noChangeAspect="1" noChangeArrowheads="1"/>
-          </p:cNvPicPr>
-          <p:nvPr/>
-        </p:nvPicPr>
-        <p:blipFill rotWithShape="1">
-          <a:blip r:embed="rId2">
-            <a:duotone>
-              <a:prstClr val="black"/>
-              <a:schemeClr val="accent6">
-                <a:tint val="45000"/>
-                <a:satMod val="400000"/>
-              </a:schemeClr>
-            </a:duotone>
-            <a:extLst>
-              <a:ext uri="{28A0092B-C50C-407E-A947-70E740481C1C}">
-                <a14:useLocalDpi xmlns:a14="http://schemas.microsoft.com/office/drawing/2010/main" val="0"/>
-              </a:ext>
-            </a:extLst>
-          </a:blip>
-          <a:srcRect l="58724" t="2451" r="35327" b="46004"/>
-          <a:stretch/>
-        </p:blipFill>
-        <p:spPr bwMode="auto">
-          <a:xfrm>
-            <a:off x="7350890" y="510915"/>
-            <a:ext cx="725288" cy="720080"/>
-          </a:xfrm>
-          <a:prstGeom prst="rect">
-            <a:avLst/>
-          </a:prstGeom>
-          <a:noFill/>
-          <a:extLst>
-            <a:ext uri="{909E8E84-426E-40DD-AFC4-6F175D3DCCD1}">
-              <a14:hiddenFill xmlns:a14="http://schemas.microsoft.com/office/drawing/2010/main">
-                <a:solidFill>
-                  <a:srgbClr val="FFFFFF"/>
-                </a:solidFill>
-              </a14:hiddenFill>
-            </a:ext>
-          </a:extLst>
-        </p:spPr>
-      </p:pic>
-      <p:pic>
-        <p:nvPicPr>
-          <p:cNvPr id="20" name="Picture 2">
-            <a:extLst>
-              <a:ext uri="{FF2B5EF4-FFF2-40B4-BE49-F238E27FC236}">
-                <a16:creationId xmlns:a16="http://schemas.microsoft.com/office/drawing/2014/main" id="{5F394468-4CE9-A550-3B46-628B6081617D}"/>
-              </a:ext>
-            </a:extLst>
-          </p:cNvPr>
-          <p:cNvPicPr>
-            <a:picLocks noChangeAspect="1" noChangeArrowheads="1"/>
-          </p:cNvPicPr>
-          <p:nvPr/>
-        </p:nvPicPr>
-        <p:blipFill rotWithShape="1">
-          <a:blip r:embed="rId2">
-            <a:duotone>
-              <a:prstClr val="black"/>
-              <a:schemeClr val="accent6">
-                <a:tint val="45000"/>
-                <a:satMod val="400000"/>
-              </a:schemeClr>
-            </a:duotone>
-            <a:extLst>
-              <a:ext uri="{28A0092B-C50C-407E-A947-70E740481C1C}">
-                <a14:useLocalDpi xmlns:a14="http://schemas.microsoft.com/office/drawing/2010/main" val="0"/>
-              </a:ext>
-            </a:extLst>
-          </a:blip>
-          <a:srcRect l="67158" t="4858" r="26893" b="43597"/>
-          <a:stretch/>
-        </p:blipFill>
-        <p:spPr bwMode="auto">
-          <a:xfrm>
-            <a:off x="8307037" y="566129"/>
-            <a:ext cx="725288" cy="720080"/>
-          </a:xfrm>
-          <a:prstGeom prst="rect">
-            <a:avLst/>
-          </a:prstGeom>
-          <a:noFill/>
-          <a:extLst>
-            <a:ext uri="{909E8E84-426E-40DD-AFC4-6F175D3DCCD1}">
-              <a14:hiddenFill xmlns:a14="http://schemas.microsoft.com/office/drawing/2010/main">
-                <a:solidFill>
-                  <a:srgbClr val="FFFFFF"/>
-                </a:solidFill>
-              </a14:hiddenFill>
-            </a:ext>
-          </a:extLst>
-        </p:spPr>
-      </p:pic>
-      <p:pic>
-        <p:nvPicPr>
-          <p:cNvPr id="21" name="Picture 2">
-            <a:extLst>
-              <a:ext uri="{FF2B5EF4-FFF2-40B4-BE49-F238E27FC236}">
-                <a16:creationId xmlns:a16="http://schemas.microsoft.com/office/drawing/2014/main" id="{B3ED957F-98C8-348B-6419-AACF44CB0F69}"/>
-              </a:ext>
-            </a:extLst>
-          </p:cNvPr>
-          <p:cNvPicPr>
-            <a:picLocks noChangeAspect="1" noChangeArrowheads="1"/>
-          </p:cNvPicPr>
-          <p:nvPr/>
-        </p:nvPicPr>
-        <p:blipFill rotWithShape="1">
-          <a:blip r:embed="rId2">
-            <a:duotone>
-              <a:prstClr val="black"/>
-              <a:schemeClr val="accent6">
-                <a:tint val="45000"/>
-                <a:satMod val="400000"/>
-              </a:schemeClr>
-            </a:duotone>
-            <a:extLst>
-              <a:ext uri="{28A0092B-C50C-407E-A947-70E740481C1C}">
-                <a14:useLocalDpi xmlns:a14="http://schemas.microsoft.com/office/drawing/2010/main" val="0"/>
-              </a:ext>
-            </a:extLst>
-          </a:blip>
-          <a:srcRect l="981" t="46391" r="93070" b="9435"/>
-          <a:stretch/>
-        </p:blipFill>
-        <p:spPr bwMode="auto">
-          <a:xfrm>
-            <a:off x="310914" y="1340768"/>
-            <a:ext cx="725288" cy="617116"/>
-          </a:xfrm>
-          <a:prstGeom prst="rect">
-            <a:avLst/>
-          </a:prstGeom>
-          <a:noFill/>
-          <a:extLst>
-            <a:ext uri="{909E8E84-426E-40DD-AFC4-6F175D3DCCD1}">
-              <a14:hiddenFill xmlns:a14="http://schemas.microsoft.com/office/drawing/2010/main">
-                <a:solidFill>
-                  <a:srgbClr val="FFFFFF"/>
-                </a:solidFill>
-              </a14:hiddenFill>
-            </a:ext>
-          </a:extLst>
         </p:spPr>
       </p:pic>
     </p:spTree>
     <p:extLst>
       <p:ext uri="{BB962C8B-B14F-4D97-AF65-F5344CB8AC3E}">
-        <p14:creationId xmlns:p14="http://schemas.microsoft.com/office/powerpoint/2010/main" val="3132495539"/>
+        <p14:creationId xmlns:p14="http://schemas.microsoft.com/office/powerpoint/2010/main" val="189324066"/>
       </p:ext>
     </p:extLst>
   </p:cSld>
@@ -10400,6 +9716,2146 @@
       </p:grpSpPr>
       <p:pic>
         <p:nvPicPr>
+          <p:cNvPr id="6146" name="Picture 2">
+            <a:extLst>
+              <a:ext uri="{FF2B5EF4-FFF2-40B4-BE49-F238E27FC236}">
+                <a16:creationId xmlns:a16="http://schemas.microsoft.com/office/drawing/2014/main" id="{5E18CBE8-0EDA-8A47-9EAE-83F6BFA1594C}"/>
+              </a:ext>
+            </a:extLst>
+          </p:cNvPr>
+          <p:cNvPicPr>
+            <a:picLocks noChangeAspect="1" noChangeArrowheads="1"/>
+          </p:cNvPicPr>
+          <p:nvPr/>
+        </p:nvPicPr>
+        <p:blipFill rotWithShape="1">
+          <a:blip r:embed="rId2">
+            <a:extLst>
+              <a:ext uri="{28A0092B-C50C-407E-A947-70E740481C1C}">
+                <a14:useLocalDpi xmlns:a14="http://schemas.microsoft.com/office/drawing/2010/main" val="0"/>
+              </a:ext>
+            </a:extLst>
+          </a:blip>
+          <a:srcRect l="5186" t="20535" r="3104" b="27041"/>
+          <a:stretch/>
+        </p:blipFill>
+        <p:spPr bwMode="auto">
+          <a:xfrm>
+            <a:off x="1455576" y="970384"/>
+            <a:ext cx="6708710" cy="639148"/>
+          </a:xfrm>
+          <a:prstGeom prst="rect">
+            <a:avLst/>
+          </a:prstGeom>
+          <a:noFill/>
+          <a:extLst>
+            <a:ext uri="{909E8E84-426E-40DD-AFC4-6F175D3DCCD1}">
+              <a14:hiddenFill xmlns:a14="http://schemas.microsoft.com/office/drawing/2010/main">
+                <a:solidFill>
+                  <a:srgbClr val="FFFFFF"/>
+                </a:solidFill>
+              </a14:hiddenFill>
+            </a:ext>
+          </a:extLst>
+        </p:spPr>
+      </p:pic>
+      <p:pic>
+        <p:nvPicPr>
+          <p:cNvPr id="5" name="Picture 2">
+            <a:extLst>
+              <a:ext uri="{FF2B5EF4-FFF2-40B4-BE49-F238E27FC236}">
+                <a16:creationId xmlns:a16="http://schemas.microsoft.com/office/drawing/2014/main" id="{340734A6-DD1E-8F8C-6CF7-C23D62CFA15C}"/>
+              </a:ext>
+            </a:extLst>
+          </p:cNvPr>
+          <p:cNvPicPr>
+            <a:picLocks noChangeAspect="1" noChangeArrowheads="1"/>
+          </p:cNvPicPr>
+          <p:nvPr/>
+        </p:nvPicPr>
+        <p:blipFill rotWithShape="1">
+          <a:blip r:embed="rId2">
+            <a:extLst>
+              <a:ext uri="{28A0092B-C50C-407E-A947-70E740481C1C}">
+                <a14:useLocalDpi xmlns:a14="http://schemas.microsoft.com/office/drawing/2010/main" val="0"/>
+              </a:ext>
+            </a:extLst>
+          </a:blip>
+          <a:srcRect l="5185" t="30229" r="88820" b="34567"/>
+          <a:stretch/>
+        </p:blipFill>
+        <p:spPr bwMode="auto">
+          <a:xfrm>
+            <a:off x="1455576" y="1922106"/>
+            <a:ext cx="438538" cy="429208"/>
+          </a:xfrm>
+          <a:prstGeom prst="rect">
+            <a:avLst/>
+          </a:prstGeom>
+          <a:noFill/>
+          <a:extLst>
+            <a:ext uri="{909E8E84-426E-40DD-AFC4-6F175D3DCCD1}">
+              <a14:hiddenFill xmlns:a14="http://schemas.microsoft.com/office/drawing/2010/main">
+                <a:solidFill>
+                  <a:srgbClr val="FFFFFF"/>
+                </a:solidFill>
+              </a14:hiddenFill>
+            </a:ext>
+          </a:extLst>
+        </p:spPr>
+      </p:pic>
+      <p:pic>
+        <p:nvPicPr>
+          <p:cNvPr id="7" name="Picture 2">
+            <a:extLst>
+              <a:ext uri="{FF2B5EF4-FFF2-40B4-BE49-F238E27FC236}">
+                <a16:creationId xmlns:a16="http://schemas.microsoft.com/office/drawing/2014/main" id="{D32DC733-98D3-8C73-63DD-E0589AC7F185}"/>
+              </a:ext>
+            </a:extLst>
+          </p:cNvPr>
+          <p:cNvPicPr>
+            <a:picLocks noChangeAspect="1" noChangeArrowheads="1"/>
+          </p:cNvPicPr>
+          <p:nvPr/>
+        </p:nvPicPr>
+        <p:blipFill rotWithShape="1">
+          <a:blip r:embed="rId2">
+            <a:extLst>
+              <a:ext uri="{28A0092B-C50C-407E-A947-70E740481C1C}">
+                <a14:useLocalDpi xmlns:a14="http://schemas.microsoft.com/office/drawing/2010/main" val="0"/>
+              </a:ext>
+            </a:extLst>
+          </a:blip>
+          <a:srcRect l="37244" t="22191" r="53189" b="25385"/>
+          <a:stretch/>
+        </p:blipFill>
+        <p:spPr bwMode="auto">
+          <a:xfrm>
+            <a:off x="6959078" y="1817136"/>
+            <a:ext cx="699796" cy="639148"/>
+          </a:xfrm>
+          <a:prstGeom prst="rect">
+            <a:avLst/>
+          </a:prstGeom>
+          <a:noFill/>
+          <a:extLst>
+            <a:ext uri="{909E8E84-426E-40DD-AFC4-6F175D3DCCD1}">
+              <a14:hiddenFill xmlns:a14="http://schemas.microsoft.com/office/drawing/2010/main">
+                <a:solidFill>
+                  <a:srgbClr val="FFFFFF"/>
+                </a:solidFill>
+              </a14:hiddenFill>
+            </a:ext>
+          </a:extLst>
+        </p:spPr>
+      </p:pic>
+      <p:pic>
+        <p:nvPicPr>
+          <p:cNvPr id="8" name="Picture 2">
+            <a:extLst>
+              <a:ext uri="{FF2B5EF4-FFF2-40B4-BE49-F238E27FC236}">
+                <a16:creationId xmlns:a16="http://schemas.microsoft.com/office/drawing/2014/main" id="{EF38D641-819B-8C38-AE19-A2EDE870071D}"/>
+              </a:ext>
+            </a:extLst>
+          </p:cNvPr>
+          <p:cNvPicPr>
+            <a:picLocks noChangeAspect="1" noChangeArrowheads="1"/>
+          </p:cNvPicPr>
+          <p:nvPr/>
+        </p:nvPicPr>
+        <p:blipFill rotWithShape="1">
+          <a:blip r:embed="rId2">
+            <a:extLst>
+              <a:ext uri="{28A0092B-C50C-407E-A947-70E740481C1C}">
+                <a14:useLocalDpi xmlns:a14="http://schemas.microsoft.com/office/drawing/2010/main" val="0"/>
+              </a:ext>
+            </a:extLst>
+          </a:blip>
+          <a:srcRect l="53658" t="22191" r="36775" b="25385"/>
+          <a:stretch/>
+        </p:blipFill>
+        <p:spPr bwMode="auto">
+          <a:xfrm>
+            <a:off x="8042206" y="1749488"/>
+            <a:ext cx="699796" cy="639148"/>
+          </a:xfrm>
+          <a:prstGeom prst="rect">
+            <a:avLst/>
+          </a:prstGeom>
+          <a:noFill/>
+          <a:extLst>
+            <a:ext uri="{909E8E84-426E-40DD-AFC4-6F175D3DCCD1}">
+              <a14:hiddenFill xmlns:a14="http://schemas.microsoft.com/office/drawing/2010/main">
+                <a:solidFill>
+                  <a:srgbClr val="FFFFFF"/>
+                </a:solidFill>
+              </a14:hiddenFill>
+            </a:ext>
+          </a:extLst>
+        </p:spPr>
+      </p:pic>
+      <p:pic>
+        <p:nvPicPr>
+          <p:cNvPr id="9" name="Picture 2">
+            <a:extLst>
+              <a:ext uri="{FF2B5EF4-FFF2-40B4-BE49-F238E27FC236}">
+                <a16:creationId xmlns:a16="http://schemas.microsoft.com/office/drawing/2014/main" id="{879B1ECC-51BA-23F4-FF74-924E07BB0C2C}"/>
+              </a:ext>
+            </a:extLst>
+          </p:cNvPr>
+          <p:cNvPicPr>
+            <a:picLocks noChangeAspect="1" noChangeArrowheads="1"/>
+          </p:cNvPicPr>
+          <p:nvPr/>
+        </p:nvPicPr>
+        <p:blipFill rotWithShape="1">
+          <a:blip r:embed="rId2">
+            <a:extLst>
+              <a:ext uri="{28A0092B-C50C-407E-A947-70E740481C1C}">
+                <a14:useLocalDpi xmlns:a14="http://schemas.microsoft.com/office/drawing/2010/main" val="0"/>
+              </a:ext>
+            </a:extLst>
+          </a:blip>
+          <a:srcRect l="69219" t="22191" r="19556" b="25385"/>
+          <a:stretch/>
+        </p:blipFill>
+        <p:spPr bwMode="auto">
+          <a:xfrm>
+            <a:off x="9215535" y="1777480"/>
+            <a:ext cx="821094" cy="639148"/>
+          </a:xfrm>
+          <a:prstGeom prst="rect">
+            <a:avLst/>
+          </a:prstGeom>
+          <a:noFill/>
+          <a:extLst>
+            <a:ext uri="{909E8E84-426E-40DD-AFC4-6F175D3DCCD1}">
+              <a14:hiddenFill xmlns:a14="http://schemas.microsoft.com/office/drawing/2010/main">
+                <a:solidFill>
+                  <a:srgbClr val="FFFFFF"/>
+                </a:solidFill>
+              </a14:hiddenFill>
+            </a:ext>
+          </a:extLst>
+        </p:spPr>
+      </p:pic>
+      <p:pic>
+        <p:nvPicPr>
+          <p:cNvPr id="10" name="Picture 2">
+            <a:extLst>
+              <a:ext uri="{FF2B5EF4-FFF2-40B4-BE49-F238E27FC236}">
+                <a16:creationId xmlns:a16="http://schemas.microsoft.com/office/drawing/2014/main" id="{161FC590-1078-5AED-9E93-12F4D88C89AC}"/>
+              </a:ext>
+            </a:extLst>
+          </p:cNvPr>
+          <p:cNvPicPr>
+            <a:picLocks noChangeAspect="1" noChangeArrowheads="1"/>
+          </p:cNvPicPr>
+          <p:nvPr/>
+        </p:nvPicPr>
+        <p:blipFill rotWithShape="1">
+          <a:blip r:embed="rId2">
+            <a:extLst>
+              <a:ext uri="{28A0092B-C50C-407E-A947-70E740481C1C}">
+                <a14:useLocalDpi xmlns:a14="http://schemas.microsoft.com/office/drawing/2010/main" val="0"/>
+              </a:ext>
+            </a:extLst>
+          </a:blip>
+          <a:srcRect l="86013" t="22191" r="2762" b="25385"/>
+          <a:stretch/>
+        </p:blipFill>
+        <p:spPr bwMode="auto">
+          <a:xfrm>
+            <a:off x="10391191" y="1777480"/>
+            <a:ext cx="821094" cy="639148"/>
+          </a:xfrm>
+          <a:prstGeom prst="rect">
+            <a:avLst/>
+          </a:prstGeom>
+          <a:noFill/>
+          <a:extLst>
+            <a:ext uri="{909E8E84-426E-40DD-AFC4-6F175D3DCCD1}">
+              <a14:hiddenFill xmlns:a14="http://schemas.microsoft.com/office/drawing/2010/main">
+                <a:solidFill>
+                  <a:srgbClr val="FFFFFF"/>
+                </a:solidFill>
+              </a14:hiddenFill>
+            </a:ext>
+          </a:extLst>
+        </p:spPr>
+      </p:pic>
+      <p:pic>
+        <p:nvPicPr>
+          <p:cNvPr id="11" name="Picture 2">
+            <a:extLst>
+              <a:ext uri="{FF2B5EF4-FFF2-40B4-BE49-F238E27FC236}">
+                <a16:creationId xmlns:a16="http://schemas.microsoft.com/office/drawing/2014/main" id="{F7569000-BC45-1548-73A1-4D97A7B9AC41}"/>
+              </a:ext>
+            </a:extLst>
+          </p:cNvPr>
+          <p:cNvPicPr>
+            <a:picLocks noChangeAspect="1" noChangeArrowheads="1"/>
+          </p:cNvPicPr>
+          <p:nvPr/>
+        </p:nvPicPr>
+        <p:blipFill rotWithShape="1">
+          <a:blip r:embed="rId2">
+            <a:extLst>
+              <a:ext uri="{28A0092B-C50C-407E-A947-70E740481C1C}">
+                <a14:useLocalDpi xmlns:a14="http://schemas.microsoft.com/office/drawing/2010/main" val="0"/>
+              </a:ext>
+            </a:extLst>
+          </a:blip>
+          <a:srcRect l="20195" t="22191" r="68580" b="25385"/>
+          <a:stretch/>
+        </p:blipFill>
+        <p:spPr bwMode="auto">
+          <a:xfrm>
+            <a:off x="3804548" y="1826467"/>
+            <a:ext cx="821094" cy="639148"/>
+          </a:xfrm>
+          <a:prstGeom prst="rect">
+            <a:avLst/>
+          </a:prstGeom>
+          <a:noFill/>
+          <a:extLst>
+            <a:ext uri="{909E8E84-426E-40DD-AFC4-6F175D3DCCD1}">
+              <a14:hiddenFill xmlns:a14="http://schemas.microsoft.com/office/drawing/2010/main">
+                <a:solidFill>
+                  <a:srgbClr val="FFFFFF"/>
+                </a:solidFill>
+              </a14:hiddenFill>
+            </a:ext>
+          </a:extLst>
+        </p:spPr>
+      </p:pic>
+      <p:pic>
+        <p:nvPicPr>
+          <p:cNvPr id="12" name="Picture 2">
+            <a:extLst>
+              <a:ext uri="{FF2B5EF4-FFF2-40B4-BE49-F238E27FC236}">
+                <a16:creationId xmlns:a16="http://schemas.microsoft.com/office/drawing/2014/main" id="{4F30F212-D53E-6E06-2A14-81CE0A96E3BA}"/>
+              </a:ext>
+            </a:extLst>
+          </p:cNvPr>
+          <p:cNvPicPr>
+            <a:picLocks noChangeAspect="1" noChangeArrowheads="1"/>
+          </p:cNvPicPr>
+          <p:nvPr/>
+        </p:nvPicPr>
+        <p:blipFill rotWithShape="1">
+          <a:blip r:embed="rId2">
+            <a:extLst>
+              <a:ext uri="{28A0092B-C50C-407E-A947-70E740481C1C}">
+                <a14:useLocalDpi xmlns:a14="http://schemas.microsoft.com/office/drawing/2010/main" val="0"/>
+              </a:ext>
+            </a:extLst>
+          </a:blip>
+          <a:srcRect l="20195" t="22191" r="68580" b="25385"/>
+          <a:stretch/>
+        </p:blipFill>
+        <p:spPr bwMode="auto">
+          <a:xfrm>
+            <a:off x="4867467" y="1817136"/>
+            <a:ext cx="821094" cy="639148"/>
+          </a:xfrm>
+          <a:prstGeom prst="rect">
+            <a:avLst/>
+          </a:prstGeom>
+          <a:noFill/>
+          <a:extLst>
+            <a:ext uri="{909E8E84-426E-40DD-AFC4-6F175D3DCCD1}">
+              <a14:hiddenFill xmlns:a14="http://schemas.microsoft.com/office/drawing/2010/main">
+                <a:solidFill>
+                  <a:srgbClr val="FFFFFF"/>
+                </a:solidFill>
+              </a14:hiddenFill>
+            </a:ext>
+          </a:extLst>
+        </p:spPr>
+      </p:pic>
+      <p:pic>
+        <p:nvPicPr>
+          <p:cNvPr id="13" name="Picture 2">
+            <a:extLst>
+              <a:ext uri="{FF2B5EF4-FFF2-40B4-BE49-F238E27FC236}">
+                <a16:creationId xmlns:a16="http://schemas.microsoft.com/office/drawing/2014/main" id="{C8449EC5-55E7-FDC8-028A-A1F55ADC8F66}"/>
+              </a:ext>
+            </a:extLst>
+          </p:cNvPr>
+          <p:cNvPicPr>
+            <a:picLocks noChangeAspect="1" noChangeArrowheads="1"/>
+          </p:cNvPicPr>
+          <p:nvPr/>
+        </p:nvPicPr>
+        <p:blipFill rotWithShape="1">
+          <a:blip r:embed="rId2">
+            <a:extLst>
+              <a:ext uri="{28A0092B-C50C-407E-A947-70E740481C1C}">
+                <a14:useLocalDpi xmlns:a14="http://schemas.microsoft.com/office/drawing/2010/main" val="0"/>
+              </a:ext>
+            </a:extLst>
+          </a:blip>
+          <a:srcRect l="37244" t="22191" r="53189" b="25385"/>
+          <a:stretch/>
+        </p:blipFill>
+        <p:spPr bwMode="auto">
+          <a:xfrm>
+            <a:off x="5920275" y="1863789"/>
+            <a:ext cx="699796" cy="639148"/>
+          </a:xfrm>
+          <a:prstGeom prst="rect">
+            <a:avLst/>
+          </a:prstGeom>
+          <a:noFill/>
+          <a:extLst>
+            <a:ext uri="{909E8E84-426E-40DD-AFC4-6F175D3DCCD1}">
+              <a14:hiddenFill xmlns:a14="http://schemas.microsoft.com/office/drawing/2010/main">
+                <a:solidFill>
+                  <a:srgbClr val="FFFFFF"/>
+                </a:solidFill>
+              </a14:hiddenFill>
+            </a:ext>
+          </a:extLst>
+        </p:spPr>
+      </p:pic>
+      <p:pic>
+        <p:nvPicPr>
+          <p:cNvPr id="15" name="Picture 2">
+            <a:extLst>
+              <a:ext uri="{FF2B5EF4-FFF2-40B4-BE49-F238E27FC236}">
+                <a16:creationId xmlns:a16="http://schemas.microsoft.com/office/drawing/2014/main" id="{7AAA8592-F8FE-3DE4-136F-F9834F9E9E42}"/>
+              </a:ext>
+            </a:extLst>
+          </p:cNvPr>
+          <p:cNvPicPr>
+            <a:picLocks noChangeAspect="1" noChangeArrowheads="1"/>
+          </p:cNvPicPr>
+          <p:nvPr/>
+        </p:nvPicPr>
+        <p:blipFill rotWithShape="1">
+          <a:blip r:embed="rId2">
+            <a:extLst>
+              <a:ext uri="{28A0092B-C50C-407E-A947-70E740481C1C}">
+                <a14:useLocalDpi xmlns:a14="http://schemas.microsoft.com/office/drawing/2010/main" val="0"/>
+              </a:ext>
+            </a:extLst>
+          </a:blip>
+          <a:srcRect l="20195" t="22191" r="68580" b="25385"/>
+          <a:stretch/>
+        </p:blipFill>
+        <p:spPr bwMode="auto">
+          <a:xfrm>
+            <a:off x="2541032" y="1826467"/>
+            <a:ext cx="821094" cy="639148"/>
+          </a:xfrm>
+          <a:prstGeom prst="rect">
+            <a:avLst/>
+          </a:prstGeom>
+          <a:noFill/>
+          <a:extLst>
+            <a:ext uri="{909E8E84-426E-40DD-AFC4-6F175D3DCCD1}">
+              <a14:hiddenFill xmlns:a14="http://schemas.microsoft.com/office/drawing/2010/main">
+                <a:solidFill>
+                  <a:srgbClr val="FFFFFF"/>
+                </a:solidFill>
+              </a14:hiddenFill>
+            </a:ext>
+          </a:extLst>
+        </p:spPr>
+      </p:pic>
+      <p:pic>
+        <p:nvPicPr>
+          <p:cNvPr id="16" name="Picture 2">
+            <a:extLst>
+              <a:ext uri="{FF2B5EF4-FFF2-40B4-BE49-F238E27FC236}">
+                <a16:creationId xmlns:a16="http://schemas.microsoft.com/office/drawing/2014/main" id="{FCA19C68-F0C9-48F0-4D14-6948768A380A}"/>
+              </a:ext>
+            </a:extLst>
+          </p:cNvPr>
+          <p:cNvPicPr>
+            <a:picLocks noChangeAspect="1" noChangeArrowheads="1"/>
+          </p:cNvPicPr>
+          <p:nvPr/>
+        </p:nvPicPr>
+        <p:blipFill rotWithShape="1">
+          <a:blip r:embed="rId2">
+            <a:extLst>
+              <a:ext uri="{28A0092B-C50C-407E-A947-70E740481C1C}">
+                <a14:useLocalDpi xmlns:a14="http://schemas.microsoft.com/office/drawing/2010/main" val="0"/>
+              </a:ext>
+            </a:extLst>
+          </a:blip>
+          <a:srcRect l="5185" t="30229" r="88820" b="34567"/>
+          <a:stretch/>
+        </p:blipFill>
+        <p:spPr bwMode="auto">
+          <a:xfrm>
+            <a:off x="714958" y="1922106"/>
+            <a:ext cx="438538" cy="429208"/>
+          </a:xfrm>
+          <a:prstGeom prst="rect">
+            <a:avLst/>
+          </a:prstGeom>
+          <a:noFill/>
+          <a:extLst>
+            <a:ext uri="{909E8E84-426E-40DD-AFC4-6F175D3DCCD1}">
+              <a14:hiddenFill xmlns:a14="http://schemas.microsoft.com/office/drawing/2010/main">
+                <a:solidFill>
+                  <a:srgbClr val="FFFFFF"/>
+                </a:solidFill>
+              </a14:hiddenFill>
+            </a:ext>
+          </a:extLst>
+        </p:spPr>
+      </p:pic>
+      <p:pic>
+        <p:nvPicPr>
+          <p:cNvPr id="17" name="Picture 2">
+            <a:extLst>
+              <a:ext uri="{FF2B5EF4-FFF2-40B4-BE49-F238E27FC236}">
+                <a16:creationId xmlns:a16="http://schemas.microsoft.com/office/drawing/2014/main" id="{D88523A5-BBE9-63DE-B027-7A001490EAF9}"/>
+              </a:ext>
+            </a:extLst>
+          </p:cNvPr>
+          <p:cNvPicPr>
+            <a:picLocks noChangeAspect="1" noChangeArrowheads="1"/>
+          </p:cNvPicPr>
+          <p:nvPr/>
+        </p:nvPicPr>
+        <p:blipFill rotWithShape="1">
+          <a:blip r:embed="rId2">
+            <a:extLst>
+              <a:ext uri="{28A0092B-C50C-407E-A947-70E740481C1C}">
+                <a14:useLocalDpi xmlns:a14="http://schemas.microsoft.com/office/drawing/2010/main" val="0"/>
+              </a:ext>
+            </a:extLst>
+          </a:blip>
+          <a:srcRect l="53658" t="22191" r="36775" b="25385"/>
+          <a:stretch/>
+        </p:blipFill>
+        <p:spPr bwMode="auto">
+          <a:xfrm>
+            <a:off x="8112186" y="2502937"/>
+            <a:ext cx="699796" cy="639148"/>
+          </a:xfrm>
+          <a:prstGeom prst="rect">
+            <a:avLst/>
+          </a:prstGeom>
+          <a:noFill/>
+          <a:extLst>
+            <a:ext uri="{909E8E84-426E-40DD-AFC4-6F175D3DCCD1}">
+              <a14:hiddenFill xmlns:a14="http://schemas.microsoft.com/office/drawing/2010/main">
+                <a:solidFill>
+                  <a:srgbClr val="FFFFFF"/>
+                </a:solidFill>
+              </a14:hiddenFill>
+            </a:ext>
+          </a:extLst>
+        </p:spPr>
+      </p:pic>
+      <p:pic>
+        <p:nvPicPr>
+          <p:cNvPr id="6148" name="Picture 4">
+            <a:extLst>
+              <a:ext uri="{FF2B5EF4-FFF2-40B4-BE49-F238E27FC236}">
+                <a16:creationId xmlns:a16="http://schemas.microsoft.com/office/drawing/2014/main" id="{78F55F69-AA99-830F-7202-52218D95AFE1}"/>
+              </a:ext>
+            </a:extLst>
+          </p:cNvPr>
+          <p:cNvPicPr>
+            <a:picLocks noChangeAspect="1" noChangeArrowheads="1"/>
+          </p:cNvPicPr>
+          <p:nvPr/>
+        </p:nvPicPr>
+        <p:blipFill rotWithShape="1">
+          <a:blip r:embed="rId3">
+            <a:duotone>
+              <a:schemeClr val="accent4">
+                <a:shade val="45000"/>
+                <a:satMod val="135000"/>
+              </a:schemeClr>
+              <a:prstClr val="white"/>
+            </a:duotone>
+            <a:extLst>
+              <a:ext uri="{BEBA8EAE-BF5A-486C-A8C5-ECC9F3942E4B}">
+                <a14:imgProps xmlns:a14="http://schemas.microsoft.com/office/drawing/2010/main">
+                  <a14:imgLayer r:embed="rId4">
+                    <a14:imgEffect>
+                      <a14:saturation sat="0"/>
+                    </a14:imgEffect>
+                  </a14:imgLayer>
+                </a14:imgProps>
+              </a:ext>
+              <a:ext uri="{28A0092B-C50C-407E-A947-70E740481C1C}">
+                <a14:useLocalDpi xmlns:a14="http://schemas.microsoft.com/office/drawing/2010/main" val="0"/>
+              </a:ext>
+            </a:extLst>
+          </a:blip>
+          <a:srcRect l="5102" t="17666" r="80357" b="19196"/>
+          <a:stretch/>
+        </p:blipFill>
+        <p:spPr bwMode="auto">
+          <a:xfrm>
+            <a:off x="979714" y="4040154"/>
+            <a:ext cx="1418253" cy="1539551"/>
+          </a:xfrm>
+          <a:prstGeom prst="rect">
+            <a:avLst/>
+          </a:prstGeom>
+          <a:noFill/>
+          <a:extLst>
+            <a:ext uri="{909E8E84-426E-40DD-AFC4-6F175D3DCCD1}">
+              <a14:hiddenFill xmlns:a14="http://schemas.microsoft.com/office/drawing/2010/main">
+                <a:solidFill>
+                  <a:srgbClr val="FFFFFF"/>
+                </a:solidFill>
+              </a14:hiddenFill>
+            </a:ext>
+          </a:extLst>
+        </p:spPr>
+      </p:pic>
+      <p:pic>
+        <p:nvPicPr>
+          <p:cNvPr id="18" name="Picture 4">
+            <a:extLst>
+              <a:ext uri="{FF2B5EF4-FFF2-40B4-BE49-F238E27FC236}">
+                <a16:creationId xmlns:a16="http://schemas.microsoft.com/office/drawing/2014/main" id="{F6FD3E87-C070-5745-FBB5-DCAA6BEF738A}"/>
+              </a:ext>
+            </a:extLst>
+          </p:cNvPr>
+          <p:cNvPicPr>
+            <a:picLocks noChangeAspect="1" noChangeArrowheads="1"/>
+          </p:cNvPicPr>
+          <p:nvPr/>
+        </p:nvPicPr>
+        <p:blipFill rotWithShape="1">
+          <a:blip r:embed="rId3">
+            <a:duotone>
+              <a:schemeClr val="accent4">
+                <a:shade val="45000"/>
+                <a:satMod val="135000"/>
+              </a:schemeClr>
+              <a:prstClr val="white"/>
+            </a:duotone>
+            <a:extLst>
+              <a:ext uri="{BEBA8EAE-BF5A-486C-A8C5-ECC9F3942E4B}">
+                <a14:imgProps xmlns:a14="http://schemas.microsoft.com/office/drawing/2010/main">
+                  <a14:imgLayer r:embed="rId4">
+                    <a14:imgEffect>
+                      <a14:saturation sat="0"/>
+                    </a14:imgEffect>
+                  </a14:imgLayer>
+                </a14:imgProps>
+              </a:ext>
+              <a:ext uri="{28A0092B-C50C-407E-A947-70E740481C1C}">
+                <a14:useLocalDpi xmlns:a14="http://schemas.microsoft.com/office/drawing/2010/main" val="0"/>
+              </a:ext>
+            </a:extLst>
+          </a:blip>
+          <a:srcRect l="29655" t="13457" r="54561" b="19195"/>
+          <a:stretch/>
+        </p:blipFill>
+        <p:spPr bwMode="auto">
+          <a:xfrm>
+            <a:off x="2675544" y="3988836"/>
+            <a:ext cx="1539551" cy="1642186"/>
+          </a:xfrm>
+          <a:prstGeom prst="rect">
+            <a:avLst/>
+          </a:prstGeom>
+          <a:noFill/>
+          <a:extLst>
+            <a:ext uri="{909E8E84-426E-40DD-AFC4-6F175D3DCCD1}">
+              <a14:hiddenFill xmlns:a14="http://schemas.microsoft.com/office/drawing/2010/main">
+                <a:solidFill>
+                  <a:srgbClr val="FFFFFF"/>
+                </a:solidFill>
+              </a14:hiddenFill>
+            </a:ext>
+          </a:extLst>
+        </p:spPr>
+      </p:pic>
+      <p:pic>
+        <p:nvPicPr>
+          <p:cNvPr id="19" name="Picture 4">
+            <a:extLst>
+              <a:ext uri="{FF2B5EF4-FFF2-40B4-BE49-F238E27FC236}">
+                <a16:creationId xmlns:a16="http://schemas.microsoft.com/office/drawing/2014/main" id="{45E1838E-0221-8F3A-9A03-92112D37AEE6}"/>
+              </a:ext>
+            </a:extLst>
+          </p:cNvPr>
+          <p:cNvPicPr>
+            <a:picLocks noChangeAspect="1" noChangeArrowheads="1"/>
+          </p:cNvPicPr>
+          <p:nvPr/>
+        </p:nvPicPr>
+        <p:blipFill rotWithShape="1">
+          <a:blip r:embed="rId3">
+            <a:duotone>
+              <a:schemeClr val="accent4">
+                <a:shade val="45000"/>
+                <a:satMod val="135000"/>
+              </a:schemeClr>
+              <a:prstClr val="white"/>
+            </a:duotone>
+            <a:extLst>
+              <a:ext uri="{BEBA8EAE-BF5A-486C-A8C5-ECC9F3942E4B}">
+                <a14:imgProps xmlns:a14="http://schemas.microsoft.com/office/drawing/2010/main">
+                  <a14:imgLayer r:embed="rId4">
+                    <a14:imgEffect>
+                      <a14:saturation sat="0"/>
+                    </a14:imgEffect>
+                  </a14:imgLayer>
+                </a14:imgProps>
+              </a:ext>
+              <a:ext uri="{28A0092B-C50C-407E-A947-70E740481C1C}">
+                <a14:useLocalDpi xmlns:a14="http://schemas.microsoft.com/office/drawing/2010/main" val="0"/>
+              </a:ext>
+            </a:extLst>
+          </a:blip>
+          <a:srcRect l="53904" t="8099" r="26063" b="19195"/>
+          <a:stretch/>
+        </p:blipFill>
+        <p:spPr bwMode="auto">
+          <a:xfrm>
+            <a:off x="4413380" y="3858207"/>
+            <a:ext cx="1953982" cy="1772815"/>
+          </a:xfrm>
+          <a:prstGeom prst="rect">
+            <a:avLst/>
+          </a:prstGeom>
+          <a:noFill/>
+          <a:extLst>
+            <a:ext uri="{909E8E84-426E-40DD-AFC4-6F175D3DCCD1}">
+              <a14:hiddenFill xmlns:a14="http://schemas.microsoft.com/office/drawing/2010/main">
+                <a:solidFill>
+                  <a:srgbClr val="FFFFFF"/>
+                </a:solidFill>
+              </a14:hiddenFill>
+            </a:ext>
+          </a:extLst>
+        </p:spPr>
+      </p:pic>
+      <p:pic>
+        <p:nvPicPr>
+          <p:cNvPr id="20" name="Picture 4">
+            <a:extLst>
+              <a:ext uri="{FF2B5EF4-FFF2-40B4-BE49-F238E27FC236}">
+                <a16:creationId xmlns:a16="http://schemas.microsoft.com/office/drawing/2014/main" id="{B5BC5359-74DA-9D20-0862-32C17DBA7027}"/>
+              </a:ext>
+            </a:extLst>
+          </p:cNvPr>
+          <p:cNvPicPr>
+            <a:picLocks noChangeAspect="1" noChangeArrowheads="1"/>
+          </p:cNvPicPr>
+          <p:nvPr/>
+        </p:nvPicPr>
+        <p:blipFill rotWithShape="1">
+          <a:blip r:embed="rId3">
+            <a:duotone>
+              <a:schemeClr val="accent4">
+                <a:shade val="45000"/>
+                <a:satMod val="135000"/>
+              </a:schemeClr>
+              <a:prstClr val="white"/>
+            </a:duotone>
+            <a:extLst>
+              <a:ext uri="{BEBA8EAE-BF5A-486C-A8C5-ECC9F3942E4B}">
+                <a14:imgProps xmlns:a14="http://schemas.microsoft.com/office/drawing/2010/main">
+                  <a14:imgLayer r:embed="rId4">
+                    <a14:imgEffect>
+                      <a14:saturation sat="0"/>
+                    </a14:imgEffect>
+                  </a14:imgLayer>
+                </a14:imgProps>
+              </a:ext>
+              <a:ext uri="{28A0092B-C50C-407E-A947-70E740481C1C}">
+                <a14:useLocalDpi xmlns:a14="http://schemas.microsoft.com/office/drawing/2010/main" val="0"/>
+              </a:ext>
+            </a:extLst>
+          </a:blip>
+          <a:srcRect l="79514" t="8099" r="2828" b="19195"/>
+          <a:stretch/>
+        </p:blipFill>
+        <p:spPr bwMode="auto">
+          <a:xfrm>
+            <a:off x="6270173" y="3858207"/>
+            <a:ext cx="1722279" cy="1772815"/>
+          </a:xfrm>
+          <a:prstGeom prst="rect">
+            <a:avLst/>
+          </a:prstGeom>
+          <a:noFill/>
+          <a:extLst>
+            <a:ext uri="{909E8E84-426E-40DD-AFC4-6F175D3DCCD1}">
+              <a14:hiddenFill xmlns:a14="http://schemas.microsoft.com/office/drawing/2010/main">
+                <a:solidFill>
+                  <a:srgbClr val="FFFFFF"/>
+                </a:solidFill>
+              </a14:hiddenFill>
+            </a:ext>
+          </a:extLst>
+        </p:spPr>
+      </p:pic>
+    </p:spTree>
+    <p:extLst>
+      <p:ext uri="{BB962C8B-B14F-4D97-AF65-F5344CB8AC3E}">
+        <p14:creationId xmlns:p14="http://schemas.microsoft.com/office/powerpoint/2010/main" val="933121171"/>
+      </p:ext>
+    </p:extLst>
+  </p:cSld>
+  <p:clrMapOvr>
+    <a:masterClrMapping/>
+  </p:clrMapOvr>
+</p:sld>
+</file>
+
+<file path=ppt/slides/slide19.xml><?xml version="1.0" encoding="utf-8"?>
+<p:sld xmlns:a="http://schemas.openxmlformats.org/drawingml/2006/main" xmlns:r="http://schemas.openxmlformats.org/officeDocument/2006/relationships" xmlns:p="http://schemas.openxmlformats.org/presentationml/2006/main">
+  <p:cSld>
+    <p:spTree>
+      <p:nvGrpSpPr>
+        <p:cNvPr id="1" name=""/>
+        <p:cNvGrpSpPr/>
+        <p:nvPr/>
+      </p:nvGrpSpPr>
+      <p:grpSpPr>
+        <a:xfrm>
+          <a:off x="0" y="0"/>
+          <a:ext cx="0" cy="0"/>
+          <a:chOff x="0" y="0"/>
+          <a:chExt cx="0" cy="0"/>
+        </a:xfrm>
+      </p:grpSpPr>
+      <p:pic>
+        <p:nvPicPr>
+          <p:cNvPr id="7170" name="Picture 2">
+            <a:extLst>
+              <a:ext uri="{FF2B5EF4-FFF2-40B4-BE49-F238E27FC236}">
+                <a16:creationId xmlns:a16="http://schemas.microsoft.com/office/drawing/2014/main" id="{35B5DE21-CC51-BA5A-4629-A16ED1F54B34}"/>
+              </a:ext>
+            </a:extLst>
+          </p:cNvPr>
+          <p:cNvPicPr>
+            <a:picLocks noChangeAspect="1" noChangeArrowheads="1"/>
+          </p:cNvPicPr>
+          <p:nvPr/>
+        </p:nvPicPr>
+        <p:blipFill rotWithShape="1">
+          <a:blip r:embed="rId2">
+            <a:duotone>
+              <a:prstClr val="black"/>
+              <a:schemeClr val="accent1">
+                <a:tint val="45000"/>
+                <a:satMod val="400000"/>
+              </a:schemeClr>
+            </a:duotone>
+            <a:extLst>
+              <a:ext uri="{28A0092B-C50C-407E-A947-70E740481C1C}">
+                <a14:useLocalDpi xmlns:a14="http://schemas.microsoft.com/office/drawing/2010/main" val="0"/>
+              </a:ext>
+            </a:extLst>
+          </a:blip>
+          <a:srcRect l="1754" t="9796" r="92339" b="38660"/>
+          <a:stretch/>
+        </p:blipFill>
+        <p:spPr bwMode="auto">
+          <a:xfrm>
+            <a:off x="335360" y="548680"/>
+            <a:ext cx="720079" cy="720080"/>
+          </a:xfrm>
+          <a:prstGeom prst="rect">
+            <a:avLst/>
+          </a:prstGeom>
+          <a:noFill/>
+          <a:extLst>
+            <a:ext uri="{909E8E84-426E-40DD-AFC4-6F175D3DCCD1}">
+              <a14:hiddenFill xmlns:a14="http://schemas.microsoft.com/office/drawing/2010/main">
+                <a:solidFill>
+                  <a:srgbClr val="FFFFFF"/>
+                </a:solidFill>
+              </a14:hiddenFill>
+            </a:ext>
+          </a:extLst>
+        </p:spPr>
+      </p:pic>
+      <p:pic>
+        <p:nvPicPr>
+          <p:cNvPr id="4" name="Picture 2">
+            <a:extLst>
+              <a:ext uri="{FF2B5EF4-FFF2-40B4-BE49-F238E27FC236}">
+                <a16:creationId xmlns:a16="http://schemas.microsoft.com/office/drawing/2014/main" id="{4505ACD8-DBBD-3DFB-15C1-61AB77EA453D}"/>
+              </a:ext>
+            </a:extLst>
+          </p:cNvPr>
+          <p:cNvPicPr>
+            <a:picLocks noChangeAspect="1" noChangeArrowheads="1"/>
+          </p:cNvPicPr>
+          <p:nvPr/>
+        </p:nvPicPr>
+        <p:blipFill>
+          <a:blip r:embed="rId2">
+            <a:duotone>
+              <a:prstClr val="black"/>
+              <a:schemeClr val="accent6">
+                <a:tint val="45000"/>
+                <a:satMod val="400000"/>
+              </a:schemeClr>
+            </a:duotone>
+            <a:extLst>
+              <a:ext uri="{28A0092B-C50C-407E-A947-70E740481C1C}">
+                <a14:useLocalDpi xmlns:a14="http://schemas.microsoft.com/office/drawing/2010/main" val="0"/>
+              </a:ext>
+            </a:extLst>
+          </a:blip>
+          <a:srcRect/>
+          <a:stretch>
+            <a:fillRect/>
+          </a:stretch>
+        </p:blipFill>
+        <p:spPr bwMode="auto">
+          <a:xfrm>
+            <a:off x="121298" y="2032000"/>
+            <a:ext cx="12192000" cy="1397000"/>
+          </a:xfrm>
+          <a:prstGeom prst="rect">
+            <a:avLst/>
+          </a:prstGeom>
+          <a:noFill/>
+          <a:extLst>
+            <a:ext uri="{909E8E84-426E-40DD-AFC4-6F175D3DCCD1}">
+              <a14:hiddenFill xmlns:a14="http://schemas.microsoft.com/office/drawing/2010/main">
+                <a:solidFill>
+                  <a:srgbClr val="FFFFFF"/>
+                </a:solidFill>
+              </a14:hiddenFill>
+            </a:ext>
+          </a:extLst>
+        </p:spPr>
+      </p:pic>
+      <p:pic>
+        <p:nvPicPr>
+          <p:cNvPr id="5" name="Picture 2">
+            <a:extLst>
+              <a:ext uri="{FF2B5EF4-FFF2-40B4-BE49-F238E27FC236}">
+                <a16:creationId xmlns:a16="http://schemas.microsoft.com/office/drawing/2014/main" id="{8640320F-A3EE-8EC8-9B0E-6D3E51A215E4}"/>
+              </a:ext>
+            </a:extLst>
+          </p:cNvPr>
+          <p:cNvPicPr>
+            <a:picLocks noChangeAspect="1" noChangeArrowheads="1"/>
+          </p:cNvPicPr>
+          <p:nvPr/>
+        </p:nvPicPr>
+        <p:blipFill>
+          <a:blip r:embed="rId2">
+            <a:duotone>
+              <a:prstClr val="black"/>
+              <a:srgbClr val="FF0000">
+                <a:tint val="45000"/>
+                <a:satMod val="400000"/>
+              </a:srgbClr>
+            </a:duotone>
+            <a:extLst>
+              <a:ext uri="{28A0092B-C50C-407E-A947-70E740481C1C}">
+                <a14:useLocalDpi xmlns:a14="http://schemas.microsoft.com/office/drawing/2010/main" val="0"/>
+              </a:ext>
+            </a:extLst>
+          </a:blip>
+          <a:srcRect/>
+          <a:stretch>
+            <a:fillRect/>
+          </a:stretch>
+        </p:blipFill>
+        <p:spPr bwMode="auto">
+          <a:xfrm>
+            <a:off x="0" y="5025830"/>
+            <a:ext cx="12192000" cy="1397000"/>
+          </a:xfrm>
+          <a:prstGeom prst="rect">
+            <a:avLst/>
+          </a:prstGeom>
+          <a:noFill/>
+          <a:extLst>
+            <a:ext uri="{909E8E84-426E-40DD-AFC4-6F175D3DCCD1}">
+              <a14:hiddenFill xmlns:a14="http://schemas.microsoft.com/office/drawing/2010/main">
+                <a:solidFill>
+                  <a:srgbClr val="FFFFFF"/>
+                </a:solidFill>
+              </a14:hiddenFill>
+            </a:ext>
+          </a:extLst>
+        </p:spPr>
+      </p:pic>
+      <p:pic>
+        <p:nvPicPr>
+          <p:cNvPr id="6" name="Picture 2">
+            <a:extLst>
+              <a:ext uri="{FF2B5EF4-FFF2-40B4-BE49-F238E27FC236}">
+                <a16:creationId xmlns:a16="http://schemas.microsoft.com/office/drawing/2014/main" id="{297421D2-4EE9-B9EA-BE09-268649BF1F91}"/>
+              </a:ext>
+            </a:extLst>
+          </p:cNvPr>
+          <p:cNvPicPr>
+            <a:picLocks noChangeAspect="1" noChangeArrowheads="1"/>
+          </p:cNvPicPr>
+          <p:nvPr/>
+        </p:nvPicPr>
+        <p:blipFill rotWithShape="1">
+          <a:blip r:embed="rId2">
+            <a:duotone>
+              <a:prstClr val="black"/>
+              <a:schemeClr val="accent1">
+                <a:tint val="45000"/>
+                <a:satMod val="400000"/>
+              </a:schemeClr>
+            </a:duotone>
+            <a:extLst>
+              <a:ext uri="{28A0092B-C50C-407E-A947-70E740481C1C}">
+                <a14:useLocalDpi xmlns:a14="http://schemas.microsoft.com/office/drawing/2010/main" val="0"/>
+              </a:ext>
+            </a:extLst>
+          </a:blip>
+          <a:srcRect l="9213" t="8397" r="84879" b="40060"/>
+          <a:stretch/>
+        </p:blipFill>
+        <p:spPr bwMode="auto">
+          <a:xfrm>
+            <a:off x="1055440" y="548680"/>
+            <a:ext cx="720078" cy="720079"/>
+          </a:xfrm>
+          <a:prstGeom prst="rect">
+            <a:avLst/>
+          </a:prstGeom>
+          <a:noFill/>
+          <a:extLst>
+            <a:ext uri="{909E8E84-426E-40DD-AFC4-6F175D3DCCD1}">
+              <a14:hiddenFill xmlns:a14="http://schemas.microsoft.com/office/drawing/2010/main">
+                <a:solidFill>
+                  <a:srgbClr val="FFFFFF"/>
+                </a:solidFill>
+              </a14:hiddenFill>
+            </a:ext>
+          </a:extLst>
+        </p:spPr>
+      </p:pic>
+      <p:pic>
+        <p:nvPicPr>
+          <p:cNvPr id="7" name="Picture 2">
+            <a:extLst>
+              <a:ext uri="{FF2B5EF4-FFF2-40B4-BE49-F238E27FC236}">
+                <a16:creationId xmlns:a16="http://schemas.microsoft.com/office/drawing/2014/main" id="{90E8907C-154D-D040-0F18-75243DC7AD78}"/>
+              </a:ext>
+            </a:extLst>
+          </p:cNvPr>
+          <p:cNvPicPr>
+            <a:picLocks noChangeAspect="1" noChangeArrowheads="1"/>
+          </p:cNvPicPr>
+          <p:nvPr/>
+        </p:nvPicPr>
+        <p:blipFill rotWithShape="1">
+          <a:blip r:embed="rId2">
+            <a:duotone>
+              <a:prstClr val="black"/>
+              <a:schemeClr val="accent1">
+                <a:tint val="45000"/>
+                <a:satMod val="400000"/>
+              </a:schemeClr>
+            </a:duotone>
+            <a:extLst>
+              <a:ext uri="{28A0092B-C50C-407E-A947-70E740481C1C}">
+                <a14:useLocalDpi xmlns:a14="http://schemas.microsoft.com/office/drawing/2010/main" val="0"/>
+              </a:ext>
+            </a:extLst>
+          </a:blip>
+          <a:srcRect l="34821" t="9251" r="59272" b="39207"/>
+          <a:stretch/>
+        </p:blipFill>
+        <p:spPr bwMode="auto">
+          <a:xfrm>
+            <a:off x="1775518" y="548678"/>
+            <a:ext cx="720078" cy="720079"/>
+          </a:xfrm>
+          <a:prstGeom prst="rect">
+            <a:avLst/>
+          </a:prstGeom>
+          <a:noFill/>
+          <a:extLst>
+            <a:ext uri="{909E8E84-426E-40DD-AFC4-6F175D3DCCD1}">
+              <a14:hiddenFill xmlns:a14="http://schemas.microsoft.com/office/drawing/2010/main">
+                <a:solidFill>
+                  <a:srgbClr val="FFFFFF"/>
+                </a:solidFill>
+              </a14:hiddenFill>
+            </a:ext>
+          </a:extLst>
+        </p:spPr>
+      </p:pic>
+      <p:pic>
+        <p:nvPicPr>
+          <p:cNvPr id="8" name="Picture 2">
+            <a:extLst>
+              <a:ext uri="{FF2B5EF4-FFF2-40B4-BE49-F238E27FC236}">
+                <a16:creationId xmlns:a16="http://schemas.microsoft.com/office/drawing/2014/main" id="{33161849-42BE-8DA9-4F01-F3111D17B0F6}"/>
+              </a:ext>
+            </a:extLst>
+          </p:cNvPr>
+          <p:cNvPicPr>
+            <a:picLocks noChangeAspect="1" noChangeArrowheads="1"/>
+          </p:cNvPicPr>
+          <p:nvPr/>
+        </p:nvPicPr>
+        <p:blipFill rotWithShape="1">
+          <a:blip r:embed="rId2">
+            <a:duotone>
+              <a:prstClr val="black"/>
+              <a:schemeClr val="accent1">
+                <a:tint val="45000"/>
+                <a:satMod val="400000"/>
+              </a:schemeClr>
+            </a:duotone>
+            <a:extLst>
+              <a:ext uri="{28A0092B-C50C-407E-A947-70E740481C1C}">
+                <a14:useLocalDpi xmlns:a14="http://schemas.microsoft.com/office/drawing/2010/main" val="0"/>
+              </a:ext>
+            </a:extLst>
+          </a:blip>
+          <a:srcRect l="69007" t="19470" r="27366" b="52814"/>
+          <a:stretch/>
+        </p:blipFill>
+        <p:spPr bwMode="auto">
+          <a:xfrm>
+            <a:off x="2628035" y="715106"/>
+            <a:ext cx="442129" cy="387221"/>
+          </a:xfrm>
+          <a:prstGeom prst="rect">
+            <a:avLst/>
+          </a:prstGeom>
+          <a:noFill/>
+          <a:extLst>
+            <a:ext uri="{909E8E84-426E-40DD-AFC4-6F175D3DCCD1}">
+              <a14:hiddenFill xmlns:a14="http://schemas.microsoft.com/office/drawing/2010/main">
+                <a:solidFill>
+                  <a:srgbClr val="FFFFFF"/>
+                </a:solidFill>
+              </a14:hiddenFill>
+            </a:ext>
+          </a:extLst>
+        </p:spPr>
+      </p:pic>
+      <p:pic>
+        <p:nvPicPr>
+          <p:cNvPr id="9" name="Picture 2">
+            <a:extLst>
+              <a:ext uri="{FF2B5EF4-FFF2-40B4-BE49-F238E27FC236}">
+                <a16:creationId xmlns:a16="http://schemas.microsoft.com/office/drawing/2014/main" id="{8569E3B2-57CA-0F83-B26A-00DB2D69986B}"/>
+              </a:ext>
+            </a:extLst>
+          </p:cNvPr>
+          <p:cNvPicPr>
+            <a:picLocks noChangeAspect="1" noChangeArrowheads="1"/>
+          </p:cNvPicPr>
+          <p:nvPr/>
+        </p:nvPicPr>
+        <p:blipFill rotWithShape="1">
+          <a:blip r:embed="rId2">
+            <a:duotone>
+              <a:prstClr val="black"/>
+              <a:schemeClr val="accent1">
+                <a:tint val="45000"/>
+                <a:satMod val="400000"/>
+              </a:schemeClr>
+            </a:duotone>
+            <a:extLst>
+              <a:ext uri="{28A0092B-C50C-407E-A947-70E740481C1C}">
+                <a14:useLocalDpi xmlns:a14="http://schemas.microsoft.com/office/drawing/2010/main" val="0"/>
+              </a:ext>
+            </a:extLst>
+          </a:blip>
+          <a:srcRect l="85516" t="17494" r="10857" b="54789"/>
+          <a:stretch/>
+        </p:blipFill>
+        <p:spPr bwMode="auto">
+          <a:xfrm>
+            <a:off x="3879689" y="1226655"/>
+            <a:ext cx="442129" cy="387221"/>
+          </a:xfrm>
+          <a:prstGeom prst="rect">
+            <a:avLst/>
+          </a:prstGeom>
+          <a:noFill/>
+          <a:extLst>
+            <a:ext uri="{909E8E84-426E-40DD-AFC4-6F175D3DCCD1}">
+              <a14:hiddenFill xmlns:a14="http://schemas.microsoft.com/office/drawing/2010/main">
+                <a:solidFill>
+                  <a:srgbClr val="FFFFFF"/>
+                </a:solidFill>
+              </a14:hiddenFill>
+            </a:ext>
+          </a:extLst>
+        </p:spPr>
+      </p:pic>
+      <p:pic>
+        <p:nvPicPr>
+          <p:cNvPr id="10" name="Picture 2">
+            <a:extLst>
+              <a:ext uri="{FF2B5EF4-FFF2-40B4-BE49-F238E27FC236}">
+                <a16:creationId xmlns:a16="http://schemas.microsoft.com/office/drawing/2014/main" id="{F7E2185B-358E-5162-6F13-11CB5057EF1C}"/>
+              </a:ext>
+            </a:extLst>
+          </p:cNvPr>
+          <p:cNvPicPr>
+            <a:picLocks noChangeAspect="1" noChangeArrowheads="1"/>
+          </p:cNvPicPr>
+          <p:nvPr/>
+        </p:nvPicPr>
+        <p:blipFill rotWithShape="1">
+          <a:blip r:embed="rId2">
+            <a:duotone>
+              <a:prstClr val="black"/>
+              <a:schemeClr val="accent1">
+                <a:tint val="45000"/>
+                <a:satMod val="400000"/>
+              </a:schemeClr>
+            </a:duotone>
+            <a:extLst>
+              <a:ext uri="{28A0092B-C50C-407E-A947-70E740481C1C}">
+                <a14:useLocalDpi xmlns:a14="http://schemas.microsoft.com/office/drawing/2010/main" val="0"/>
+              </a:ext>
+            </a:extLst>
+          </a:blip>
+          <a:srcRect l="94179" t="19692" r="2773" b="54789"/>
+          <a:stretch/>
+        </p:blipFill>
+        <p:spPr bwMode="auto">
+          <a:xfrm>
+            <a:off x="4492639" y="1220177"/>
+            <a:ext cx="371475" cy="356506"/>
+          </a:xfrm>
+          <a:prstGeom prst="rect">
+            <a:avLst/>
+          </a:prstGeom>
+          <a:noFill/>
+          <a:extLst>
+            <a:ext uri="{909E8E84-426E-40DD-AFC4-6F175D3DCCD1}">
+              <a14:hiddenFill xmlns:a14="http://schemas.microsoft.com/office/drawing/2010/main">
+                <a:solidFill>
+                  <a:srgbClr val="FFFFFF"/>
+                </a:solidFill>
+              </a14:hiddenFill>
+            </a:ext>
+          </a:extLst>
+        </p:spPr>
+      </p:pic>
+      <p:pic>
+        <p:nvPicPr>
+          <p:cNvPr id="11" name="Picture 2">
+            <a:extLst>
+              <a:ext uri="{FF2B5EF4-FFF2-40B4-BE49-F238E27FC236}">
+                <a16:creationId xmlns:a16="http://schemas.microsoft.com/office/drawing/2014/main" id="{7C363D5D-CBE5-4262-D3E9-37B62C8FC929}"/>
+              </a:ext>
+            </a:extLst>
+          </p:cNvPr>
+          <p:cNvPicPr>
+            <a:picLocks noChangeAspect="1" noChangeArrowheads="1"/>
+          </p:cNvPicPr>
+          <p:nvPr/>
+        </p:nvPicPr>
+        <p:blipFill rotWithShape="1">
+          <a:blip r:embed="rId2">
+            <a:duotone>
+              <a:prstClr val="black"/>
+              <a:schemeClr val="accent1">
+                <a:tint val="45000"/>
+                <a:satMod val="400000"/>
+              </a:schemeClr>
+            </a:duotone>
+            <a:extLst>
+              <a:ext uri="{28A0092B-C50C-407E-A947-70E740481C1C}">
+                <a14:useLocalDpi xmlns:a14="http://schemas.microsoft.com/office/drawing/2010/main" val="0"/>
+              </a:ext>
+            </a:extLst>
+          </a:blip>
+          <a:srcRect l="94179" t="19692" r="2773" b="54789"/>
+          <a:stretch/>
+        </p:blipFill>
+        <p:spPr bwMode="auto">
+          <a:xfrm>
+            <a:off x="5279980" y="1220177"/>
+            <a:ext cx="371475" cy="356506"/>
+          </a:xfrm>
+          <a:prstGeom prst="rect">
+            <a:avLst/>
+          </a:prstGeom>
+          <a:noFill/>
+          <a:extLst>
+            <a:ext uri="{909E8E84-426E-40DD-AFC4-6F175D3DCCD1}">
+              <a14:hiddenFill xmlns:a14="http://schemas.microsoft.com/office/drawing/2010/main">
+                <a:solidFill>
+                  <a:srgbClr val="FFFFFF"/>
+                </a:solidFill>
+              </a14:hiddenFill>
+            </a:ext>
+          </a:extLst>
+        </p:spPr>
+      </p:pic>
+      <p:pic>
+        <p:nvPicPr>
+          <p:cNvPr id="12" name="Picture 2">
+            <a:extLst>
+              <a:ext uri="{FF2B5EF4-FFF2-40B4-BE49-F238E27FC236}">
+                <a16:creationId xmlns:a16="http://schemas.microsoft.com/office/drawing/2014/main" id="{D58A8A28-DD69-B9A4-931F-C772FF5BF25D}"/>
+              </a:ext>
+            </a:extLst>
+          </p:cNvPr>
+          <p:cNvPicPr>
+            <a:picLocks noChangeAspect="1" noChangeArrowheads="1"/>
+          </p:cNvPicPr>
+          <p:nvPr/>
+        </p:nvPicPr>
+        <p:blipFill rotWithShape="1">
+          <a:blip r:embed="rId2">
+            <a:duotone>
+              <a:prstClr val="black"/>
+              <a:schemeClr val="accent1">
+                <a:tint val="45000"/>
+                <a:satMod val="400000"/>
+              </a:schemeClr>
+            </a:duotone>
+            <a:extLst>
+              <a:ext uri="{28A0092B-C50C-407E-A947-70E740481C1C}">
+                <a14:useLocalDpi xmlns:a14="http://schemas.microsoft.com/office/drawing/2010/main" val="0"/>
+              </a:ext>
+            </a:extLst>
+          </a:blip>
+          <a:srcRect l="94179" t="19692" r="2773" b="54789"/>
+          <a:stretch/>
+        </p:blipFill>
+        <p:spPr bwMode="auto">
+          <a:xfrm>
+            <a:off x="6164238" y="1279546"/>
+            <a:ext cx="371475" cy="356506"/>
+          </a:xfrm>
+          <a:prstGeom prst="rect">
+            <a:avLst/>
+          </a:prstGeom>
+          <a:noFill/>
+          <a:extLst>
+            <a:ext uri="{909E8E84-426E-40DD-AFC4-6F175D3DCCD1}">
+              <a14:hiddenFill xmlns:a14="http://schemas.microsoft.com/office/drawing/2010/main">
+                <a:solidFill>
+                  <a:srgbClr val="FFFFFF"/>
+                </a:solidFill>
+              </a14:hiddenFill>
+            </a:ext>
+          </a:extLst>
+        </p:spPr>
+      </p:pic>
+    </p:spTree>
+    <p:extLst>
+      <p:ext uri="{BB962C8B-B14F-4D97-AF65-F5344CB8AC3E}">
+        <p14:creationId xmlns:p14="http://schemas.microsoft.com/office/powerpoint/2010/main" val="3696650378"/>
+      </p:ext>
+    </p:extLst>
+  </p:cSld>
+  <p:clrMapOvr>
+    <a:masterClrMapping/>
+  </p:clrMapOvr>
+</p:sld>
+</file>
+
+<file path=ppt/slides/slide2.xml><?xml version="1.0" encoding="utf-8"?>
+<p:sld xmlns:a="http://schemas.openxmlformats.org/drawingml/2006/main" xmlns:r="http://schemas.openxmlformats.org/officeDocument/2006/relationships" xmlns:p="http://schemas.openxmlformats.org/presentationml/2006/main">
+  <p:cSld>
+    <p:spTree>
+      <p:nvGrpSpPr>
+        <p:cNvPr id="1" name=""/>
+        <p:cNvGrpSpPr/>
+        <p:nvPr/>
+      </p:nvGrpSpPr>
+      <p:grpSpPr>
+        <a:xfrm>
+          <a:off x="0" y="0"/>
+          <a:ext cx="0" cy="0"/>
+          <a:chOff x="0" y="0"/>
+          <a:chExt cx="0" cy="0"/>
+        </a:xfrm>
+      </p:grpSpPr>
+      <p:pic>
+        <p:nvPicPr>
+          <p:cNvPr id="5" name="Image 4" descr="Une image contenant texte, matériel&#10;&#10;Description générée automatiquement">
+            <a:extLst>
+              <a:ext uri="{FF2B5EF4-FFF2-40B4-BE49-F238E27FC236}">
+                <a16:creationId xmlns:a16="http://schemas.microsoft.com/office/drawing/2014/main" id="{1F9562A0-4803-42DD-D39C-F034D90B7600}"/>
+              </a:ext>
+            </a:extLst>
+          </p:cNvPr>
+          <p:cNvPicPr>
+            <a:picLocks noChangeAspect="1"/>
+          </p:cNvPicPr>
+          <p:nvPr/>
+        </p:nvPicPr>
+        <p:blipFill rotWithShape="1">
+          <a:blip r:embed="rId2">
+            <a:extLst>
+              <a:ext uri="{28A0092B-C50C-407E-A947-70E740481C1C}">
+                <a14:useLocalDpi xmlns:a14="http://schemas.microsoft.com/office/drawing/2010/main" val="0"/>
+              </a:ext>
+            </a:extLst>
+          </a:blip>
+          <a:srcRect r="75098"/>
+          <a:stretch/>
+        </p:blipFill>
+        <p:spPr>
+          <a:xfrm>
+            <a:off x="428625" y="714375"/>
+            <a:ext cx="2822575" cy="5429250"/>
+          </a:xfrm>
+          <a:prstGeom prst="rect">
+            <a:avLst/>
+          </a:prstGeom>
+        </p:spPr>
+      </p:pic>
+      <p:pic>
+        <p:nvPicPr>
+          <p:cNvPr id="9" name="Image 8" descr="Une image contenant texte, matériel&#10;&#10;Description générée automatiquement">
+            <a:extLst>
+              <a:ext uri="{FF2B5EF4-FFF2-40B4-BE49-F238E27FC236}">
+                <a16:creationId xmlns:a16="http://schemas.microsoft.com/office/drawing/2014/main" id="{64B69F38-B56A-2738-47E4-9600329EBE01}"/>
+              </a:ext>
+            </a:extLst>
+          </p:cNvPr>
+          <p:cNvPicPr>
+            <a:picLocks noChangeAspect="1"/>
+          </p:cNvPicPr>
+          <p:nvPr/>
+        </p:nvPicPr>
+        <p:blipFill rotWithShape="1">
+          <a:blip r:embed="rId2">
+            <a:extLst>
+              <a:ext uri="{28A0092B-C50C-407E-A947-70E740481C1C}">
+                <a14:useLocalDpi xmlns:a14="http://schemas.microsoft.com/office/drawing/2010/main" val="0"/>
+              </a:ext>
+            </a:extLst>
+          </a:blip>
+          <a:srcRect l="24902" r="50000"/>
+          <a:stretch/>
+        </p:blipFill>
+        <p:spPr>
+          <a:xfrm>
+            <a:off x="3251200" y="714375"/>
+            <a:ext cx="2844800" cy="5429250"/>
+          </a:xfrm>
+          <a:prstGeom prst="rect">
+            <a:avLst/>
+          </a:prstGeom>
+        </p:spPr>
+      </p:pic>
+      <p:pic>
+        <p:nvPicPr>
+          <p:cNvPr id="11" name="Image 10" descr="Une image contenant texte, matériel&#10;&#10;Description générée automatiquement">
+            <a:extLst>
+              <a:ext uri="{FF2B5EF4-FFF2-40B4-BE49-F238E27FC236}">
+                <a16:creationId xmlns:a16="http://schemas.microsoft.com/office/drawing/2014/main" id="{5B0B3528-AB31-A3B1-1C87-A10B52411862}"/>
+              </a:ext>
+            </a:extLst>
+          </p:cNvPr>
+          <p:cNvPicPr>
+            <a:picLocks noChangeAspect="1"/>
+          </p:cNvPicPr>
+          <p:nvPr/>
+        </p:nvPicPr>
+        <p:blipFill rotWithShape="1">
+          <a:blip r:embed="rId2">
+            <a:extLst>
+              <a:ext uri="{28A0092B-C50C-407E-A947-70E740481C1C}">
+                <a14:useLocalDpi xmlns:a14="http://schemas.microsoft.com/office/drawing/2010/main" val="0"/>
+              </a:ext>
+            </a:extLst>
+          </a:blip>
+          <a:srcRect l="49804" r="25098"/>
+          <a:stretch/>
+        </p:blipFill>
+        <p:spPr>
+          <a:xfrm>
+            <a:off x="6073775" y="714375"/>
+            <a:ext cx="2844800" cy="5429250"/>
+          </a:xfrm>
+          <a:prstGeom prst="rect">
+            <a:avLst/>
+          </a:prstGeom>
+        </p:spPr>
+      </p:pic>
+      <p:pic>
+        <p:nvPicPr>
+          <p:cNvPr id="13" name="Image 12" descr="Une image contenant texte, matériel&#10;&#10;Description générée automatiquement">
+            <a:extLst>
+              <a:ext uri="{FF2B5EF4-FFF2-40B4-BE49-F238E27FC236}">
+                <a16:creationId xmlns:a16="http://schemas.microsoft.com/office/drawing/2014/main" id="{95A4042F-6B32-7219-399E-5FDA7422EBAE}"/>
+              </a:ext>
+            </a:extLst>
+          </p:cNvPr>
+          <p:cNvPicPr>
+            <a:picLocks noChangeAspect="1"/>
+          </p:cNvPicPr>
+          <p:nvPr/>
+        </p:nvPicPr>
+        <p:blipFill rotWithShape="1">
+          <a:blip r:embed="rId2">
+            <a:extLst>
+              <a:ext uri="{28A0092B-C50C-407E-A947-70E740481C1C}">
+                <a14:useLocalDpi xmlns:a14="http://schemas.microsoft.com/office/drawing/2010/main" val="0"/>
+              </a:ext>
+            </a:extLst>
+          </a:blip>
+          <a:srcRect l="74902"/>
+          <a:stretch/>
+        </p:blipFill>
+        <p:spPr>
+          <a:xfrm>
+            <a:off x="8918573" y="714375"/>
+            <a:ext cx="2844801" cy="5429250"/>
+          </a:xfrm>
+          <a:prstGeom prst="rect">
+            <a:avLst/>
+          </a:prstGeom>
+        </p:spPr>
+      </p:pic>
+    </p:spTree>
+    <p:extLst>
+      <p:ext uri="{BB962C8B-B14F-4D97-AF65-F5344CB8AC3E}">
+        <p14:creationId xmlns:p14="http://schemas.microsoft.com/office/powerpoint/2010/main" val="4251731836"/>
+      </p:ext>
+    </p:extLst>
+  </p:cSld>
+  <p:clrMapOvr>
+    <a:masterClrMapping/>
+  </p:clrMapOvr>
+</p:sld>
+</file>
+
+<file path=ppt/slides/slide20.xml><?xml version="1.0" encoding="utf-8"?>
+<p:sld xmlns:a="http://schemas.openxmlformats.org/drawingml/2006/main" xmlns:r="http://schemas.openxmlformats.org/officeDocument/2006/relationships" xmlns:p="http://schemas.openxmlformats.org/presentationml/2006/main">
+  <p:cSld>
+    <p:spTree>
+      <p:nvGrpSpPr>
+        <p:cNvPr id="1" name=""/>
+        <p:cNvGrpSpPr/>
+        <p:nvPr/>
+      </p:nvGrpSpPr>
+      <p:grpSpPr>
+        <a:xfrm>
+          <a:off x="0" y="0"/>
+          <a:ext cx="0" cy="0"/>
+          <a:chOff x="0" y="0"/>
+          <a:chExt cx="0" cy="0"/>
+        </a:xfrm>
+      </p:grpSpPr>
+      <p:pic>
+        <p:nvPicPr>
+          <p:cNvPr id="15" name="Picture 2">
+            <a:extLst>
+              <a:ext uri="{FF2B5EF4-FFF2-40B4-BE49-F238E27FC236}">
+                <a16:creationId xmlns:a16="http://schemas.microsoft.com/office/drawing/2014/main" id="{6CAC536F-6A5A-20D4-A615-5DCE5B5FA9EA}"/>
+              </a:ext>
+            </a:extLst>
+          </p:cNvPr>
+          <p:cNvPicPr>
+            <a:picLocks noChangeAspect="1" noChangeArrowheads="1"/>
+          </p:cNvPicPr>
+          <p:nvPr/>
+        </p:nvPicPr>
+        <p:blipFill rotWithShape="1">
+          <a:blip r:embed="rId2">
+            <a:duotone>
+              <a:prstClr val="black"/>
+              <a:schemeClr val="accent6">
+                <a:tint val="45000"/>
+                <a:satMod val="400000"/>
+              </a:schemeClr>
+            </a:duotone>
+            <a:extLst>
+              <a:ext uri="{28A0092B-C50C-407E-A947-70E740481C1C}">
+                <a14:useLocalDpi xmlns:a14="http://schemas.microsoft.com/office/drawing/2010/main" val="0"/>
+              </a:ext>
+            </a:extLst>
+          </a:blip>
+          <a:srcRect l="1177" t="2067" r="26175" b="-10312"/>
+          <a:stretch/>
+        </p:blipFill>
+        <p:spPr bwMode="auto">
+          <a:xfrm>
+            <a:off x="175341" y="2672916"/>
+            <a:ext cx="8856984" cy="1512168"/>
+          </a:xfrm>
+          <a:prstGeom prst="rect">
+            <a:avLst/>
+          </a:prstGeom>
+          <a:noFill/>
+          <a:extLst>
+            <a:ext uri="{909E8E84-426E-40DD-AFC4-6F175D3DCCD1}">
+              <a14:hiddenFill xmlns:a14="http://schemas.microsoft.com/office/drawing/2010/main">
+                <a:solidFill>
+                  <a:srgbClr val="FFFFFF"/>
+                </a:solidFill>
+              </a14:hiddenFill>
+            </a:ext>
+          </a:extLst>
+        </p:spPr>
+      </p:pic>
+      <p:pic>
+        <p:nvPicPr>
+          <p:cNvPr id="4" name="Picture 2">
+            <a:extLst>
+              <a:ext uri="{FF2B5EF4-FFF2-40B4-BE49-F238E27FC236}">
+                <a16:creationId xmlns:a16="http://schemas.microsoft.com/office/drawing/2014/main" id="{F902CE04-8294-CCBF-8673-E6757FA548F1}"/>
+              </a:ext>
+            </a:extLst>
+          </p:cNvPr>
+          <p:cNvPicPr>
+            <a:picLocks noChangeAspect="1" noChangeArrowheads="1"/>
+          </p:cNvPicPr>
+          <p:nvPr/>
+        </p:nvPicPr>
+        <p:blipFill rotWithShape="1">
+          <a:blip r:embed="rId2">
+            <a:duotone>
+              <a:prstClr val="black"/>
+              <a:schemeClr val="accent6">
+                <a:tint val="45000"/>
+                <a:satMod val="400000"/>
+              </a:schemeClr>
+            </a:duotone>
+            <a:extLst>
+              <a:ext uri="{28A0092B-C50C-407E-A947-70E740481C1C}">
+                <a14:useLocalDpi xmlns:a14="http://schemas.microsoft.com/office/drawing/2010/main" val="0"/>
+              </a:ext>
+            </a:extLst>
+          </a:blip>
+          <a:srcRect l="1181" t="2068" r="92870" b="46387"/>
+          <a:stretch/>
+        </p:blipFill>
+        <p:spPr bwMode="auto">
+          <a:xfrm>
+            <a:off x="333511" y="548680"/>
+            <a:ext cx="725288" cy="720080"/>
+          </a:xfrm>
+          <a:prstGeom prst="rect">
+            <a:avLst/>
+          </a:prstGeom>
+          <a:noFill/>
+          <a:extLst>
+            <a:ext uri="{909E8E84-426E-40DD-AFC4-6F175D3DCCD1}">
+              <a14:hiddenFill xmlns:a14="http://schemas.microsoft.com/office/drawing/2010/main">
+                <a:solidFill>
+                  <a:srgbClr val="FFFFFF"/>
+                </a:solidFill>
+              </a14:hiddenFill>
+            </a:ext>
+          </a:extLst>
+        </p:spPr>
+      </p:pic>
+      <p:pic>
+        <p:nvPicPr>
+          <p:cNvPr id="11" name="Picture 2">
+            <a:extLst>
+              <a:ext uri="{FF2B5EF4-FFF2-40B4-BE49-F238E27FC236}">
+                <a16:creationId xmlns:a16="http://schemas.microsoft.com/office/drawing/2014/main" id="{3E10B259-5589-4292-2D88-5505DE2CBB6A}"/>
+              </a:ext>
+            </a:extLst>
+          </p:cNvPr>
+          <p:cNvPicPr>
+            <a:picLocks noChangeAspect="1" noChangeArrowheads="1"/>
+          </p:cNvPicPr>
+          <p:nvPr/>
+        </p:nvPicPr>
+        <p:blipFill rotWithShape="1">
+          <a:blip r:embed="rId2">
+            <a:duotone>
+              <a:prstClr val="black"/>
+              <a:schemeClr val="accent6">
+                <a:tint val="45000"/>
+                <a:satMod val="400000"/>
+              </a:schemeClr>
+            </a:duotone>
+            <a:extLst>
+              <a:ext uri="{28A0092B-C50C-407E-A947-70E740481C1C}">
+                <a14:useLocalDpi xmlns:a14="http://schemas.microsoft.com/office/drawing/2010/main" val="0"/>
+              </a:ext>
+            </a:extLst>
+          </a:blip>
+          <a:srcRect l="9392" t="3602" r="84659" b="44853"/>
+          <a:stretch/>
+        </p:blipFill>
+        <p:spPr bwMode="auto">
+          <a:xfrm>
+            <a:off x="1338264" y="579498"/>
+            <a:ext cx="725288" cy="720080"/>
+          </a:xfrm>
+          <a:prstGeom prst="rect">
+            <a:avLst/>
+          </a:prstGeom>
+          <a:noFill/>
+          <a:extLst>
+            <a:ext uri="{909E8E84-426E-40DD-AFC4-6F175D3DCCD1}">
+              <a14:hiddenFill xmlns:a14="http://schemas.microsoft.com/office/drawing/2010/main">
+                <a:solidFill>
+                  <a:srgbClr val="FFFFFF"/>
+                </a:solidFill>
+              </a14:hiddenFill>
+            </a:ext>
+          </a:extLst>
+        </p:spPr>
+      </p:pic>
+      <p:pic>
+        <p:nvPicPr>
+          <p:cNvPr id="12" name="Picture 2">
+            <a:extLst>
+              <a:ext uri="{FF2B5EF4-FFF2-40B4-BE49-F238E27FC236}">
+                <a16:creationId xmlns:a16="http://schemas.microsoft.com/office/drawing/2014/main" id="{A4D33672-495B-1099-1C0B-4DC6919E30F6}"/>
+              </a:ext>
+            </a:extLst>
+          </p:cNvPr>
+          <p:cNvPicPr>
+            <a:picLocks noChangeAspect="1" noChangeArrowheads="1"/>
+          </p:cNvPicPr>
+          <p:nvPr/>
+        </p:nvPicPr>
+        <p:blipFill rotWithShape="1">
+          <a:blip r:embed="rId2">
+            <a:duotone>
+              <a:prstClr val="black"/>
+              <a:schemeClr val="accent6">
+                <a:tint val="45000"/>
+                <a:satMod val="400000"/>
+              </a:schemeClr>
+            </a:duotone>
+            <a:extLst>
+              <a:ext uri="{28A0092B-C50C-407E-A947-70E740481C1C}">
+                <a14:useLocalDpi xmlns:a14="http://schemas.microsoft.com/office/drawing/2010/main" val="0"/>
+              </a:ext>
+            </a:extLst>
+          </a:blip>
+          <a:srcRect l="17618" t="3509" r="76433" b="44946"/>
+          <a:stretch/>
+        </p:blipFill>
+        <p:spPr bwMode="auto">
+          <a:xfrm>
+            <a:off x="2346376" y="548680"/>
+            <a:ext cx="725288" cy="720080"/>
+          </a:xfrm>
+          <a:prstGeom prst="rect">
+            <a:avLst/>
+          </a:prstGeom>
+          <a:noFill/>
+          <a:extLst>
+            <a:ext uri="{909E8E84-426E-40DD-AFC4-6F175D3DCCD1}">
+              <a14:hiddenFill xmlns:a14="http://schemas.microsoft.com/office/drawing/2010/main">
+                <a:solidFill>
+                  <a:srgbClr val="FFFFFF"/>
+                </a:solidFill>
+              </a14:hiddenFill>
+            </a:ext>
+          </a:extLst>
+        </p:spPr>
+      </p:pic>
+      <p:pic>
+        <p:nvPicPr>
+          <p:cNvPr id="14" name="Picture 2">
+            <a:extLst>
+              <a:ext uri="{FF2B5EF4-FFF2-40B4-BE49-F238E27FC236}">
+                <a16:creationId xmlns:a16="http://schemas.microsoft.com/office/drawing/2014/main" id="{CF2BE84B-394C-8F68-824C-57B7647F092E}"/>
+              </a:ext>
+            </a:extLst>
+          </p:cNvPr>
+          <p:cNvPicPr>
+            <a:picLocks noChangeAspect="1" noChangeArrowheads="1"/>
+          </p:cNvPicPr>
+          <p:nvPr/>
+        </p:nvPicPr>
+        <p:blipFill rotWithShape="1">
+          <a:blip r:embed="rId2">
+            <a:duotone>
+              <a:prstClr val="black"/>
+              <a:schemeClr val="accent6">
+                <a:tint val="45000"/>
+                <a:satMod val="400000"/>
+              </a:schemeClr>
+            </a:duotone>
+            <a:extLst>
+              <a:ext uri="{28A0092B-C50C-407E-A947-70E740481C1C}">
+                <a14:useLocalDpi xmlns:a14="http://schemas.microsoft.com/office/drawing/2010/main" val="0"/>
+              </a:ext>
+            </a:extLst>
+          </a:blip>
+          <a:srcRect l="34156" t="1242" r="59895" b="47213"/>
+          <a:stretch/>
+        </p:blipFill>
+        <p:spPr bwMode="auto">
+          <a:xfrm>
+            <a:off x="4407173" y="545158"/>
+            <a:ext cx="725288" cy="720080"/>
+          </a:xfrm>
+          <a:prstGeom prst="rect">
+            <a:avLst/>
+          </a:prstGeom>
+          <a:noFill/>
+          <a:extLst>
+            <a:ext uri="{909E8E84-426E-40DD-AFC4-6F175D3DCCD1}">
+              <a14:hiddenFill xmlns:a14="http://schemas.microsoft.com/office/drawing/2010/main">
+                <a:solidFill>
+                  <a:srgbClr val="FFFFFF"/>
+                </a:solidFill>
+              </a14:hiddenFill>
+            </a:ext>
+          </a:extLst>
+        </p:spPr>
+      </p:pic>
+      <p:pic>
+        <p:nvPicPr>
+          <p:cNvPr id="16" name="Picture 2">
+            <a:extLst>
+              <a:ext uri="{FF2B5EF4-FFF2-40B4-BE49-F238E27FC236}">
+                <a16:creationId xmlns:a16="http://schemas.microsoft.com/office/drawing/2014/main" id="{D8599930-89E2-86B9-EAA8-9239CA3E4EC4}"/>
+              </a:ext>
+            </a:extLst>
+          </p:cNvPr>
+          <p:cNvPicPr>
+            <a:picLocks noChangeAspect="1" noChangeArrowheads="1"/>
+          </p:cNvPicPr>
+          <p:nvPr/>
+        </p:nvPicPr>
+        <p:blipFill rotWithShape="1">
+          <a:blip r:embed="rId2">
+            <a:duotone>
+              <a:prstClr val="black"/>
+              <a:schemeClr val="accent6">
+                <a:tint val="45000"/>
+                <a:satMod val="400000"/>
+              </a:schemeClr>
+            </a:duotone>
+            <a:extLst>
+              <a:ext uri="{28A0092B-C50C-407E-A947-70E740481C1C}">
+                <a14:useLocalDpi xmlns:a14="http://schemas.microsoft.com/office/drawing/2010/main" val="0"/>
+              </a:ext>
+            </a:extLst>
+          </a:blip>
+          <a:srcRect l="26241" t="4902" r="67810" b="48455"/>
+          <a:stretch/>
+        </p:blipFill>
+        <p:spPr bwMode="auto">
+          <a:xfrm>
+            <a:off x="3390534" y="545158"/>
+            <a:ext cx="725288" cy="651594"/>
+          </a:xfrm>
+          <a:prstGeom prst="rect">
+            <a:avLst/>
+          </a:prstGeom>
+          <a:noFill/>
+          <a:extLst>
+            <a:ext uri="{909E8E84-426E-40DD-AFC4-6F175D3DCCD1}">
+              <a14:hiddenFill xmlns:a14="http://schemas.microsoft.com/office/drawing/2010/main">
+                <a:solidFill>
+                  <a:srgbClr val="FFFFFF"/>
+                </a:solidFill>
+              </a14:hiddenFill>
+            </a:ext>
+          </a:extLst>
+        </p:spPr>
+      </p:pic>
+      <p:pic>
+        <p:nvPicPr>
+          <p:cNvPr id="17" name="Picture 2">
+            <a:extLst>
+              <a:ext uri="{FF2B5EF4-FFF2-40B4-BE49-F238E27FC236}">
+                <a16:creationId xmlns:a16="http://schemas.microsoft.com/office/drawing/2014/main" id="{AB7D0A88-344A-6D07-4E61-EF3E2840ACDB}"/>
+              </a:ext>
+            </a:extLst>
+          </p:cNvPr>
+          <p:cNvPicPr>
+            <a:picLocks noChangeAspect="1" noChangeArrowheads="1"/>
+          </p:cNvPicPr>
+          <p:nvPr/>
+        </p:nvPicPr>
+        <p:blipFill rotWithShape="1">
+          <a:blip r:embed="rId2">
+            <a:duotone>
+              <a:prstClr val="black"/>
+              <a:schemeClr val="accent6">
+                <a:tint val="45000"/>
+                <a:satMod val="400000"/>
+              </a:schemeClr>
+            </a:duotone>
+            <a:extLst>
+              <a:ext uri="{28A0092B-C50C-407E-A947-70E740481C1C}">
+                <a14:useLocalDpi xmlns:a14="http://schemas.microsoft.com/office/drawing/2010/main" val="0"/>
+              </a:ext>
+            </a:extLst>
+          </a:blip>
+          <a:srcRect l="42482" t="-1545" r="51569" b="50000"/>
+          <a:stretch/>
+        </p:blipFill>
+        <p:spPr bwMode="auto">
+          <a:xfrm>
+            <a:off x="5370712" y="476672"/>
+            <a:ext cx="725288" cy="720080"/>
+          </a:xfrm>
+          <a:prstGeom prst="rect">
+            <a:avLst/>
+          </a:prstGeom>
+          <a:noFill/>
+          <a:extLst>
+            <a:ext uri="{909E8E84-426E-40DD-AFC4-6F175D3DCCD1}">
+              <a14:hiddenFill xmlns:a14="http://schemas.microsoft.com/office/drawing/2010/main">
+                <a:solidFill>
+                  <a:srgbClr val="FFFFFF"/>
+                </a:solidFill>
+              </a14:hiddenFill>
+            </a:ext>
+          </a:extLst>
+        </p:spPr>
+      </p:pic>
+      <p:pic>
+        <p:nvPicPr>
+          <p:cNvPr id="18" name="Picture 2">
+            <a:extLst>
+              <a:ext uri="{FF2B5EF4-FFF2-40B4-BE49-F238E27FC236}">
+                <a16:creationId xmlns:a16="http://schemas.microsoft.com/office/drawing/2014/main" id="{8F32AB45-F74C-5F86-AD5C-8D62F00217C8}"/>
+              </a:ext>
+            </a:extLst>
+          </p:cNvPr>
+          <p:cNvPicPr>
+            <a:picLocks noChangeAspect="1" noChangeArrowheads="1"/>
+          </p:cNvPicPr>
+          <p:nvPr/>
+        </p:nvPicPr>
+        <p:blipFill rotWithShape="1">
+          <a:blip r:embed="rId2">
+            <a:duotone>
+              <a:prstClr val="black"/>
+              <a:schemeClr val="accent6">
+                <a:tint val="45000"/>
+                <a:satMod val="400000"/>
+              </a:schemeClr>
+            </a:duotone>
+            <a:extLst>
+              <a:ext uri="{28A0092B-C50C-407E-A947-70E740481C1C}">
+                <a14:useLocalDpi xmlns:a14="http://schemas.microsoft.com/office/drawing/2010/main" val="0"/>
+              </a:ext>
+            </a:extLst>
+          </a:blip>
+          <a:srcRect l="50724" r="43327" b="48455"/>
+          <a:stretch/>
+        </p:blipFill>
+        <p:spPr bwMode="auto">
+          <a:xfrm>
+            <a:off x="6375465" y="476672"/>
+            <a:ext cx="725288" cy="720080"/>
+          </a:xfrm>
+          <a:prstGeom prst="rect">
+            <a:avLst/>
+          </a:prstGeom>
+          <a:noFill/>
+          <a:extLst>
+            <a:ext uri="{909E8E84-426E-40DD-AFC4-6F175D3DCCD1}">
+              <a14:hiddenFill xmlns:a14="http://schemas.microsoft.com/office/drawing/2010/main">
+                <a:solidFill>
+                  <a:srgbClr val="FFFFFF"/>
+                </a:solidFill>
+              </a14:hiddenFill>
+            </a:ext>
+          </a:extLst>
+        </p:spPr>
+      </p:pic>
+      <p:pic>
+        <p:nvPicPr>
+          <p:cNvPr id="19" name="Picture 2">
+            <a:extLst>
+              <a:ext uri="{FF2B5EF4-FFF2-40B4-BE49-F238E27FC236}">
+                <a16:creationId xmlns:a16="http://schemas.microsoft.com/office/drawing/2014/main" id="{E50E083D-0019-F0F6-2F1A-A730F4D36746}"/>
+              </a:ext>
+            </a:extLst>
+          </p:cNvPr>
+          <p:cNvPicPr>
+            <a:picLocks noChangeAspect="1" noChangeArrowheads="1"/>
+          </p:cNvPicPr>
+          <p:nvPr/>
+        </p:nvPicPr>
+        <p:blipFill rotWithShape="1">
+          <a:blip r:embed="rId2">
+            <a:duotone>
+              <a:prstClr val="black"/>
+              <a:schemeClr val="accent6">
+                <a:tint val="45000"/>
+                <a:satMod val="400000"/>
+              </a:schemeClr>
+            </a:duotone>
+            <a:extLst>
+              <a:ext uri="{28A0092B-C50C-407E-A947-70E740481C1C}">
+                <a14:useLocalDpi xmlns:a14="http://schemas.microsoft.com/office/drawing/2010/main" val="0"/>
+              </a:ext>
+            </a:extLst>
+          </a:blip>
+          <a:srcRect l="58724" t="2451" r="35327" b="46004"/>
+          <a:stretch/>
+        </p:blipFill>
+        <p:spPr bwMode="auto">
+          <a:xfrm>
+            <a:off x="7350890" y="510915"/>
+            <a:ext cx="725288" cy="720080"/>
+          </a:xfrm>
+          <a:prstGeom prst="rect">
+            <a:avLst/>
+          </a:prstGeom>
+          <a:noFill/>
+          <a:extLst>
+            <a:ext uri="{909E8E84-426E-40DD-AFC4-6F175D3DCCD1}">
+              <a14:hiddenFill xmlns:a14="http://schemas.microsoft.com/office/drawing/2010/main">
+                <a:solidFill>
+                  <a:srgbClr val="FFFFFF"/>
+                </a:solidFill>
+              </a14:hiddenFill>
+            </a:ext>
+          </a:extLst>
+        </p:spPr>
+      </p:pic>
+      <p:pic>
+        <p:nvPicPr>
+          <p:cNvPr id="20" name="Picture 2">
+            <a:extLst>
+              <a:ext uri="{FF2B5EF4-FFF2-40B4-BE49-F238E27FC236}">
+                <a16:creationId xmlns:a16="http://schemas.microsoft.com/office/drawing/2014/main" id="{5F394468-4CE9-A550-3B46-628B6081617D}"/>
+              </a:ext>
+            </a:extLst>
+          </p:cNvPr>
+          <p:cNvPicPr>
+            <a:picLocks noChangeAspect="1" noChangeArrowheads="1"/>
+          </p:cNvPicPr>
+          <p:nvPr/>
+        </p:nvPicPr>
+        <p:blipFill rotWithShape="1">
+          <a:blip r:embed="rId2">
+            <a:duotone>
+              <a:prstClr val="black"/>
+              <a:schemeClr val="accent6">
+                <a:tint val="45000"/>
+                <a:satMod val="400000"/>
+              </a:schemeClr>
+            </a:duotone>
+            <a:extLst>
+              <a:ext uri="{28A0092B-C50C-407E-A947-70E740481C1C}">
+                <a14:useLocalDpi xmlns:a14="http://schemas.microsoft.com/office/drawing/2010/main" val="0"/>
+              </a:ext>
+            </a:extLst>
+          </a:blip>
+          <a:srcRect l="67158" t="4858" r="26893" b="43597"/>
+          <a:stretch/>
+        </p:blipFill>
+        <p:spPr bwMode="auto">
+          <a:xfrm>
+            <a:off x="8307037" y="566129"/>
+            <a:ext cx="725288" cy="720080"/>
+          </a:xfrm>
+          <a:prstGeom prst="rect">
+            <a:avLst/>
+          </a:prstGeom>
+          <a:noFill/>
+          <a:extLst>
+            <a:ext uri="{909E8E84-426E-40DD-AFC4-6F175D3DCCD1}">
+              <a14:hiddenFill xmlns:a14="http://schemas.microsoft.com/office/drawing/2010/main">
+                <a:solidFill>
+                  <a:srgbClr val="FFFFFF"/>
+                </a:solidFill>
+              </a14:hiddenFill>
+            </a:ext>
+          </a:extLst>
+        </p:spPr>
+      </p:pic>
+      <p:pic>
+        <p:nvPicPr>
+          <p:cNvPr id="21" name="Picture 2">
+            <a:extLst>
+              <a:ext uri="{FF2B5EF4-FFF2-40B4-BE49-F238E27FC236}">
+                <a16:creationId xmlns:a16="http://schemas.microsoft.com/office/drawing/2014/main" id="{B3ED957F-98C8-348B-6419-AACF44CB0F69}"/>
+              </a:ext>
+            </a:extLst>
+          </p:cNvPr>
+          <p:cNvPicPr>
+            <a:picLocks noChangeAspect="1" noChangeArrowheads="1"/>
+          </p:cNvPicPr>
+          <p:nvPr/>
+        </p:nvPicPr>
+        <p:blipFill rotWithShape="1">
+          <a:blip r:embed="rId2">
+            <a:duotone>
+              <a:prstClr val="black"/>
+              <a:schemeClr val="accent6">
+                <a:tint val="45000"/>
+                <a:satMod val="400000"/>
+              </a:schemeClr>
+            </a:duotone>
+            <a:extLst>
+              <a:ext uri="{28A0092B-C50C-407E-A947-70E740481C1C}">
+                <a14:useLocalDpi xmlns:a14="http://schemas.microsoft.com/office/drawing/2010/main" val="0"/>
+              </a:ext>
+            </a:extLst>
+          </a:blip>
+          <a:srcRect l="981" t="46391" r="93070" b="9435"/>
+          <a:stretch/>
+        </p:blipFill>
+        <p:spPr bwMode="auto">
+          <a:xfrm>
+            <a:off x="310914" y="1340768"/>
+            <a:ext cx="725288" cy="617116"/>
+          </a:xfrm>
+          <a:prstGeom prst="rect">
+            <a:avLst/>
+          </a:prstGeom>
+          <a:noFill/>
+          <a:extLst>
+            <a:ext uri="{909E8E84-426E-40DD-AFC4-6F175D3DCCD1}">
+              <a14:hiddenFill xmlns:a14="http://schemas.microsoft.com/office/drawing/2010/main">
+                <a:solidFill>
+                  <a:srgbClr val="FFFFFF"/>
+                </a:solidFill>
+              </a14:hiddenFill>
+            </a:ext>
+          </a:extLst>
+        </p:spPr>
+      </p:pic>
+    </p:spTree>
+    <p:extLst>
+      <p:ext uri="{BB962C8B-B14F-4D97-AF65-F5344CB8AC3E}">
+        <p14:creationId xmlns:p14="http://schemas.microsoft.com/office/powerpoint/2010/main" val="3132495539"/>
+      </p:ext>
+    </p:extLst>
+  </p:cSld>
+  <p:clrMapOvr>
+    <a:masterClrMapping/>
+  </p:clrMapOvr>
+</p:sld>
+</file>
+
+<file path=ppt/slides/slide21.xml><?xml version="1.0" encoding="utf-8"?>
+<p:sld xmlns:a="http://schemas.openxmlformats.org/drawingml/2006/main" xmlns:r="http://schemas.openxmlformats.org/officeDocument/2006/relationships" xmlns:p="http://schemas.openxmlformats.org/presentationml/2006/main">
+  <p:cSld>
+    <p:spTree>
+      <p:nvGrpSpPr>
+        <p:cNvPr id="1" name=""/>
+        <p:cNvGrpSpPr/>
+        <p:nvPr/>
+      </p:nvGrpSpPr>
+      <p:grpSpPr>
+        <a:xfrm>
+          <a:off x="0" y="0"/>
+          <a:ext cx="0" cy="0"/>
+          <a:chOff x="0" y="0"/>
+          <a:chExt cx="0" cy="0"/>
+        </a:xfrm>
+      </p:grpSpPr>
+      <p:pic>
+        <p:nvPicPr>
           <p:cNvPr id="10242" name="Picture 2">
             <a:extLst>
               <a:ext uri="{FF2B5EF4-FFF2-40B4-BE49-F238E27FC236}">
@@ -11147,7 +12603,7 @@
 </p:sld>
 </file>
 
-<file path=ppt/slides/slide19.xml><?xml version="1.0" encoding="utf-8"?>
+<file path=ppt/slides/slide22.xml><?xml version="1.0" encoding="utf-8"?>
 <p:sld xmlns:a="http://schemas.openxmlformats.org/drawingml/2006/main" xmlns:r="http://schemas.openxmlformats.org/officeDocument/2006/relationships" xmlns:p="http://schemas.openxmlformats.org/presentationml/2006/main">
   <p:cSld>
     <p:spTree>
@@ -12872,177 +14328,7 @@
 </p:sld>
 </file>
 
-<file path=ppt/slides/slide2.xml><?xml version="1.0" encoding="utf-8"?>
-<p:sld xmlns:a="http://schemas.openxmlformats.org/drawingml/2006/main" xmlns:r="http://schemas.openxmlformats.org/officeDocument/2006/relationships" xmlns:p="http://schemas.openxmlformats.org/presentationml/2006/main">
-  <p:cSld>
-    <p:spTree>
-      <p:nvGrpSpPr>
-        <p:cNvPr id="1" name=""/>
-        <p:cNvGrpSpPr/>
-        <p:nvPr/>
-      </p:nvGrpSpPr>
-      <p:grpSpPr>
-        <a:xfrm>
-          <a:off x="0" y="0"/>
-          <a:ext cx="0" cy="0"/>
-          <a:chOff x="0" y="0"/>
-          <a:chExt cx="0" cy="0"/>
-        </a:xfrm>
-      </p:grpSpPr>
-      <p:pic>
-        <p:nvPicPr>
-          <p:cNvPr id="5" name="Image 4" descr="Une image contenant texte, matériel&#10;&#10;Description générée automatiquement">
-            <a:extLst>
-              <a:ext uri="{FF2B5EF4-FFF2-40B4-BE49-F238E27FC236}">
-                <a16:creationId xmlns:a16="http://schemas.microsoft.com/office/drawing/2014/main" id="{1F9562A0-4803-42DD-D39C-F034D90B7600}"/>
-              </a:ext>
-            </a:extLst>
-          </p:cNvPr>
-          <p:cNvPicPr>
-            <a:picLocks noChangeAspect="1"/>
-          </p:cNvPicPr>
-          <p:nvPr/>
-        </p:nvPicPr>
-        <p:blipFill rotWithShape="1">
-          <a:blip r:embed="rId2">
-            <a:extLst>
-              <a:ext uri="{28A0092B-C50C-407E-A947-70E740481C1C}">
-                <a14:useLocalDpi xmlns:a14="http://schemas.microsoft.com/office/drawing/2010/main" val="0"/>
-              </a:ext>
-            </a:extLst>
-          </a:blip>
-          <a:srcRect r="75098"/>
-          <a:stretch/>
-        </p:blipFill>
-        <p:spPr>
-          <a:xfrm>
-            <a:off x="428625" y="714375"/>
-            <a:ext cx="2822575" cy="5429250"/>
-          </a:xfrm>
-          <a:prstGeom prst="rect">
-            <a:avLst/>
-          </a:prstGeom>
-        </p:spPr>
-      </p:pic>
-      <p:pic>
-        <p:nvPicPr>
-          <p:cNvPr id="9" name="Image 8" descr="Une image contenant texte, matériel&#10;&#10;Description générée automatiquement">
-            <a:extLst>
-              <a:ext uri="{FF2B5EF4-FFF2-40B4-BE49-F238E27FC236}">
-                <a16:creationId xmlns:a16="http://schemas.microsoft.com/office/drawing/2014/main" id="{64B69F38-B56A-2738-47E4-9600329EBE01}"/>
-              </a:ext>
-            </a:extLst>
-          </p:cNvPr>
-          <p:cNvPicPr>
-            <a:picLocks noChangeAspect="1"/>
-          </p:cNvPicPr>
-          <p:nvPr/>
-        </p:nvPicPr>
-        <p:blipFill rotWithShape="1">
-          <a:blip r:embed="rId2">
-            <a:extLst>
-              <a:ext uri="{28A0092B-C50C-407E-A947-70E740481C1C}">
-                <a14:useLocalDpi xmlns:a14="http://schemas.microsoft.com/office/drawing/2010/main" val="0"/>
-              </a:ext>
-            </a:extLst>
-          </a:blip>
-          <a:srcRect l="24902" r="50000"/>
-          <a:stretch/>
-        </p:blipFill>
-        <p:spPr>
-          <a:xfrm>
-            <a:off x="3251200" y="714375"/>
-            <a:ext cx="2844800" cy="5429250"/>
-          </a:xfrm>
-          <a:prstGeom prst="rect">
-            <a:avLst/>
-          </a:prstGeom>
-        </p:spPr>
-      </p:pic>
-      <p:pic>
-        <p:nvPicPr>
-          <p:cNvPr id="11" name="Image 10" descr="Une image contenant texte, matériel&#10;&#10;Description générée automatiquement">
-            <a:extLst>
-              <a:ext uri="{FF2B5EF4-FFF2-40B4-BE49-F238E27FC236}">
-                <a16:creationId xmlns:a16="http://schemas.microsoft.com/office/drawing/2014/main" id="{5B0B3528-AB31-A3B1-1C87-A10B52411862}"/>
-              </a:ext>
-            </a:extLst>
-          </p:cNvPr>
-          <p:cNvPicPr>
-            <a:picLocks noChangeAspect="1"/>
-          </p:cNvPicPr>
-          <p:nvPr/>
-        </p:nvPicPr>
-        <p:blipFill rotWithShape="1">
-          <a:blip r:embed="rId2">
-            <a:extLst>
-              <a:ext uri="{28A0092B-C50C-407E-A947-70E740481C1C}">
-                <a14:useLocalDpi xmlns:a14="http://schemas.microsoft.com/office/drawing/2010/main" val="0"/>
-              </a:ext>
-            </a:extLst>
-          </a:blip>
-          <a:srcRect l="49804" r="25098"/>
-          <a:stretch/>
-        </p:blipFill>
-        <p:spPr>
-          <a:xfrm>
-            <a:off x="6073775" y="714375"/>
-            <a:ext cx="2844800" cy="5429250"/>
-          </a:xfrm>
-          <a:prstGeom prst="rect">
-            <a:avLst/>
-          </a:prstGeom>
-        </p:spPr>
-      </p:pic>
-      <p:pic>
-        <p:nvPicPr>
-          <p:cNvPr id="13" name="Image 12" descr="Une image contenant texte, matériel&#10;&#10;Description générée automatiquement">
-            <a:extLst>
-              <a:ext uri="{FF2B5EF4-FFF2-40B4-BE49-F238E27FC236}">
-                <a16:creationId xmlns:a16="http://schemas.microsoft.com/office/drawing/2014/main" id="{95A4042F-6B32-7219-399E-5FDA7422EBAE}"/>
-              </a:ext>
-            </a:extLst>
-          </p:cNvPr>
-          <p:cNvPicPr>
-            <a:picLocks noChangeAspect="1"/>
-          </p:cNvPicPr>
-          <p:nvPr/>
-        </p:nvPicPr>
-        <p:blipFill rotWithShape="1">
-          <a:blip r:embed="rId2">
-            <a:extLst>
-              <a:ext uri="{28A0092B-C50C-407E-A947-70E740481C1C}">
-                <a14:useLocalDpi xmlns:a14="http://schemas.microsoft.com/office/drawing/2010/main" val="0"/>
-              </a:ext>
-            </a:extLst>
-          </a:blip>
-          <a:srcRect l="74902"/>
-          <a:stretch/>
-        </p:blipFill>
-        <p:spPr>
-          <a:xfrm>
-            <a:off x="8918573" y="714375"/>
-            <a:ext cx="2844801" cy="5429250"/>
-          </a:xfrm>
-          <a:prstGeom prst="rect">
-            <a:avLst/>
-          </a:prstGeom>
-        </p:spPr>
-      </p:pic>
-    </p:spTree>
-    <p:extLst>
-      <p:ext uri="{BB962C8B-B14F-4D97-AF65-F5344CB8AC3E}">
-        <p14:creationId xmlns:p14="http://schemas.microsoft.com/office/powerpoint/2010/main" val="4251731836"/>
-      </p:ext>
-    </p:extLst>
-  </p:cSld>
-  <p:clrMapOvr>
-    <a:masterClrMapping/>
-  </p:clrMapOvr>
-</p:sld>
-</file>
-
-<file path=ppt/slides/slide20.xml><?xml version="1.0" encoding="utf-8"?>
+<file path=ppt/slides/slide23.xml><?xml version="1.0" encoding="utf-8"?>
 <p:sld xmlns:a="http://schemas.openxmlformats.org/drawingml/2006/main" xmlns:r="http://schemas.openxmlformats.org/officeDocument/2006/relationships" xmlns:p="http://schemas.openxmlformats.org/presentationml/2006/main">
   <p:cSld>
     <p:spTree>
@@ -13494,6 +14780,596 @@
     <p:extLst>
       <p:ext uri="{BB962C8B-B14F-4D97-AF65-F5344CB8AC3E}">
         <p14:creationId xmlns:p14="http://schemas.microsoft.com/office/powerpoint/2010/main" val="1733317260"/>
+      </p:ext>
+    </p:extLst>
+  </p:cSld>
+  <p:clrMapOvr>
+    <a:masterClrMapping/>
+  </p:clrMapOvr>
+</p:sld>
+</file>
+
+<file path=ppt/slides/slide24.xml><?xml version="1.0" encoding="utf-8"?>
+<p:sld xmlns:a="http://schemas.openxmlformats.org/drawingml/2006/main" xmlns:r="http://schemas.openxmlformats.org/officeDocument/2006/relationships" xmlns:p="http://schemas.openxmlformats.org/presentationml/2006/main">
+  <p:cSld>
+    <p:spTree>
+      <p:nvGrpSpPr>
+        <p:cNvPr id="1" name=""/>
+        <p:cNvGrpSpPr/>
+        <p:nvPr/>
+      </p:nvGrpSpPr>
+      <p:grpSpPr>
+        <a:xfrm>
+          <a:off x="0" y="0"/>
+          <a:ext cx="0" cy="0"/>
+          <a:chOff x="0" y="0"/>
+          <a:chExt cx="0" cy="0"/>
+        </a:xfrm>
+      </p:grpSpPr>
+      <p:sp>
+        <p:nvSpPr>
+          <p:cNvPr id="2" name="Title 1">
+            <a:extLst>
+              <a:ext uri="{FF2B5EF4-FFF2-40B4-BE49-F238E27FC236}">
+                <a16:creationId xmlns:a16="http://schemas.microsoft.com/office/drawing/2014/main" id="{27C4694A-3475-9BA5-7F1D-49C5AB902B11}"/>
+              </a:ext>
+            </a:extLst>
+          </p:cNvPr>
+          <p:cNvSpPr>
+            <a:spLocks noGrp="1"/>
+          </p:cNvSpPr>
+          <p:nvPr>
+            <p:ph type="title"/>
+          </p:nvPr>
+        </p:nvSpPr>
+        <p:spPr/>
+        <p:txBody>
+          <a:bodyPr/>
+          <a:lstStyle/>
+          <a:p>
+            <a:endParaRPr lang="fr-FR"/>
+          </a:p>
+        </p:txBody>
+      </p:sp>
+      <p:pic>
+        <p:nvPicPr>
+          <p:cNvPr id="5" name="Content Placeholder 4" descr="A picture containing clipart&#10;&#10;Description automatically generated">
+            <a:extLst>
+              <a:ext uri="{FF2B5EF4-FFF2-40B4-BE49-F238E27FC236}">
+                <a16:creationId xmlns:a16="http://schemas.microsoft.com/office/drawing/2014/main" id="{62C74379-BBB5-E4BA-DA43-AB54989F956F}"/>
+              </a:ext>
+            </a:extLst>
+          </p:cNvPr>
+          <p:cNvPicPr>
+            <a:picLocks noGrp="1" noChangeAspect="1"/>
+          </p:cNvPicPr>
+          <p:nvPr>
+            <p:ph idx="1"/>
+          </p:nvPr>
+        </p:nvPicPr>
+        <p:blipFill>
+          <a:blip r:embed="rId2">
+            <a:extLst>
+              <a:ext uri="{28A0092B-C50C-407E-A947-70E740481C1C}">
+                <a14:useLocalDpi xmlns:a14="http://schemas.microsoft.com/office/drawing/2010/main" val="0"/>
+              </a:ext>
+            </a:extLst>
+          </a:blip>
+          <a:stretch>
+            <a:fillRect/>
+          </a:stretch>
+        </p:blipFill>
+        <p:spPr>
+          <a:xfrm>
+            <a:off x="2728912" y="2320131"/>
+            <a:ext cx="6734175" cy="3362325"/>
+          </a:xfrm>
+        </p:spPr>
+      </p:pic>
+      <p:pic>
+        <p:nvPicPr>
+          <p:cNvPr id="7" name="Picture 6">
+            <a:extLst>
+              <a:ext uri="{FF2B5EF4-FFF2-40B4-BE49-F238E27FC236}">
+                <a16:creationId xmlns:a16="http://schemas.microsoft.com/office/drawing/2014/main" id="{DB6CCF82-B46F-7A69-4D02-EA4592E3BB2C}"/>
+              </a:ext>
+            </a:extLst>
+          </p:cNvPr>
+          <p:cNvPicPr>
+            <a:picLocks noChangeAspect="1"/>
+          </p:cNvPicPr>
+          <p:nvPr/>
+        </p:nvPicPr>
+        <p:blipFill>
+          <a:blip r:embed="rId3">
+            <a:extLst>
+              <a:ext uri="{28A0092B-C50C-407E-A947-70E740481C1C}">
+                <a14:useLocalDpi xmlns:a14="http://schemas.microsoft.com/office/drawing/2010/main" val="0"/>
+              </a:ext>
+            </a:extLst>
+          </a:blip>
+          <a:stretch>
+            <a:fillRect/>
+          </a:stretch>
+        </p:blipFill>
+        <p:spPr>
+          <a:xfrm>
+            <a:off x="1775520" y="-171400"/>
+            <a:ext cx="4762500" cy="4762500"/>
+          </a:xfrm>
+          <a:prstGeom prst="rect">
+            <a:avLst/>
+          </a:prstGeom>
+        </p:spPr>
+      </p:pic>
+    </p:spTree>
+    <p:extLst>
+      <p:ext uri="{BB962C8B-B14F-4D97-AF65-F5344CB8AC3E}">
+        <p14:creationId xmlns:p14="http://schemas.microsoft.com/office/powerpoint/2010/main" val="819084507"/>
+      </p:ext>
+    </p:extLst>
+  </p:cSld>
+  <p:clrMapOvr>
+    <a:masterClrMapping/>
+  </p:clrMapOvr>
+</p:sld>
+</file>
+
+<file path=ppt/slides/slide25.xml><?xml version="1.0" encoding="utf-8"?>
+<p:sld xmlns:a="http://schemas.openxmlformats.org/drawingml/2006/main" xmlns:r="http://schemas.openxmlformats.org/officeDocument/2006/relationships" xmlns:p="http://schemas.openxmlformats.org/presentationml/2006/main">
+  <p:cSld>
+    <p:bg>
+      <p:bgPr>
+        <a:solidFill>
+          <a:schemeClr val="bg1"/>
+        </a:solidFill>
+        <a:effectLst/>
+      </p:bgPr>
+    </p:bg>
+    <p:spTree>
+      <p:nvGrpSpPr>
+        <p:cNvPr id="1" name=""/>
+        <p:cNvGrpSpPr/>
+        <p:nvPr/>
+      </p:nvGrpSpPr>
+      <p:grpSpPr>
+        <a:xfrm>
+          <a:off x="0" y="0"/>
+          <a:ext cx="0" cy="0"/>
+          <a:chOff x="0" y="0"/>
+          <a:chExt cx="0" cy="0"/>
+        </a:xfrm>
+      </p:grpSpPr>
+      <p:sp>
+        <p:nvSpPr>
+          <p:cNvPr id="6" name="Rectangle 5">
+            <a:extLst>
+              <a:ext uri="{FF2B5EF4-FFF2-40B4-BE49-F238E27FC236}">
+                <a16:creationId xmlns:a16="http://schemas.microsoft.com/office/drawing/2014/main" id="{7DEBE8DA-E726-1682-ACA8-748EE214FF57}"/>
+              </a:ext>
+            </a:extLst>
+          </p:cNvPr>
+          <p:cNvSpPr/>
+          <p:nvPr/>
+        </p:nvSpPr>
+        <p:spPr>
+          <a:xfrm>
+            <a:off x="3431704" y="1268760"/>
+            <a:ext cx="5328592" cy="1944216"/>
+          </a:xfrm>
+          <a:prstGeom prst="rect">
+            <a:avLst/>
+          </a:prstGeom>
+          <a:noFill/>
+          <a:ln>
+            <a:noFill/>
+          </a:ln>
+        </p:spPr>
+        <p:style>
+          <a:lnRef idx="2">
+            <a:schemeClr val="accent1">
+              <a:shade val="50000"/>
+            </a:schemeClr>
+          </a:lnRef>
+          <a:fillRef idx="1">
+            <a:schemeClr val="accent1"/>
+          </a:fillRef>
+          <a:effectRef idx="0">
+            <a:schemeClr val="accent1"/>
+          </a:effectRef>
+          <a:fontRef idx="minor">
+            <a:schemeClr val="lt1"/>
+          </a:fontRef>
+        </p:style>
+        <p:txBody>
+          <a:bodyPr rtlCol="0" anchor="ctr"/>
+          <a:lstStyle/>
+          <a:p>
+            <a:pPr algn="ctr"/>
+            <a:endParaRPr lang="fr-FR"/>
+          </a:p>
+        </p:txBody>
+      </p:sp>
+      <p:cxnSp>
+        <p:nvCxnSpPr>
+          <p:cNvPr id="10" name="Straight Connector 9">
+            <a:extLst>
+              <a:ext uri="{FF2B5EF4-FFF2-40B4-BE49-F238E27FC236}">
+                <a16:creationId xmlns:a16="http://schemas.microsoft.com/office/drawing/2014/main" id="{99AE2756-0FC4-4155-83E7-58AAAB63E757}"/>
+              </a:ext>
+              <a:ext uri="{C183D7F6-B498-43B3-948B-1728B52AA6E4}">
+                <adec:decorative xmlns:adec="http://schemas.microsoft.com/office/drawing/2017/decorative" val="1"/>
+              </a:ext>
+            </a:extLst>
+          </p:cNvPr>
+          <p:cNvCxnSpPr>
+            <a:cxnSpLocks noGrp="1" noRot="1" noChangeAspect="1" noMove="1" noResize="1" noEditPoints="1" noAdjustHandles="1" noChangeArrowheads="1" noChangeShapeType="1"/>
+          </p:cNvCxnSpPr>
+          <p:nvPr>
+            <p:extLst>
+              <p:ext uri="{386F3935-93C4-4BCD-93E2-E3B085C9AB24}">
+                <p16:designElem xmlns:p16="http://schemas.microsoft.com/office/powerpoint/2015/main" val="1"/>
+              </p:ext>
+            </p:extLst>
+          </p:nvPr>
+        </p:nvCxnSpPr>
+        <p:spPr>
+          <a:xfrm>
+            <a:off x="4065689" y="477749"/>
+            <a:ext cx="0" cy="3657600"/>
+          </a:xfrm>
+          <a:prstGeom prst="line">
+            <a:avLst/>
+          </a:prstGeom>
+          <a:ln w="101600" cmpd="dbl">
+            <a:solidFill>
+              <a:srgbClr val="595959"/>
+            </a:solidFill>
+          </a:ln>
+        </p:spPr>
+        <p:style>
+          <a:lnRef idx="1">
+            <a:schemeClr val="accent1"/>
+          </a:lnRef>
+          <a:fillRef idx="0">
+            <a:schemeClr val="accent1"/>
+          </a:fillRef>
+          <a:effectRef idx="0">
+            <a:schemeClr val="accent1"/>
+          </a:effectRef>
+          <a:fontRef idx="minor">
+            <a:schemeClr val="tx1"/>
+          </a:fontRef>
+        </p:style>
+      </p:cxnSp>
+      <p:sp>
+        <p:nvSpPr>
+          <p:cNvPr id="12" name="Rectangle 11">
+            <a:extLst>
+              <a:ext uri="{FF2B5EF4-FFF2-40B4-BE49-F238E27FC236}">
+                <a16:creationId xmlns:a16="http://schemas.microsoft.com/office/drawing/2014/main" id="{247AB924-1B87-43FC-B7C7-B112D5C51A0E}"/>
+              </a:ext>
+              <a:ext uri="{C183D7F6-B498-43B3-948B-1728B52AA6E4}">
+                <adec:decorative xmlns:adec="http://schemas.microsoft.com/office/drawing/2017/decorative" val="1"/>
+              </a:ext>
+            </a:extLst>
+          </p:cNvPr>
+          <p:cNvSpPr>
+            <a:spLocks noGrp="1" noRot="1" noChangeAspect="1" noMove="1" noResize="1" noEditPoints="1" noAdjustHandles="1" noChangeArrowheads="1" noChangeShapeType="1" noTextEdit="1"/>
+          </p:cNvSpPr>
+          <p:nvPr>
+            <p:extLst>
+              <p:ext uri="{386F3935-93C4-4BCD-93E2-E3B085C9AB24}">
+                <p16:designElem xmlns:p16="http://schemas.microsoft.com/office/powerpoint/2015/main" val="1"/>
+              </p:ext>
+            </p:extLst>
+          </p:nvPr>
+        </p:nvSpPr>
+        <p:spPr bwMode="ltGray">
+          <a:xfrm>
+            <a:off x="378068" y="4633546"/>
+            <a:ext cx="11438793" cy="1844256"/>
+          </a:xfrm>
+          <a:prstGeom prst="rect">
+            <a:avLst/>
+          </a:prstGeom>
+          <a:solidFill>
+            <a:srgbClr val="404040"/>
+          </a:solidFill>
+          <a:ln w="127000" cap="sq" cmpd="thinThick">
+            <a:solidFill>
+              <a:srgbClr val="404040"/>
+            </a:solidFill>
+          </a:ln>
+        </p:spPr>
+        <p:style>
+          <a:lnRef idx="2">
+            <a:schemeClr val="accent1">
+              <a:shade val="50000"/>
+            </a:schemeClr>
+          </a:lnRef>
+          <a:fillRef idx="1">
+            <a:schemeClr val="accent1"/>
+          </a:fillRef>
+          <a:effectRef idx="0">
+            <a:schemeClr val="accent1"/>
+          </a:effectRef>
+          <a:fontRef idx="minor">
+            <a:schemeClr val="lt1"/>
+          </a:fontRef>
+        </p:style>
+        <p:txBody>
+          <a:bodyPr rtlCol="0" anchor="ctr"/>
+          <a:lstStyle/>
+          <a:p>
+            <a:pPr algn="ctr"/>
+            <a:endParaRPr lang="en-US"/>
+          </a:p>
+        </p:txBody>
+      </p:sp>
+      <p:sp>
+        <p:nvSpPr>
+          <p:cNvPr id="2" name="Title 1">
+            <a:extLst>
+              <a:ext uri="{FF2B5EF4-FFF2-40B4-BE49-F238E27FC236}">
+                <a16:creationId xmlns:a16="http://schemas.microsoft.com/office/drawing/2014/main" id="{27C4694A-3475-9BA5-7F1D-49C5AB902B11}"/>
+              </a:ext>
+            </a:extLst>
+          </p:cNvPr>
+          <p:cNvSpPr>
+            <a:spLocks noGrp="1"/>
+          </p:cNvSpPr>
+          <p:nvPr>
+            <p:ph type="title"/>
+          </p:nvPr>
+        </p:nvSpPr>
+        <p:spPr>
+          <a:xfrm>
+            <a:off x="527538" y="4756638"/>
+            <a:ext cx="11139854" cy="930447"/>
+          </a:xfrm>
+        </p:spPr>
+        <p:txBody>
+          <a:bodyPr vert="horz" lIns="91440" tIns="45720" rIns="91440" bIns="45720" rtlCol="0" anchor="b">
+            <a:normAutofit/>
+          </a:bodyPr>
+          <a:lstStyle/>
+          <a:p>
+            <a:pPr algn="ctr"/>
+            <a:endParaRPr lang="en-US" sz="5400">
+              <a:solidFill>
+                <a:srgbClr val="FFFFFF"/>
+              </a:solidFill>
+            </a:endParaRPr>
+          </a:p>
+        </p:txBody>
+      </p:sp>
+      <p:pic>
+        <p:nvPicPr>
+          <p:cNvPr id="3" name="Picture 2">
+            <a:extLst>
+              <a:ext uri="{FF2B5EF4-FFF2-40B4-BE49-F238E27FC236}">
+                <a16:creationId xmlns:a16="http://schemas.microsoft.com/office/drawing/2014/main" id="{6009E9BB-D3C3-B9BA-A49B-582B44E74085}"/>
+              </a:ext>
+            </a:extLst>
+          </p:cNvPr>
+          <p:cNvPicPr>
+            <a:picLocks noChangeAspect="1"/>
+          </p:cNvPicPr>
+          <p:nvPr/>
+        </p:nvPicPr>
+        <p:blipFill rotWithShape="1">
+          <a:blip r:embed="rId2">
+            <a:extLst>
+              <a:ext uri="{28A0092B-C50C-407E-A947-70E740481C1C}">
+                <a14:useLocalDpi xmlns:a14="http://schemas.microsoft.com/office/drawing/2010/main" val="0"/>
+              </a:ext>
+            </a:extLst>
+          </a:blip>
+          <a:srcRect r="74456" b="71097"/>
+          <a:stretch/>
+        </p:blipFill>
+        <p:spPr>
+          <a:xfrm rot="5400000">
+            <a:off x="375325" y="737518"/>
+            <a:ext cx="840853" cy="951425"/>
+          </a:xfrm>
+          <a:prstGeom prst="rect">
+            <a:avLst/>
+          </a:prstGeom>
+        </p:spPr>
+      </p:pic>
+      <p:pic>
+        <p:nvPicPr>
+          <p:cNvPr id="5" name="Content Placeholder 4" descr="A picture containing clipart&#10;&#10;Description automatically generated">
+            <a:extLst>
+              <a:ext uri="{FF2B5EF4-FFF2-40B4-BE49-F238E27FC236}">
+                <a16:creationId xmlns:a16="http://schemas.microsoft.com/office/drawing/2014/main" id="{62C74379-BBB5-E4BA-DA43-AB54989F956F}"/>
+              </a:ext>
+            </a:extLst>
+          </p:cNvPr>
+          <p:cNvPicPr>
+            <a:picLocks noGrp="1" noChangeAspect="1"/>
+          </p:cNvPicPr>
+          <p:nvPr>
+            <p:ph idx="1"/>
+          </p:nvPr>
+        </p:nvPicPr>
+        <p:blipFill rotWithShape="1">
+          <a:blip r:embed="rId3">
+            <a:extLst>
+              <a:ext uri="{28A0092B-C50C-407E-A947-70E740481C1C}">
+                <a14:useLocalDpi xmlns:a14="http://schemas.microsoft.com/office/drawing/2010/main" val="0"/>
+              </a:ext>
+            </a:extLst>
+          </a:blip>
+          <a:srcRect r="49215"/>
+          <a:stretch/>
+        </p:blipFill>
+        <p:spPr>
+          <a:xfrm>
+            <a:off x="407368" y="1700808"/>
+            <a:ext cx="804524" cy="792088"/>
+          </a:xfrm>
+          <a:prstGeom prst="rect">
+            <a:avLst/>
+          </a:prstGeom>
+        </p:spPr>
+      </p:pic>
+      <p:cxnSp>
+        <p:nvCxnSpPr>
+          <p:cNvPr id="14" name="Straight Connector 13">
+            <a:extLst>
+              <a:ext uri="{FF2B5EF4-FFF2-40B4-BE49-F238E27FC236}">
+                <a16:creationId xmlns:a16="http://schemas.microsoft.com/office/drawing/2014/main" id="{818DC98F-4057-4645-B948-F604F39A9CFE}"/>
+              </a:ext>
+              <a:ext uri="{C183D7F6-B498-43B3-948B-1728B52AA6E4}">
+                <adec:decorative xmlns:adec="http://schemas.microsoft.com/office/drawing/2017/decorative" val="1"/>
+              </a:ext>
+            </a:extLst>
+          </p:cNvPr>
+          <p:cNvCxnSpPr>
+            <a:cxnSpLocks noGrp="1" noRot="1" noChangeAspect="1" noMove="1" noResize="1" noEditPoints="1" noAdjustHandles="1" noChangeArrowheads="1" noChangeShapeType="1"/>
+          </p:cNvCxnSpPr>
+          <p:nvPr>
+            <p:extLst>
+              <p:ext uri="{386F3935-93C4-4BCD-93E2-E3B085C9AB24}">
+                <p16:designElem xmlns:p16="http://schemas.microsoft.com/office/powerpoint/2015/main" val="1"/>
+              </p:ext>
+            </p:extLst>
+          </p:nvPr>
+        </p:nvCxnSpPr>
+        <p:spPr>
+          <a:xfrm>
+            <a:off x="8153400" y="477749"/>
+            <a:ext cx="0" cy="3657600"/>
+          </a:xfrm>
+          <a:prstGeom prst="line">
+            <a:avLst/>
+          </a:prstGeom>
+          <a:ln w="101600" cmpd="dbl">
+            <a:solidFill>
+              <a:srgbClr val="595959"/>
+            </a:solidFill>
+          </a:ln>
+        </p:spPr>
+        <p:style>
+          <a:lnRef idx="1">
+            <a:schemeClr val="accent1"/>
+          </a:lnRef>
+          <a:fillRef idx="0">
+            <a:schemeClr val="accent1"/>
+          </a:fillRef>
+          <a:effectRef idx="0">
+            <a:schemeClr val="accent1"/>
+          </a:effectRef>
+          <a:fontRef idx="minor">
+            <a:schemeClr val="tx1"/>
+          </a:fontRef>
+        </p:style>
+      </p:cxnSp>
+      <p:pic>
+        <p:nvPicPr>
+          <p:cNvPr id="4" name="Picture 3" descr="Chart&#10;&#10;Description automatically generated">
+            <a:extLst>
+              <a:ext uri="{FF2B5EF4-FFF2-40B4-BE49-F238E27FC236}">
+                <a16:creationId xmlns:a16="http://schemas.microsoft.com/office/drawing/2014/main" id="{449DCAF1-41E7-438C-44CF-E96BC09271F8}"/>
+              </a:ext>
+            </a:extLst>
+          </p:cNvPr>
+          <p:cNvPicPr>
+            <a:picLocks noChangeAspect="1" noChangeArrowheads="1"/>
+          </p:cNvPicPr>
+          <p:nvPr/>
+        </p:nvPicPr>
+        <p:blipFill>
+          <a:blip r:embed="rId4">
+            <a:extLst>
+              <a:ext uri="{28A0092B-C50C-407E-A947-70E740481C1C}">
+                <a14:useLocalDpi xmlns:a14="http://schemas.microsoft.com/office/drawing/2010/main" val="0"/>
+              </a:ext>
+            </a:extLst>
+          </a:blip>
+          <a:stretch>
+            <a:fillRect/>
+          </a:stretch>
+        </p:blipFill>
+        <p:spPr bwMode="auto">
+          <a:xfrm rot="5400000">
+            <a:off x="396594" y="2503671"/>
+            <a:ext cx="957652" cy="936104"/>
+          </a:xfrm>
+          <a:prstGeom prst="rect">
+            <a:avLst/>
+          </a:prstGeom>
+          <a:noFill/>
+          <a:extLst>
+            <a:ext uri="{909E8E84-426E-40DD-AFC4-6F175D3DCCD1}">
+              <a14:hiddenFill xmlns:a14="http://schemas.microsoft.com/office/drawing/2010/main">
+                <a:solidFill>
+                  <a:srgbClr val="FFFFFF"/>
+                </a:solidFill>
+              </a14:hiddenFill>
+            </a:ext>
+          </a:extLst>
+        </p:spPr>
+      </p:pic>
+      <p:cxnSp>
+        <p:nvCxnSpPr>
+          <p:cNvPr id="16" name="Straight Connector 15">
+            <a:extLst>
+              <a:ext uri="{FF2B5EF4-FFF2-40B4-BE49-F238E27FC236}">
+                <a16:creationId xmlns:a16="http://schemas.microsoft.com/office/drawing/2014/main" id="{DAD2B705-4A9B-408D-AA80-4F41045E09DE}"/>
+              </a:ext>
+              <a:ext uri="{C183D7F6-B498-43B3-948B-1728B52AA6E4}">
+                <adec:decorative xmlns:adec="http://schemas.microsoft.com/office/drawing/2017/decorative" val="1"/>
+              </a:ext>
+            </a:extLst>
+          </p:cNvPr>
+          <p:cNvCxnSpPr>
+            <a:cxnSpLocks noGrp="1" noRot="1" noChangeAspect="1" noMove="1" noResize="1" noEditPoints="1" noAdjustHandles="1" noChangeArrowheads="1" noChangeShapeType="1"/>
+          </p:cNvCxnSpPr>
+          <p:nvPr>
+            <p:extLst>
+              <p:ext uri="{386F3935-93C4-4BCD-93E2-E3B085C9AB24}">
+                <p16:designElem xmlns:p16="http://schemas.microsoft.com/office/powerpoint/2015/main" val="1"/>
+              </p:ext>
+            </p:extLst>
+          </p:nvPr>
+        </p:nvCxnSpPr>
+        <p:spPr>
+          <a:xfrm>
+            <a:off x="2209800" y="5738691"/>
+            <a:ext cx="7772400" cy="0"/>
+          </a:xfrm>
+          <a:prstGeom prst="line">
+            <a:avLst/>
+          </a:prstGeom>
+          <a:ln w="22225">
+            <a:solidFill>
+              <a:srgbClr val="D9D9D9"/>
+            </a:solidFill>
+          </a:ln>
+        </p:spPr>
+        <p:style>
+          <a:lnRef idx="1">
+            <a:schemeClr val="accent1"/>
+          </a:lnRef>
+          <a:fillRef idx="0">
+            <a:schemeClr val="accent1"/>
+          </a:fillRef>
+          <a:effectRef idx="0">
+            <a:schemeClr val="accent1"/>
+          </a:effectRef>
+          <a:fontRef idx="minor">
+            <a:schemeClr val="tx1"/>
+          </a:fontRef>
+        </p:style>
+      </p:cxnSp>
+    </p:spTree>
+    <p:extLst>
+      <p:ext uri="{BB962C8B-B14F-4D97-AF65-F5344CB8AC3E}">
+        <p14:creationId xmlns:p14="http://schemas.microsoft.com/office/powerpoint/2010/main" val="3354638903"/>
       </p:ext>
     </p:extLst>
   </p:cSld>
@@ -14833,6 +16709,68 @@
           </a:extLst>
         </p:spPr>
       </p:pic>
+      <p:sp>
+        <p:nvSpPr>
+          <p:cNvPr id="2" name="ZoneTexte 3">
+            <a:extLst>
+              <a:ext uri="{FF2B5EF4-FFF2-40B4-BE49-F238E27FC236}">
+                <a16:creationId xmlns:a16="http://schemas.microsoft.com/office/drawing/2014/main" id="{F843581F-C18D-EBE8-1FA8-03A855663C26}"/>
+              </a:ext>
+            </a:extLst>
+          </p:cNvPr>
+          <p:cNvSpPr txBox="1"/>
+          <p:nvPr/>
+        </p:nvSpPr>
+        <p:spPr>
+          <a:xfrm>
+            <a:off x="3863752" y="1412776"/>
+            <a:ext cx="2160239" cy="923330"/>
+          </a:xfrm>
+          <a:prstGeom prst="rect">
+            <a:avLst/>
+          </a:prstGeom>
+          <a:noFill/>
+        </p:spPr>
+        <p:txBody>
+          <a:bodyPr wrap="square" rtlCol="0">
+            <a:spAutoFit/>
+          </a:bodyPr>
+          <a:lstStyle/>
+          <a:p>
+            <a:r>
+              <a:rPr lang="fr-FR" sz="5400" dirty="0">
+                <a:gradFill flip="none" rotWithShape="1">
+                  <a:gsLst>
+                    <a:gs pos="0">
+                      <a:srgbClr val="56A7A7">
+                        <a:shade val="30000"/>
+                        <a:satMod val="115000"/>
+                      </a:srgbClr>
+                    </a:gs>
+                    <a:gs pos="50000">
+                      <a:srgbClr val="56A7A7">
+                        <a:shade val="67500"/>
+                        <a:satMod val="115000"/>
+                      </a:srgbClr>
+                    </a:gs>
+                    <a:gs pos="100000">
+                      <a:srgbClr val="56A7A7">
+                        <a:shade val="100000"/>
+                        <a:satMod val="115000"/>
+                      </a:srgbClr>
+                    </a:gs>
+                  </a:gsLst>
+                  <a:lin ang="18900000" scaled="1"/>
+                  <a:tileRect/>
+                </a:gradFill>
+                <a:latin typeface="RetroBoundmini" panose="02000603000000000000" pitchFamily="2" charset="0"/>
+                <a:ea typeface="RetroBoundmini" panose="02000603000000000000" pitchFamily="2" charset="0"/>
+              </a:rPr>
+              <a:t>SHOP</a:t>
+            </a:r>
+          </a:p>
+        </p:txBody>
+      </p:sp>
     </p:spTree>
     <p:extLst>
       <p:ext uri="{BB962C8B-B14F-4D97-AF65-F5344CB8AC3E}">

--- a/Sprite/assets.pptx
+++ b/Sprite/assets.pptx
@@ -150,7 +150,7 @@
 <file path=ppt/revisionInfo.xml><?xml version="1.0" encoding="utf-8"?>
 <p1510:revInfo xmlns:a="http://schemas.openxmlformats.org/drawingml/2006/main" xmlns:r="http://schemas.openxmlformats.org/officeDocument/2006/relationships" xmlns:p1510="http://schemas.microsoft.com/office/powerpoint/2015/10/main">
   <p1510:revLst>
-    <p1510:client id="{0399D419-9F62-4D32-B4D6-785E03637ADB}" v="113" dt="2023-01-20T14:31:02.284"/>
+    <p1510:client id="{0399D419-9F62-4D32-B4D6-785E03637ADB}" v="119" dt="2023-01-20T15:55:13.467"/>
   </p1510:revLst>
 </p1510:revInfo>
 </file>
@@ -1841,6 +1841,958 @@
     </pc:docChg>
   </pc:docChgLst>
   <pc:docChgLst>
+    <pc:chgData name="Marine BAYET" userId="d4b4ad781415c63a" providerId="LiveId" clId="{0399D419-9F62-4D32-B4D6-785E03637ADB}"/>
+    <pc:docChg chg="undo custSel addSld delSld modSld">
+      <pc:chgData name="Marine BAYET" userId="d4b4ad781415c63a" providerId="LiveId" clId="{0399D419-9F62-4D32-B4D6-785E03637ADB}" dt="2023-01-20T15:55:26.549" v="415" actId="1076"/>
+      <pc:docMkLst>
+        <pc:docMk/>
+      </pc:docMkLst>
+      <pc:sldChg chg="addSp modSp mod">
+        <pc:chgData name="Marine BAYET" userId="d4b4ad781415c63a" providerId="LiveId" clId="{0399D419-9F62-4D32-B4D6-785E03637ADB}" dt="2023-01-20T13:22:01.549" v="303" actId="20577"/>
+        <pc:sldMkLst>
+          <pc:docMk/>
+          <pc:sldMk cId="1719639563" sldId="259"/>
+        </pc:sldMkLst>
+        <pc:spChg chg="add mod">
+          <ac:chgData name="Marine BAYET" userId="d4b4ad781415c63a" providerId="LiveId" clId="{0399D419-9F62-4D32-B4D6-785E03637ADB}" dt="2023-01-20T13:22:01.549" v="303" actId="20577"/>
+          <ac:spMkLst>
+            <pc:docMk/>
+            <pc:sldMk cId="1719639563" sldId="259"/>
+            <ac:spMk id="2" creationId="{F843581F-C18D-EBE8-1FA8-03A855663C26}"/>
+          </ac:spMkLst>
+        </pc:spChg>
+      </pc:sldChg>
+      <pc:sldChg chg="addSp delSp modSp mod">
+        <pc:chgData name="Marine BAYET" userId="d4b4ad781415c63a" providerId="LiveId" clId="{0399D419-9F62-4D32-B4D6-785E03637ADB}" dt="2023-01-14T14:25:00.945" v="166" actId="164"/>
+        <pc:sldMkLst>
+          <pc:docMk/>
+          <pc:sldMk cId="4180376292" sldId="270"/>
+        </pc:sldMkLst>
+        <pc:spChg chg="add mod">
+          <ac:chgData name="Marine BAYET" userId="d4b4ad781415c63a" providerId="LiveId" clId="{0399D419-9F62-4D32-B4D6-785E03637ADB}" dt="2023-01-14T14:22:31.927" v="153" actId="164"/>
+          <ac:spMkLst>
+            <pc:docMk/>
+            <pc:sldMk cId="4180376292" sldId="270"/>
+            <ac:spMk id="2" creationId="{B701401A-39E0-AA96-C055-6A55DCDA14A4}"/>
+          </ac:spMkLst>
+        </pc:spChg>
+        <pc:spChg chg="add mod ord">
+          <ac:chgData name="Marine BAYET" userId="d4b4ad781415c63a" providerId="LiveId" clId="{0399D419-9F62-4D32-B4D6-785E03637ADB}" dt="2023-01-14T14:22:55.177" v="155" actId="164"/>
+          <ac:spMkLst>
+            <pc:docMk/>
+            <pc:sldMk cId="4180376292" sldId="270"/>
+            <ac:spMk id="38" creationId="{6F927A24-A113-E9B7-59EA-682CCDC1A3CD}"/>
+          </ac:spMkLst>
+        </pc:spChg>
+        <pc:spChg chg="add mod ord">
+          <ac:chgData name="Marine BAYET" userId="d4b4ad781415c63a" providerId="LiveId" clId="{0399D419-9F62-4D32-B4D6-785E03637ADB}" dt="2023-01-14T14:23:53.371" v="158" actId="164"/>
+          <ac:spMkLst>
+            <pc:docMk/>
+            <pc:sldMk cId="4180376292" sldId="270"/>
+            <ac:spMk id="41" creationId="{FFE4059A-4686-5960-F913-0C0C36B0CF59}"/>
+          </ac:spMkLst>
+        </pc:spChg>
+        <pc:spChg chg="add mod ord">
+          <ac:chgData name="Marine BAYET" userId="d4b4ad781415c63a" providerId="LiveId" clId="{0399D419-9F62-4D32-B4D6-785E03637ADB}" dt="2023-01-14T14:24:15.516" v="160" actId="164"/>
+          <ac:spMkLst>
+            <pc:docMk/>
+            <pc:sldMk cId="4180376292" sldId="270"/>
+            <ac:spMk id="43" creationId="{B7567EE3-B6D0-075B-36EC-C9640B2362AD}"/>
+          </ac:spMkLst>
+        </pc:spChg>
+        <pc:spChg chg="add mod ord">
+          <ac:chgData name="Marine BAYET" userId="d4b4ad781415c63a" providerId="LiveId" clId="{0399D419-9F62-4D32-B4D6-785E03637ADB}" dt="2023-01-14T14:24:24.933" v="162" actId="164"/>
+          <ac:spMkLst>
+            <pc:docMk/>
+            <pc:sldMk cId="4180376292" sldId="270"/>
+            <ac:spMk id="45" creationId="{71A878E6-3488-8B75-0D0A-7071691997EB}"/>
+          </ac:spMkLst>
+        </pc:spChg>
+        <pc:spChg chg="add mod ord">
+          <ac:chgData name="Marine BAYET" userId="d4b4ad781415c63a" providerId="LiveId" clId="{0399D419-9F62-4D32-B4D6-785E03637ADB}" dt="2023-01-14T14:24:40.581" v="164" actId="164"/>
+          <ac:spMkLst>
+            <pc:docMk/>
+            <pc:sldMk cId="4180376292" sldId="270"/>
+            <ac:spMk id="47" creationId="{D70A2D3C-5BCB-3F4B-30D5-338701A70232}"/>
+          </ac:spMkLst>
+        </pc:spChg>
+        <pc:spChg chg="add mod">
+          <ac:chgData name="Marine BAYET" userId="d4b4ad781415c63a" providerId="LiveId" clId="{0399D419-9F62-4D32-B4D6-785E03637ADB}" dt="2023-01-14T14:24:49.850" v="165" actId="164"/>
+          <ac:spMkLst>
+            <pc:docMk/>
+            <pc:sldMk cId="4180376292" sldId="270"/>
+            <ac:spMk id="49" creationId="{321CE86D-E1B9-2C93-BC4B-EE3667654F29}"/>
+          </ac:spMkLst>
+        </pc:spChg>
+        <pc:spChg chg="add mod">
+          <ac:chgData name="Marine BAYET" userId="d4b4ad781415c63a" providerId="LiveId" clId="{0399D419-9F62-4D32-B4D6-785E03637ADB}" dt="2023-01-14T14:25:00.945" v="166" actId="164"/>
+          <ac:spMkLst>
+            <pc:docMk/>
+            <pc:sldMk cId="4180376292" sldId="270"/>
+            <ac:spMk id="51" creationId="{C428E198-C6CF-16C7-DBEC-B9C8AB17BA8E}"/>
+          </ac:spMkLst>
+        </pc:spChg>
+        <pc:grpChg chg="add del mod">
+          <ac:chgData name="Marine BAYET" userId="d4b4ad781415c63a" providerId="LiveId" clId="{0399D419-9F62-4D32-B4D6-785E03637ADB}" dt="2023-01-14T14:16:00.577" v="30" actId="165"/>
+          <ac:grpSpMkLst>
+            <pc:docMk/>
+            <pc:sldMk cId="4180376292" sldId="270"/>
+            <ac:grpSpMk id="29" creationId="{581020EF-BBA6-BD97-10D2-D533AC7A610F}"/>
+          </ac:grpSpMkLst>
+        </pc:grpChg>
+        <pc:grpChg chg="del">
+          <ac:chgData name="Marine BAYET" userId="d4b4ad781415c63a" providerId="LiveId" clId="{0399D419-9F62-4D32-B4D6-785E03637ADB}" dt="2023-01-14T14:16:07.447" v="31" actId="165"/>
+          <ac:grpSpMkLst>
+            <pc:docMk/>
+            <pc:sldMk cId="4180376292" sldId="270"/>
+            <ac:grpSpMk id="30" creationId="{8BBE405A-A6C9-563D-2CAD-A393342BAC32}"/>
+          </ac:grpSpMkLst>
+        </pc:grpChg>
+        <pc:grpChg chg="del">
+          <ac:chgData name="Marine BAYET" userId="d4b4ad781415c63a" providerId="LiveId" clId="{0399D419-9F62-4D32-B4D6-785E03637ADB}" dt="2023-01-14T14:16:07.447" v="31" actId="165"/>
+          <ac:grpSpMkLst>
+            <pc:docMk/>
+            <pc:sldMk cId="4180376292" sldId="270"/>
+            <ac:grpSpMk id="31" creationId="{4E5A7E7E-0215-E478-0D96-8DF34C3FA399}"/>
+          </ac:grpSpMkLst>
+        </pc:grpChg>
+        <pc:grpChg chg="del">
+          <ac:chgData name="Marine BAYET" userId="d4b4ad781415c63a" providerId="LiveId" clId="{0399D419-9F62-4D32-B4D6-785E03637ADB}" dt="2023-01-14T14:16:07.447" v="31" actId="165"/>
+          <ac:grpSpMkLst>
+            <pc:docMk/>
+            <pc:sldMk cId="4180376292" sldId="270"/>
+            <ac:grpSpMk id="33" creationId="{694CD2DD-6FC1-368D-9584-ACF81D6959E6}"/>
+          </ac:grpSpMkLst>
+        </pc:grpChg>
+        <pc:grpChg chg="del">
+          <ac:chgData name="Marine BAYET" userId="d4b4ad781415c63a" providerId="LiveId" clId="{0399D419-9F62-4D32-B4D6-785E03637ADB}" dt="2023-01-14T14:16:07.447" v="31" actId="165"/>
+          <ac:grpSpMkLst>
+            <pc:docMk/>
+            <pc:sldMk cId="4180376292" sldId="270"/>
+            <ac:grpSpMk id="34" creationId="{84C3A43D-2C06-EF1D-C6B9-F068D39B4091}"/>
+          </ac:grpSpMkLst>
+        </pc:grpChg>
+        <pc:grpChg chg="del">
+          <ac:chgData name="Marine BAYET" userId="d4b4ad781415c63a" providerId="LiveId" clId="{0399D419-9F62-4D32-B4D6-785E03637ADB}" dt="2023-01-14T14:16:07.447" v="31" actId="165"/>
+          <ac:grpSpMkLst>
+            <pc:docMk/>
+            <pc:sldMk cId="4180376292" sldId="270"/>
+            <ac:grpSpMk id="35" creationId="{ADD7F4EA-3DEA-4BE0-B113-ED678E62DFB6}"/>
+          </ac:grpSpMkLst>
+        </pc:grpChg>
+        <pc:grpChg chg="add mod">
+          <ac:chgData name="Marine BAYET" userId="d4b4ad781415c63a" providerId="LiveId" clId="{0399D419-9F62-4D32-B4D6-785E03637ADB}" dt="2023-01-14T14:22:31.927" v="153" actId="164"/>
+          <ac:grpSpMkLst>
+            <pc:docMk/>
+            <pc:sldMk cId="4180376292" sldId="270"/>
+            <ac:grpSpMk id="53" creationId="{102ABEE5-4B0B-EB4C-4EEA-C5BC629CC960}"/>
+          </ac:grpSpMkLst>
+        </pc:grpChg>
+        <pc:grpChg chg="add mod">
+          <ac:chgData name="Marine BAYET" userId="d4b4ad781415c63a" providerId="LiveId" clId="{0399D419-9F62-4D32-B4D6-785E03637ADB}" dt="2023-01-14T14:22:55.177" v="155" actId="164"/>
+          <ac:grpSpMkLst>
+            <pc:docMk/>
+            <pc:sldMk cId="4180376292" sldId="270"/>
+            <ac:grpSpMk id="54" creationId="{8FFAB02E-D7B9-0AAE-C418-1EC7D91614A7}"/>
+          </ac:grpSpMkLst>
+        </pc:grpChg>
+        <pc:grpChg chg="add mod">
+          <ac:chgData name="Marine BAYET" userId="d4b4ad781415c63a" providerId="LiveId" clId="{0399D419-9F62-4D32-B4D6-785E03637ADB}" dt="2023-01-14T14:23:53.371" v="158" actId="164"/>
+          <ac:grpSpMkLst>
+            <pc:docMk/>
+            <pc:sldMk cId="4180376292" sldId="270"/>
+            <ac:grpSpMk id="55" creationId="{15B3F44C-87E0-BD02-83A1-179BC92C2D06}"/>
+          </ac:grpSpMkLst>
+        </pc:grpChg>
+        <pc:grpChg chg="add mod">
+          <ac:chgData name="Marine BAYET" userId="d4b4ad781415c63a" providerId="LiveId" clId="{0399D419-9F62-4D32-B4D6-785E03637ADB}" dt="2023-01-14T14:24:15.516" v="160" actId="164"/>
+          <ac:grpSpMkLst>
+            <pc:docMk/>
+            <pc:sldMk cId="4180376292" sldId="270"/>
+            <ac:grpSpMk id="56" creationId="{093D39C7-48B8-7A2D-AC22-BB73AC0B21F5}"/>
+          </ac:grpSpMkLst>
+        </pc:grpChg>
+        <pc:grpChg chg="add mod">
+          <ac:chgData name="Marine BAYET" userId="d4b4ad781415c63a" providerId="LiveId" clId="{0399D419-9F62-4D32-B4D6-785E03637ADB}" dt="2023-01-14T14:24:24.933" v="162" actId="164"/>
+          <ac:grpSpMkLst>
+            <pc:docMk/>
+            <pc:sldMk cId="4180376292" sldId="270"/>
+            <ac:grpSpMk id="57" creationId="{E6C3B5CB-5202-5326-52E0-3ACCD151D713}"/>
+          </ac:grpSpMkLst>
+        </pc:grpChg>
+        <pc:grpChg chg="add mod">
+          <ac:chgData name="Marine BAYET" userId="d4b4ad781415c63a" providerId="LiveId" clId="{0399D419-9F62-4D32-B4D6-785E03637ADB}" dt="2023-01-14T14:24:40.581" v="164" actId="164"/>
+          <ac:grpSpMkLst>
+            <pc:docMk/>
+            <pc:sldMk cId="4180376292" sldId="270"/>
+            <ac:grpSpMk id="58" creationId="{511DC13A-D86D-C3A5-3EBE-3571AF2BC9CB}"/>
+          </ac:grpSpMkLst>
+        </pc:grpChg>
+        <pc:grpChg chg="add mod">
+          <ac:chgData name="Marine BAYET" userId="d4b4ad781415c63a" providerId="LiveId" clId="{0399D419-9F62-4D32-B4D6-785E03637ADB}" dt="2023-01-14T14:24:49.850" v="165" actId="164"/>
+          <ac:grpSpMkLst>
+            <pc:docMk/>
+            <pc:sldMk cId="4180376292" sldId="270"/>
+            <ac:grpSpMk id="59" creationId="{38F2E2EB-A669-4782-B05C-337A968D6A33}"/>
+          </ac:grpSpMkLst>
+        </pc:grpChg>
+        <pc:grpChg chg="add mod">
+          <ac:chgData name="Marine BAYET" userId="d4b4ad781415c63a" providerId="LiveId" clId="{0399D419-9F62-4D32-B4D6-785E03637ADB}" dt="2023-01-14T14:25:00.945" v="166" actId="164"/>
+          <ac:grpSpMkLst>
+            <pc:docMk/>
+            <pc:sldMk cId="4180376292" sldId="270"/>
+            <ac:grpSpMk id="60" creationId="{A8F4ABCE-0B69-5976-6F1A-EE189AD9E69F}"/>
+          </ac:grpSpMkLst>
+        </pc:grpChg>
+        <pc:picChg chg="add del mod topLvl">
+          <ac:chgData name="Marine BAYET" userId="d4b4ad781415c63a" providerId="LiveId" clId="{0399D419-9F62-4D32-B4D6-785E03637ADB}" dt="2023-01-14T14:22:31.927" v="153" actId="164"/>
+          <ac:picMkLst>
+            <pc:docMk/>
+            <pc:sldMk cId="4180376292" sldId="270"/>
+            <ac:picMk id="14" creationId="{B21D91EA-9601-5593-3EA1-1DD4863970C5}"/>
+          </ac:picMkLst>
+        </pc:picChg>
+        <pc:picChg chg="add del mod topLvl">
+          <ac:chgData name="Marine BAYET" userId="d4b4ad781415c63a" providerId="LiveId" clId="{0399D419-9F62-4D32-B4D6-785E03637ADB}" dt="2023-01-14T14:22:55.177" v="155" actId="164"/>
+          <ac:picMkLst>
+            <pc:docMk/>
+            <pc:sldMk cId="4180376292" sldId="270"/>
+            <ac:picMk id="15" creationId="{31F6879F-4A00-0082-32E2-25453464D6A6}"/>
+          </ac:picMkLst>
+        </pc:picChg>
+        <pc:picChg chg="mod topLvl">
+          <ac:chgData name="Marine BAYET" userId="d4b4ad781415c63a" providerId="LiveId" clId="{0399D419-9F62-4D32-B4D6-785E03637ADB}" dt="2023-01-14T14:23:53.371" v="158" actId="164"/>
+          <ac:picMkLst>
+            <pc:docMk/>
+            <pc:sldMk cId="4180376292" sldId="270"/>
+            <ac:picMk id="16" creationId="{AA509538-315A-F877-A4C0-B85B878D61E3}"/>
+          </ac:picMkLst>
+        </pc:picChg>
+        <pc:picChg chg="mod">
+          <ac:chgData name="Marine BAYET" userId="d4b4ad781415c63a" providerId="LiveId" clId="{0399D419-9F62-4D32-B4D6-785E03637ADB}" dt="2023-01-14T14:24:15.516" v="160" actId="164"/>
+          <ac:picMkLst>
+            <pc:docMk/>
+            <pc:sldMk cId="4180376292" sldId="270"/>
+            <ac:picMk id="17" creationId="{DC648DDC-A70F-FF61-2A6E-2745C7CC9C0D}"/>
+          </ac:picMkLst>
+        </pc:picChg>
+        <pc:picChg chg="mod topLvl">
+          <ac:chgData name="Marine BAYET" userId="d4b4ad781415c63a" providerId="LiveId" clId="{0399D419-9F62-4D32-B4D6-785E03637ADB}" dt="2023-01-14T14:24:24.933" v="162" actId="164"/>
+          <ac:picMkLst>
+            <pc:docMk/>
+            <pc:sldMk cId="4180376292" sldId="270"/>
+            <ac:picMk id="18" creationId="{FFD0E026-2C63-A2C7-D5CD-A0EF7F3897CD}"/>
+          </ac:picMkLst>
+        </pc:picChg>
+        <pc:picChg chg="mod topLvl">
+          <ac:chgData name="Marine BAYET" userId="d4b4ad781415c63a" providerId="LiveId" clId="{0399D419-9F62-4D32-B4D6-785E03637ADB}" dt="2023-01-14T14:24:40.581" v="164" actId="164"/>
+          <ac:picMkLst>
+            <pc:docMk/>
+            <pc:sldMk cId="4180376292" sldId="270"/>
+            <ac:picMk id="19" creationId="{58CC56AD-B1C6-532B-59E3-7CF84A3991A1}"/>
+          </ac:picMkLst>
+        </pc:picChg>
+        <pc:picChg chg="mod topLvl">
+          <ac:chgData name="Marine BAYET" userId="d4b4ad781415c63a" providerId="LiveId" clId="{0399D419-9F62-4D32-B4D6-785E03637ADB}" dt="2023-01-14T14:24:49.850" v="165" actId="164"/>
+          <ac:picMkLst>
+            <pc:docMk/>
+            <pc:sldMk cId="4180376292" sldId="270"/>
+            <ac:picMk id="20" creationId="{1E273A9D-0234-FC59-0635-3CB19CF4DB4D}"/>
+          </ac:picMkLst>
+        </pc:picChg>
+        <pc:picChg chg="mod">
+          <ac:chgData name="Marine BAYET" userId="d4b4ad781415c63a" providerId="LiveId" clId="{0399D419-9F62-4D32-B4D6-785E03637ADB}" dt="2023-01-14T14:25:00.945" v="166" actId="164"/>
+          <ac:picMkLst>
+            <pc:docMk/>
+            <pc:sldMk cId="4180376292" sldId="270"/>
+            <ac:picMk id="21" creationId="{5DA0DC77-42E9-AB31-77B0-F66DA56A154A}"/>
+          </ac:picMkLst>
+        </pc:picChg>
+        <pc:picChg chg="del mod topLvl">
+          <ac:chgData name="Marine BAYET" userId="d4b4ad781415c63a" providerId="LiveId" clId="{0399D419-9F62-4D32-B4D6-785E03637ADB}" dt="2023-01-14T14:17:53.950" v="67" actId="478"/>
+          <ac:picMkLst>
+            <pc:docMk/>
+            <pc:sldMk cId="4180376292" sldId="270"/>
+            <ac:picMk id="22" creationId="{86CC6CDA-F2A7-4852-C0B5-EB36F308F677}"/>
+          </ac:picMkLst>
+        </pc:picChg>
+        <pc:picChg chg="del mod topLvl">
+          <ac:chgData name="Marine BAYET" userId="d4b4ad781415c63a" providerId="LiveId" clId="{0399D419-9F62-4D32-B4D6-785E03637ADB}" dt="2023-01-14T14:17:53.950" v="67" actId="478"/>
+          <ac:picMkLst>
+            <pc:docMk/>
+            <pc:sldMk cId="4180376292" sldId="270"/>
+            <ac:picMk id="23" creationId="{05DD5754-396A-8C07-B8E6-F334394062A4}"/>
+          </ac:picMkLst>
+        </pc:picChg>
+        <pc:picChg chg="del mod topLvl">
+          <ac:chgData name="Marine BAYET" userId="d4b4ad781415c63a" providerId="LiveId" clId="{0399D419-9F62-4D32-B4D6-785E03637ADB}" dt="2023-01-14T14:17:53.950" v="67" actId="478"/>
+          <ac:picMkLst>
+            <pc:docMk/>
+            <pc:sldMk cId="4180376292" sldId="270"/>
+            <ac:picMk id="24" creationId="{88C47114-175F-8371-BC6A-808824F2EB50}"/>
+          </ac:picMkLst>
+        </pc:picChg>
+        <pc:picChg chg="del">
+          <ac:chgData name="Marine BAYET" userId="d4b4ad781415c63a" providerId="LiveId" clId="{0399D419-9F62-4D32-B4D6-785E03637ADB}" dt="2023-01-14T14:17:53.950" v="67" actId="478"/>
+          <ac:picMkLst>
+            <pc:docMk/>
+            <pc:sldMk cId="4180376292" sldId="270"/>
+            <ac:picMk id="25" creationId="{0A5AAF80-5363-89B2-DB17-00C879E1B781}"/>
+          </ac:picMkLst>
+        </pc:picChg>
+        <pc:picChg chg="del mod topLvl">
+          <ac:chgData name="Marine BAYET" userId="d4b4ad781415c63a" providerId="LiveId" clId="{0399D419-9F62-4D32-B4D6-785E03637ADB}" dt="2023-01-14T14:17:53.950" v="67" actId="478"/>
+          <ac:picMkLst>
+            <pc:docMk/>
+            <pc:sldMk cId="4180376292" sldId="270"/>
+            <ac:picMk id="26" creationId="{63C64A6F-59A2-6065-8344-96A270261A5B}"/>
+          </ac:picMkLst>
+        </pc:picChg>
+        <pc:picChg chg="del mod topLvl">
+          <ac:chgData name="Marine BAYET" userId="d4b4ad781415c63a" providerId="LiveId" clId="{0399D419-9F62-4D32-B4D6-785E03637ADB}" dt="2023-01-14T14:17:53.950" v="67" actId="478"/>
+          <ac:picMkLst>
+            <pc:docMk/>
+            <pc:sldMk cId="4180376292" sldId="270"/>
+            <ac:picMk id="27" creationId="{A63CB1C6-786F-4158-F729-C36822E0CAAF}"/>
+          </ac:picMkLst>
+        </pc:picChg>
+        <pc:picChg chg="del">
+          <ac:chgData name="Marine BAYET" userId="d4b4ad781415c63a" providerId="LiveId" clId="{0399D419-9F62-4D32-B4D6-785E03637ADB}" dt="2023-01-14T14:17:53.950" v="67" actId="478"/>
+          <ac:picMkLst>
+            <pc:docMk/>
+            <pc:sldMk cId="4180376292" sldId="270"/>
+            <ac:picMk id="28" creationId="{44667EE0-2F3A-7B5B-36B4-97FB1BE3FEF6}"/>
+          </ac:picMkLst>
+        </pc:picChg>
+        <pc:picChg chg="add del mod">
+          <ac:chgData name="Marine BAYET" userId="d4b4ad781415c63a" providerId="LiveId" clId="{0399D419-9F62-4D32-B4D6-785E03637ADB}" dt="2023-01-14T14:15:45.331" v="22" actId="478"/>
+          <ac:picMkLst>
+            <pc:docMk/>
+            <pc:sldMk cId="4180376292" sldId="270"/>
+            <ac:picMk id="32" creationId="{8A25FDF6-FF1E-FC2D-A5D6-F18D188064C6}"/>
+          </ac:picMkLst>
+        </pc:picChg>
+        <pc:picChg chg="add mod">
+          <ac:chgData name="Marine BAYET" userId="d4b4ad781415c63a" providerId="LiveId" clId="{0399D419-9F62-4D32-B4D6-785E03637ADB}" dt="2023-01-14T14:22:31.927" v="153" actId="164"/>
+          <ac:picMkLst>
+            <pc:docMk/>
+            <pc:sldMk cId="4180376292" sldId="270"/>
+            <ac:picMk id="37" creationId="{47FC092F-11A0-7363-2D3C-90BD87FD2723}"/>
+          </ac:picMkLst>
+        </pc:picChg>
+        <pc:picChg chg="add mod ord">
+          <ac:chgData name="Marine BAYET" userId="d4b4ad781415c63a" providerId="LiveId" clId="{0399D419-9F62-4D32-B4D6-785E03637ADB}" dt="2023-01-14T14:22:55.177" v="155" actId="164"/>
+          <ac:picMkLst>
+            <pc:docMk/>
+            <pc:sldMk cId="4180376292" sldId="270"/>
+            <ac:picMk id="39" creationId="{B0B88CDA-BBEE-B69E-856B-1D13FAD442D9}"/>
+          </ac:picMkLst>
+        </pc:picChg>
+        <pc:picChg chg="add del mod">
+          <ac:chgData name="Marine BAYET" userId="d4b4ad781415c63a" providerId="LiveId" clId="{0399D419-9F62-4D32-B4D6-785E03637ADB}" dt="2023-01-14T14:19:11.543" v="119" actId="478"/>
+          <ac:picMkLst>
+            <pc:docMk/>
+            <pc:sldMk cId="4180376292" sldId="270"/>
+            <ac:picMk id="40" creationId="{902E256E-BD12-718C-E023-034B20C061CF}"/>
+          </ac:picMkLst>
+        </pc:picChg>
+        <pc:picChg chg="add mod ord">
+          <ac:chgData name="Marine BAYET" userId="d4b4ad781415c63a" providerId="LiveId" clId="{0399D419-9F62-4D32-B4D6-785E03637ADB}" dt="2023-01-14T14:23:53.371" v="158" actId="164"/>
+          <ac:picMkLst>
+            <pc:docMk/>
+            <pc:sldMk cId="4180376292" sldId="270"/>
+            <ac:picMk id="42" creationId="{03220851-5E93-3004-0F9C-56F157B48F6D}"/>
+          </ac:picMkLst>
+        </pc:picChg>
+        <pc:picChg chg="add mod ord">
+          <ac:chgData name="Marine BAYET" userId="d4b4ad781415c63a" providerId="LiveId" clId="{0399D419-9F62-4D32-B4D6-785E03637ADB}" dt="2023-01-14T14:24:15.516" v="160" actId="164"/>
+          <ac:picMkLst>
+            <pc:docMk/>
+            <pc:sldMk cId="4180376292" sldId="270"/>
+            <ac:picMk id="44" creationId="{AFCBC6F6-32A8-AD2B-ECC9-EF1CB437F98D}"/>
+          </ac:picMkLst>
+        </pc:picChg>
+        <pc:picChg chg="add mod ord">
+          <ac:chgData name="Marine BAYET" userId="d4b4ad781415c63a" providerId="LiveId" clId="{0399D419-9F62-4D32-B4D6-785E03637ADB}" dt="2023-01-14T14:24:24.933" v="162" actId="164"/>
+          <ac:picMkLst>
+            <pc:docMk/>
+            <pc:sldMk cId="4180376292" sldId="270"/>
+            <ac:picMk id="46" creationId="{7B3EB970-3C96-6870-3746-B4616937B5B7}"/>
+          </ac:picMkLst>
+        </pc:picChg>
+        <pc:picChg chg="add mod ord">
+          <ac:chgData name="Marine BAYET" userId="d4b4ad781415c63a" providerId="LiveId" clId="{0399D419-9F62-4D32-B4D6-785E03637ADB}" dt="2023-01-14T14:24:40.581" v="164" actId="164"/>
+          <ac:picMkLst>
+            <pc:docMk/>
+            <pc:sldMk cId="4180376292" sldId="270"/>
+            <ac:picMk id="48" creationId="{393E7098-8726-5251-07F9-B6107B94E583}"/>
+          </ac:picMkLst>
+        </pc:picChg>
+        <pc:picChg chg="add mod">
+          <ac:chgData name="Marine BAYET" userId="d4b4ad781415c63a" providerId="LiveId" clId="{0399D419-9F62-4D32-B4D6-785E03637ADB}" dt="2023-01-14T14:24:49.850" v="165" actId="164"/>
+          <ac:picMkLst>
+            <pc:docMk/>
+            <pc:sldMk cId="4180376292" sldId="270"/>
+            <ac:picMk id="50" creationId="{0D583D31-6180-C0F6-21AE-C14E483D015B}"/>
+          </ac:picMkLst>
+        </pc:picChg>
+        <pc:picChg chg="add mod">
+          <ac:chgData name="Marine BAYET" userId="d4b4ad781415c63a" providerId="LiveId" clId="{0399D419-9F62-4D32-B4D6-785E03637ADB}" dt="2023-01-14T14:25:00.945" v="166" actId="164"/>
+          <ac:picMkLst>
+            <pc:docMk/>
+            <pc:sldMk cId="4180376292" sldId="270"/>
+            <ac:picMk id="52" creationId="{343021D2-4B1F-AEA8-D61C-91FCA6C2C53A}"/>
+          </ac:picMkLst>
+        </pc:picChg>
+        <pc:picChg chg="del mod topLvl">
+          <ac:chgData name="Marine BAYET" userId="d4b4ad781415c63a" providerId="LiveId" clId="{0399D419-9F62-4D32-B4D6-785E03637ADB}" dt="2023-01-14T14:16:23.692" v="35" actId="478"/>
+          <ac:picMkLst>
+            <pc:docMk/>
+            <pc:sldMk cId="4180376292" sldId="270"/>
+            <ac:picMk id="12292" creationId="{123F15A6-7574-AD77-415F-810AC8EA75F1}"/>
+          </ac:picMkLst>
+        </pc:picChg>
+      </pc:sldChg>
+      <pc:sldChg chg="addSp delSp modSp new mod">
+        <pc:chgData name="Marine BAYET" userId="d4b4ad781415c63a" providerId="LiveId" clId="{0399D419-9F62-4D32-B4D6-785E03637ADB}" dt="2023-01-14T14:52:39.744" v="288" actId="196"/>
+        <pc:sldMkLst>
+          <pc:docMk/>
+          <pc:sldMk cId="1733317260" sldId="275"/>
+        </pc:sldMkLst>
+        <pc:spChg chg="del">
+          <ac:chgData name="Marine BAYET" userId="d4b4ad781415c63a" providerId="LiveId" clId="{0399D419-9F62-4D32-B4D6-785E03637ADB}" dt="2023-01-14T14:38:42.144" v="253" actId="478"/>
+          <ac:spMkLst>
+            <pc:docMk/>
+            <pc:sldMk cId="1733317260" sldId="275"/>
+            <ac:spMk id="2" creationId="{5025CF76-B94A-7BD5-1910-CCC8D17A6B2B}"/>
+          </ac:spMkLst>
+        </pc:spChg>
+        <pc:spChg chg="del">
+          <ac:chgData name="Marine BAYET" userId="d4b4ad781415c63a" providerId="LiveId" clId="{0399D419-9F62-4D32-B4D6-785E03637ADB}" dt="2023-01-14T14:38:49.785" v="254"/>
+          <ac:spMkLst>
+            <pc:docMk/>
+            <pc:sldMk cId="1733317260" sldId="275"/>
+            <ac:spMk id="3" creationId="{9B29F9BE-A58B-9EE8-4F63-D23B42F61BB5}"/>
+          </ac:spMkLst>
+        </pc:spChg>
+        <pc:picChg chg="add mod">
+          <ac:chgData name="Marine BAYET" userId="d4b4ad781415c63a" providerId="LiveId" clId="{0399D419-9F62-4D32-B4D6-785E03637ADB}" dt="2023-01-14T14:40:04.981" v="279" actId="1076"/>
+          <ac:picMkLst>
+            <pc:docMk/>
+            <pc:sldMk cId="1733317260" sldId="275"/>
+            <ac:picMk id="5" creationId="{342513D9-4975-935D-2ED2-273C6DE15B89}"/>
+          </ac:picMkLst>
+        </pc:picChg>
+        <pc:picChg chg="add mod">
+          <ac:chgData name="Marine BAYET" userId="d4b4ad781415c63a" providerId="LiveId" clId="{0399D419-9F62-4D32-B4D6-785E03637ADB}" dt="2023-01-14T14:40:08.562" v="282" actId="1076"/>
+          <ac:picMkLst>
+            <pc:docMk/>
+            <pc:sldMk cId="1733317260" sldId="275"/>
+            <ac:picMk id="7" creationId="{5BDD7DE8-2CD1-4ABD-5055-2D7E197022E4}"/>
+          </ac:picMkLst>
+        </pc:picChg>
+        <pc:picChg chg="add mod">
+          <ac:chgData name="Marine BAYET" userId="d4b4ad781415c63a" providerId="LiveId" clId="{0399D419-9F62-4D32-B4D6-785E03637ADB}" dt="2023-01-14T14:40:07.493" v="281" actId="1076"/>
+          <ac:picMkLst>
+            <pc:docMk/>
+            <pc:sldMk cId="1733317260" sldId="275"/>
+            <ac:picMk id="9" creationId="{39CE6F83-89CE-A72B-2D7B-89DED82D2EAD}"/>
+          </ac:picMkLst>
+        </pc:picChg>
+        <pc:picChg chg="add mod">
+          <ac:chgData name="Marine BAYET" userId="d4b4ad781415c63a" providerId="LiveId" clId="{0399D419-9F62-4D32-B4D6-785E03637ADB}" dt="2023-01-14T14:40:09.475" v="283" actId="1076"/>
+          <ac:picMkLst>
+            <pc:docMk/>
+            <pc:sldMk cId="1733317260" sldId="275"/>
+            <ac:picMk id="11" creationId="{D561E9DD-8FE7-7457-5C32-0B7FBBE47918}"/>
+          </ac:picMkLst>
+        </pc:picChg>
+        <pc:picChg chg="add mod">
+          <ac:chgData name="Marine BAYET" userId="d4b4ad781415c63a" providerId="LiveId" clId="{0399D419-9F62-4D32-B4D6-785E03637ADB}" dt="2023-01-14T14:40:10.219" v="284" actId="1076"/>
+          <ac:picMkLst>
+            <pc:docMk/>
+            <pc:sldMk cId="1733317260" sldId="275"/>
+            <ac:picMk id="13" creationId="{A39654FE-1713-0BDE-2461-2EF098AA9B41}"/>
+          </ac:picMkLst>
+        </pc:picChg>
+        <pc:picChg chg="add mod">
+          <ac:chgData name="Marine BAYET" userId="d4b4ad781415c63a" providerId="LiveId" clId="{0399D419-9F62-4D32-B4D6-785E03637ADB}" dt="2023-01-14T14:40:11.227" v="285" actId="1076"/>
+          <ac:picMkLst>
+            <pc:docMk/>
+            <pc:sldMk cId="1733317260" sldId="275"/>
+            <ac:picMk id="15" creationId="{32626B01-253A-3A1A-79B8-D98B9868A1C1}"/>
+          </ac:picMkLst>
+        </pc:picChg>
+        <pc:picChg chg="add mod">
+          <ac:chgData name="Marine BAYET" userId="d4b4ad781415c63a" providerId="LiveId" clId="{0399D419-9F62-4D32-B4D6-785E03637ADB}" dt="2023-01-14T14:52:39.744" v="288" actId="196"/>
+          <ac:picMkLst>
+            <pc:docMk/>
+            <pc:sldMk cId="1733317260" sldId="275"/>
+            <ac:picMk id="16" creationId="{DF362733-E550-7F92-7808-8070F1126A14}"/>
+          </ac:picMkLst>
+        </pc:picChg>
+        <pc:picChg chg="add mod">
+          <ac:chgData name="Marine BAYET" userId="d4b4ad781415c63a" providerId="LiveId" clId="{0399D419-9F62-4D32-B4D6-785E03637ADB}" dt="2023-01-14T14:52:39.744" v="288" actId="196"/>
+          <ac:picMkLst>
+            <pc:docMk/>
+            <pc:sldMk cId="1733317260" sldId="275"/>
+            <ac:picMk id="17" creationId="{63ABC971-849D-E80F-D5E9-4C7F973A9C50}"/>
+          </ac:picMkLst>
+        </pc:picChg>
+        <pc:picChg chg="add mod">
+          <ac:chgData name="Marine BAYET" userId="d4b4ad781415c63a" providerId="LiveId" clId="{0399D419-9F62-4D32-B4D6-785E03637ADB}" dt="2023-01-14T14:52:39.744" v="288" actId="196"/>
+          <ac:picMkLst>
+            <pc:docMk/>
+            <pc:sldMk cId="1733317260" sldId="275"/>
+            <ac:picMk id="18" creationId="{7F73CE16-A912-188A-6033-F0A913757854}"/>
+          </ac:picMkLst>
+        </pc:picChg>
+        <pc:picChg chg="add mod">
+          <ac:chgData name="Marine BAYET" userId="d4b4ad781415c63a" providerId="LiveId" clId="{0399D419-9F62-4D32-B4D6-785E03637ADB}" dt="2023-01-14T14:52:39.744" v="288" actId="196"/>
+          <ac:picMkLst>
+            <pc:docMk/>
+            <pc:sldMk cId="1733317260" sldId="275"/>
+            <ac:picMk id="19" creationId="{55CF8F9D-69CB-BD7E-C8FA-4C7721A22883}"/>
+          </ac:picMkLst>
+        </pc:picChg>
+        <pc:picChg chg="add mod">
+          <ac:chgData name="Marine BAYET" userId="d4b4ad781415c63a" providerId="LiveId" clId="{0399D419-9F62-4D32-B4D6-785E03637ADB}" dt="2023-01-14T14:52:39.744" v="288" actId="196"/>
+          <ac:picMkLst>
+            <pc:docMk/>
+            <pc:sldMk cId="1733317260" sldId="275"/>
+            <ac:picMk id="20" creationId="{09DF1921-BF8B-EEEC-8899-4D07A45C3504}"/>
+          </ac:picMkLst>
+        </pc:picChg>
+        <pc:picChg chg="add mod">
+          <ac:chgData name="Marine BAYET" userId="d4b4ad781415c63a" providerId="LiveId" clId="{0399D419-9F62-4D32-B4D6-785E03637ADB}" dt="2023-01-14T14:52:39.744" v="288" actId="196"/>
+          <ac:picMkLst>
+            <pc:docMk/>
+            <pc:sldMk cId="1733317260" sldId="275"/>
+            <ac:picMk id="21" creationId="{588C1A51-9F8A-0BE0-1736-8E77C8B12984}"/>
+          </ac:picMkLst>
+        </pc:picChg>
+      </pc:sldChg>
+      <pc:sldChg chg="addSp delSp modSp new del mod">
+        <pc:chgData name="Marine BAYET" userId="d4b4ad781415c63a" providerId="LiveId" clId="{0399D419-9F62-4D32-B4D6-785E03637ADB}" dt="2023-01-14T14:38:37.723" v="251" actId="680"/>
+        <pc:sldMkLst>
+          <pc:docMk/>
+          <pc:sldMk cId="3838309396" sldId="275"/>
+        </pc:sldMkLst>
+        <pc:spChg chg="add del">
+          <ac:chgData name="Marine BAYET" userId="d4b4ad781415c63a" providerId="LiveId" clId="{0399D419-9F62-4D32-B4D6-785E03637ADB}" dt="2023-01-14T14:38:37.212" v="250" actId="478"/>
+          <ac:spMkLst>
+            <pc:docMk/>
+            <pc:sldMk cId="3838309396" sldId="275"/>
+            <ac:spMk id="2" creationId="{A3F93C0F-0FE0-5972-DF4D-2CC3D0E12BD0}"/>
+          </ac:spMkLst>
+        </pc:spChg>
+        <pc:spChg chg="add del">
+          <ac:chgData name="Marine BAYET" userId="d4b4ad781415c63a" providerId="LiveId" clId="{0399D419-9F62-4D32-B4D6-785E03637ADB}" dt="2023-01-14T14:38:37.185" v="249" actId="478"/>
+          <ac:spMkLst>
+            <pc:docMk/>
+            <pc:sldMk cId="3838309396" sldId="275"/>
+            <ac:spMk id="3" creationId="{29BC49E9-6859-FE61-5D1B-C07D1C3CEE18}"/>
+          </ac:spMkLst>
+        </pc:spChg>
+        <pc:picChg chg="add del mod">
+          <ac:chgData name="Marine BAYET" userId="d4b4ad781415c63a" providerId="LiveId" clId="{0399D419-9F62-4D32-B4D6-785E03637ADB}" dt="2023-01-14T14:38:37.052" v="246"/>
+          <ac:picMkLst>
+            <pc:docMk/>
+            <pc:sldMk cId="3838309396" sldId="275"/>
+            <ac:picMk id="5" creationId="{F326D89B-62E8-FF36-DDFA-D91CD1E30A31}"/>
+          </ac:picMkLst>
+        </pc:picChg>
+        <pc:picChg chg="add del mod">
+          <ac:chgData name="Marine BAYET" userId="d4b4ad781415c63a" providerId="LiveId" clId="{0399D419-9F62-4D32-B4D6-785E03637ADB}" dt="2023-01-14T14:38:37.052" v="246"/>
+          <ac:picMkLst>
+            <pc:docMk/>
+            <pc:sldMk cId="3838309396" sldId="275"/>
+            <ac:picMk id="7" creationId="{2203CCE4-9E36-2093-3443-91A30DB8F31D}"/>
+          </ac:picMkLst>
+        </pc:picChg>
+        <pc:picChg chg="add del mod">
+          <ac:chgData name="Marine BAYET" userId="d4b4ad781415c63a" providerId="LiveId" clId="{0399D419-9F62-4D32-B4D6-785E03637ADB}" dt="2023-01-14T14:38:37.052" v="246"/>
+          <ac:picMkLst>
+            <pc:docMk/>
+            <pc:sldMk cId="3838309396" sldId="275"/>
+            <ac:picMk id="9" creationId="{EA1E988D-1B6D-4B1D-43A4-78689819E7D3}"/>
+          </ac:picMkLst>
+        </pc:picChg>
+        <pc:picChg chg="add del mod">
+          <ac:chgData name="Marine BAYET" userId="d4b4ad781415c63a" providerId="LiveId" clId="{0399D419-9F62-4D32-B4D6-785E03637ADB}" dt="2023-01-14T14:38:37.052" v="246"/>
+          <ac:picMkLst>
+            <pc:docMk/>
+            <pc:sldMk cId="3838309396" sldId="275"/>
+            <ac:picMk id="11" creationId="{08DD9ADB-847E-80D5-8E1A-FDEAE321CDAE}"/>
+          </ac:picMkLst>
+        </pc:picChg>
+        <pc:picChg chg="add del mod">
+          <ac:chgData name="Marine BAYET" userId="d4b4ad781415c63a" providerId="LiveId" clId="{0399D419-9F62-4D32-B4D6-785E03637ADB}" dt="2023-01-14T14:38:37.052" v="246"/>
+          <ac:picMkLst>
+            <pc:docMk/>
+            <pc:sldMk cId="3838309396" sldId="275"/>
+            <ac:picMk id="13" creationId="{B4F72142-2EBB-1275-32B0-9B65EFE9A357}"/>
+          </ac:picMkLst>
+        </pc:picChg>
+        <pc:picChg chg="add del mod">
+          <ac:chgData name="Marine BAYET" userId="d4b4ad781415c63a" providerId="LiveId" clId="{0399D419-9F62-4D32-B4D6-785E03637ADB}" dt="2023-01-14T14:38:37.052" v="246"/>
+          <ac:picMkLst>
+            <pc:docMk/>
+            <pc:sldMk cId="3838309396" sldId="275"/>
+            <ac:picMk id="15" creationId="{D492044D-84BD-CF32-7BBA-18B3ECA4857B}"/>
+          </ac:picMkLst>
+        </pc:picChg>
+        <pc:picChg chg="add del mod">
+          <ac:chgData name="Marine BAYET" userId="d4b4ad781415c63a" providerId="LiveId" clId="{0399D419-9F62-4D32-B4D6-785E03637ADB}" dt="2023-01-14T14:38:37.052" v="246"/>
+          <ac:picMkLst>
+            <pc:docMk/>
+            <pc:sldMk cId="3838309396" sldId="275"/>
+            <ac:picMk id="17" creationId="{ACDA176F-F07A-1860-3FAC-B0DC6A612F5C}"/>
+          </ac:picMkLst>
+        </pc:picChg>
+        <pc:picChg chg="add del mod">
+          <ac:chgData name="Marine BAYET" userId="d4b4ad781415c63a" providerId="LiveId" clId="{0399D419-9F62-4D32-B4D6-785E03637ADB}" dt="2023-01-14T14:38:37.052" v="246"/>
+          <ac:picMkLst>
+            <pc:docMk/>
+            <pc:sldMk cId="3838309396" sldId="275"/>
+            <ac:picMk id="19" creationId="{C3EAA96C-2771-F5AE-6F7B-19766A8054CB}"/>
+          </ac:picMkLst>
+        </pc:picChg>
+        <pc:picChg chg="add del mod">
+          <ac:chgData name="Marine BAYET" userId="d4b4ad781415c63a" providerId="LiveId" clId="{0399D419-9F62-4D32-B4D6-785E03637ADB}" dt="2023-01-14T14:38:37.052" v="246"/>
+          <ac:picMkLst>
+            <pc:docMk/>
+            <pc:sldMk cId="3838309396" sldId="275"/>
+            <ac:picMk id="21" creationId="{86693AD4-C2AB-BA82-5474-C3AC40020AC0}"/>
+          </ac:picMkLst>
+        </pc:picChg>
+        <pc:picChg chg="add del mod">
+          <ac:chgData name="Marine BAYET" userId="d4b4ad781415c63a" providerId="LiveId" clId="{0399D419-9F62-4D32-B4D6-785E03637ADB}" dt="2023-01-14T14:38:37.052" v="246"/>
+          <ac:picMkLst>
+            <pc:docMk/>
+            <pc:sldMk cId="3838309396" sldId="275"/>
+            <ac:picMk id="23" creationId="{F53D7D95-72DB-0A97-D0D6-048DCFE1BB69}"/>
+          </ac:picMkLst>
+        </pc:picChg>
+        <pc:picChg chg="add del mod">
+          <ac:chgData name="Marine BAYET" userId="d4b4ad781415c63a" providerId="LiveId" clId="{0399D419-9F62-4D32-B4D6-785E03637ADB}" dt="2023-01-14T14:38:37.052" v="246"/>
+          <ac:picMkLst>
+            <pc:docMk/>
+            <pc:sldMk cId="3838309396" sldId="275"/>
+            <ac:picMk id="25" creationId="{81D9614E-BE8F-5060-28F4-1E728864BA62}"/>
+          </ac:picMkLst>
+        </pc:picChg>
+        <pc:picChg chg="add del mod">
+          <ac:chgData name="Marine BAYET" userId="d4b4ad781415c63a" providerId="LiveId" clId="{0399D419-9F62-4D32-B4D6-785E03637ADB}" dt="2023-01-14T14:38:37.052" v="246"/>
+          <ac:picMkLst>
+            <pc:docMk/>
+            <pc:sldMk cId="3838309396" sldId="275"/>
+            <ac:picMk id="27" creationId="{836639E9-58FF-C2F6-D050-04F8D881430D}"/>
+          </ac:picMkLst>
+        </pc:picChg>
+        <pc:picChg chg="add del mod">
+          <ac:chgData name="Marine BAYET" userId="d4b4ad781415c63a" providerId="LiveId" clId="{0399D419-9F62-4D32-B4D6-785E03637ADB}" dt="2023-01-14T14:38:37.052" v="246"/>
+          <ac:picMkLst>
+            <pc:docMk/>
+            <pc:sldMk cId="3838309396" sldId="275"/>
+            <ac:picMk id="29" creationId="{C71BD8CF-AA53-7E3C-836D-11707200CCE3}"/>
+          </ac:picMkLst>
+        </pc:picChg>
+        <pc:picChg chg="add del mod">
+          <ac:chgData name="Marine BAYET" userId="d4b4ad781415c63a" providerId="LiveId" clId="{0399D419-9F62-4D32-B4D6-785E03637ADB}" dt="2023-01-14T14:38:37.052" v="246"/>
+          <ac:picMkLst>
+            <pc:docMk/>
+            <pc:sldMk cId="3838309396" sldId="275"/>
+            <ac:picMk id="31" creationId="{5A1E496C-66C1-C7C3-6A86-722CB112984C}"/>
+          </ac:picMkLst>
+        </pc:picChg>
+        <pc:picChg chg="add del mod">
+          <ac:chgData name="Marine BAYET" userId="d4b4ad781415c63a" providerId="LiveId" clId="{0399D419-9F62-4D32-B4D6-785E03637ADB}" dt="2023-01-14T14:38:37.052" v="246"/>
+          <ac:picMkLst>
+            <pc:docMk/>
+            <pc:sldMk cId="3838309396" sldId="275"/>
+            <ac:picMk id="33" creationId="{D4B364D2-F2D5-2AFB-B091-D780E9DC04A8}"/>
+          </ac:picMkLst>
+        </pc:picChg>
+        <pc:picChg chg="add del mod">
+          <ac:chgData name="Marine BAYET" userId="d4b4ad781415c63a" providerId="LiveId" clId="{0399D419-9F62-4D32-B4D6-785E03637ADB}" dt="2023-01-14T14:38:37.052" v="246"/>
+          <ac:picMkLst>
+            <pc:docMk/>
+            <pc:sldMk cId="3838309396" sldId="275"/>
+            <ac:picMk id="35" creationId="{4300AE50-87C7-F2B5-8BEF-2FC986230396}"/>
+          </ac:picMkLst>
+        </pc:picChg>
+        <pc:picChg chg="add del mod">
+          <ac:chgData name="Marine BAYET" userId="d4b4ad781415c63a" providerId="LiveId" clId="{0399D419-9F62-4D32-B4D6-785E03637ADB}" dt="2023-01-14T14:38:37.052" v="246"/>
+          <ac:picMkLst>
+            <pc:docMk/>
+            <pc:sldMk cId="3838309396" sldId="275"/>
+            <ac:picMk id="37" creationId="{66AFC5E2-069F-9264-4C02-8BCE0BA62553}"/>
+          </ac:picMkLst>
+        </pc:picChg>
+        <pc:picChg chg="add del mod">
+          <ac:chgData name="Marine BAYET" userId="d4b4ad781415c63a" providerId="LiveId" clId="{0399D419-9F62-4D32-B4D6-785E03637ADB}" dt="2023-01-14T14:38:37.052" v="246"/>
+          <ac:picMkLst>
+            <pc:docMk/>
+            <pc:sldMk cId="3838309396" sldId="275"/>
+            <ac:picMk id="39" creationId="{DCF86548-EF7C-49B7-FC21-302041C03837}"/>
+          </ac:picMkLst>
+        </pc:picChg>
+        <pc:picChg chg="add del mod">
+          <ac:chgData name="Marine BAYET" userId="d4b4ad781415c63a" providerId="LiveId" clId="{0399D419-9F62-4D32-B4D6-785E03637ADB}" dt="2023-01-14T14:38:37.052" v="246"/>
+          <ac:picMkLst>
+            <pc:docMk/>
+            <pc:sldMk cId="3838309396" sldId="275"/>
+            <ac:picMk id="41" creationId="{58E5103A-A31C-873E-CB71-0C1BF42042D6}"/>
+          </ac:picMkLst>
+        </pc:picChg>
+        <pc:picChg chg="add del mod">
+          <ac:chgData name="Marine BAYET" userId="d4b4ad781415c63a" providerId="LiveId" clId="{0399D419-9F62-4D32-B4D6-785E03637ADB}" dt="2023-01-14T14:38:37.052" v="246"/>
+          <ac:picMkLst>
+            <pc:docMk/>
+            <pc:sldMk cId="3838309396" sldId="275"/>
+            <ac:picMk id="43" creationId="{4562C30E-D4DB-192E-16D8-082CBE7009C6}"/>
+          </ac:picMkLst>
+        </pc:picChg>
+        <pc:picChg chg="add del mod">
+          <ac:chgData name="Marine BAYET" userId="d4b4ad781415c63a" providerId="LiveId" clId="{0399D419-9F62-4D32-B4D6-785E03637ADB}" dt="2023-01-14T14:38:37.052" v="246"/>
+          <ac:picMkLst>
+            <pc:docMk/>
+            <pc:sldMk cId="3838309396" sldId="275"/>
+            <ac:picMk id="45" creationId="{73C4D20D-135B-E807-4338-A72E14899EE4}"/>
+          </ac:picMkLst>
+        </pc:picChg>
+        <pc:picChg chg="add del mod">
+          <ac:chgData name="Marine BAYET" userId="d4b4ad781415c63a" providerId="LiveId" clId="{0399D419-9F62-4D32-B4D6-785E03637ADB}" dt="2023-01-14T14:38:37.052" v="246"/>
+          <ac:picMkLst>
+            <pc:docMk/>
+            <pc:sldMk cId="3838309396" sldId="275"/>
+            <ac:picMk id="47" creationId="{F1E870AE-61FD-0169-6CC4-8AE57CD8DBB3}"/>
+          </ac:picMkLst>
+        </pc:picChg>
+        <pc:picChg chg="add del mod">
+          <ac:chgData name="Marine BAYET" userId="d4b4ad781415c63a" providerId="LiveId" clId="{0399D419-9F62-4D32-B4D6-785E03637ADB}" dt="2023-01-14T14:38:37.052" v="246"/>
+          <ac:picMkLst>
+            <pc:docMk/>
+            <pc:sldMk cId="3838309396" sldId="275"/>
+            <ac:picMk id="49" creationId="{AFEE7951-21EE-FC45-7BCC-DDC160AD9404}"/>
+          </ac:picMkLst>
+        </pc:picChg>
+        <pc:picChg chg="add del mod">
+          <ac:chgData name="Marine BAYET" userId="d4b4ad781415c63a" providerId="LiveId" clId="{0399D419-9F62-4D32-B4D6-785E03637ADB}" dt="2023-01-14T14:38:37.052" v="246"/>
+          <ac:picMkLst>
+            <pc:docMk/>
+            <pc:sldMk cId="3838309396" sldId="275"/>
+            <ac:picMk id="51" creationId="{5495318C-43A2-559F-DB4B-73D6EE0A1936}"/>
+          </ac:picMkLst>
+        </pc:picChg>
+        <pc:picChg chg="add del">
+          <ac:chgData name="Marine BAYET" userId="d4b4ad781415c63a" providerId="LiveId" clId="{0399D419-9F62-4D32-B4D6-785E03637ADB}" dt="2023-01-14T14:38:37.175" v="248"/>
+          <ac:picMkLst>
+            <pc:docMk/>
+            <pc:sldMk cId="3838309396" sldId="275"/>
+            <ac:picMk id="1026" creationId="{82DC0152-4C0A-9D75-2914-26949C3AFEA8}"/>
+          </ac:picMkLst>
+        </pc:picChg>
+      </pc:sldChg>
+      <pc:sldChg chg="addSp delSp modSp new mod">
+        <pc:chgData name="Marine BAYET" userId="d4b4ad781415c63a" providerId="LiveId" clId="{0399D419-9F62-4D32-B4D6-785E03637ADB}" dt="2023-01-20T13:46:46.937" v="304" actId="1076"/>
+        <pc:sldMkLst>
+          <pc:docMk/>
+          <pc:sldMk cId="819084507" sldId="276"/>
+        </pc:sldMkLst>
+        <pc:spChg chg="del">
+          <ac:chgData name="Marine BAYET" userId="d4b4ad781415c63a" providerId="LiveId" clId="{0399D419-9F62-4D32-B4D6-785E03637ADB}" dt="2023-01-20T13:08:05.208" v="290" actId="931"/>
+          <ac:spMkLst>
+            <pc:docMk/>
+            <pc:sldMk cId="819084507" sldId="276"/>
+            <ac:spMk id="3" creationId="{55BB3AFB-A532-1610-ABAC-A9BFBCC32D8F}"/>
+          </ac:spMkLst>
+        </pc:spChg>
+        <pc:picChg chg="add mod">
+          <ac:chgData name="Marine BAYET" userId="d4b4ad781415c63a" providerId="LiveId" clId="{0399D419-9F62-4D32-B4D6-785E03637ADB}" dt="2023-01-20T13:08:08.007" v="292" actId="962"/>
+          <ac:picMkLst>
+            <pc:docMk/>
+            <pc:sldMk cId="819084507" sldId="276"/>
+            <ac:picMk id="5" creationId="{62C74379-BBB5-E4BA-DA43-AB54989F956F}"/>
+          </ac:picMkLst>
+        </pc:picChg>
+        <pc:picChg chg="add mod">
+          <ac:chgData name="Marine BAYET" userId="d4b4ad781415c63a" providerId="LiveId" clId="{0399D419-9F62-4D32-B4D6-785E03637ADB}" dt="2023-01-20T13:46:46.937" v="304" actId="1076"/>
+          <ac:picMkLst>
+            <pc:docMk/>
+            <pc:sldMk cId="819084507" sldId="276"/>
+            <ac:picMk id="7" creationId="{DB6CCF82-B46F-7A69-4D02-EA4592E3BB2C}"/>
+          </ac:picMkLst>
+        </pc:picChg>
+      </pc:sldChg>
+      <pc:sldChg chg="addSp delSp modSp add mod setBg">
+        <pc:chgData name="Marine BAYET" userId="d4b4ad781415c63a" providerId="LiveId" clId="{0399D419-9F62-4D32-B4D6-785E03637ADB}" dt="2023-01-20T15:55:26.549" v="415" actId="1076"/>
+        <pc:sldMkLst>
+          <pc:docMk/>
+          <pc:sldMk cId="3354638903" sldId="277"/>
+        </pc:sldMkLst>
+        <pc:spChg chg="mod">
+          <ac:chgData name="Marine BAYET" userId="d4b4ad781415c63a" providerId="LiveId" clId="{0399D419-9F62-4D32-B4D6-785E03637ADB}" dt="2023-01-20T13:52:50.915" v="339" actId="26606"/>
+          <ac:spMkLst>
+            <pc:docMk/>
+            <pc:sldMk cId="3354638903" sldId="277"/>
+            <ac:spMk id="2" creationId="{27C4694A-3475-9BA5-7F1D-49C5AB902B11}"/>
+          </ac:spMkLst>
+        </pc:spChg>
+        <pc:spChg chg="add mod ord">
+          <ac:chgData name="Marine BAYET" userId="d4b4ad781415c63a" providerId="LiveId" clId="{0399D419-9F62-4D32-B4D6-785E03637ADB}" dt="2023-01-20T14:08:58.173" v="362" actId="2085"/>
+          <ac:spMkLst>
+            <pc:docMk/>
+            <pc:sldMk cId="3354638903" sldId="277"/>
+            <ac:spMk id="6" creationId="{7DEBE8DA-E726-1682-ACA8-748EE214FF57}"/>
+          </ac:spMkLst>
+        </pc:spChg>
+        <pc:spChg chg="add">
+          <ac:chgData name="Marine BAYET" userId="d4b4ad781415c63a" providerId="LiveId" clId="{0399D419-9F62-4D32-B4D6-785E03637ADB}" dt="2023-01-20T13:52:50.915" v="339" actId="26606"/>
+          <ac:spMkLst>
+            <pc:docMk/>
+            <pc:sldMk cId="3354638903" sldId="277"/>
+            <ac:spMk id="12" creationId="{247AB924-1B87-43FC-B7C7-B112D5C51A0E}"/>
+          </ac:spMkLst>
+        </pc:spChg>
+        <pc:picChg chg="add mod modCrop">
+          <ac:chgData name="Marine BAYET" userId="d4b4ad781415c63a" providerId="LiveId" clId="{0399D419-9F62-4D32-B4D6-785E03637ADB}" dt="2023-01-20T14:10:15.974" v="363" actId="14100"/>
+          <ac:picMkLst>
+            <pc:docMk/>
+            <pc:sldMk cId="3354638903" sldId="277"/>
+            <ac:picMk id="3" creationId="{6009E9BB-D3C3-B9BA-A49B-582B44E74085}"/>
+          </ac:picMkLst>
+        </pc:picChg>
+        <pc:picChg chg="add mod">
+          <ac:chgData name="Marine BAYET" userId="d4b4ad781415c63a" providerId="LiveId" clId="{0399D419-9F62-4D32-B4D6-785E03637ADB}" dt="2023-01-20T14:10:40.444" v="368" actId="14100"/>
+          <ac:picMkLst>
+            <pc:docMk/>
+            <pc:sldMk cId="3354638903" sldId="277"/>
+            <ac:picMk id="4" creationId="{449DCAF1-41E7-438C-44CF-E96BC09271F8}"/>
+          </ac:picMkLst>
+        </pc:picChg>
+        <pc:picChg chg="mod ord modCrop">
+          <ac:chgData name="Marine BAYET" userId="d4b4ad781415c63a" providerId="LiveId" clId="{0399D419-9F62-4D32-B4D6-785E03637ADB}" dt="2023-01-20T14:10:30.685" v="366" actId="1076"/>
+          <ac:picMkLst>
+            <pc:docMk/>
+            <pc:sldMk cId="3354638903" sldId="277"/>
+            <ac:picMk id="5" creationId="{62C74379-BBB5-E4BA-DA43-AB54989F956F}"/>
+          </ac:picMkLst>
+        </pc:picChg>
+        <pc:picChg chg="add mod modCrop">
+          <ac:chgData name="Marine BAYET" userId="d4b4ad781415c63a" providerId="LiveId" clId="{0399D419-9F62-4D32-B4D6-785E03637ADB}" dt="2023-01-20T15:47:52.149" v="393" actId="1076"/>
+          <ac:picMkLst>
+            <pc:docMk/>
+            <pc:sldMk cId="3354638903" sldId="277"/>
+            <ac:picMk id="7" creationId="{A3E74094-779F-2248-AF35-E188D7DA60D2}"/>
+          </ac:picMkLst>
+        </pc:picChg>
+        <pc:picChg chg="del">
+          <ac:chgData name="Marine BAYET" userId="d4b4ad781415c63a" providerId="LiveId" clId="{0399D419-9F62-4D32-B4D6-785E03637ADB}" dt="2023-01-20T13:08:12.904" v="294" actId="478"/>
+          <ac:picMkLst>
+            <pc:docMk/>
+            <pc:sldMk cId="3354638903" sldId="277"/>
+            <ac:picMk id="7" creationId="{DB6CCF82-B46F-7A69-4D02-EA4592E3BB2C}"/>
+          </ac:picMkLst>
+        </pc:picChg>
+        <pc:picChg chg="add mod">
+          <ac:chgData name="Marine BAYET" userId="d4b4ad781415c63a" providerId="LiveId" clId="{0399D419-9F62-4D32-B4D6-785E03637ADB}" dt="2023-01-20T15:47:28.410" v="383" actId="1076"/>
+          <ac:picMkLst>
+            <pc:docMk/>
+            <pc:sldMk cId="3354638903" sldId="277"/>
+            <ac:picMk id="8" creationId="{DEDC08E9-6C9B-4B0E-2D23-CF38077E4090}"/>
+          </ac:picMkLst>
+        </pc:picChg>
+        <pc:picChg chg="add mod modCrop">
+          <ac:chgData name="Marine BAYET" userId="d4b4ad781415c63a" providerId="LiveId" clId="{0399D419-9F62-4D32-B4D6-785E03637ADB}" dt="2023-01-20T15:48:11.841" v="398" actId="732"/>
+          <ac:picMkLst>
+            <pc:docMk/>
+            <pc:sldMk cId="3354638903" sldId="277"/>
+            <ac:picMk id="9" creationId="{08360354-DE5F-5252-08DF-BD263F44A2CE}"/>
+          </ac:picMkLst>
+        </pc:picChg>
+        <pc:picChg chg="add mod modCrop">
+          <ac:chgData name="Marine BAYET" userId="d4b4ad781415c63a" providerId="LiveId" clId="{0399D419-9F62-4D32-B4D6-785E03637ADB}" dt="2023-01-20T15:54:59.265" v="403" actId="1076"/>
+          <ac:picMkLst>
+            <pc:docMk/>
+            <pc:sldMk cId="3354638903" sldId="277"/>
+            <ac:picMk id="11" creationId="{FE414EEC-92AA-0FCC-DE2F-FE7A44A20429}"/>
+          </ac:picMkLst>
+        </pc:picChg>
+        <pc:picChg chg="add mod modCrop">
+          <ac:chgData name="Marine BAYET" userId="d4b4ad781415c63a" providerId="LiveId" clId="{0399D419-9F62-4D32-B4D6-785E03637ADB}" dt="2023-01-20T15:55:12.748" v="408" actId="1076"/>
+          <ac:picMkLst>
+            <pc:docMk/>
+            <pc:sldMk cId="3354638903" sldId="277"/>
+            <ac:picMk id="13" creationId="{38A6A3EE-33BE-3F5D-AA9E-F8441EED48A5}"/>
+          </ac:picMkLst>
+        </pc:picChg>
+        <pc:picChg chg="add mod modCrop">
+          <ac:chgData name="Marine BAYET" userId="d4b4ad781415c63a" providerId="LiveId" clId="{0399D419-9F62-4D32-B4D6-785E03637ADB}" dt="2023-01-20T15:55:26.549" v="415" actId="1076"/>
+          <ac:picMkLst>
+            <pc:docMk/>
+            <pc:sldMk cId="3354638903" sldId="277"/>
+            <ac:picMk id="15" creationId="{67320CC3-6E9F-394D-3CE5-C9A596530BE7}"/>
+          </ac:picMkLst>
+        </pc:picChg>
+        <pc:cxnChg chg="add">
+          <ac:chgData name="Marine BAYET" userId="d4b4ad781415c63a" providerId="LiveId" clId="{0399D419-9F62-4D32-B4D6-785E03637ADB}" dt="2023-01-20T13:52:50.915" v="339" actId="26606"/>
+          <ac:cxnSpMkLst>
+            <pc:docMk/>
+            <pc:sldMk cId="3354638903" sldId="277"/>
+            <ac:cxnSpMk id="10" creationId="{99AE2756-0FC4-4155-83E7-58AAAB63E757}"/>
+          </ac:cxnSpMkLst>
+        </pc:cxnChg>
+        <pc:cxnChg chg="add">
+          <ac:chgData name="Marine BAYET" userId="d4b4ad781415c63a" providerId="LiveId" clId="{0399D419-9F62-4D32-B4D6-785E03637ADB}" dt="2023-01-20T13:52:50.915" v="339" actId="26606"/>
+          <ac:cxnSpMkLst>
+            <pc:docMk/>
+            <pc:sldMk cId="3354638903" sldId="277"/>
+            <ac:cxnSpMk id="14" creationId="{818DC98F-4057-4645-B948-F604F39A9CFE}"/>
+          </ac:cxnSpMkLst>
+        </pc:cxnChg>
+        <pc:cxnChg chg="add">
+          <ac:chgData name="Marine BAYET" userId="d4b4ad781415c63a" providerId="LiveId" clId="{0399D419-9F62-4D32-B4D6-785E03637ADB}" dt="2023-01-20T13:52:50.915" v="339" actId="26606"/>
+          <ac:cxnSpMkLst>
+            <pc:docMk/>
+            <pc:sldMk cId="3354638903" sldId="277"/>
+            <ac:cxnSpMk id="16" creationId="{DAD2B705-4A9B-408D-AA80-4F41045E09DE}"/>
+          </ac:cxnSpMkLst>
+        </pc:cxnChg>
+      </pc:sldChg>
+      <pc:sldChg chg="delSp add">
+        <pc:chgData name="Marine BAYET" userId="d4b4ad781415c63a" providerId="LiveId" clId="{0399D419-9F62-4D32-B4D6-785E03637ADB}" dt="2023-01-20T14:31:02.284" v="370" actId="478"/>
+        <pc:sldMkLst>
+          <pc:docMk/>
+          <pc:sldMk cId="1522095350" sldId="278"/>
+        </pc:sldMkLst>
+        <pc:picChg chg="del">
+          <ac:chgData name="Marine BAYET" userId="d4b4ad781415c63a" providerId="LiveId" clId="{0399D419-9F62-4D32-B4D6-785E03637ADB}" dt="2023-01-20T14:31:02.284" v="370" actId="478"/>
+          <ac:picMkLst>
+            <pc:docMk/>
+            <pc:sldMk cId="1522095350" sldId="278"/>
+            <ac:picMk id="2" creationId="{C6E08E8F-FBCF-A8AC-ECA7-EC14A97E93C6}"/>
+          </ac:picMkLst>
+        </pc:picChg>
+      </pc:sldChg>
+      <pc:sldChg chg="add replId">
+        <pc:chgData name="Marine BAYET" userId="d4b4ad781415c63a" providerId="LiveId" clId="{0399D419-9F62-4D32-B4D6-785E03637ADB}" dt="2023-01-20T14:30:56.697" v="369" actId="2890"/>
+        <pc:sldMkLst>
+          <pc:docMk/>
+          <pc:sldMk cId="576568646" sldId="279"/>
+        </pc:sldMkLst>
+      </pc:sldChg>
+      <pc:sldChg chg="add replId">
+        <pc:chgData name="Marine BAYET" userId="d4b4ad781415c63a" providerId="LiveId" clId="{0399D419-9F62-4D32-B4D6-785E03637ADB}" dt="2023-01-20T14:30:56.697" v="369" actId="2890"/>
+        <pc:sldMkLst>
+          <pc:docMk/>
+          <pc:sldMk cId="2395780686" sldId="280"/>
+        </pc:sldMkLst>
+      </pc:sldChg>
+    </pc:docChg>
+  </pc:docChgLst>
+  <pc:docChgLst>
     <pc:chgData name="Marine BAYET" userId="d4b4ad781415c63a" providerId="LiveId" clId="{4ADF25BD-3409-486F-9EA1-5117B4103F87}"/>
     <pc:docChg chg="undo custSel addSld delSld modSld">
       <pc:chgData name="Marine BAYET" userId="d4b4ad781415c63a" providerId="LiveId" clId="{4ADF25BD-3409-486F-9EA1-5117B4103F87}" dt="2023-01-11T16:15:27.498" v="741" actId="12788"/>
@@ -2725,910 +3677,6 @@
             <ac:picMk id="12" creationId="{5A0C48E1-5D73-F3D7-0FB4-D749D6806669}"/>
           </ac:picMkLst>
         </pc:picChg>
-      </pc:sldChg>
-    </pc:docChg>
-  </pc:docChgLst>
-  <pc:docChgLst>
-    <pc:chgData name="Marine BAYET" userId="d4b4ad781415c63a" providerId="LiveId" clId="{0399D419-9F62-4D32-B4D6-785E03637ADB}"/>
-    <pc:docChg chg="undo custSel addSld delSld modSld">
-      <pc:chgData name="Marine BAYET" userId="d4b4ad781415c63a" providerId="LiveId" clId="{0399D419-9F62-4D32-B4D6-785E03637ADB}" dt="2023-01-20T14:31:02.284" v="370" actId="478"/>
-      <pc:docMkLst>
-        <pc:docMk/>
-      </pc:docMkLst>
-      <pc:sldChg chg="addSp modSp mod">
-        <pc:chgData name="Marine BAYET" userId="d4b4ad781415c63a" providerId="LiveId" clId="{0399D419-9F62-4D32-B4D6-785E03637ADB}" dt="2023-01-20T13:22:01.549" v="303" actId="20577"/>
-        <pc:sldMkLst>
-          <pc:docMk/>
-          <pc:sldMk cId="1719639563" sldId="259"/>
-        </pc:sldMkLst>
-        <pc:spChg chg="add mod">
-          <ac:chgData name="Marine BAYET" userId="d4b4ad781415c63a" providerId="LiveId" clId="{0399D419-9F62-4D32-B4D6-785E03637ADB}" dt="2023-01-20T13:22:01.549" v="303" actId="20577"/>
-          <ac:spMkLst>
-            <pc:docMk/>
-            <pc:sldMk cId="1719639563" sldId="259"/>
-            <ac:spMk id="2" creationId="{F843581F-C18D-EBE8-1FA8-03A855663C26}"/>
-          </ac:spMkLst>
-        </pc:spChg>
-      </pc:sldChg>
-      <pc:sldChg chg="addSp delSp modSp mod">
-        <pc:chgData name="Marine BAYET" userId="d4b4ad781415c63a" providerId="LiveId" clId="{0399D419-9F62-4D32-B4D6-785E03637ADB}" dt="2023-01-14T14:25:00.945" v="166" actId="164"/>
-        <pc:sldMkLst>
-          <pc:docMk/>
-          <pc:sldMk cId="4180376292" sldId="270"/>
-        </pc:sldMkLst>
-        <pc:spChg chg="add mod">
-          <ac:chgData name="Marine BAYET" userId="d4b4ad781415c63a" providerId="LiveId" clId="{0399D419-9F62-4D32-B4D6-785E03637ADB}" dt="2023-01-14T14:22:31.927" v="153" actId="164"/>
-          <ac:spMkLst>
-            <pc:docMk/>
-            <pc:sldMk cId="4180376292" sldId="270"/>
-            <ac:spMk id="2" creationId="{B701401A-39E0-AA96-C055-6A55DCDA14A4}"/>
-          </ac:spMkLst>
-        </pc:spChg>
-        <pc:spChg chg="add mod ord">
-          <ac:chgData name="Marine BAYET" userId="d4b4ad781415c63a" providerId="LiveId" clId="{0399D419-9F62-4D32-B4D6-785E03637ADB}" dt="2023-01-14T14:22:55.177" v="155" actId="164"/>
-          <ac:spMkLst>
-            <pc:docMk/>
-            <pc:sldMk cId="4180376292" sldId="270"/>
-            <ac:spMk id="38" creationId="{6F927A24-A113-E9B7-59EA-682CCDC1A3CD}"/>
-          </ac:spMkLst>
-        </pc:spChg>
-        <pc:spChg chg="add mod ord">
-          <ac:chgData name="Marine BAYET" userId="d4b4ad781415c63a" providerId="LiveId" clId="{0399D419-9F62-4D32-B4D6-785E03637ADB}" dt="2023-01-14T14:23:53.371" v="158" actId="164"/>
-          <ac:spMkLst>
-            <pc:docMk/>
-            <pc:sldMk cId="4180376292" sldId="270"/>
-            <ac:spMk id="41" creationId="{FFE4059A-4686-5960-F913-0C0C36B0CF59}"/>
-          </ac:spMkLst>
-        </pc:spChg>
-        <pc:spChg chg="add mod ord">
-          <ac:chgData name="Marine BAYET" userId="d4b4ad781415c63a" providerId="LiveId" clId="{0399D419-9F62-4D32-B4D6-785E03637ADB}" dt="2023-01-14T14:24:15.516" v="160" actId="164"/>
-          <ac:spMkLst>
-            <pc:docMk/>
-            <pc:sldMk cId="4180376292" sldId="270"/>
-            <ac:spMk id="43" creationId="{B7567EE3-B6D0-075B-36EC-C9640B2362AD}"/>
-          </ac:spMkLst>
-        </pc:spChg>
-        <pc:spChg chg="add mod ord">
-          <ac:chgData name="Marine BAYET" userId="d4b4ad781415c63a" providerId="LiveId" clId="{0399D419-9F62-4D32-B4D6-785E03637ADB}" dt="2023-01-14T14:24:24.933" v="162" actId="164"/>
-          <ac:spMkLst>
-            <pc:docMk/>
-            <pc:sldMk cId="4180376292" sldId="270"/>
-            <ac:spMk id="45" creationId="{71A878E6-3488-8B75-0D0A-7071691997EB}"/>
-          </ac:spMkLst>
-        </pc:spChg>
-        <pc:spChg chg="add mod ord">
-          <ac:chgData name="Marine BAYET" userId="d4b4ad781415c63a" providerId="LiveId" clId="{0399D419-9F62-4D32-B4D6-785E03637ADB}" dt="2023-01-14T14:24:40.581" v="164" actId="164"/>
-          <ac:spMkLst>
-            <pc:docMk/>
-            <pc:sldMk cId="4180376292" sldId="270"/>
-            <ac:spMk id="47" creationId="{D70A2D3C-5BCB-3F4B-30D5-338701A70232}"/>
-          </ac:spMkLst>
-        </pc:spChg>
-        <pc:spChg chg="add mod">
-          <ac:chgData name="Marine BAYET" userId="d4b4ad781415c63a" providerId="LiveId" clId="{0399D419-9F62-4D32-B4D6-785E03637ADB}" dt="2023-01-14T14:24:49.850" v="165" actId="164"/>
-          <ac:spMkLst>
-            <pc:docMk/>
-            <pc:sldMk cId="4180376292" sldId="270"/>
-            <ac:spMk id="49" creationId="{321CE86D-E1B9-2C93-BC4B-EE3667654F29}"/>
-          </ac:spMkLst>
-        </pc:spChg>
-        <pc:spChg chg="add mod">
-          <ac:chgData name="Marine BAYET" userId="d4b4ad781415c63a" providerId="LiveId" clId="{0399D419-9F62-4D32-B4D6-785E03637ADB}" dt="2023-01-14T14:25:00.945" v="166" actId="164"/>
-          <ac:spMkLst>
-            <pc:docMk/>
-            <pc:sldMk cId="4180376292" sldId="270"/>
-            <ac:spMk id="51" creationId="{C428E198-C6CF-16C7-DBEC-B9C8AB17BA8E}"/>
-          </ac:spMkLst>
-        </pc:spChg>
-        <pc:grpChg chg="add del mod">
-          <ac:chgData name="Marine BAYET" userId="d4b4ad781415c63a" providerId="LiveId" clId="{0399D419-9F62-4D32-B4D6-785E03637ADB}" dt="2023-01-14T14:16:00.577" v="30" actId="165"/>
-          <ac:grpSpMkLst>
-            <pc:docMk/>
-            <pc:sldMk cId="4180376292" sldId="270"/>
-            <ac:grpSpMk id="29" creationId="{581020EF-BBA6-BD97-10D2-D533AC7A610F}"/>
-          </ac:grpSpMkLst>
-        </pc:grpChg>
-        <pc:grpChg chg="del">
-          <ac:chgData name="Marine BAYET" userId="d4b4ad781415c63a" providerId="LiveId" clId="{0399D419-9F62-4D32-B4D6-785E03637ADB}" dt="2023-01-14T14:16:07.447" v="31" actId="165"/>
-          <ac:grpSpMkLst>
-            <pc:docMk/>
-            <pc:sldMk cId="4180376292" sldId="270"/>
-            <ac:grpSpMk id="30" creationId="{8BBE405A-A6C9-563D-2CAD-A393342BAC32}"/>
-          </ac:grpSpMkLst>
-        </pc:grpChg>
-        <pc:grpChg chg="del">
-          <ac:chgData name="Marine BAYET" userId="d4b4ad781415c63a" providerId="LiveId" clId="{0399D419-9F62-4D32-B4D6-785E03637ADB}" dt="2023-01-14T14:16:07.447" v="31" actId="165"/>
-          <ac:grpSpMkLst>
-            <pc:docMk/>
-            <pc:sldMk cId="4180376292" sldId="270"/>
-            <ac:grpSpMk id="31" creationId="{4E5A7E7E-0215-E478-0D96-8DF34C3FA399}"/>
-          </ac:grpSpMkLst>
-        </pc:grpChg>
-        <pc:grpChg chg="del">
-          <ac:chgData name="Marine BAYET" userId="d4b4ad781415c63a" providerId="LiveId" clId="{0399D419-9F62-4D32-B4D6-785E03637ADB}" dt="2023-01-14T14:16:07.447" v="31" actId="165"/>
-          <ac:grpSpMkLst>
-            <pc:docMk/>
-            <pc:sldMk cId="4180376292" sldId="270"/>
-            <ac:grpSpMk id="33" creationId="{694CD2DD-6FC1-368D-9584-ACF81D6959E6}"/>
-          </ac:grpSpMkLst>
-        </pc:grpChg>
-        <pc:grpChg chg="del">
-          <ac:chgData name="Marine BAYET" userId="d4b4ad781415c63a" providerId="LiveId" clId="{0399D419-9F62-4D32-B4D6-785E03637ADB}" dt="2023-01-14T14:16:07.447" v="31" actId="165"/>
-          <ac:grpSpMkLst>
-            <pc:docMk/>
-            <pc:sldMk cId="4180376292" sldId="270"/>
-            <ac:grpSpMk id="34" creationId="{84C3A43D-2C06-EF1D-C6B9-F068D39B4091}"/>
-          </ac:grpSpMkLst>
-        </pc:grpChg>
-        <pc:grpChg chg="del">
-          <ac:chgData name="Marine BAYET" userId="d4b4ad781415c63a" providerId="LiveId" clId="{0399D419-9F62-4D32-B4D6-785E03637ADB}" dt="2023-01-14T14:16:07.447" v="31" actId="165"/>
-          <ac:grpSpMkLst>
-            <pc:docMk/>
-            <pc:sldMk cId="4180376292" sldId="270"/>
-            <ac:grpSpMk id="35" creationId="{ADD7F4EA-3DEA-4BE0-B113-ED678E62DFB6}"/>
-          </ac:grpSpMkLst>
-        </pc:grpChg>
-        <pc:grpChg chg="add mod">
-          <ac:chgData name="Marine BAYET" userId="d4b4ad781415c63a" providerId="LiveId" clId="{0399D419-9F62-4D32-B4D6-785E03637ADB}" dt="2023-01-14T14:22:31.927" v="153" actId="164"/>
-          <ac:grpSpMkLst>
-            <pc:docMk/>
-            <pc:sldMk cId="4180376292" sldId="270"/>
-            <ac:grpSpMk id="53" creationId="{102ABEE5-4B0B-EB4C-4EEA-C5BC629CC960}"/>
-          </ac:grpSpMkLst>
-        </pc:grpChg>
-        <pc:grpChg chg="add mod">
-          <ac:chgData name="Marine BAYET" userId="d4b4ad781415c63a" providerId="LiveId" clId="{0399D419-9F62-4D32-B4D6-785E03637ADB}" dt="2023-01-14T14:22:55.177" v="155" actId="164"/>
-          <ac:grpSpMkLst>
-            <pc:docMk/>
-            <pc:sldMk cId="4180376292" sldId="270"/>
-            <ac:grpSpMk id="54" creationId="{8FFAB02E-D7B9-0AAE-C418-1EC7D91614A7}"/>
-          </ac:grpSpMkLst>
-        </pc:grpChg>
-        <pc:grpChg chg="add mod">
-          <ac:chgData name="Marine BAYET" userId="d4b4ad781415c63a" providerId="LiveId" clId="{0399D419-9F62-4D32-B4D6-785E03637ADB}" dt="2023-01-14T14:23:53.371" v="158" actId="164"/>
-          <ac:grpSpMkLst>
-            <pc:docMk/>
-            <pc:sldMk cId="4180376292" sldId="270"/>
-            <ac:grpSpMk id="55" creationId="{15B3F44C-87E0-BD02-83A1-179BC92C2D06}"/>
-          </ac:grpSpMkLst>
-        </pc:grpChg>
-        <pc:grpChg chg="add mod">
-          <ac:chgData name="Marine BAYET" userId="d4b4ad781415c63a" providerId="LiveId" clId="{0399D419-9F62-4D32-B4D6-785E03637ADB}" dt="2023-01-14T14:24:15.516" v="160" actId="164"/>
-          <ac:grpSpMkLst>
-            <pc:docMk/>
-            <pc:sldMk cId="4180376292" sldId="270"/>
-            <ac:grpSpMk id="56" creationId="{093D39C7-48B8-7A2D-AC22-BB73AC0B21F5}"/>
-          </ac:grpSpMkLst>
-        </pc:grpChg>
-        <pc:grpChg chg="add mod">
-          <ac:chgData name="Marine BAYET" userId="d4b4ad781415c63a" providerId="LiveId" clId="{0399D419-9F62-4D32-B4D6-785E03637ADB}" dt="2023-01-14T14:24:24.933" v="162" actId="164"/>
-          <ac:grpSpMkLst>
-            <pc:docMk/>
-            <pc:sldMk cId="4180376292" sldId="270"/>
-            <ac:grpSpMk id="57" creationId="{E6C3B5CB-5202-5326-52E0-3ACCD151D713}"/>
-          </ac:grpSpMkLst>
-        </pc:grpChg>
-        <pc:grpChg chg="add mod">
-          <ac:chgData name="Marine BAYET" userId="d4b4ad781415c63a" providerId="LiveId" clId="{0399D419-9F62-4D32-B4D6-785E03637ADB}" dt="2023-01-14T14:24:40.581" v="164" actId="164"/>
-          <ac:grpSpMkLst>
-            <pc:docMk/>
-            <pc:sldMk cId="4180376292" sldId="270"/>
-            <ac:grpSpMk id="58" creationId="{511DC13A-D86D-C3A5-3EBE-3571AF2BC9CB}"/>
-          </ac:grpSpMkLst>
-        </pc:grpChg>
-        <pc:grpChg chg="add mod">
-          <ac:chgData name="Marine BAYET" userId="d4b4ad781415c63a" providerId="LiveId" clId="{0399D419-9F62-4D32-B4D6-785E03637ADB}" dt="2023-01-14T14:24:49.850" v="165" actId="164"/>
-          <ac:grpSpMkLst>
-            <pc:docMk/>
-            <pc:sldMk cId="4180376292" sldId="270"/>
-            <ac:grpSpMk id="59" creationId="{38F2E2EB-A669-4782-B05C-337A968D6A33}"/>
-          </ac:grpSpMkLst>
-        </pc:grpChg>
-        <pc:grpChg chg="add mod">
-          <ac:chgData name="Marine BAYET" userId="d4b4ad781415c63a" providerId="LiveId" clId="{0399D419-9F62-4D32-B4D6-785E03637ADB}" dt="2023-01-14T14:25:00.945" v="166" actId="164"/>
-          <ac:grpSpMkLst>
-            <pc:docMk/>
-            <pc:sldMk cId="4180376292" sldId="270"/>
-            <ac:grpSpMk id="60" creationId="{A8F4ABCE-0B69-5976-6F1A-EE189AD9E69F}"/>
-          </ac:grpSpMkLst>
-        </pc:grpChg>
-        <pc:picChg chg="add del mod topLvl">
-          <ac:chgData name="Marine BAYET" userId="d4b4ad781415c63a" providerId="LiveId" clId="{0399D419-9F62-4D32-B4D6-785E03637ADB}" dt="2023-01-14T14:22:31.927" v="153" actId="164"/>
-          <ac:picMkLst>
-            <pc:docMk/>
-            <pc:sldMk cId="4180376292" sldId="270"/>
-            <ac:picMk id="14" creationId="{B21D91EA-9601-5593-3EA1-1DD4863970C5}"/>
-          </ac:picMkLst>
-        </pc:picChg>
-        <pc:picChg chg="add del mod topLvl">
-          <ac:chgData name="Marine BAYET" userId="d4b4ad781415c63a" providerId="LiveId" clId="{0399D419-9F62-4D32-B4D6-785E03637ADB}" dt="2023-01-14T14:22:55.177" v="155" actId="164"/>
-          <ac:picMkLst>
-            <pc:docMk/>
-            <pc:sldMk cId="4180376292" sldId="270"/>
-            <ac:picMk id="15" creationId="{31F6879F-4A00-0082-32E2-25453464D6A6}"/>
-          </ac:picMkLst>
-        </pc:picChg>
-        <pc:picChg chg="mod topLvl">
-          <ac:chgData name="Marine BAYET" userId="d4b4ad781415c63a" providerId="LiveId" clId="{0399D419-9F62-4D32-B4D6-785E03637ADB}" dt="2023-01-14T14:23:53.371" v="158" actId="164"/>
-          <ac:picMkLst>
-            <pc:docMk/>
-            <pc:sldMk cId="4180376292" sldId="270"/>
-            <ac:picMk id="16" creationId="{AA509538-315A-F877-A4C0-B85B878D61E3}"/>
-          </ac:picMkLst>
-        </pc:picChg>
-        <pc:picChg chg="mod">
-          <ac:chgData name="Marine BAYET" userId="d4b4ad781415c63a" providerId="LiveId" clId="{0399D419-9F62-4D32-B4D6-785E03637ADB}" dt="2023-01-14T14:24:15.516" v="160" actId="164"/>
-          <ac:picMkLst>
-            <pc:docMk/>
-            <pc:sldMk cId="4180376292" sldId="270"/>
-            <ac:picMk id="17" creationId="{DC648DDC-A70F-FF61-2A6E-2745C7CC9C0D}"/>
-          </ac:picMkLst>
-        </pc:picChg>
-        <pc:picChg chg="mod topLvl">
-          <ac:chgData name="Marine BAYET" userId="d4b4ad781415c63a" providerId="LiveId" clId="{0399D419-9F62-4D32-B4D6-785E03637ADB}" dt="2023-01-14T14:24:24.933" v="162" actId="164"/>
-          <ac:picMkLst>
-            <pc:docMk/>
-            <pc:sldMk cId="4180376292" sldId="270"/>
-            <ac:picMk id="18" creationId="{FFD0E026-2C63-A2C7-D5CD-A0EF7F3897CD}"/>
-          </ac:picMkLst>
-        </pc:picChg>
-        <pc:picChg chg="mod topLvl">
-          <ac:chgData name="Marine BAYET" userId="d4b4ad781415c63a" providerId="LiveId" clId="{0399D419-9F62-4D32-B4D6-785E03637ADB}" dt="2023-01-14T14:24:40.581" v="164" actId="164"/>
-          <ac:picMkLst>
-            <pc:docMk/>
-            <pc:sldMk cId="4180376292" sldId="270"/>
-            <ac:picMk id="19" creationId="{58CC56AD-B1C6-532B-59E3-7CF84A3991A1}"/>
-          </ac:picMkLst>
-        </pc:picChg>
-        <pc:picChg chg="mod topLvl">
-          <ac:chgData name="Marine BAYET" userId="d4b4ad781415c63a" providerId="LiveId" clId="{0399D419-9F62-4D32-B4D6-785E03637ADB}" dt="2023-01-14T14:24:49.850" v="165" actId="164"/>
-          <ac:picMkLst>
-            <pc:docMk/>
-            <pc:sldMk cId="4180376292" sldId="270"/>
-            <ac:picMk id="20" creationId="{1E273A9D-0234-FC59-0635-3CB19CF4DB4D}"/>
-          </ac:picMkLst>
-        </pc:picChg>
-        <pc:picChg chg="mod">
-          <ac:chgData name="Marine BAYET" userId="d4b4ad781415c63a" providerId="LiveId" clId="{0399D419-9F62-4D32-B4D6-785E03637ADB}" dt="2023-01-14T14:25:00.945" v="166" actId="164"/>
-          <ac:picMkLst>
-            <pc:docMk/>
-            <pc:sldMk cId="4180376292" sldId="270"/>
-            <ac:picMk id="21" creationId="{5DA0DC77-42E9-AB31-77B0-F66DA56A154A}"/>
-          </ac:picMkLst>
-        </pc:picChg>
-        <pc:picChg chg="del mod topLvl">
-          <ac:chgData name="Marine BAYET" userId="d4b4ad781415c63a" providerId="LiveId" clId="{0399D419-9F62-4D32-B4D6-785E03637ADB}" dt="2023-01-14T14:17:53.950" v="67" actId="478"/>
-          <ac:picMkLst>
-            <pc:docMk/>
-            <pc:sldMk cId="4180376292" sldId="270"/>
-            <ac:picMk id="22" creationId="{86CC6CDA-F2A7-4852-C0B5-EB36F308F677}"/>
-          </ac:picMkLst>
-        </pc:picChg>
-        <pc:picChg chg="del mod topLvl">
-          <ac:chgData name="Marine BAYET" userId="d4b4ad781415c63a" providerId="LiveId" clId="{0399D419-9F62-4D32-B4D6-785E03637ADB}" dt="2023-01-14T14:17:53.950" v="67" actId="478"/>
-          <ac:picMkLst>
-            <pc:docMk/>
-            <pc:sldMk cId="4180376292" sldId="270"/>
-            <ac:picMk id="23" creationId="{05DD5754-396A-8C07-B8E6-F334394062A4}"/>
-          </ac:picMkLst>
-        </pc:picChg>
-        <pc:picChg chg="del mod topLvl">
-          <ac:chgData name="Marine BAYET" userId="d4b4ad781415c63a" providerId="LiveId" clId="{0399D419-9F62-4D32-B4D6-785E03637ADB}" dt="2023-01-14T14:17:53.950" v="67" actId="478"/>
-          <ac:picMkLst>
-            <pc:docMk/>
-            <pc:sldMk cId="4180376292" sldId="270"/>
-            <ac:picMk id="24" creationId="{88C47114-175F-8371-BC6A-808824F2EB50}"/>
-          </ac:picMkLst>
-        </pc:picChg>
-        <pc:picChg chg="del">
-          <ac:chgData name="Marine BAYET" userId="d4b4ad781415c63a" providerId="LiveId" clId="{0399D419-9F62-4D32-B4D6-785E03637ADB}" dt="2023-01-14T14:17:53.950" v="67" actId="478"/>
-          <ac:picMkLst>
-            <pc:docMk/>
-            <pc:sldMk cId="4180376292" sldId="270"/>
-            <ac:picMk id="25" creationId="{0A5AAF80-5363-89B2-DB17-00C879E1B781}"/>
-          </ac:picMkLst>
-        </pc:picChg>
-        <pc:picChg chg="del mod topLvl">
-          <ac:chgData name="Marine BAYET" userId="d4b4ad781415c63a" providerId="LiveId" clId="{0399D419-9F62-4D32-B4D6-785E03637ADB}" dt="2023-01-14T14:17:53.950" v="67" actId="478"/>
-          <ac:picMkLst>
-            <pc:docMk/>
-            <pc:sldMk cId="4180376292" sldId="270"/>
-            <ac:picMk id="26" creationId="{63C64A6F-59A2-6065-8344-96A270261A5B}"/>
-          </ac:picMkLst>
-        </pc:picChg>
-        <pc:picChg chg="del mod topLvl">
-          <ac:chgData name="Marine BAYET" userId="d4b4ad781415c63a" providerId="LiveId" clId="{0399D419-9F62-4D32-B4D6-785E03637ADB}" dt="2023-01-14T14:17:53.950" v="67" actId="478"/>
-          <ac:picMkLst>
-            <pc:docMk/>
-            <pc:sldMk cId="4180376292" sldId="270"/>
-            <ac:picMk id="27" creationId="{A63CB1C6-786F-4158-F729-C36822E0CAAF}"/>
-          </ac:picMkLst>
-        </pc:picChg>
-        <pc:picChg chg="del">
-          <ac:chgData name="Marine BAYET" userId="d4b4ad781415c63a" providerId="LiveId" clId="{0399D419-9F62-4D32-B4D6-785E03637ADB}" dt="2023-01-14T14:17:53.950" v="67" actId="478"/>
-          <ac:picMkLst>
-            <pc:docMk/>
-            <pc:sldMk cId="4180376292" sldId="270"/>
-            <ac:picMk id="28" creationId="{44667EE0-2F3A-7B5B-36B4-97FB1BE3FEF6}"/>
-          </ac:picMkLst>
-        </pc:picChg>
-        <pc:picChg chg="add del mod">
-          <ac:chgData name="Marine BAYET" userId="d4b4ad781415c63a" providerId="LiveId" clId="{0399D419-9F62-4D32-B4D6-785E03637ADB}" dt="2023-01-14T14:15:45.331" v="22" actId="478"/>
-          <ac:picMkLst>
-            <pc:docMk/>
-            <pc:sldMk cId="4180376292" sldId="270"/>
-            <ac:picMk id="32" creationId="{8A25FDF6-FF1E-FC2D-A5D6-F18D188064C6}"/>
-          </ac:picMkLst>
-        </pc:picChg>
-        <pc:picChg chg="add mod">
-          <ac:chgData name="Marine BAYET" userId="d4b4ad781415c63a" providerId="LiveId" clId="{0399D419-9F62-4D32-B4D6-785E03637ADB}" dt="2023-01-14T14:22:31.927" v="153" actId="164"/>
-          <ac:picMkLst>
-            <pc:docMk/>
-            <pc:sldMk cId="4180376292" sldId="270"/>
-            <ac:picMk id="37" creationId="{47FC092F-11A0-7363-2D3C-90BD87FD2723}"/>
-          </ac:picMkLst>
-        </pc:picChg>
-        <pc:picChg chg="add mod ord">
-          <ac:chgData name="Marine BAYET" userId="d4b4ad781415c63a" providerId="LiveId" clId="{0399D419-9F62-4D32-B4D6-785E03637ADB}" dt="2023-01-14T14:22:55.177" v="155" actId="164"/>
-          <ac:picMkLst>
-            <pc:docMk/>
-            <pc:sldMk cId="4180376292" sldId="270"/>
-            <ac:picMk id="39" creationId="{B0B88CDA-BBEE-B69E-856B-1D13FAD442D9}"/>
-          </ac:picMkLst>
-        </pc:picChg>
-        <pc:picChg chg="add del mod">
-          <ac:chgData name="Marine BAYET" userId="d4b4ad781415c63a" providerId="LiveId" clId="{0399D419-9F62-4D32-B4D6-785E03637ADB}" dt="2023-01-14T14:19:11.543" v="119" actId="478"/>
-          <ac:picMkLst>
-            <pc:docMk/>
-            <pc:sldMk cId="4180376292" sldId="270"/>
-            <ac:picMk id="40" creationId="{902E256E-BD12-718C-E023-034B20C061CF}"/>
-          </ac:picMkLst>
-        </pc:picChg>
-        <pc:picChg chg="add mod ord">
-          <ac:chgData name="Marine BAYET" userId="d4b4ad781415c63a" providerId="LiveId" clId="{0399D419-9F62-4D32-B4D6-785E03637ADB}" dt="2023-01-14T14:23:53.371" v="158" actId="164"/>
-          <ac:picMkLst>
-            <pc:docMk/>
-            <pc:sldMk cId="4180376292" sldId="270"/>
-            <ac:picMk id="42" creationId="{03220851-5E93-3004-0F9C-56F157B48F6D}"/>
-          </ac:picMkLst>
-        </pc:picChg>
-        <pc:picChg chg="add mod ord">
-          <ac:chgData name="Marine BAYET" userId="d4b4ad781415c63a" providerId="LiveId" clId="{0399D419-9F62-4D32-B4D6-785E03637ADB}" dt="2023-01-14T14:24:15.516" v="160" actId="164"/>
-          <ac:picMkLst>
-            <pc:docMk/>
-            <pc:sldMk cId="4180376292" sldId="270"/>
-            <ac:picMk id="44" creationId="{AFCBC6F6-32A8-AD2B-ECC9-EF1CB437F98D}"/>
-          </ac:picMkLst>
-        </pc:picChg>
-        <pc:picChg chg="add mod ord">
-          <ac:chgData name="Marine BAYET" userId="d4b4ad781415c63a" providerId="LiveId" clId="{0399D419-9F62-4D32-B4D6-785E03637ADB}" dt="2023-01-14T14:24:24.933" v="162" actId="164"/>
-          <ac:picMkLst>
-            <pc:docMk/>
-            <pc:sldMk cId="4180376292" sldId="270"/>
-            <ac:picMk id="46" creationId="{7B3EB970-3C96-6870-3746-B4616937B5B7}"/>
-          </ac:picMkLst>
-        </pc:picChg>
-        <pc:picChg chg="add mod ord">
-          <ac:chgData name="Marine BAYET" userId="d4b4ad781415c63a" providerId="LiveId" clId="{0399D419-9F62-4D32-B4D6-785E03637ADB}" dt="2023-01-14T14:24:40.581" v="164" actId="164"/>
-          <ac:picMkLst>
-            <pc:docMk/>
-            <pc:sldMk cId="4180376292" sldId="270"/>
-            <ac:picMk id="48" creationId="{393E7098-8726-5251-07F9-B6107B94E583}"/>
-          </ac:picMkLst>
-        </pc:picChg>
-        <pc:picChg chg="add mod">
-          <ac:chgData name="Marine BAYET" userId="d4b4ad781415c63a" providerId="LiveId" clId="{0399D419-9F62-4D32-B4D6-785E03637ADB}" dt="2023-01-14T14:24:49.850" v="165" actId="164"/>
-          <ac:picMkLst>
-            <pc:docMk/>
-            <pc:sldMk cId="4180376292" sldId="270"/>
-            <ac:picMk id="50" creationId="{0D583D31-6180-C0F6-21AE-C14E483D015B}"/>
-          </ac:picMkLst>
-        </pc:picChg>
-        <pc:picChg chg="add mod">
-          <ac:chgData name="Marine BAYET" userId="d4b4ad781415c63a" providerId="LiveId" clId="{0399D419-9F62-4D32-B4D6-785E03637ADB}" dt="2023-01-14T14:25:00.945" v="166" actId="164"/>
-          <ac:picMkLst>
-            <pc:docMk/>
-            <pc:sldMk cId="4180376292" sldId="270"/>
-            <ac:picMk id="52" creationId="{343021D2-4B1F-AEA8-D61C-91FCA6C2C53A}"/>
-          </ac:picMkLst>
-        </pc:picChg>
-        <pc:picChg chg="del mod topLvl">
-          <ac:chgData name="Marine BAYET" userId="d4b4ad781415c63a" providerId="LiveId" clId="{0399D419-9F62-4D32-B4D6-785E03637ADB}" dt="2023-01-14T14:16:23.692" v="35" actId="478"/>
-          <ac:picMkLst>
-            <pc:docMk/>
-            <pc:sldMk cId="4180376292" sldId="270"/>
-            <ac:picMk id="12292" creationId="{123F15A6-7574-AD77-415F-810AC8EA75F1}"/>
-          </ac:picMkLst>
-        </pc:picChg>
-      </pc:sldChg>
-      <pc:sldChg chg="addSp delSp modSp new mod">
-        <pc:chgData name="Marine BAYET" userId="d4b4ad781415c63a" providerId="LiveId" clId="{0399D419-9F62-4D32-B4D6-785E03637ADB}" dt="2023-01-14T14:52:39.744" v="288" actId="196"/>
-        <pc:sldMkLst>
-          <pc:docMk/>
-          <pc:sldMk cId="1733317260" sldId="275"/>
-        </pc:sldMkLst>
-        <pc:spChg chg="del">
-          <ac:chgData name="Marine BAYET" userId="d4b4ad781415c63a" providerId="LiveId" clId="{0399D419-9F62-4D32-B4D6-785E03637ADB}" dt="2023-01-14T14:38:42.144" v="253" actId="478"/>
-          <ac:spMkLst>
-            <pc:docMk/>
-            <pc:sldMk cId="1733317260" sldId="275"/>
-            <ac:spMk id="2" creationId="{5025CF76-B94A-7BD5-1910-CCC8D17A6B2B}"/>
-          </ac:spMkLst>
-        </pc:spChg>
-        <pc:spChg chg="del">
-          <ac:chgData name="Marine BAYET" userId="d4b4ad781415c63a" providerId="LiveId" clId="{0399D419-9F62-4D32-B4D6-785E03637ADB}" dt="2023-01-14T14:38:49.785" v="254"/>
-          <ac:spMkLst>
-            <pc:docMk/>
-            <pc:sldMk cId="1733317260" sldId="275"/>
-            <ac:spMk id="3" creationId="{9B29F9BE-A58B-9EE8-4F63-D23B42F61BB5}"/>
-          </ac:spMkLst>
-        </pc:spChg>
-        <pc:picChg chg="add mod">
-          <ac:chgData name="Marine BAYET" userId="d4b4ad781415c63a" providerId="LiveId" clId="{0399D419-9F62-4D32-B4D6-785E03637ADB}" dt="2023-01-14T14:40:04.981" v="279" actId="1076"/>
-          <ac:picMkLst>
-            <pc:docMk/>
-            <pc:sldMk cId="1733317260" sldId="275"/>
-            <ac:picMk id="5" creationId="{342513D9-4975-935D-2ED2-273C6DE15B89}"/>
-          </ac:picMkLst>
-        </pc:picChg>
-        <pc:picChg chg="add mod">
-          <ac:chgData name="Marine BAYET" userId="d4b4ad781415c63a" providerId="LiveId" clId="{0399D419-9F62-4D32-B4D6-785E03637ADB}" dt="2023-01-14T14:40:08.562" v="282" actId="1076"/>
-          <ac:picMkLst>
-            <pc:docMk/>
-            <pc:sldMk cId="1733317260" sldId="275"/>
-            <ac:picMk id="7" creationId="{5BDD7DE8-2CD1-4ABD-5055-2D7E197022E4}"/>
-          </ac:picMkLst>
-        </pc:picChg>
-        <pc:picChg chg="add mod">
-          <ac:chgData name="Marine BAYET" userId="d4b4ad781415c63a" providerId="LiveId" clId="{0399D419-9F62-4D32-B4D6-785E03637ADB}" dt="2023-01-14T14:40:07.493" v="281" actId="1076"/>
-          <ac:picMkLst>
-            <pc:docMk/>
-            <pc:sldMk cId="1733317260" sldId="275"/>
-            <ac:picMk id="9" creationId="{39CE6F83-89CE-A72B-2D7B-89DED82D2EAD}"/>
-          </ac:picMkLst>
-        </pc:picChg>
-        <pc:picChg chg="add mod">
-          <ac:chgData name="Marine BAYET" userId="d4b4ad781415c63a" providerId="LiveId" clId="{0399D419-9F62-4D32-B4D6-785E03637ADB}" dt="2023-01-14T14:40:09.475" v="283" actId="1076"/>
-          <ac:picMkLst>
-            <pc:docMk/>
-            <pc:sldMk cId="1733317260" sldId="275"/>
-            <ac:picMk id="11" creationId="{D561E9DD-8FE7-7457-5C32-0B7FBBE47918}"/>
-          </ac:picMkLst>
-        </pc:picChg>
-        <pc:picChg chg="add mod">
-          <ac:chgData name="Marine BAYET" userId="d4b4ad781415c63a" providerId="LiveId" clId="{0399D419-9F62-4D32-B4D6-785E03637ADB}" dt="2023-01-14T14:40:10.219" v="284" actId="1076"/>
-          <ac:picMkLst>
-            <pc:docMk/>
-            <pc:sldMk cId="1733317260" sldId="275"/>
-            <ac:picMk id="13" creationId="{A39654FE-1713-0BDE-2461-2EF098AA9B41}"/>
-          </ac:picMkLst>
-        </pc:picChg>
-        <pc:picChg chg="add mod">
-          <ac:chgData name="Marine BAYET" userId="d4b4ad781415c63a" providerId="LiveId" clId="{0399D419-9F62-4D32-B4D6-785E03637ADB}" dt="2023-01-14T14:40:11.227" v="285" actId="1076"/>
-          <ac:picMkLst>
-            <pc:docMk/>
-            <pc:sldMk cId="1733317260" sldId="275"/>
-            <ac:picMk id="15" creationId="{32626B01-253A-3A1A-79B8-D98B9868A1C1}"/>
-          </ac:picMkLst>
-        </pc:picChg>
-        <pc:picChg chg="add mod">
-          <ac:chgData name="Marine BAYET" userId="d4b4ad781415c63a" providerId="LiveId" clId="{0399D419-9F62-4D32-B4D6-785E03637ADB}" dt="2023-01-14T14:52:39.744" v="288" actId="196"/>
-          <ac:picMkLst>
-            <pc:docMk/>
-            <pc:sldMk cId="1733317260" sldId="275"/>
-            <ac:picMk id="16" creationId="{DF362733-E550-7F92-7808-8070F1126A14}"/>
-          </ac:picMkLst>
-        </pc:picChg>
-        <pc:picChg chg="add mod">
-          <ac:chgData name="Marine BAYET" userId="d4b4ad781415c63a" providerId="LiveId" clId="{0399D419-9F62-4D32-B4D6-785E03637ADB}" dt="2023-01-14T14:52:39.744" v="288" actId="196"/>
-          <ac:picMkLst>
-            <pc:docMk/>
-            <pc:sldMk cId="1733317260" sldId="275"/>
-            <ac:picMk id="17" creationId="{63ABC971-849D-E80F-D5E9-4C7F973A9C50}"/>
-          </ac:picMkLst>
-        </pc:picChg>
-        <pc:picChg chg="add mod">
-          <ac:chgData name="Marine BAYET" userId="d4b4ad781415c63a" providerId="LiveId" clId="{0399D419-9F62-4D32-B4D6-785E03637ADB}" dt="2023-01-14T14:52:39.744" v="288" actId="196"/>
-          <ac:picMkLst>
-            <pc:docMk/>
-            <pc:sldMk cId="1733317260" sldId="275"/>
-            <ac:picMk id="18" creationId="{7F73CE16-A912-188A-6033-F0A913757854}"/>
-          </ac:picMkLst>
-        </pc:picChg>
-        <pc:picChg chg="add mod">
-          <ac:chgData name="Marine BAYET" userId="d4b4ad781415c63a" providerId="LiveId" clId="{0399D419-9F62-4D32-B4D6-785E03637ADB}" dt="2023-01-14T14:52:39.744" v="288" actId="196"/>
-          <ac:picMkLst>
-            <pc:docMk/>
-            <pc:sldMk cId="1733317260" sldId="275"/>
-            <ac:picMk id="19" creationId="{55CF8F9D-69CB-BD7E-C8FA-4C7721A22883}"/>
-          </ac:picMkLst>
-        </pc:picChg>
-        <pc:picChg chg="add mod">
-          <ac:chgData name="Marine BAYET" userId="d4b4ad781415c63a" providerId="LiveId" clId="{0399D419-9F62-4D32-B4D6-785E03637ADB}" dt="2023-01-14T14:52:39.744" v="288" actId="196"/>
-          <ac:picMkLst>
-            <pc:docMk/>
-            <pc:sldMk cId="1733317260" sldId="275"/>
-            <ac:picMk id="20" creationId="{09DF1921-BF8B-EEEC-8899-4D07A45C3504}"/>
-          </ac:picMkLst>
-        </pc:picChg>
-        <pc:picChg chg="add mod">
-          <ac:chgData name="Marine BAYET" userId="d4b4ad781415c63a" providerId="LiveId" clId="{0399D419-9F62-4D32-B4D6-785E03637ADB}" dt="2023-01-14T14:52:39.744" v="288" actId="196"/>
-          <ac:picMkLst>
-            <pc:docMk/>
-            <pc:sldMk cId="1733317260" sldId="275"/>
-            <ac:picMk id="21" creationId="{588C1A51-9F8A-0BE0-1736-8E77C8B12984}"/>
-          </ac:picMkLst>
-        </pc:picChg>
-      </pc:sldChg>
-      <pc:sldChg chg="addSp delSp modSp new del mod">
-        <pc:chgData name="Marine BAYET" userId="d4b4ad781415c63a" providerId="LiveId" clId="{0399D419-9F62-4D32-B4D6-785E03637ADB}" dt="2023-01-14T14:38:37.723" v="251" actId="680"/>
-        <pc:sldMkLst>
-          <pc:docMk/>
-          <pc:sldMk cId="3838309396" sldId="275"/>
-        </pc:sldMkLst>
-        <pc:spChg chg="add del">
-          <ac:chgData name="Marine BAYET" userId="d4b4ad781415c63a" providerId="LiveId" clId="{0399D419-9F62-4D32-B4D6-785E03637ADB}" dt="2023-01-14T14:38:37.212" v="250" actId="478"/>
-          <ac:spMkLst>
-            <pc:docMk/>
-            <pc:sldMk cId="3838309396" sldId="275"/>
-            <ac:spMk id="2" creationId="{A3F93C0F-0FE0-5972-DF4D-2CC3D0E12BD0}"/>
-          </ac:spMkLst>
-        </pc:spChg>
-        <pc:spChg chg="add del">
-          <ac:chgData name="Marine BAYET" userId="d4b4ad781415c63a" providerId="LiveId" clId="{0399D419-9F62-4D32-B4D6-785E03637ADB}" dt="2023-01-14T14:38:37.185" v="249" actId="478"/>
-          <ac:spMkLst>
-            <pc:docMk/>
-            <pc:sldMk cId="3838309396" sldId="275"/>
-            <ac:spMk id="3" creationId="{29BC49E9-6859-FE61-5D1B-C07D1C3CEE18}"/>
-          </ac:spMkLst>
-        </pc:spChg>
-        <pc:picChg chg="add del mod">
-          <ac:chgData name="Marine BAYET" userId="d4b4ad781415c63a" providerId="LiveId" clId="{0399D419-9F62-4D32-B4D6-785E03637ADB}" dt="2023-01-14T14:38:37.052" v="246"/>
-          <ac:picMkLst>
-            <pc:docMk/>
-            <pc:sldMk cId="3838309396" sldId="275"/>
-            <ac:picMk id="5" creationId="{F326D89B-62E8-FF36-DDFA-D91CD1E30A31}"/>
-          </ac:picMkLst>
-        </pc:picChg>
-        <pc:picChg chg="add del mod">
-          <ac:chgData name="Marine BAYET" userId="d4b4ad781415c63a" providerId="LiveId" clId="{0399D419-9F62-4D32-B4D6-785E03637ADB}" dt="2023-01-14T14:38:37.052" v="246"/>
-          <ac:picMkLst>
-            <pc:docMk/>
-            <pc:sldMk cId="3838309396" sldId="275"/>
-            <ac:picMk id="7" creationId="{2203CCE4-9E36-2093-3443-91A30DB8F31D}"/>
-          </ac:picMkLst>
-        </pc:picChg>
-        <pc:picChg chg="add del mod">
-          <ac:chgData name="Marine BAYET" userId="d4b4ad781415c63a" providerId="LiveId" clId="{0399D419-9F62-4D32-B4D6-785E03637ADB}" dt="2023-01-14T14:38:37.052" v="246"/>
-          <ac:picMkLst>
-            <pc:docMk/>
-            <pc:sldMk cId="3838309396" sldId="275"/>
-            <ac:picMk id="9" creationId="{EA1E988D-1B6D-4B1D-43A4-78689819E7D3}"/>
-          </ac:picMkLst>
-        </pc:picChg>
-        <pc:picChg chg="add del mod">
-          <ac:chgData name="Marine BAYET" userId="d4b4ad781415c63a" providerId="LiveId" clId="{0399D419-9F62-4D32-B4D6-785E03637ADB}" dt="2023-01-14T14:38:37.052" v="246"/>
-          <ac:picMkLst>
-            <pc:docMk/>
-            <pc:sldMk cId="3838309396" sldId="275"/>
-            <ac:picMk id="11" creationId="{08DD9ADB-847E-80D5-8E1A-FDEAE321CDAE}"/>
-          </ac:picMkLst>
-        </pc:picChg>
-        <pc:picChg chg="add del mod">
-          <ac:chgData name="Marine BAYET" userId="d4b4ad781415c63a" providerId="LiveId" clId="{0399D419-9F62-4D32-B4D6-785E03637ADB}" dt="2023-01-14T14:38:37.052" v="246"/>
-          <ac:picMkLst>
-            <pc:docMk/>
-            <pc:sldMk cId="3838309396" sldId="275"/>
-            <ac:picMk id="13" creationId="{B4F72142-2EBB-1275-32B0-9B65EFE9A357}"/>
-          </ac:picMkLst>
-        </pc:picChg>
-        <pc:picChg chg="add del mod">
-          <ac:chgData name="Marine BAYET" userId="d4b4ad781415c63a" providerId="LiveId" clId="{0399D419-9F62-4D32-B4D6-785E03637ADB}" dt="2023-01-14T14:38:37.052" v="246"/>
-          <ac:picMkLst>
-            <pc:docMk/>
-            <pc:sldMk cId="3838309396" sldId="275"/>
-            <ac:picMk id="15" creationId="{D492044D-84BD-CF32-7BBA-18B3ECA4857B}"/>
-          </ac:picMkLst>
-        </pc:picChg>
-        <pc:picChg chg="add del mod">
-          <ac:chgData name="Marine BAYET" userId="d4b4ad781415c63a" providerId="LiveId" clId="{0399D419-9F62-4D32-B4D6-785E03637ADB}" dt="2023-01-14T14:38:37.052" v="246"/>
-          <ac:picMkLst>
-            <pc:docMk/>
-            <pc:sldMk cId="3838309396" sldId="275"/>
-            <ac:picMk id="17" creationId="{ACDA176F-F07A-1860-3FAC-B0DC6A612F5C}"/>
-          </ac:picMkLst>
-        </pc:picChg>
-        <pc:picChg chg="add del mod">
-          <ac:chgData name="Marine BAYET" userId="d4b4ad781415c63a" providerId="LiveId" clId="{0399D419-9F62-4D32-B4D6-785E03637ADB}" dt="2023-01-14T14:38:37.052" v="246"/>
-          <ac:picMkLst>
-            <pc:docMk/>
-            <pc:sldMk cId="3838309396" sldId="275"/>
-            <ac:picMk id="19" creationId="{C3EAA96C-2771-F5AE-6F7B-19766A8054CB}"/>
-          </ac:picMkLst>
-        </pc:picChg>
-        <pc:picChg chg="add del mod">
-          <ac:chgData name="Marine BAYET" userId="d4b4ad781415c63a" providerId="LiveId" clId="{0399D419-9F62-4D32-B4D6-785E03637ADB}" dt="2023-01-14T14:38:37.052" v="246"/>
-          <ac:picMkLst>
-            <pc:docMk/>
-            <pc:sldMk cId="3838309396" sldId="275"/>
-            <ac:picMk id="21" creationId="{86693AD4-C2AB-BA82-5474-C3AC40020AC0}"/>
-          </ac:picMkLst>
-        </pc:picChg>
-        <pc:picChg chg="add del mod">
-          <ac:chgData name="Marine BAYET" userId="d4b4ad781415c63a" providerId="LiveId" clId="{0399D419-9F62-4D32-B4D6-785E03637ADB}" dt="2023-01-14T14:38:37.052" v="246"/>
-          <ac:picMkLst>
-            <pc:docMk/>
-            <pc:sldMk cId="3838309396" sldId="275"/>
-            <ac:picMk id="23" creationId="{F53D7D95-72DB-0A97-D0D6-048DCFE1BB69}"/>
-          </ac:picMkLst>
-        </pc:picChg>
-        <pc:picChg chg="add del mod">
-          <ac:chgData name="Marine BAYET" userId="d4b4ad781415c63a" providerId="LiveId" clId="{0399D419-9F62-4D32-B4D6-785E03637ADB}" dt="2023-01-14T14:38:37.052" v="246"/>
-          <ac:picMkLst>
-            <pc:docMk/>
-            <pc:sldMk cId="3838309396" sldId="275"/>
-            <ac:picMk id="25" creationId="{81D9614E-BE8F-5060-28F4-1E728864BA62}"/>
-          </ac:picMkLst>
-        </pc:picChg>
-        <pc:picChg chg="add del mod">
-          <ac:chgData name="Marine BAYET" userId="d4b4ad781415c63a" providerId="LiveId" clId="{0399D419-9F62-4D32-B4D6-785E03637ADB}" dt="2023-01-14T14:38:37.052" v="246"/>
-          <ac:picMkLst>
-            <pc:docMk/>
-            <pc:sldMk cId="3838309396" sldId="275"/>
-            <ac:picMk id="27" creationId="{836639E9-58FF-C2F6-D050-04F8D881430D}"/>
-          </ac:picMkLst>
-        </pc:picChg>
-        <pc:picChg chg="add del mod">
-          <ac:chgData name="Marine BAYET" userId="d4b4ad781415c63a" providerId="LiveId" clId="{0399D419-9F62-4D32-B4D6-785E03637ADB}" dt="2023-01-14T14:38:37.052" v="246"/>
-          <ac:picMkLst>
-            <pc:docMk/>
-            <pc:sldMk cId="3838309396" sldId="275"/>
-            <ac:picMk id="29" creationId="{C71BD8CF-AA53-7E3C-836D-11707200CCE3}"/>
-          </ac:picMkLst>
-        </pc:picChg>
-        <pc:picChg chg="add del mod">
-          <ac:chgData name="Marine BAYET" userId="d4b4ad781415c63a" providerId="LiveId" clId="{0399D419-9F62-4D32-B4D6-785E03637ADB}" dt="2023-01-14T14:38:37.052" v="246"/>
-          <ac:picMkLst>
-            <pc:docMk/>
-            <pc:sldMk cId="3838309396" sldId="275"/>
-            <ac:picMk id="31" creationId="{5A1E496C-66C1-C7C3-6A86-722CB112984C}"/>
-          </ac:picMkLst>
-        </pc:picChg>
-        <pc:picChg chg="add del mod">
-          <ac:chgData name="Marine BAYET" userId="d4b4ad781415c63a" providerId="LiveId" clId="{0399D419-9F62-4D32-B4D6-785E03637ADB}" dt="2023-01-14T14:38:37.052" v="246"/>
-          <ac:picMkLst>
-            <pc:docMk/>
-            <pc:sldMk cId="3838309396" sldId="275"/>
-            <ac:picMk id="33" creationId="{D4B364D2-F2D5-2AFB-B091-D780E9DC04A8}"/>
-          </ac:picMkLst>
-        </pc:picChg>
-        <pc:picChg chg="add del mod">
-          <ac:chgData name="Marine BAYET" userId="d4b4ad781415c63a" providerId="LiveId" clId="{0399D419-9F62-4D32-B4D6-785E03637ADB}" dt="2023-01-14T14:38:37.052" v="246"/>
-          <ac:picMkLst>
-            <pc:docMk/>
-            <pc:sldMk cId="3838309396" sldId="275"/>
-            <ac:picMk id="35" creationId="{4300AE50-87C7-F2B5-8BEF-2FC986230396}"/>
-          </ac:picMkLst>
-        </pc:picChg>
-        <pc:picChg chg="add del mod">
-          <ac:chgData name="Marine BAYET" userId="d4b4ad781415c63a" providerId="LiveId" clId="{0399D419-9F62-4D32-B4D6-785E03637ADB}" dt="2023-01-14T14:38:37.052" v="246"/>
-          <ac:picMkLst>
-            <pc:docMk/>
-            <pc:sldMk cId="3838309396" sldId="275"/>
-            <ac:picMk id="37" creationId="{66AFC5E2-069F-9264-4C02-8BCE0BA62553}"/>
-          </ac:picMkLst>
-        </pc:picChg>
-        <pc:picChg chg="add del mod">
-          <ac:chgData name="Marine BAYET" userId="d4b4ad781415c63a" providerId="LiveId" clId="{0399D419-9F62-4D32-B4D6-785E03637ADB}" dt="2023-01-14T14:38:37.052" v="246"/>
-          <ac:picMkLst>
-            <pc:docMk/>
-            <pc:sldMk cId="3838309396" sldId="275"/>
-            <ac:picMk id="39" creationId="{DCF86548-EF7C-49B7-FC21-302041C03837}"/>
-          </ac:picMkLst>
-        </pc:picChg>
-        <pc:picChg chg="add del mod">
-          <ac:chgData name="Marine BAYET" userId="d4b4ad781415c63a" providerId="LiveId" clId="{0399D419-9F62-4D32-B4D6-785E03637ADB}" dt="2023-01-14T14:38:37.052" v="246"/>
-          <ac:picMkLst>
-            <pc:docMk/>
-            <pc:sldMk cId="3838309396" sldId="275"/>
-            <ac:picMk id="41" creationId="{58E5103A-A31C-873E-CB71-0C1BF42042D6}"/>
-          </ac:picMkLst>
-        </pc:picChg>
-        <pc:picChg chg="add del mod">
-          <ac:chgData name="Marine BAYET" userId="d4b4ad781415c63a" providerId="LiveId" clId="{0399D419-9F62-4D32-B4D6-785E03637ADB}" dt="2023-01-14T14:38:37.052" v="246"/>
-          <ac:picMkLst>
-            <pc:docMk/>
-            <pc:sldMk cId="3838309396" sldId="275"/>
-            <ac:picMk id="43" creationId="{4562C30E-D4DB-192E-16D8-082CBE7009C6}"/>
-          </ac:picMkLst>
-        </pc:picChg>
-        <pc:picChg chg="add del mod">
-          <ac:chgData name="Marine BAYET" userId="d4b4ad781415c63a" providerId="LiveId" clId="{0399D419-9F62-4D32-B4D6-785E03637ADB}" dt="2023-01-14T14:38:37.052" v="246"/>
-          <ac:picMkLst>
-            <pc:docMk/>
-            <pc:sldMk cId="3838309396" sldId="275"/>
-            <ac:picMk id="45" creationId="{73C4D20D-135B-E807-4338-A72E14899EE4}"/>
-          </ac:picMkLst>
-        </pc:picChg>
-        <pc:picChg chg="add del mod">
-          <ac:chgData name="Marine BAYET" userId="d4b4ad781415c63a" providerId="LiveId" clId="{0399D419-9F62-4D32-B4D6-785E03637ADB}" dt="2023-01-14T14:38:37.052" v="246"/>
-          <ac:picMkLst>
-            <pc:docMk/>
-            <pc:sldMk cId="3838309396" sldId="275"/>
-            <ac:picMk id="47" creationId="{F1E870AE-61FD-0169-6CC4-8AE57CD8DBB3}"/>
-          </ac:picMkLst>
-        </pc:picChg>
-        <pc:picChg chg="add del mod">
-          <ac:chgData name="Marine BAYET" userId="d4b4ad781415c63a" providerId="LiveId" clId="{0399D419-9F62-4D32-B4D6-785E03637ADB}" dt="2023-01-14T14:38:37.052" v="246"/>
-          <ac:picMkLst>
-            <pc:docMk/>
-            <pc:sldMk cId="3838309396" sldId="275"/>
-            <ac:picMk id="49" creationId="{AFEE7951-21EE-FC45-7BCC-DDC160AD9404}"/>
-          </ac:picMkLst>
-        </pc:picChg>
-        <pc:picChg chg="add del mod">
-          <ac:chgData name="Marine BAYET" userId="d4b4ad781415c63a" providerId="LiveId" clId="{0399D419-9F62-4D32-B4D6-785E03637ADB}" dt="2023-01-14T14:38:37.052" v="246"/>
-          <ac:picMkLst>
-            <pc:docMk/>
-            <pc:sldMk cId="3838309396" sldId="275"/>
-            <ac:picMk id="51" creationId="{5495318C-43A2-559F-DB4B-73D6EE0A1936}"/>
-          </ac:picMkLst>
-        </pc:picChg>
-        <pc:picChg chg="add del">
-          <ac:chgData name="Marine BAYET" userId="d4b4ad781415c63a" providerId="LiveId" clId="{0399D419-9F62-4D32-B4D6-785E03637ADB}" dt="2023-01-14T14:38:37.175" v="248"/>
-          <ac:picMkLst>
-            <pc:docMk/>
-            <pc:sldMk cId="3838309396" sldId="275"/>
-            <ac:picMk id="1026" creationId="{82DC0152-4C0A-9D75-2914-26949C3AFEA8}"/>
-          </ac:picMkLst>
-        </pc:picChg>
-      </pc:sldChg>
-      <pc:sldChg chg="addSp delSp modSp new mod">
-        <pc:chgData name="Marine BAYET" userId="d4b4ad781415c63a" providerId="LiveId" clId="{0399D419-9F62-4D32-B4D6-785E03637ADB}" dt="2023-01-20T13:46:46.937" v="304" actId="1076"/>
-        <pc:sldMkLst>
-          <pc:docMk/>
-          <pc:sldMk cId="819084507" sldId="276"/>
-        </pc:sldMkLst>
-        <pc:spChg chg="del">
-          <ac:chgData name="Marine BAYET" userId="d4b4ad781415c63a" providerId="LiveId" clId="{0399D419-9F62-4D32-B4D6-785E03637ADB}" dt="2023-01-20T13:08:05.208" v="290" actId="931"/>
-          <ac:spMkLst>
-            <pc:docMk/>
-            <pc:sldMk cId="819084507" sldId="276"/>
-            <ac:spMk id="3" creationId="{55BB3AFB-A532-1610-ABAC-A9BFBCC32D8F}"/>
-          </ac:spMkLst>
-        </pc:spChg>
-        <pc:picChg chg="add mod">
-          <ac:chgData name="Marine BAYET" userId="d4b4ad781415c63a" providerId="LiveId" clId="{0399D419-9F62-4D32-B4D6-785E03637ADB}" dt="2023-01-20T13:08:08.007" v="292" actId="962"/>
-          <ac:picMkLst>
-            <pc:docMk/>
-            <pc:sldMk cId="819084507" sldId="276"/>
-            <ac:picMk id="5" creationId="{62C74379-BBB5-E4BA-DA43-AB54989F956F}"/>
-          </ac:picMkLst>
-        </pc:picChg>
-        <pc:picChg chg="add mod">
-          <ac:chgData name="Marine BAYET" userId="d4b4ad781415c63a" providerId="LiveId" clId="{0399D419-9F62-4D32-B4D6-785E03637ADB}" dt="2023-01-20T13:46:46.937" v="304" actId="1076"/>
-          <ac:picMkLst>
-            <pc:docMk/>
-            <pc:sldMk cId="819084507" sldId="276"/>
-            <ac:picMk id="7" creationId="{DB6CCF82-B46F-7A69-4D02-EA4592E3BB2C}"/>
-          </ac:picMkLst>
-        </pc:picChg>
-      </pc:sldChg>
-      <pc:sldChg chg="addSp delSp modSp add mod setBg">
-        <pc:chgData name="Marine BAYET" userId="d4b4ad781415c63a" providerId="LiveId" clId="{0399D419-9F62-4D32-B4D6-785E03637ADB}" dt="2023-01-20T14:10:40.444" v="368" actId="14100"/>
-        <pc:sldMkLst>
-          <pc:docMk/>
-          <pc:sldMk cId="3354638903" sldId="277"/>
-        </pc:sldMkLst>
-        <pc:spChg chg="mod">
-          <ac:chgData name="Marine BAYET" userId="d4b4ad781415c63a" providerId="LiveId" clId="{0399D419-9F62-4D32-B4D6-785E03637ADB}" dt="2023-01-20T13:52:50.915" v="339" actId="26606"/>
-          <ac:spMkLst>
-            <pc:docMk/>
-            <pc:sldMk cId="3354638903" sldId="277"/>
-            <ac:spMk id="2" creationId="{27C4694A-3475-9BA5-7F1D-49C5AB902B11}"/>
-          </ac:spMkLst>
-        </pc:spChg>
-        <pc:spChg chg="add mod ord">
-          <ac:chgData name="Marine BAYET" userId="d4b4ad781415c63a" providerId="LiveId" clId="{0399D419-9F62-4D32-B4D6-785E03637ADB}" dt="2023-01-20T14:08:58.173" v="362" actId="2085"/>
-          <ac:spMkLst>
-            <pc:docMk/>
-            <pc:sldMk cId="3354638903" sldId="277"/>
-            <ac:spMk id="6" creationId="{7DEBE8DA-E726-1682-ACA8-748EE214FF57}"/>
-          </ac:spMkLst>
-        </pc:spChg>
-        <pc:spChg chg="add">
-          <ac:chgData name="Marine BAYET" userId="d4b4ad781415c63a" providerId="LiveId" clId="{0399D419-9F62-4D32-B4D6-785E03637ADB}" dt="2023-01-20T13:52:50.915" v="339" actId="26606"/>
-          <ac:spMkLst>
-            <pc:docMk/>
-            <pc:sldMk cId="3354638903" sldId="277"/>
-            <ac:spMk id="12" creationId="{247AB924-1B87-43FC-B7C7-B112D5C51A0E}"/>
-          </ac:spMkLst>
-        </pc:spChg>
-        <pc:picChg chg="add mod modCrop">
-          <ac:chgData name="Marine BAYET" userId="d4b4ad781415c63a" providerId="LiveId" clId="{0399D419-9F62-4D32-B4D6-785E03637ADB}" dt="2023-01-20T14:10:15.974" v="363" actId="14100"/>
-          <ac:picMkLst>
-            <pc:docMk/>
-            <pc:sldMk cId="3354638903" sldId="277"/>
-            <ac:picMk id="3" creationId="{6009E9BB-D3C3-B9BA-A49B-582B44E74085}"/>
-          </ac:picMkLst>
-        </pc:picChg>
-        <pc:picChg chg="add mod">
-          <ac:chgData name="Marine BAYET" userId="d4b4ad781415c63a" providerId="LiveId" clId="{0399D419-9F62-4D32-B4D6-785E03637ADB}" dt="2023-01-20T14:10:40.444" v="368" actId="14100"/>
-          <ac:picMkLst>
-            <pc:docMk/>
-            <pc:sldMk cId="3354638903" sldId="277"/>
-            <ac:picMk id="4" creationId="{449DCAF1-41E7-438C-44CF-E96BC09271F8}"/>
-          </ac:picMkLst>
-        </pc:picChg>
-        <pc:picChg chg="mod ord modCrop">
-          <ac:chgData name="Marine BAYET" userId="d4b4ad781415c63a" providerId="LiveId" clId="{0399D419-9F62-4D32-B4D6-785E03637ADB}" dt="2023-01-20T14:10:30.685" v="366" actId="1076"/>
-          <ac:picMkLst>
-            <pc:docMk/>
-            <pc:sldMk cId="3354638903" sldId="277"/>
-            <ac:picMk id="5" creationId="{62C74379-BBB5-E4BA-DA43-AB54989F956F}"/>
-          </ac:picMkLst>
-        </pc:picChg>
-        <pc:picChg chg="del">
-          <ac:chgData name="Marine BAYET" userId="d4b4ad781415c63a" providerId="LiveId" clId="{0399D419-9F62-4D32-B4D6-785E03637ADB}" dt="2023-01-20T13:08:12.904" v="294" actId="478"/>
-          <ac:picMkLst>
-            <pc:docMk/>
-            <pc:sldMk cId="3354638903" sldId="277"/>
-            <ac:picMk id="7" creationId="{DB6CCF82-B46F-7A69-4D02-EA4592E3BB2C}"/>
-          </ac:picMkLst>
-        </pc:picChg>
-        <pc:cxnChg chg="add">
-          <ac:chgData name="Marine BAYET" userId="d4b4ad781415c63a" providerId="LiveId" clId="{0399D419-9F62-4D32-B4D6-785E03637ADB}" dt="2023-01-20T13:52:50.915" v="339" actId="26606"/>
-          <ac:cxnSpMkLst>
-            <pc:docMk/>
-            <pc:sldMk cId="3354638903" sldId="277"/>
-            <ac:cxnSpMk id="10" creationId="{99AE2756-0FC4-4155-83E7-58AAAB63E757}"/>
-          </ac:cxnSpMkLst>
-        </pc:cxnChg>
-        <pc:cxnChg chg="add">
-          <ac:chgData name="Marine BAYET" userId="d4b4ad781415c63a" providerId="LiveId" clId="{0399D419-9F62-4D32-B4D6-785E03637ADB}" dt="2023-01-20T13:52:50.915" v="339" actId="26606"/>
-          <ac:cxnSpMkLst>
-            <pc:docMk/>
-            <pc:sldMk cId="3354638903" sldId="277"/>
-            <ac:cxnSpMk id="14" creationId="{818DC98F-4057-4645-B948-F604F39A9CFE}"/>
-          </ac:cxnSpMkLst>
-        </pc:cxnChg>
-        <pc:cxnChg chg="add">
-          <ac:chgData name="Marine BAYET" userId="d4b4ad781415c63a" providerId="LiveId" clId="{0399D419-9F62-4D32-B4D6-785E03637ADB}" dt="2023-01-20T13:52:50.915" v="339" actId="26606"/>
-          <ac:cxnSpMkLst>
-            <pc:docMk/>
-            <pc:sldMk cId="3354638903" sldId="277"/>
-            <ac:cxnSpMk id="16" creationId="{DAD2B705-4A9B-408D-AA80-4F41045E09DE}"/>
-          </ac:cxnSpMkLst>
-        </pc:cxnChg>
-      </pc:sldChg>
-      <pc:sldChg chg="delSp add">
-        <pc:chgData name="Marine BAYET" userId="d4b4ad781415c63a" providerId="LiveId" clId="{0399D419-9F62-4D32-B4D6-785E03637ADB}" dt="2023-01-20T14:31:02.284" v="370" actId="478"/>
-        <pc:sldMkLst>
-          <pc:docMk/>
-          <pc:sldMk cId="1522095350" sldId="278"/>
-        </pc:sldMkLst>
-        <pc:picChg chg="del">
-          <ac:chgData name="Marine BAYET" userId="d4b4ad781415c63a" providerId="LiveId" clId="{0399D419-9F62-4D32-B4D6-785E03637ADB}" dt="2023-01-20T14:31:02.284" v="370" actId="478"/>
-          <ac:picMkLst>
-            <pc:docMk/>
-            <pc:sldMk cId="1522095350" sldId="278"/>
-            <ac:picMk id="2" creationId="{C6E08E8F-FBCF-A8AC-ECA7-EC14A97E93C6}"/>
-          </ac:picMkLst>
-        </pc:picChg>
-      </pc:sldChg>
-      <pc:sldChg chg="add replId">
-        <pc:chgData name="Marine BAYET" userId="d4b4ad781415c63a" providerId="LiveId" clId="{0399D419-9F62-4D32-B4D6-785E03637ADB}" dt="2023-01-20T14:30:56.697" v="369" actId="2890"/>
-        <pc:sldMkLst>
-          <pc:docMk/>
-          <pc:sldMk cId="576568646" sldId="279"/>
-        </pc:sldMkLst>
-      </pc:sldChg>
-      <pc:sldChg chg="add replId">
-        <pc:chgData name="Marine BAYET" userId="d4b4ad781415c63a" providerId="LiveId" clId="{0399D419-9F62-4D32-B4D6-785E03637ADB}" dt="2023-01-20T14:30:56.697" v="369" actId="2890"/>
-        <pc:sldMkLst>
-          <pc:docMk/>
-          <pc:sldMk cId="2395780686" sldId="280"/>
-        </pc:sldMkLst>
       </pc:sldChg>
     </pc:docChg>
   </pc:docChgLst>
@@ -15366,6 +15414,216 @@
           </a:fontRef>
         </p:style>
       </p:cxnSp>
+      <p:pic>
+        <p:nvPicPr>
+          <p:cNvPr id="7" name="Picture 6">
+            <a:extLst>
+              <a:ext uri="{FF2B5EF4-FFF2-40B4-BE49-F238E27FC236}">
+                <a16:creationId xmlns:a16="http://schemas.microsoft.com/office/drawing/2014/main" id="{A3E74094-779F-2248-AF35-E188D7DA60D2}"/>
+              </a:ext>
+            </a:extLst>
+          </p:cNvPr>
+          <p:cNvPicPr>
+            <a:picLocks noChangeAspect="1"/>
+          </p:cNvPicPr>
+          <p:nvPr/>
+        </p:nvPicPr>
+        <p:blipFill rotWithShape="1">
+          <a:blip r:embed="rId2">
+            <a:extLst>
+              <a:ext uri="{28A0092B-C50C-407E-A947-70E740481C1C}">
+                <a14:useLocalDpi xmlns:a14="http://schemas.microsoft.com/office/drawing/2010/main" val="0"/>
+              </a:ext>
+            </a:extLst>
+          </a:blip>
+          <a:srcRect l="27134" t="1572" r="49357" b="71784"/>
+          <a:stretch/>
+        </p:blipFill>
+        <p:spPr>
+          <a:xfrm rot="5400000">
+            <a:off x="1706151" y="618049"/>
+            <a:ext cx="1119670" cy="1268964"/>
+          </a:xfrm>
+          <a:prstGeom prst="rect">
+            <a:avLst/>
+          </a:prstGeom>
+        </p:spPr>
+      </p:pic>
+      <p:pic>
+        <p:nvPicPr>
+          <p:cNvPr id="8" name="Picture 7">
+            <a:extLst>
+              <a:ext uri="{FF2B5EF4-FFF2-40B4-BE49-F238E27FC236}">
+                <a16:creationId xmlns:a16="http://schemas.microsoft.com/office/drawing/2014/main" id="{DEDC08E9-6C9B-4B0E-2D23-CF38077E4090}"/>
+              </a:ext>
+            </a:extLst>
+          </p:cNvPr>
+          <p:cNvPicPr>
+            <a:picLocks noChangeAspect="1"/>
+          </p:cNvPicPr>
+          <p:nvPr/>
+        </p:nvPicPr>
+        <p:blipFill rotWithShape="1">
+          <a:blip r:embed="rId2">
+            <a:extLst>
+              <a:ext uri="{28A0092B-C50C-407E-A947-70E740481C1C}">
+                <a14:useLocalDpi xmlns:a14="http://schemas.microsoft.com/office/drawing/2010/main" val="0"/>
+              </a:ext>
+            </a:extLst>
+          </a:blip>
+          <a:srcRect l="72667" t="73468" r="1080" b="-2080"/>
+          <a:stretch/>
+        </p:blipFill>
+        <p:spPr>
+          <a:xfrm rot="5400000">
+            <a:off x="2623795" y="2148677"/>
+            <a:ext cx="1250302" cy="1362676"/>
+          </a:xfrm>
+          <a:prstGeom prst="rect">
+            <a:avLst/>
+          </a:prstGeom>
+        </p:spPr>
+      </p:pic>
+      <p:pic>
+        <p:nvPicPr>
+          <p:cNvPr id="9" name="Picture 8">
+            <a:extLst>
+              <a:ext uri="{FF2B5EF4-FFF2-40B4-BE49-F238E27FC236}">
+                <a16:creationId xmlns:a16="http://schemas.microsoft.com/office/drawing/2014/main" id="{08360354-DE5F-5252-08DF-BD263F44A2CE}"/>
+              </a:ext>
+            </a:extLst>
+          </p:cNvPr>
+          <p:cNvPicPr>
+            <a:picLocks noChangeAspect="1"/>
+          </p:cNvPicPr>
+          <p:nvPr/>
+        </p:nvPicPr>
+        <p:blipFill rotWithShape="1">
+          <a:blip r:embed="rId2">
+            <a:extLst>
+              <a:ext uri="{28A0092B-C50C-407E-A947-70E740481C1C}">
+                <a14:useLocalDpi xmlns:a14="http://schemas.microsoft.com/office/drawing/2010/main" val="0"/>
+              </a:ext>
+            </a:extLst>
+          </a:blip>
+          <a:srcRect l="28842" t="75626" r="45047" b="-2270"/>
+          <a:stretch/>
+        </p:blipFill>
+        <p:spPr>
+          <a:xfrm rot="5400000">
+            <a:off x="5388600" y="1564196"/>
+            <a:ext cx="1243603" cy="1268964"/>
+          </a:xfrm>
+          <a:prstGeom prst="rect">
+            <a:avLst/>
+          </a:prstGeom>
+        </p:spPr>
+      </p:pic>
+      <p:pic>
+        <p:nvPicPr>
+          <p:cNvPr id="11" name="Picture 10">
+            <a:extLst>
+              <a:ext uri="{FF2B5EF4-FFF2-40B4-BE49-F238E27FC236}">
+                <a16:creationId xmlns:a16="http://schemas.microsoft.com/office/drawing/2014/main" id="{FE414EEC-92AA-0FCC-DE2F-FE7A44A20429}"/>
+              </a:ext>
+            </a:extLst>
+          </p:cNvPr>
+          <p:cNvPicPr>
+            <a:picLocks noChangeAspect="1"/>
+          </p:cNvPicPr>
+          <p:nvPr/>
+        </p:nvPicPr>
+        <p:blipFill rotWithShape="1">
+          <a:blip r:embed="rId2">
+            <a:extLst>
+              <a:ext uri="{28A0092B-C50C-407E-A947-70E740481C1C}">
+                <a14:useLocalDpi xmlns:a14="http://schemas.microsoft.com/office/drawing/2010/main" val="0"/>
+              </a:ext>
+            </a:extLst>
+          </a:blip>
+          <a:srcRect l="24722" r="50901" b="71097"/>
+          <a:stretch/>
+        </p:blipFill>
+        <p:spPr>
+          <a:xfrm rot="5400000">
+            <a:off x="409858" y="3282494"/>
+            <a:ext cx="802429" cy="951425"/>
+          </a:xfrm>
+          <a:prstGeom prst="rect">
+            <a:avLst/>
+          </a:prstGeom>
+        </p:spPr>
+      </p:pic>
+      <p:pic>
+        <p:nvPicPr>
+          <p:cNvPr id="13" name="Picture 12">
+            <a:extLst>
+              <a:ext uri="{FF2B5EF4-FFF2-40B4-BE49-F238E27FC236}">
+                <a16:creationId xmlns:a16="http://schemas.microsoft.com/office/drawing/2014/main" id="{38A6A3EE-33BE-3F5D-AA9E-F8441EED48A5}"/>
+              </a:ext>
+            </a:extLst>
+          </p:cNvPr>
+          <p:cNvPicPr>
+            <a:picLocks noChangeAspect="1"/>
+          </p:cNvPicPr>
+          <p:nvPr/>
+        </p:nvPicPr>
+        <p:blipFill rotWithShape="1">
+          <a:blip r:embed="rId2">
+            <a:extLst>
+              <a:ext uri="{28A0092B-C50C-407E-A947-70E740481C1C}">
+                <a14:useLocalDpi xmlns:a14="http://schemas.microsoft.com/office/drawing/2010/main" val="0"/>
+              </a:ext>
+            </a:extLst>
+          </a:blip>
+          <a:srcRect l="24722" t="74948" r="50901" b="-175"/>
+          <a:stretch/>
+        </p:blipFill>
+        <p:spPr>
+          <a:xfrm rot="5400000">
+            <a:off x="1573494" y="3487010"/>
+            <a:ext cx="802429" cy="830424"/>
+          </a:xfrm>
+          <a:prstGeom prst="rect">
+            <a:avLst/>
+          </a:prstGeom>
+        </p:spPr>
+      </p:pic>
+      <p:pic>
+        <p:nvPicPr>
+          <p:cNvPr id="15" name="Picture 14">
+            <a:extLst>
+              <a:ext uri="{FF2B5EF4-FFF2-40B4-BE49-F238E27FC236}">
+                <a16:creationId xmlns:a16="http://schemas.microsoft.com/office/drawing/2014/main" id="{67320CC3-6E9F-394D-3CE5-C9A596530BE7}"/>
+              </a:ext>
+            </a:extLst>
+          </p:cNvPr>
+          <p:cNvPicPr>
+            <a:picLocks noChangeAspect="1"/>
+          </p:cNvPicPr>
+          <p:nvPr/>
+        </p:nvPicPr>
+        <p:blipFill rotWithShape="1">
+          <a:blip r:embed="rId2">
+            <a:extLst>
+              <a:ext uri="{28A0092B-C50C-407E-A947-70E740481C1C}">
+                <a14:useLocalDpi xmlns:a14="http://schemas.microsoft.com/office/drawing/2010/main" val="0"/>
+              </a:ext>
+            </a:extLst>
+          </a:blip>
+          <a:srcRect l="75332" t="73693" r="1992" b="-175"/>
+          <a:stretch/>
+        </p:blipFill>
+        <p:spPr>
+          <a:xfrm rot="5400000">
+            <a:off x="1550131" y="2502261"/>
+            <a:ext cx="746450" cy="871737"/>
+          </a:xfrm>
+          <a:prstGeom prst="rect">
+            <a:avLst/>
+          </a:prstGeom>
+        </p:spPr>
+      </p:pic>
     </p:spTree>
     <p:extLst>
       <p:ext uri="{BB962C8B-B14F-4D97-AF65-F5344CB8AC3E}">
